--- a/day-3/Using Kubernetes Day 3.pptx
+++ b/day-3/Using Kubernetes Day 3.pptx
@@ -34,23 +34,6 @@
     <p:sldId id="282" r:id="rId28"/>
     <p:sldId id="283" r:id="rId29"/>
     <p:sldId id="284" r:id="rId30"/>
-    <p:sldId id="285" r:id="rId31"/>
-    <p:sldId id="286" r:id="rId32"/>
-    <p:sldId id="287" r:id="rId33"/>
-    <p:sldId id="288" r:id="rId34"/>
-    <p:sldId id="289" r:id="rId35"/>
-    <p:sldId id="290" r:id="rId36"/>
-    <p:sldId id="291" r:id="rId37"/>
-    <p:sldId id="292" r:id="rId38"/>
-    <p:sldId id="293" r:id="rId39"/>
-    <p:sldId id="294" r:id="rId40"/>
-    <p:sldId id="295" r:id="rId41"/>
-    <p:sldId id="296" r:id="rId42"/>
-    <p:sldId id="297" r:id="rId43"/>
-    <p:sldId id="298" r:id="rId44"/>
-    <p:sldId id="299" r:id="rId45"/>
-    <p:sldId id="300" r:id="rId46"/>
-    <p:sldId id="301" r:id="rId47"/>
   </p:sldIdLst>
   <p:sldSz cx="12192000" cy="6858000"/>
   <p:notesSz cx="6858000" cy="9144000"/>
@@ -306,7 +289,7 @@
           <a:p>
             <a:fld id="{42C2343A-BF2E-4E4B-99FA-FDD616CF880E}" type="datetimeFigureOut">
               <a:rPr lang="en-IL" smtClean="0"/>
-              <a:t>14/12/2021</a:t>
+              <a:t>30/12/2021</a:t>
             </a:fld>
             <a:endParaRPr lang="en-IL"/>
           </a:p>
@@ -506,7 +489,7 @@
           <a:p>
             <a:fld id="{42C2343A-BF2E-4E4B-99FA-FDD616CF880E}" type="datetimeFigureOut">
               <a:rPr lang="en-IL" smtClean="0"/>
-              <a:t>14/12/2021</a:t>
+              <a:t>30/12/2021</a:t>
             </a:fld>
             <a:endParaRPr lang="en-IL"/>
           </a:p>
@@ -716,7 +699,7 @@
           <a:p>
             <a:fld id="{42C2343A-BF2E-4E4B-99FA-FDD616CF880E}" type="datetimeFigureOut">
               <a:rPr lang="en-IL" smtClean="0"/>
-              <a:t>14/12/2021</a:t>
+              <a:t>30/12/2021</a:t>
             </a:fld>
             <a:endParaRPr lang="en-IL"/>
           </a:p>
@@ -1021,7 +1004,7 @@
           <a:p>
             <a:fld id="{42C2343A-BF2E-4E4B-99FA-FDD616CF880E}" type="datetimeFigureOut">
               <a:rPr lang="en-IL" smtClean="0"/>
-              <a:t>14/12/2021</a:t>
+              <a:t>30/12/2021</a:t>
             </a:fld>
             <a:endParaRPr lang="en-IL"/>
           </a:p>
@@ -1297,7 +1280,7 @@
           <a:p>
             <a:fld id="{42C2343A-BF2E-4E4B-99FA-FDD616CF880E}" type="datetimeFigureOut">
               <a:rPr lang="en-IL" smtClean="0"/>
-              <a:t>14/12/2021</a:t>
+              <a:t>30/12/2021</a:t>
             </a:fld>
             <a:endParaRPr lang="en-IL"/>
           </a:p>
@@ -1565,7 +1548,7 @@
           <a:p>
             <a:fld id="{42C2343A-BF2E-4E4B-99FA-FDD616CF880E}" type="datetimeFigureOut">
               <a:rPr lang="en-IL" smtClean="0"/>
-              <a:t>14/12/2021</a:t>
+              <a:t>30/12/2021</a:t>
             </a:fld>
             <a:endParaRPr lang="en-IL"/>
           </a:p>
@@ -1980,7 +1963,7 @@
           <a:p>
             <a:fld id="{42C2343A-BF2E-4E4B-99FA-FDD616CF880E}" type="datetimeFigureOut">
               <a:rPr lang="en-IL" smtClean="0"/>
-              <a:t>14/12/2021</a:t>
+              <a:t>30/12/2021</a:t>
             </a:fld>
             <a:endParaRPr lang="en-IL"/>
           </a:p>
@@ -2122,7 +2105,7 @@
           <a:p>
             <a:fld id="{42C2343A-BF2E-4E4B-99FA-FDD616CF880E}" type="datetimeFigureOut">
               <a:rPr lang="en-IL" smtClean="0"/>
-              <a:t>14/12/2021</a:t>
+              <a:t>30/12/2021</a:t>
             </a:fld>
             <a:endParaRPr lang="en-IL"/>
           </a:p>
@@ -2235,7 +2218,7 @@
           <a:p>
             <a:fld id="{42C2343A-BF2E-4E4B-99FA-FDD616CF880E}" type="datetimeFigureOut">
               <a:rPr lang="en-IL" smtClean="0"/>
-              <a:t>14/12/2021</a:t>
+              <a:t>30/12/2021</a:t>
             </a:fld>
             <a:endParaRPr lang="en-IL"/>
           </a:p>
@@ -2548,7 +2531,7 @@
           <a:p>
             <a:fld id="{42C2343A-BF2E-4E4B-99FA-FDD616CF880E}" type="datetimeFigureOut">
               <a:rPr lang="en-IL" smtClean="0"/>
-              <a:t>14/12/2021</a:t>
+              <a:t>30/12/2021</a:t>
             </a:fld>
             <a:endParaRPr lang="en-IL"/>
           </a:p>
@@ -2837,7 +2820,7 @@
           <a:p>
             <a:fld id="{42C2343A-BF2E-4E4B-99FA-FDD616CF880E}" type="datetimeFigureOut">
               <a:rPr lang="en-IL" smtClean="0"/>
-              <a:t>14/12/2021</a:t>
+              <a:t>30/12/2021</a:t>
             </a:fld>
             <a:endParaRPr lang="en-IL"/>
           </a:p>
@@ -3080,7 +3063,7 @@
           <a:p>
             <a:fld id="{42C2343A-BF2E-4E4B-99FA-FDD616CF880E}" type="datetimeFigureOut">
               <a:rPr lang="en-IL" smtClean="0"/>
-              <a:t>14/12/2021</a:t>
+              <a:t>30/12/2021</a:t>
             </a:fld>
             <a:endParaRPr lang="en-IL"/>
           </a:p>
@@ -21822,5005 +21805,6 @@
 </p:sld>
 </file>
 
-<file path=ppt/slides/slide30.xml><?xml version="1.0" encoding="utf-8"?>
-<p:sld xmlns:a="http://schemas.openxmlformats.org/drawingml/2006/main" xmlns:r="http://schemas.openxmlformats.org/officeDocument/2006/relationships" xmlns:p="http://schemas.openxmlformats.org/presentationml/2006/main">
-  <p:cSld>
-    <p:spTree>
-      <p:nvGrpSpPr>
-        <p:cNvPr id="1" name=""/>
-        <p:cNvGrpSpPr/>
-        <p:nvPr/>
-      </p:nvGrpSpPr>
-      <p:grpSpPr>
-        <a:xfrm>
-          <a:off x="0" y="0"/>
-          <a:ext cx="0" cy="0"/>
-          <a:chOff x="0" y="0"/>
-          <a:chExt cx="0" cy="0"/>
-        </a:xfrm>
-      </p:grpSpPr>
-      <p:sp>
-        <p:nvSpPr>
-          <p:cNvPr id="322" name="CustomShape 1"/>
-          <p:cNvSpPr/>
-          <p:nvPr/>
-        </p:nvSpPr>
-        <p:spPr>
-          <a:xfrm>
-            <a:off x="838080" y="4240800"/>
-            <a:ext cx="5170320" cy="929520"/>
-          </a:xfrm>
-          <a:prstGeom prst="rect">
-            <a:avLst/>
-          </a:prstGeom>
-          <a:ln>
-            <a:round/>
-          </a:ln>
-        </p:spPr>
-        <p:style>
-          <a:lnRef idx="2">
-            <a:schemeClr val="accent1">
-              <a:shade val="50000"/>
-            </a:schemeClr>
-          </a:lnRef>
-          <a:fillRef idx="1">
-            <a:schemeClr val="accent1"/>
-          </a:fillRef>
-          <a:effectRef idx="0">
-            <a:schemeClr val="accent1"/>
-          </a:effectRef>
-          <a:fontRef idx="minor"/>
-        </p:style>
-        <p:txBody>
-          <a:bodyPr lIns="90000" tIns="45000" rIns="90000" bIns="45000" anchor="ctr"/>
-          <a:lstStyle/>
-          <a:p>
-            <a:pPr marL="457200" indent="-456480">
-              <a:lnSpc>
-                <a:spcPct val="100000"/>
-              </a:lnSpc>
-              <a:buClr>
-                <a:srgbClr val="FFFFFF"/>
-              </a:buClr>
-              <a:buFont typeface="Arial"/>
-              <a:buChar char="•"/>
-            </a:pPr>
-            <a:r>
-              <a:rPr lang="en-US" sz="2800" b="0" strike="noStrike" spc="-1">
-                <a:solidFill>
-                  <a:srgbClr val="FFFFFF"/>
-                </a:solidFill>
-                <a:uFill>
-                  <a:solidFill>
-                    <a:srgbClr val="FFFFFF"/>
-                  </a:solidFill>
-                </a:uFill>
-                <a:latin typeface="Calibri"/>
-                <a:ea typeface="DejaVu Sans"/>
-              </a:rPr>
-              <a:t>ConfigMap and Secrets</a:t>
-            </a:r>
-            <a:endParaRPr lang="en-US" sz="1800" b="0" strike="noStrike" spc="-1">
-              <a:solidFill>
-                <a:srgbClr val="000000"/>
-              </a:solidFill>
-              <a:uFill>
-                <a:solidFill>
-                  <a:srgbClr val="FFFFFF"/>
-                </a:solidFill>
-              </a:uFill>
-              <a:latin typeface="Arial"/>
-            </a:endParaRPr>
-          </a:p>
-        </p:txBody>
-      </p:sp>
-      <p:sp>
-        <p:nvSpPr>
-          <p:cNvPr id="323" name="CustomShape 2"/>
-          <p:cNvSpPr/>
-          <p:nvPr/>
-        </p:nvSpPr>
-        <p:spPr>
-          <a:xfrm>
-            <a:off x="838080" y="365040"/>
-            <a:ext cx="10514880" cy="1324800"/>
-          </a:xfrm>
-          <a:prstGeom prst="rect">
-            <a:avLst/>
-          </a:prstGeom>
-          <a:noFill/>
-          <a:ln>
-            <a:noFill/>
-          </a:ln>
-        </p:spPr>
-        <p:style>
-          <a:lnRef idx="0">
-            <a:scrgbClr r="0" g="0" b="0"/>
-          </a:lnRef>
-          <a:fillRef idx="0">
-            <a:scrgbClr r="0" g="0" b="0"/>
-          </a:fillRef>
-          <a:effectRef idx="0">
-            <a:scrgbClr r="0" g="0" b="0"/>
-          </a:effectRef>
-          <a:fontRef idx="minor"/>
-        </p:style>
-        <p:txBody>
-          <a:bodyPr lIns="90000" tIns="45000" rIns="90000" bIns="45000" anchor="ctr"/>
-          <a:lstStyle/>
-          <a:p>
-            <a:pPr>
-              <a:lnSpc>
-                <a:spcPct val="90000"/>
-              </a:lnSpc>
-            </a:pPr>
-            <a:r>
-              <a:rPr lang="en-US" sz="4400" b="0" strike="noStrike" spc="-1">
-                <a:solidFill>
-                  <a:srgbClr val="000000"/>
-                </a:solidFill>
-                <a:uFill>
-                  <a:solidFill>
-                    <a:srgbClr val="FFFFFF"/>
-                  </a:solidFill>
-                </a:uFill>
-                <a:latin typeface="Calibri Light"/>
-              </a:rPr>
-              <a:t>Agenda</a:t>
-            </a:r>
-            <a:endParaRPr lang="en-US" sz="1800" b="0" strike="noStrike" spc="-1">
-              <a:solidFill>
-                <a:srgbClr val="000000"/>
-              </a:solidFill>
-              <a:uFill>
-                <a:solidFill>
-                  <a:srgbClr val="FFFFFF"/>
-                </a:solidFill>
-              </a:uFill>
-              <a:latin typeface="Arial"/>
-            </a:endParaRPr>
-          </a:p>
-        </p:txBody>
-      </p:sp>
-      <p:sp>
-        <p:nvSpPr>
-          <p:cNvPr id="324" name="CustomShape 3"/>
-          <p:cNvSpPr/>
-          <p:nvPr/>
-        </p:nvSpPr>
-        <p:spPr>
-          <a:xfrm>
-            <a:off x="838080" y="1690560"/>
-            <a:ext cx="5170320" cy="957240"/>
-          </a:xfrm>
-          <a:prstGeom prst="rect">
-            <a:avLst/>
-          </a:prstGeom>
-          <a:ln>
-            <a:round/>
-          </a:ln>
-        </p:spPr>
-        <p:style>
-          <a:lnRef idx="2">
-            <a:schemeClr val="accent1">
-              <a:shade val="50000"/>
-            </a:schemeClr>
-          </a:lnRef>
-          <a:fillRef idx="1">
-            <a:schemeClr val="accent1"/>
-          </a:fillRef>
-          <a:effectRef idx="0">
-            <a:schemeClr val="accent1"/>
-          </a:effectRef>
-          <a:fontRef idx="minor"/>
-        </p:style>
-        <p:txBody>
-          <a:bodyPr lIns="90000" tIns="45000" rIns="90000" bIns="45000" anchor="ctr"/>
-          <a:lstStyle/>
-          <a:p>
-            <a:pPr marL="457200" indent="-456480">
-              <a:lnSpc>
-                <a:spcPct val="100000"/>
-              </a:lnSpc>
-              <a:buClr>
-                <a:srgbClr val="FFFFFF"/>
-              </a:buClr>
-              <a:buFont typeface="Arial"/>
-              <a:buChar char="•"/>
-            </a:pPr>
-            <a:r>
-              <a:rPr lang="en-US" sz="2800" b="0" strike="noStrike" spc="-1">
-                <a:solidFill>
-                  <a:srgbClr val="FFFFFF"/>
-                </a:solidFill>
-                <a:uFill>
-                  <a:solidFill>
-                    <a:srgbClr val="FFFFFF"/>
-                  </a:solidFill>
-                </a:uFill>
-                <a:latin typeface="Calibri"/>
-                <a:ea typeface="DejaVu Sans"/>
-              </a:rPr>
-              <a:t>Kubernetes Introduction</a:t>
-            </a:r>
-            <a:endParaRPr lang="en-US" sz="1800" b="0" strike="noStrike" spc="-1">
-              <a:solidFill>
-                <a:srgbClr val="000000"/>
-              </a:solidFill>
-              <a:uFill>
-                <a:solidFill>
-                  <a:srgbClr val="FFFFFF"/>
-                </a:solidFill>
-              </a:uFill>
-              <a:latin typeface="Arial"/>
-            </a:endParaRPr>
-          </a:p>
-        </p:txBody>
-      </p:sp>
-      <p:sp>
-        <p:nvSpPr>
-          <p:cNvPr id="325" name="CustomShape 4"/>
-          <p:cNvSpPr/>
-          <p:nvPr/>
-        </p:nvSpPr>
-        <p:spPr>
-          <a:xfrm>
-            <a:off x="838080" y="2953080"/>
-            <a:ext cx="5170320" cy="1050480"/>
-          </a:xfrm>
-          <a:prstGeom prst="rect">
-            <a:avLst/>
-          </a:prstGeom>
-          <a:ln>
-            <a:round/>
-          </a:ln>
-        </p:spPr>
-        <p:style>
-          <a:lnRef idx="2">
-            <a:schemeClr val="accent1">
-              <a:shade val="50000"/>
-            </a:schemeClr>
-          </a:lnRef>
-          <a:fillRef idx="1">
-            <a:schemeClr val="accent1"/>
-          </a:fillRef>
-          <a:effectRef idx="0">
-            <a:schemeClr val="accent1"/>
-          </a:effectRef>
-          <a:fontRef idx="minor"/>
-        </p:style>
-        <p:txBody>
-          <a:bodyPr lIns="90000" tIns="45000" rIns="90000" bIns="45000" anchor="ctr"/>
-          <a:lstStyle/>
-          <a:p>
-            <a:pPr marL="457200" indent="-456480">
-              <a:lnSpc>
-                <a:spcPct val="100000"/>
-              </a:lnSpc>
-              <a:buClr>
-                <a:srgbClr val="FFFFFF"/>
-              </a:buClr>
-              <a:buFont typeface="Arial"/>
-              <a:buChar char="•"/>
-            </a:pPr>
-            <a:r>
-              <a:rPr lang="en-US" sz="2800" b="0" strike="noStrike" spc="-1">
-                <a:solidFill>
-                  <a:srgbClr val="FFFFFF"/>
-                </a:solidFill>
-                <a:uFill>
-                  <a:solidFill>
-                    <a:srgbClr val="FFFFFF"/>
-                  </a:solidFill>
-                </a:uFill>
-                <a:latin typeface="Calibri"/>
-                <a:ea typeface="DejaVu Sans"/>
-              </a:rPr>
-              <a:t>Liveness and Rediness Probes</a:t>
-            </a:r>
-            <a:endParaRPr lang="en-US" sz="1800" b="0" strike="noStrike" spc="-1">
-              <a:solidFill>
-                <a:srgbClr val="000000"/>
-              </a:solidFill>
-              <a:uFill>
-                <a:solidFill>
-                  <a:srgbClr val="FFFFFF"/>
-                </a:solidFill>
-              </a:uFill>
-              <a:latin typeface="Arial"/>
-            </a:endParaRPr>
-          </a:p>
-        </p:txBody>
-      </p:sp>
-      <p:sp>
-        <p:nvSpPr>
-          <p:cNvPr id="326" name="CustomShape 5"/>
-          <p:cNvSpPr/>
-          <p:nvPr/>
-        </p:nvSpPr>
-        <p:spPr>
-          <a:xfrm>
-            <a:off x="838080" y="5407200"/>
-            <a:ext cx="5170320" cy="950760"/>
-          </a:xfrm>
-          <a:prstGeom prst="rect">
-            <a:avLst/>
-          </a:prstGeom>
-          <a:ln>
-            <a:round/>
-          </a:ln>
-        </p:spPr>
-        <p:style>
-          <a:lnRef idx="2">
-            <a:schemeClr val="accent1">
-              <a:shade val="50000"/>
-            </a:schemeClr>
-          </a:lnRef>
-          <a:fillRef idx="1">
-            <a:schemeClr val="accent1"/>
-          </a:fillRef>
-          <a:effectRef idx="0">
-            <a:schemeClr val="accent1"/>
-          </a:effectRef>
-          <a:fontRef idx="minor"/>
-        </p:style>
-        <p:txBody>
-          <a:bodyPr lIns="90000" tIns="45000" rIns="90000" bIns="45000" anchor="ctr"/>
-          <a:lstStyle/>
-          <a:p>
-            <a:pPr marL="457200" indent="-456480">
-              <a:lnSpc>
-                <a:spcPct val="100000"/>
-              </a:lnSpc>
-              <a:buClr>
-                <a:srgbClr val="FFFFFF"/>
-              </a:buClr>
-              <a:buFont typeface="Arial"/>
-              <a:buChar char="•"/>
-            </a:pPr>
-            <a:r>
-              <a:rPr lang="en-US" sz="2800" b="0" strike="noStrike" spc="-1">
-                <a:solidFill>
-                  <a:srgbClr val="FFFFFF"/>
-                </a:solidFill>
-                <a:uFill>
-                  <a:solidFill>
-                    <a:srgbClr val="FFFFFF"/>
-                  </a:solidFill>
-                </a:uFill>
-                <a:latin typeface="Calibri"/>
-                <a:ea typeface="DejaVu Sans"/>
-              </a:rPr>
-              <a:t>Volumes</a:t>
-            </a:r>
-            <a:endParaRPr lang="en-US" sz="1800" b="0" strike="noStrike" spc="-1">
-              <a:solidFill>
-                <a:srgbClr val="000000"/>
-              </a:solidFill>
-              <a:uFill>
-                <a:solidFill>
-                  <a:srgbClr val="FFFFFF"/>
-                </a:solidFill>
-              </a:uFill>
-              <a:latin typeface="Arial"/>
-            </a:endParaRPr>
-          </a:p>
-        </p:txBody>
-      </p:sp>
-      <p:sp>
-        <p:nvSpPr>
-          <p:cNvPr id="327" name="CustomShape 6"/>
-          <p:cNvSpPr/>
-          <p:nvPr/>
-        </p:nvSpPr>
-        <p:spPr>
-          <a:xfrm>
-            <a:off x="838080" y="5407200"/>
-            <a:ext cx="5170320" cy="1051920"/>
-          </a:xfrm>
-          <a:prstGeom prst="rect">
-            <a:avLst/>
-          </a:prstGeom>
-          <a:solidFill>
-            <a:schemeClr val="accent4">
-              <a:lumMod val="60000"/>
-              <a:lumOff val="40000"/>
-            </a:schemeClr>
-          </a:solidFill>
-          <a:ln>
-            <a:solidFill>
-              <a:srgbClr val="FF0000"/>
-            </a:solidFill>
-            <a:round/>
-          </a:ln>
-        </p:spPr>
-        <p:style>
-          <a:lnRef idx="2">
-            <a:schemeClr val="accent1">
-              <a:shade val="50000"/>
-            </a:schemeClr>
-          </a:lnRef>
-          <a:fillRef idx="1">
-            <a:schemeClr val="accent1"/>
-          </a:fillRef>
-          <a:effectRef idx="0">
-            <a:schemeClr val="accent1"/>
-          </a:effectRef>
-          <a:fontRef idx="minor"/>
-        </p:style>
-        <p:txBody>
-          <a:bodyPr lIns="90000" tIns="45000" rIns="90000" bIns="45000" anchor="ctr"/>
-          <a:lstStyle/>
-          <a:p>
-            <a:pPr marL="457200" indent="-456480">
-              <a:lnSpc>
-                <a:spcPct val="100000"/>
-              </a:lnSpc>
-              <a:buClr>
-                <a:srgbClr val="FFFFFF"/>
-              </a:buClr>
-              <a:buFont typeface="Arial"/>
-              <a:buChar char="•"/>
-            </a:pPr>
-            <a:r>
-              <a:rPr lang="en-US" sz="2800" b="0" strike="noStrike" spc="-1">
-                <a:solidFill>
-                  <a:srgbClr val="FFFFFF"/>
-                </a:solidFill>
-                <a:uFill>
-                  <a:solidFill>
-                    <a:srgbClr val="FFFFFF"/>
-                  </a:solidFill>
-                </a:uFill>
-                <a:latin typeface="Calibri"/>
-                <a:ea typeface="DejaVu Sans"/>
-              </a:rPr>
-              <a:t>Volumes</a:t>
-            </a:r>
-            <a:endParaRPr lang="en-US" sz="1800" b="0" strike="noStrike" spc="-1">
-              <a:solidFill>
-                <a:srgbClr val="000000"/>
-              </a:solidFill>
-              <a:uFill>
-                <a:solidFill>
-                  <a:srgbClr val="FFFFFF"/>
-                </a:solidFill>
-              </a:uFill>
-              <a:latin typeface="Arial"/>
-            </a:endParaRPr>
-          </a:p>
-        </p:txBody>
-      </p:sp>
-    </p:spTree>
-    <p:extLst>
-      <p:ext uri="{BB962C8B-B14F-4D97-AF65-F5344CB8AC3E}">
-        <p14:creationId xmlns:p14="http://schemas.microsoft.com/office/powerpoint/2010/main" val="1329991997"/>
-      </p:ext>
-    </p:extLst>
-  </p:cSld>
-  <p:clrMapOvr>
-    <a:masterClrMapping/>
-  </p:clrMapOvr>
-  <p:timing>
-    <p:tnLst>
-      <p:par>
-        <p:cTn id="1" dur="indefinite" restart="never" nodeType="tmRoot">
-          <p:childTnLst>
-            <p:seq>
-              <p:cTn id="2" dur="indefinite" nodeType="mainSeq">
-                <p:childTnLst>
-                  <p:par>
-                    <p:cTn id="3" fill="hold">
-                      <p:stCondLst>
-                        <p:cond delay="indefinite"/>
-                      </p:stCondLst>
-                      <p:childTnLst>
-                        <p:par>
-                          <p:cTn id="4" fill="hold">
-                            <p:stCondLst>
-                              <p:cond delay="0"/>
-                            </p:stCondLst>
-                            <p:childTnLst>
-                              <p:par>
-                                <p:cTn id="5" presetID="1" presetClass="entr" fill="hold" nodeType="clickEffect">
-                                  <p:stCondLst>
-                                    <p:cond delay="0"/>
-                                  </p:stCondLst>
-                                  <p:childTnLst>
-                                    <p:set>
-                                      <p:cBhvr>
-                                        <p:cTn id="6" dur="1" fill="hold">
-                                          <p:stCondLst>
-                                            <p:cond delay="0"/>
-                                          </p:stCondLst>
-                                        </p:cTn>
-                                        <p:tgtEl>
-                                          <p:spTgt spid="327"/>
-                                        </p:tgtEl>
-                                        <p:attrNameLst>
-                                          <p:attrName>style.visibility</p:attrName>
-                                        </p:attrNameLst>
-                                      </p:cBhvr>
-                                      <p:to>
-                                        <p:strVal val="visible"/>
-                                      </p:to>
-                                    </p:set>
-                                  </p:childTnLst>
-                                </p:cTn>
-                              </p:par>
-                            </p:childTnLst>
-                          </p:cTn>
-                        </p:par>
-                      </p:childTnLst>
-                    </p:cTn>
-                  </p:par>
-                </p:childTnLst>
-              </p:cTn>
-              <p:prevCondLst>
-                <p:cond evt="onPrev" delay="0">
-                  <p:tgtEl>
-                    <p:sldTgt/>
-                  </p:tgtEl>
-                </p:cond>
-              </p:prevCondLst>
-              <p:nextCondLst>
-                <p:cond evt="onNext" delay="0">
-                  <p:tgtEl>
-                    <p:sldTgt/>
-                  </p:tgtEl>
-                </p:cond>
-              </p:nextCondLst>
-            </p:seq>
-          </p:childTnLst>
-        </p:cTn>
-      </p:par>
-    </p:tnLst>
-  </p:timing>
-</p:sld>
-</file>
-
-<file path=ppt/slides/slide31.xml><?xml version="1.0" encoding="utf-8"?>
-<p:sld xmlns:a="http://schemas.openxmlformats.org/drawingml/2006/main" xmlns:r="http://schemas.openxmlformats.org/officeDocument/2006/relationships" xmlns:p="http://schemas.openxmlformats.org/presentationml/2006/main">
-  <p:cSld>
-    <p:spTree>
-      <p:nvGrpSpPr>
-        <p:cNvPr id="1" name=""/>
-        <p:cNvGrpSpPr/>
-        <p:nvPr/>
-      </p:nvGrpSpPr>
-      <p:grpSpPr>
-        <a:xfrm>
-          <a:off x="0" y="0"/>
-          <a:ext cx="0" cy="0"/>
-          <a:chOff x="0" y="0"/>
-          <a:chExt cx="0" cy="0"/>
-        </a:xfrm>
-      </p:grpSpPr>
-      <p:sp>
-        <p:nvSpPr>
-          <p:cNvPr id="328" name="CustomShape 1"/>
-          <p:cNvSpPr/>
-          <p:nvPr/>
-        </p:nvSpPr>
-        <p:spPr>
-          <a:xfrm>
-            <a:off x="838080" y="365040"/>
-            <a:ext cx="10514880" cy="1324800"/>
-          </a:xfrm>
-          <a:prstGeom prst="rect">
-            <a:avLst/>
-          </a:prstGeom>
-          <a:noFill/>
-          <a:ln>
-            <a:noFill/>
-          </a:ln>
-        </p:spPr>
-        <p:style>
-          <a:lnRef idx="0">
-            <a:scrgbClr r="0" g="0" b="0"/>
-          </a:lnRef>
-          <a:fillRef idx="0">
-            <a:scrgbClr r="0" g="0" b="0"/>
-          </a:fillRef>
-          <a:effectRef idx="0">
-            <a:scrgbClr r="0" g="0" b="0"/>
-          </a:effectRef>
-          <a:fontRef idx="minor"/>
-        </p:style>
-        <p:txBody>
-          <a:bodyPr lIns="90000" tIns="45000" rIns="90000" bIns="45000" anchor="ctr"/>
-          <a:lstStyle/>
-          <a:p>
-            <a:pPr>
-              <a:lnSpc>
-                <a:spcPct val="90000"/>
-              </a:lnSpc>
-            </a:pPr>
-            <a:r>
-              <a:rPr lang="en-US" sz="4400" b="0" strike="noStrike" spc="-1">
-                <a:solidFill>
-                  <a:srgbClr val="000000"/>
-                </a:solidFill>
-                <a:uFill>
-                  <a:solidFill>
-                    <a:srgbClr val="FFFFFF"/>
-                  </a:solidFill>
-                </a:uFill>
-                <a:latin typeface="Calibri Light"/>
-              </a:rPr>
-              <a:t>Volumes</a:t>
-            </a:r>
-            <a:endParaRPr lang="en-US" sz="1800" b="0" strike="noStrike" spc="-1">
-              <a:solidFill>
-                <a:srgbClr val="000000"/>
-              </a:solidFill>
-              <a:uFill>
-                <a:solidFill>
-                  <a:srgbClr val="FFFFFF"/>
-                </a:solidFill>
-              </a:uFill>
-              <a:latin typeface="Arial"/>
-            </a:endParaRPr>
-          </a:p>
-        </p:txBody>
-      </p:sp>
-      <p:sp>
-        <p:nvSpPr>
-          <p:cNvPr id="329" name="CustomShape 2"/>
-          <p:cNvSpPr/>
-          <p:nvPr/>
-        </p:nvSpPr>
-        <p:spPr>
-          <a:xfrm>
-            <a:off x="838080" y="1825560"/>
-            <a:ext cx="10514880" cy="4350600"/>
-          </a:xfrm>
-          <a:prstGeom prst="rect">
-            <a:avLst/>
-          </a:prstGeom>
-          <a:noFill/>
-          <a:ln>
-            <a:noFill/>
-          </a:ln>
-        </p:spPr>
-        <p:style>
-          <a:lnRef idx="0">
-            <a:scrgbClr r="0" g="0" b="0"/>
-          </a:lnRef>
-          <a:fillRef idx="0">
-            <a:scrgbClr r="0" g="0" b="0"/>
-          </a:fillRef>
-          <a:effectRef idx="0">
-            <a:scrgbClr r="0" g="0" b="0"/>
-          </a:effectRef>
-          <a:fontRef idx="minor"/>
-        </p:style>
-        <p:txBody>
-          <a:bodyPr lIns="90000" tIns="45000" rIns="90000" bIns="45000"/>
-          <a:lstStyle/>
-          <a:p>
-            <a:pPr>
-              <a:lnSpc>
-                <a:spcPct val="100000"/>
-              </a:lnSpc>
-            </a:pPr>
-            <a:r>
-              <a:rPr lang="en-US" sz="2800" b="0" strike="noStrike" spc="-1">
-                <a:solidFill>
-                  <a:srgbClr val="000000"/>
-                </a:solidFill>
-                <a:uFill>
-                  <a:solidFill>
-                    <a:srgbClr val="FFFFFF"/>
-                  </a:solidFill>
-                </a:uFill>
-                <a:latin typeface="Calibri"/>
-              </a:rPr>
-              <a:t>We Need Volumes for:</a:t>
-            </a:r>
-            <a:endParaRPr lang="en-US" sz="1800" b="0" strike="noStrike" spc="-1">
-              <a:solidFill>
-                <a:srgbClr val="000000"/>
-              </a:solidFill>
-              <a:uFill>
-                <a:solidFill>
-                  <a:srgbClr val="FFFFFF"/>
-                </a:solidFill>
-              </a:uFill>
-              <a:latin typeface="Arial"/>
-            </a:endParaRPr>
-          </a:p>
-          <a:p>
-            <a:pPr marL="228600" indent="-227880">
-              <a:lnSpc>
-                <a:spcPct val="90000"/>
-              </a:lnSpc>
-              <a:buClr>
-                <a:srgbClr val="000000"/>
-              </a:buClr>
-              <a:buFont typeface="Arial"/>
-              <a:buChar char="•"/>
-            </a:pPr>
-            <a:r>
-              <a:rPr lang="en-US" sz="2800" b="0" strike="noStrike" spc="-1">
-                <a:solidFill>
-                  <a:srgbClr val="000000"/>
-                </a:solidFill>
-                <a:uFill>
-                  <a:solidFill>
-                    <a:srgbClr val="FFFFFF"/>
-                  </a:solidFill>
-                </a:uFill>
-                <a:latin typeface="Calibri"/>
-              </a:rPr>
-              <a:t>Persistent of Files</a:t>
-            </a:r>
-            <a:endParaRPr lang="en-US" sz="1800" b="0" strike="noStrike" spc="-1">
-              <a:solidFill>
-                <a:srgbClr val="000000"/>
-              </a:solidFill>
-              <a:uFill>
-                <a:solidFill>
-                  <a:srgbClr val="FFFFFF"/>
-                </a:solidFill>
-              </a:uFill>
-              <a:latin typeface="Arial"/>
-            </a:endParaRPr>
-          </a:p>
-          <a:p>
-            <a:pPr marL="228600" indent="-227880">
-              <a:lnSpc>
-                <a:spcPct val="90000"/>
-              </a:lnSpc>
-              <a:buClr>
-                <a:srgbClr val="000000"/>
-              </a:buClr>
-              <a:buFont typeface="Arial"/>
-              <a:buChar char="•"/>
-            </a:pPr>
-            <a:r>
-              <a:rPr lang="en-US" sz="2800" b="0" strike="noStrike" spc="-1">
-                <a:solidFill>
-                  <a:srgbClr val="000000"/>
-                </a:solidFill>
-                <a:uFill>
-                  <a:solidFill>
-                    <a:srgbClr val="FFFFFF"/>
-                  </a:solidFill>
-                </a:uFill>
-                <a:latin typeface="Calibri"/>
-              </a:rPr>
-              <a:t>Need to share Files Between Containers</a:t>
-            </a:r>
-            <a:endParaRPr lang="en-US" sz="1800" b="0" strike="noStrike" spc="-1">
-              <a:solidFill>
-                <a:srgbClr val="000000"/>
-              </a:solidFill>
-              <a:uFill>
-                <a:solidFill>
-                  <a:srgbClr val="FFFFFF"/>
-                </a:solidFill>
-              </a:uFill>
-              <a:latin typeface="Arial"/>
-            </a:endParaRPr>
-          </a:p>
-        </p:txBody>
-      </p:sp>
-    </p:spTree>
-    <p:extLst>
-      <p:ext uri="{BB962C8B-B14F-4D97-AF65-F5344CB8AC3E}">
-        <p14:creationId xmlns:p14="http://schemas.microsoft.com/office/powerpoint/2010/main" val="4157433261"/>
-      </p:ext>
-    </p:extLst>
-  </p:cSld>
-  <p:clrMapOvr>
-    <a:masterClrMapping/>
-  </p:clrMapOvr>
-  <p:timing>
-    <p:tnLst>
-      <p:par>
-        <p:cTn id="1" dur="indefinite" restart="never" nodeType="tmRoot">
-          <p:childTnLst>
-            <p:seq>
-              <p:cTn id="2" nodeType="mainSeq"/>
-              <p:prevCondLst>
-                <p:cond evt="onPrev" delay="0">
-                  <p:tgtEl>
-                    <p:sldTgt/>
-                  </p:tgtEl>
-                </p:cond>
-              </p:prevCondLst>
-              <p:nextCondLst>
-                <p:cond evt="onNext" delay="0">
-                  <p:tgtEl>
-                    <p:sldTgt/>
-                  </p:tgtEl>
-                </p:cond>
-              </p:nextCondLst>
-            </p:seq>
-          </p:childTnLst>
-        </p:cTn>
-      </p:par>
-    </p:tnLst>
-  </p:timing>
-</p:sld>
-</file>
-
-<file path=ppt/slides/slide32.xml><?xml version="1.0" encoding="utf-8"?>
-<p:sld xmlns:a="http://schemas.openxmlformats.org/drawingml/2006/main" xmlns:r="http://schemas.openxmlformats.org/officeDocument/2006/relationships" xmlns:p="http://schemas.openxmlformats.org/presentationml/2006/main">
-  <p:cSld>
-    <p:spTree>
-      <p:nvGrpSpPr>
-        <p:cNvPr id="1" name=""/>
-        <p:cNvGrpSpPr/>
-        <p:nvPr/>
-      </p:nvGrpSpPr>
-      <p:grpSpPr>
-        <a:xfrm>
-          <a:off x="0" y="0"/>
-          <a:ext cx="0" cy="0"/>
-          <a:chOff x="0" y="0"/>
-          <a:chExt cx="0" cy="0"/>
-        </a:xfrm>
-      </p:grpSpPr>
-      <p:sp>
-        <p:nvSpPr>
-          <p:cNvPr id="330" name="CustomShape 1"/>
-          <p:cNvSpPr/>
-          <p:nvPr/>
-        </p:nvSpPr>
-        <p:spPr>
-          <a:xfrm>
-            <a:off x="838080" y="365040"/>
-            <a:ext cx="10514880" cy="1324800"/>
-          </a:xfrm>
-          <a:prstGeom prst="rect">
-            <a:avLst/>
-          </a:prstGeom>
-          <a:noFill/>
-          <a:ln>
-            <a:noFill/>
-          </a:ln>
-        </p:spPr>
-        <p:style>
-          <a:lnRef idx="0">
-            <a:scrgbClr r="0" g="0" b="0"/>
-          </a:lnRef>
-          <a:fillRef idx="0">
-            <a:scrgbClr r="0" g="0" b="0"/>
-          </a:fillRef>
-          <a:effectRef idx="0">
-            <a:scrgbClr r="0" g="0" b="0"/>
-          </a:effectRef>
-          <a:fontRef idx="minor"/>
-        </p:style>
-        <p:txBody>
-          <a:bodyPr lIns="90000" tIns="45000" rIns="90000" bIns="45000" anchor="ctr"/>
-          <a:lstStyle/>
-          <a:p>
-            <a:pPr>
-              <a:lnSpc>
-                <a:spcPct val="90000"/>
-              </a:lnSpc>
-            </a:pPr>
-            <a:r>
-              <a:rPr lang="en-US" sz="4400" b="0" strike="noStrike" spc="-1">
-                <a:solidFill>
-                  <a:srgbClr val="000000"/>
-                </a:solidFill>
-                <a:uFill>
-                  <a:solidFill>
-                    <a:srgbClr val="FFFFFF"/>
-                  </a:solidFill>
-                </a:uFill>
-                <a:latin typeface="Calibri Light"/>
-              </a:rPr>
-              <a:t>Container</a:t>
-            </a:r>
-            <a:endParaRPr lang="en-US" sz="1800" b="0" strike="noStrike" spc="-1">
-              <a:solidFill>
-                <a:srgbClr val="000000"/>
-              </a:solidFill>
-              <a:uFill>
-                <a:solidFill>
-                  <a:srgbClr val="FFFFFF"/>
-                </a:solidFill>
-              </a:uFill>
-              <a:latin typeface="Arial"/>
-            </a:endParaRPr>
-          </a:p>
-        </p:txBody>
-      </p:sp>
-      <p:sp>
-        <p:nvSpPr>
-          <p:cNvPr id="331" name="CustomShape 2"/>
-          <p:cNvSpPr/>
-          <p:nvPr/>
-        </p:nvSpPr>
-        <p:spPr>
-          <a:xfrm>
-            <a:off x="2115360" y="1690560"/>
-            <a:ext cx="8160480" cy="4680360"/>
-          </a:xfrm>
-          <a:prstGeom prst="cube">
-            <a:avLst>
-              <a:gd name="adj" fmla="val 9815"/>
-            </a:avLst>
-          </a:prstGeom>
-          <a:solidFill>
-            <a:srgbClr val="99B7FF"/>
-          </a:solidFill>
-          <a:ln>
-            <a:round/>
-          </a:ln>
-        </p:spPr>
-        <p:style>
-          <a:lnRef idx="2">
-            <a:schemeClr val="accent1">
-              <a:shade val="50000"/>
-            </a:schemeClr>
-          </a:lnRef>
-          <a:fillRef idx="1">
-            <a:schemeClr val="accent1"/>
-          </a:fillRef>
-          <a:effectRef idx="0">
-            <a:schemeClr val="accent1"/>
-          </a:effectRef>
-          <a:fontRef idx="minor"/>
-        </p:style>
-      </p:sp>
-      <p:pic>
-        <p:nvPicPr>
-          <p:cNvPr id="332" name="Picture 4"/>
-          <p:cNvPicPr/>
-          <p:nvPr/>
-        </p:nvPicPr>
-        <p:blipFill>
-          <a:blip r:embed="rId2"/>
-          <a:stretch/>
-        </p:blipFill>
-        <p:spPr>
-          <a:xfrm>
-            <a:off x="5936760" y="2642040"/>
-            <a:ext cx="1218600" cy="1218600"/>
-          </a:xfrm>
-          <a:prstGeom prst="rect">
-            <a:avLst/>
-          </a:prstGeom>
-          <a:ln>
-            <a:noFill/>
-          </a:ln>
-        </p:spPr>
-      </p:pic>
-      <p:sp>
-        <p:nvSpPr>
-          <p:cNvPr id="333" name="CustomShape 3"/>
-          <p:cNvSpPr/>
-          <p:nvPr/>
-        </p:nvSpPr>
-        <p:spPr>
-          <a:xfrm>
-            <a:off x="3149640" y="4760640"/>
-            <a:ext cx="2945520" cy="1189440"/>
-          </a:xfrm>
-          <a:prstGeom prst="flowChartMagneticDisk">
-            <a:avLst/>
-          </a:prstGeom>
-          <a:solidFill>
-            <a:schemeClr val="bg1">
-              <a:lumMod val="95000"/>
-            </a:schemeClr>
-          </a:solidFill>
-          <a:ln>
-            <a:round/>
-          </a:ln>
-        </p:spPr>
-        <p:style>
-          <a:lnRef idx="2">
-            <a:schemeClr val="accent1">
-              <a:shade val="50000"/>
-            </a:schemeClr>
-          </a:lnRef>
-          <a:fillRef idx="1">
-            <a:schemeClr val="accent1"/>
-          </a:fillRef>
-          <a:effectRef idx="0">
-            <a:schemeClr val="accent1"/>
-          </a:effectRef>
-          <a:fontRef idx="minor"/>
-        </p:style>
-        <p:txBody>
-          <a:bodyPr lIns="90000" tIns="45000" rIns="90000" bIns="45000" anchor="ctr"/>
-          <a:lstStyle/>
-          <a:p>
-            <a:pPr algn="ctr">
-              <a:lnSpc>
-                <a:spcPct val="100000"/>
-              </a:lnSpc>
-            </a:pPr>
-            <a:r>
-              <a:rPr lang="en-US" sz="1800" b="0" strike="noStrike" spc="-1">
-                <a:solidFill>
-                  <a:srgbClr val="000000"/>
-                </a:solidFill>
-                <a:uFill>
-                  <a:solidFill>
-                    <a:srgbClr val="FFFFFF"/>
-                  </a:solidFill>
-                </a:uFill>
-                <a:latin typeface="Calibri"/>
-                <a:ea typeface="DejaVu Sans"/>
-              </a:rPr>
-              <a:t>File-System</a:t>
-            </a:r>
-            <a:endParaRPr lang="en-US" sz="1800" b="0" strike="noStrike" spc="-1">
-              <a:solidFill>
-                <a:srgbClr val="000000"/>
-              </a:solidFill>
-              <a:uFill>
-                <a:solidFill>
-                  <a:srgbClr val="FFFFFF"/>
-                </a:solidFill>
-              </a:uFill>
-              <a:latin typeface="Arial"/>
-            </a:endParaRPr>
-          </a:p>
-        </p:txBody>
-      </p:sp>
-    </p:spTree>
-    <p:extLst>
-      <p:ext uri="{BB962C8B-B14F-4D97-AF65-F5344CB8AC3E}">
-        <p14:creationId xmlns:p14="http://schemas.microsoft.com/office/powerpoint/2010/main" val="3539191756"/>
-      </p:ext>
-    </p:extLst>
-  </p:cSld>
-  <p:clrMapOvr>
-    <a:masterClrMapping/>
-  </p:clrMapOvr>
-  <p:timing>
-    <p:tnLst>
-      <p:par>
-        <p:cTn id="1" dur="indefinite" restart="never" nodeType="tmRoot">
-          <p:childTnLst>
-            <p:seq>
-              <p:cTn id="2" nodeType="mainSeq"/>
-              <p:prevCondLst>
-                <p:cond evt="onPrev" delay="0">
-                  <p:tgtEl>
-                    <p:sldTgt/>
-                  </p:tgtEl>
-                </p:cond>
-              </p:prevCondLst>
-              <p:nextCondLst>
-                <p:cond evt="onNext" delay="0">
-                  <p:tgtEl>
-                    <p:sldTgt/>
-                  </p:tgtEl>
-                </p:cond>
-              </p:nextCondLst>
-            </p:seq>
-          </p:childTnLst>
-        </p:cTn>
-      </p:par>
-    </p:tnLst>
-  </p:timing>
-</p:sld>
-</file>
-
-<file path=ppt/slides/slide33.xml><?xml version="1.0" encoding="utf-8"?>
-<p:sld xmlns:a="http://schemas.openxmlformats.org/drawingml/2006/main" xmlns:r="http://schemas.openxmlformats.org/officeDocument/2006/relationships" xmlns:p="http://schemas.openxmlformats.org/presentationml/2006/main">
-  <p:cSld>
-    <p:spTree>
-      <p:nvGrpSpPr>
-        <p:cNvPr id="1" name=""/>
-        <p:cNvGrpSpPr/>
-        <p:nvPr/>
-      </p:nvGrpSpPr>
-      <p:grpSpPr>
-        <a:xfrm>
-          <a:off x="0" y="0"/>
-          <a:ext cx="0" cy="0"/>
-          <a:chOff x="0" y="0"/>
-          <a:chExt cx="0" cy="0"/>
-        </a:xfrm>
-      </p:grpSpPr>
-      <p:sp>
-        <p:nvSpPr>
-          <p:cNvPr id="334" name="CustomShape 1"/>
-          <p:cNvSpPr/>
-          <p:nvPr/>
-        </p:nvSpPr>
-        <p:spPr>
-          <a:xfrm>
-            <a:off x="838080" y="365040"/>
-            <a:ext cx="10514880" cy="1324800"/>
-          </a:xfrm>
-          <a:prstGeom prst="rect">
-            <a:avLst/>
-          </a:prstGeom>
-          <a:noFill/>
-          <a:ln>
-            <a:noFill/>
-          </a:ln>
-        </p:spPr>
-        <p:style>
-          <a:lnRef idx="0">
-            <a:scrgbClr r="0" g="0" b="0"/>
-          </a:lnRef>
-          <a:fillRef idx="0">
-            <a:scrgbClr r="0" g="0" b="0"/>
-          </a:fillRef>
-          <a:effectRef idx="0">
-            <a:scrgbClr r="0" g="0" b="0"/>
-          </a:effectRef>
-          <a:fontRef idx="minor"/>
-        </p:style>
-        <p:txBody>
-          <a:bodyPr lIns="90000" tIns="45000" rIns="90000" bIns="45000" anchor="ctr"/>
-          <a:lstStyle/>
-          <a:p>
-            <a:pPr>
-              <a:lnSpc>
-                <a:spcPct val="90000"/>
-              </a:lnSpc>
-            </a:pPr>
-            <a:r>
-              <a:rPr lang="en-US" sz="4400" b="0" strike="noStrike" spc="-1">
-                <a:solidFill>
-                  <a:srgbClr val="000000"/>
-                </a:solidFill>
-                <a:uFill>
-                  <a:solidFill>
-                    <a:srgbClr val="FFFFFF"/>
-                  </a:solidFill>
-                </a:uFill>
-                <a:latin typeface="Calibri Light"/>
-              </a:rPr>
-              <a:t>Pod</a:t>
-            </a:r>
-            <a:endParaRPr lang="en-US" sz="1800" b="0" strike="noStrike" spc="-1">
-              <a:solidFill>
-                <a:srgbClr val="000000"/>
-              </a:solidFill>
-              <a:uFill>
-                <a:solidFill>
-                  <a:srgbClr val="FFFFFF"/>
-                </a:solidFill>
-              </a:uFill>
-              <a:latin typeface="Arial"/>
-            </a:endParaRPr>
-          </a:p>
-        </p:txBody>
-      </p:sp>
-      <p:sp>
-        <p:nvSpPr>
-          <p:cNvPr id="335" name="CustomShape 2"/>
-          <p:cNvSpPr/>
-          <p:nvPr/>
-        </p:nvSpPr>
-        <p:spPr>
-          <a:xfrm>
-            <a:off x="4623120" y="2676960"/>
-            <a:ext cx="1667880" cy="1293840"/>
-          </a:xfrm>
-          <a:prstGeom prst="cube">
-            <a:avLst>
-              <a:gd name="adj" fmla="val 25000"/>
-            </a:avLst>
-          </a:prstGeom>
-          <a:ln>
-            <a:round/>
-          </a:ln>
-        </p:spPr>
-        <p:style>
-          <a:lnRef idx="2">
-            <a:schemeClr val="accent1">
-              <a:shade val="50000"/>
-            </a:schemeClr>
-          </a:lnRef>
-          <a:fillRef idx="1">
-            <a:schemeClr val="accent1"/>
-          </a:fillRef>
-          <a:effectRef idx="0">
-            <a:schemeClr val="accent1"/>
-          </a:effectRef>
-          <a:fontRef idx="minor"/>
-        </p:style>
-      </p:sp>
-      <p:sp>
-        <p:nvSpPr>
-          <p:cNvPr id="336" name="CustomShape 3"/>
-          <p:cNvSpPr/>
-          <p:nvPr/>
-        </p:nvSpPr>
-        <p:spPr>
-          <a:xfrm>
-            <a:off x="3706560" y="1815120"/>
-            <a:ext cx="5035320" cy="4284720"/>
-          </a:xfrm>
-          <a:prstGeom prst="ellipse">
-            <a:avLst/>
-          </a:prstGeom>
-          <a:noFill/>
-          <a:ln>
-            <a:round/>
-          </a:ln>
-        </p:spPr>
-        <p:style>
-          <a:lnRef idx="2">
-            <a:schemeClr val="accent1">
-              <a:shade val="50000"/>
-            </a:schemeClr>
-          </a:lnRef>
-          <a:fillRef idx="1">
-            <a:schemeClr val="accent1"/>
-          </a:fillRef>
-          <a:effectRef idx="0">
-            <a:schemeClr val="accent1"/>
-          </a:effectRef>
-          <a:fontRef idx="minor"/>
-        </p:style>
-      </p:sp>
-      <p:sp>
-        <p:nvSpPr>
-          <p:cNvPr id="337" name="CustomShape 4"/>
-          <p:cNvSpPr/>
-          <p:nvPr/>
-        </p:nvSpPr>
-        <p:spPr>
-          <a:xfrm>
-            <a:off x="6291720" y="2897640"/>
-            <a:ext cx="1667880" cy="1293840"/>
-          </a:xfrm>
-          <a:prstGeom prst="cube">
-            <a:avLst>
-              <a:gd name="adj" fmla="val 25000"/>
-            </a:avLst>
-          </a:prstGeom>
-          <a:solidFill>
-            <a:schemeClr val="accent6">
-              <a:lumMod val="60000"/>
-              <a:lumOff val="40000"/>
-            </a:schemeClr>
-          </a:solidFill>
-          <a:ln>
-            <a:round/>
-          </a:ln>
-        </p:spPr>
-        <p:style>
-          <a:lnRef idx="2">
-            <a:schemeClr val="accent1">
-              <a:shade val="50000"/>
-            </a:schemeClr>
-          </a:lnRef>
-          <a:fillRef idx="1">
-            <a:schemeClr val="accent1"/>
-          </a:fillRef>
-          <a:effectRef idx="0">
-            <a:schemeClr val="accent1"/>
-          </a:effectRef>
-          <a:fontRef idx="minor"/>
-        </p:style>
-      </p:sp>
-      <p:sp>
-        <p:nvSpPr>
-          <p:cNvPr id="338" name="CustomShape 5"/>
-          <p:cNvSpPr/>
-          <p:nvPr/>
-        </p:nvSpPr>
-        <p:spPr>
-          <a:xfrm>
-            <a:off x="5167080" y="4458960"/>
-            <a:ext cx="1857240" cy="1189440"/>
-          </a:xfrm>
-          <a:prstGeom prst="flowChartMagneticDisk">
-            <a:avLst/>
-          </a:prstGeom>
-          <a:solidFill>
-            <a:schemeClr val="bg1">
-              <a:lumMod val="95000"/>
-            </a:schemeClr>
-          </a:solidFill>
-          <a:ln>
-            <a:round/>
-          </a:ln>
-        </p:spPr>
-        <p:style>
-          <a:lnRef idx="2">
-            <a:schemeClr val="accent1">
-              <a:shade val="50000"/>
-            </a:schemeClr>
-          </a:lnRef>
-          <a:fillRef idx="1">
-            <a:schemeClr val="accent1"/>
-          </a:fillRef>
-          <a:effectRef idx="0">
-            <a:schemeClr val="accent1"/>
-          </a:effectRef>
-          <a:fontRef idx="minor"/>
-        </p:style>
-        <p:txBody>
-          <a:bodyPr lIns="90000" tIns="45000" rIns="90000" bIns="45000" anchor="ctr"/>
-          <a:lstStyle/>
-          <a:p>
-            <a:pPr algn="ctr">
-              <a:lnSpc>
-                <a:spcPct val="100000"/>
-              </a:lnSpc>
-            </a:pPr>
-            <a:r>
-              <a:rPr lang="en-US" sz="1800" b="0" strike="noStrike" spc="-1">
-                <a:solidFill>
-                  <a:srgbClr val="000000"/>
-                </a:solidFill>
-                <a:uFill>
-                  <a:solidFill>
-                    <a:srgbClr val="FFFFFF"/>
-                  </a:solidFill>
-                </a:uFill>
-                <a:latin typeface="Calibri"/>
-                <a:ea typeface="DejaVu Sans"/>
-              </a:rPr>
-              <a:t>File-System</a:t>
-            </a:r>
-            <a:endParaRPr lang="en-US" sz="1800" b="0" strike="noStrike" spc="-1">
-              <a:solidFill>
-                <a:srgbClr val="000000"/>
-              </a:solidFill>
-              <a:uFill>
-                <a:solidFill>
-                  <a:srgbClr val="FFFFFF"/>
-                </a:solidFill>
-              </a:uFill>
-              <a:latin typeface="Arial"/>
-            </a:endParaRPr>
-          </a:p>
-        </p:txBody>
-      </p:sp>
-      <p:sp>
-        <p:nvSpPr>
-          <p:cNvPr id="339" name="CustomShape 6"/>
-          <p:cNvSpPr/>
-          <p:nvPr/>
-        </p:nvSpPr>
-        <p:spPr>
-          <a:xfrm rot="21142200">
-            <a:off x="5166360" y="3800880"/>
-            <a:ext cx="543240" cy="727920"/>
-          </a:xfrm>
-          <a:prstGeom prst="triangle">
-            <a:avLst>
-              <a:gd name="adj" fmla="val 0"/>
-            </a:avLst>
-          </a:prstGeom>
-          <a:solidFill>
-            <a:schemeClr val="bg1">
-              <a:lumMod val="95000"/>
-            </a:schemeClr>
-          </a:solidFill>
-          <a:ln>
-            <a:round/>
-          </a:ln>
-        </p:spPr>
-        <p:style>
-          <a:lnRef idx="2">
-            <a:schemeClr val="accent1">
-              <a:shade val="50000"/>
-            </a:schemeClr>
-          </a:lnRef>
-          <a:fillRef idx="1">
-            <a:schemeClr val="accent1"/>
-          </a:fillRef>
-          <a:effectRef idx="0">
-            <a:schemeClr val="accent1"/>
-          </a:effectRef>
-          <a:fontRef idx="minor"/>
-        </p:style>
-      </p:sp>
-      <p:sp>
-        <p:nvSpPr>
-          <p:cNvPr id="340" name="CustomShape 7"/>
-          <p:cNvSpPr/>
-          <p:nvPr/>
-        </p:nvSpPr>
-        <p:spPr>
-          <a:xfrm>
-            <a:off x="4862160" y="3573720"/>
-            <a:ext cx="474480" cy="222840"/>
-          </a:xfrm>
-          <a:prstGeom prst="flowChartMagneticDisk">
-            <a:avLst/>
-          </a:prstGeom>
-          <a:solidFill>
-            <a:schemeClr val="bg1">
-              <a:lumMod val="95000"/>
-            </a:schemeClr>
-          </a:solidFill>
-          <a:ln>
-            <a:round/>
-          </a:ln>
-        </p:spPr>
-        <p:style>
-          <a:lnRef idx="2">
-            <a:schemeClr val="accent1">
-              <a:shade val="50000"/>
-            </a:schemeClr>
-          </a:lnRef>
-          <a:fillRef idx="1">
-            <a:schemeClr val="accent1"/>
-          </a:fillRef>
-          <a:effectRef idx="0">
-            <a:schemeClr val="accent1"/>
-          </a:effectRef>
-          <a:fontRef idx="minor"/>
-        </p:style>
-      </p:sp>
-    </p:spTree>
-    <p:extLst>
-      <p:ext uri="{BB962C8B-B14F-4D97-AF65-F5344CB8AC3E}">
-        <p14:creationId xmlns:p14="http://schemas.microsoft.com/office/powerpoint/2010/main" val="782731635"/>
-      </p:ext>
-    </p:extLst>
-  </p:cSld>
-  <p:clrMapOvr>
-    <a:masterClrMapping/>
-  </p:clrMapOvr>
-  <p:timing>
-    <p:tnLst>
-      <p:par>
-        <p:cTn id="1" dur="indefinite" restart="never" nodeType="tmRoot">
-          <p:childTnLst>
-            <p:seq>
-              <p:cTn id="2" nodeType="mainSeq"/>
-              <p:prevCondLst>
-                <p:cond evt="onPrev" delay="0">
-                  <p:tgtEl>
-                    <p:sldTgt/>
-                  </p:tgtEl>
-                </p:cond>
-              </p:prevCondLst>
-              <p:nextCondLst>
-                <p:cond evt="onNext" delay="0">
-                  <p:tgtEl>
-                    <p:sldTgt/>
-                  </p:tgtEl>
-                </p:cond>
-              </p:nextCondLst>
-            </p:seq>
-          </p:childTnLst>
-        </p:cTn>
-      </p:par>
-    </p:tnLst>
-  </p:timing>
-</p:sld>
-</file>
-
-<file path=ppt/slides/slide34.xml><?xml version="1.0" encoding="utf-8"?>
-<p:sld xmlns:a="http://schemas.openxmlformats.org/drawingml/2006/main" xmlns:r="http://schemas.openxmlformats.org/officeDocument/2006/relationships" xmlns:p="http://schemas.openxmlformats.org/presentationml/2006/main">
-  <p:cSld>
-    <p:spTree>
-      <p:nvGrpSpPr>
-        <p:cNvPr id="1" name=""/>
-        <p:cNvGrpSpPr/>
-        <p:nvPr/>
-      </p:nvGrpSpPr>
-      <p:grpSpPr>
-        <a:xfrm>
-          <a:off x="0" y="0"/>
-          <a:ext cx="0" cy="0"/>
-          <a:chOff x="0" y="0"/>
-          <a:chExt cx="0" cy="0"/>
-        </a:xfrm>
-      </p:grpSpPr>
-      <p:sp>
-        <p:nvSpPr>
-          <p:cNvPr id="341" name="CustomShape 1"/>
-          <p:cNvSpPr/>
-          <p:nvPr/>
-        </p:nvSpPr>
-        <p:spPr>
-          <a:xfrm>
-            <a:off x="838080" y="365040"/>
-            <a:ext cx="10514880" cy="1324800"/>
-          </a:xfrm>
-          <a:prstGeom prst="rect">
-            <a:avLst/>
-          </a:prstGeom>
-          <a:noFill/>
-          <a:ln>
-            <a:noFill/>
-          </a:ln>
-        </p:spPr>
-        <p:style>
-          <a:lnRef idx="0">
-            <a:scrgbClr r="0" g="0" b="0"/>
-          </a:lnRef>
-          <a:fillRef idx="0">
-            <a:scrgbClr r="0" g="0" b="0"/>
-          </a:fillRef>
-          <a:effectRef idx="0">
-            <a:scrgbClr r="0" g="0" b="0"/>
-          </a:effectRef>
-          <a:fontRef idx="minor"/>
-        </p:style>
-        <p:txBody>
-          <a:bodyPr lIns="90000" tIns="45000" rIns="90000" bIns="45000" anchor="ctr"/>
-          <a:lstStyle/>
-          <a:p>
-            <a:pPr>
-              <a:lnSpc>
-                <a:spcPct val="90000"/>
-              </a:lnSpc>
-            </a:pPr>
-            <a:r>
-              <a:rPr lang="en-US" sz="4400" b="0" strike="noStrike" spc="-1">
-                <a:solidFill>
-                  <a:srgbClr val="000000"/>
-                </a:solidFill>
-                <a:uFill>
-                  <a:solidFill>
-                    <a:srgbClr val="FFFFFF"/>
-                  </a:solidFill>
-                </a:uFill>
-                <a:latin typeface="Calibri Light"/>
-              </a:rPr>
-              <a:t>Node</a:t>
-            </a:r>
-            <a:endParaRPr lang="en-US" sz="1800" b="0" strike="noStrike" spc="-1">
-              <a:solidFill>
-                <a:srgbClr val="000000"/>
-              </a:solidFill>
-              <a:uFill>
-                <a:solidFill>
-                  <a:srgbClr val="FFFFFF"/>
-                </a:solidFill>
-              </a:uFill>
-              <a:latin typeface="Arial"/>
-            </a:endParaRPr>
-          </a:p>
-        </p:txBody>
-      </p:sp>
-      <p:sp>
-        <p:nvSpPr>
-          <p:cNvPr id="342" name="CustomShape 2"/>
-          <p:cNvSpPr/>
-          <p:nvPr/>
-        </p:nvSpPr>
-        <p:spPr>
-          <a:xfrm>
-            <a:off x="3311640" y="2284200"/>
-            <a:ext cx="4799160" cy="2829600"/>
-          </a:xfrm>
-          <a:prstGeom prst="pentagon">
-            <a:avLst>
-              <a:gd name="hf" fmla="val 105146"/>
-              <a:gd name="vf" fmla="val 110557"/>
-            </a:avLst>
-          </a:prstGeom>
-          <a:solidFill>
-            <a:schemeClr val="accent1">
-              <a:lumMod val="75000"/>
-            </a:schemeClr>
-          </a:solidFill>
-          <a:ln>
-            <a:round/>
-          </a:ln>
-        </p:spPr>
-        <p:style>
-          <a:lnRef idx="2">
-            <a:schemeClr val="accent1">
-              <a:shade val="50000"/>
-            </a:schemeClr>
-          </a:lnRef>
-          <a:fillRef idx="1">
-            <a:schemeClr val="accent1"/>
-          </a:fillRef>
-          <a:effectRef idx="0">
-            <a:schemeClr val="accent1"/>
-          </a:effectRef>
-          <a:fontRef idx="minor"/>
-        </p:style>
-      </p:sp>
-      <p:sp>
-        <p:nvSpPr>
-          <p:cNvPr id="343" name="CustomShape 3"/>
-          <p:cNvSpPr/>
-          <p:nvPr/>
-        </p:nvSpPr>
-        <p:spPr>
-          <a:xfrm>
-            <a:off x="3039120" y="2189880"/>
-            <a:ext cx="5352120" cy="2616480"/>
-          </a:xfrm>
-          <a:prstGeom prst="pentagon">
-            <a:avLst>
-              <a:gd name="hf" fmla="val 105146"/>
-              <a:gd name="vf" fmla="val 110557"/>
-            </a:avLst>
-          </a:prstGeom>
-          <a:solidFill>
-            <a:schemeClr val="bg1"/>
-          </a:solidFill>
-          <a:ln>
-            <a:round/>
-          </a:ln>
-        </p:spPr>
-        <p:style>
-          <a:lnRef idx="2">
-            <a:schemeClr val="accent1">
-              <a:shade val="50000"/>
-            </a:schemeClr>
-          </a:lnRef>
-          <a:fillRef idx="1">
-            <a:schemeClr val="accent1"/>
-          </a:fillRef>
-          <a:effectRef idx="0">
-            <a:schemeClr val="accent1"/>
-          </a:effectRef>
-          <a:fontRef idx="minor"/>
-        </p:style>
-      </p:sp>
-      <p:sp>
-        <p:nvSpPr>
-          <p:cNvPr id="344" name="CustomShape 4"/>
-          <p:cNvSpPr/>
-          <p:nvPr/>
-        </p:nvSpPr>
-        <p:spPr>
-          <a:xfrm>
-            <a:off x="6184080" y="2818080"/>
-            <a:ext cx="393480" cy="361440"/>
-          </a:xfrm>
-          <a:prstGeom prst="cube">
-            <a:avLst>
-              <a:gd name="adj" fmla="val 25000"/>
-            </a:avLst>
-          </a:prstGeom>
-          <a:ln>
-            <a:round/>
-          </a:ln>
-        </p:spPr>
-        <p:style>
-          <a:lnRef idx="2">
-            <a:schemeClr val="accent1">
-              <a:shade val="50000"/>
-            </a:schemeClr>
-          </a:lnRef>
-          <a:fillRef idx="1">
-            <a:schemeClr val="accent1"/>
-          </a:fillRef>
-          <a:effectRef idx="0">
-            <a:schemeClr val="accent1"/>
-          </a:effectRef>
-          <a:fontRef idx="minor"/>
-        </p:style>
-      </p:sp>
-      <p:sp>
-        <p:nvSpPr>
-          <p:cNvPr id="345" name="CustomShape 5"/>
-          <p:cNvSpPr/>
-          <p:nvPr/>
-        </p:nvSpPr>
-        <p:spPr>
-          <a:xfrm>
-            <a:off x="6008760" y="2628720"/>
-            <a:ext cx="1000080" cy="1000440"/>
-          </a:xfrm>
-          <a:prstGeom prst="ellipse">
-            <a:avLst/>
-          </a:prstGeom>
-          <a:noFill/>
-          <a:ln>
-            <a:round/>
-          </a:ln>
-        </p:spPr>
-        <p:style>
-          <a:lnRef idx="2">
-            <a:schemeClr val="accent1">
-              <a:shade val="50000"/>
-            </a:schemeClr>
-          </a:lnRef>
-          <a:fillRef idx="1">
-            <a:schemeClr val="accent1"/>
-          </a:fillRef>
-          <a:effectRef idx="0">
-            <a:schemeClr val="accent1"/>
-          </a:effectRef>
-          <a:fontRef idx="minor"/>
-        </p:style>
-      </p:sp>
-      <p:sp>
-        <p:nvSpPr>
-          <p:cNvPr id="346" name="CustomShape 6"/>
-          <p:cNvSpPr/>
-          <p:nvPr/>
-        </p:nvSpPr>
-        <p:spPr>
-          <a:xfrm>
-            <a:off x="4370400" y="4772880"/>
-            <a:ext cx="856080" cy="637920"/>
-          </a:xfrm>
-          <a:prstGeom prst="rect">
-            <a:avLst/>
-          </a:prstGeom>
-          <a:noFill/>
-          <a:ln>
-            <a:noFill/>
-          </a:ln>
-        </p:spPr>
-        <p:style>
-          <a:lnRef idx="0">
-            <a:scrgbClr r="0" g="0" b="0"/>
-          </a:lnRef>
-          <a:fillRef idx="0">
-            <a:scrgbClr r="0" g="0" b="0"/>
-          </a:fillRef>
-          <a:effectRef idx="0">
-            <a:scrgbClr r="0" g="0" b="0"/>
-          </a:effectRef>
-          <a:fontRef idx="minor"/>
-        </p:style>
-        <p:txBody>
-          <a:bodyPr lIns="90000" tIns="45000" rIns="90000" bIns="45000"/>
-          <a:lstStyle/>
-          <a:p>
-            <a:pPr>
-              <a:lnSpc>
-                <a:spcPct val="100000"/>
-              </a:lnSpc>
-            </a:pPr>
-            <a:r>
-              <a:rPr lang="en-US" sz="1800" b="0" strike="noStrike" spc="-1">
-                <a:solidFill>
-                  <a:srgbClr val="FFFFFF"/>
-                </a:solidFill>
-                <a:uFill>
-                  <a:solidFill>
-                    <a:srgbClr val="FFFFFF"/>
-                  </a:solidFill>
-                </a:uFill>
-                <a:latin typeface="Calibri"/>
-                <a:ea typeface="DejaVu Sans"/>
-              </a:rPr>
-              <a:t>kublet</a:t>
-            </a:r>
-            <a:endParaRPr lang="en-US" sz="1800" b="0" strike="noStrike" spc="-1">
-              <a:solidFill>
-                <a:srgbClr val="000000"/>
-              </a:solidFill>
-              <a:uFill>
-                <a:solidFill>
-                  <a:srgbClr val="FFFFFF"/>
-                </a:solidFill>
-              </a:uFill>
-              <a:latin typeface="Arial"/>
-            </a:endParaRPr>
-          </a:p>
-        </p:txBody>
-      </p:sp>
-      <p:sp>
-        <p:nvSpPr>
-          <p:cNvPr id="347" name="CustomShape 7"/>
-          <p:cNvSpPr/>
-          <p:nvPr/>
-        </p:nvSpPr>
-        <p:spPr>
-          <a:xfrm>
-            <a:off x="5911200" y="4820400"/>
-            <a:ext cx="856080" cy="303120"/>
-          </a:xfrm>
-          <a:prstGeom prst="rect">
-            <a:avLst/>
-          </a:prstGeom>
-          <a:solidFill>
-            <a:srgbClr val="00B0F0"/>
-          </a:solidFill>
-          <a:ln>
-            <a:noFill/>
-          </a:ln>
-        </p:spPr>
-        <p:style>
-          <a:lnRef idx="0">
-            <a:scrgbClr r="0" g="0" b="0"/>
-          </a:lnRef>
-          <a:fillRef idx="0">
-            <a:scrgbClr r="0" g="0" b="0"/>
-          </a:fillRef>
-          <a:effectRef idx="0">
-            <a:scrgbClr r="0" g="0" b="0"/>
-          </a:effectRef>
-          <a:fontRef idx="minor"/>
-        </p:style>
-        <p:txBody>
-          <a:bodyPr lIns="90000" tIns="45000" rIns="90000" bIns="45000"/>
-          <a:lstStyle/>
-          <a:p>
-            <a:pPr>
-              <a:lnSpc>
-                <a:spcPct val="100000"/>
-              </a:lnSpc>
-            </a:pPr>
-            <a:r>
-              <a:rPr lang="en-US" sz="1400" b="0" strike="noStrike" spc="-1">
-                <a:solidFill>
-                  <a:srgbClr val="FFFFFF"/>
-                </a:solidFill>
-                <a:uFill>
-                  <a:solidFill>
-                    <a:srgbClr val="FFFFFF"/>
-                  </a:solidFill>
-                </a:uFill>
-                <a:latin typeface="Calibri"/>
-                <a:ea typeface="DejaVu Sans"/>
-              </a:rPr>
-              <a:t>Docker</a:t>
-            </a:r>
-            <a:endParaRPr lang="en-US" sz="1800" b="0" strike="noStrike" spc="-1">
-              <a:solidFill>
-                <a:srgbClr val="000000"/>
-              </a:solidFill>
-              <a:uFill>
-                <a:solidFill>
-                  <a:srgbClr val="FFFFFF"/>
-                </a:solidFill>
-              </a:uFill>
-              <a:latin typeface="Arial"/>
-            </a:endParaRPr>
-          </a:p>
-        </p:txBody>
-      </p:sp>
-      <p:sp>
-        <p:nvSpPr>
-          <p:cNvPr id="348" name="CustomShape 8"/>
-          <p:cNvSpPr/>
-          <p:nvPr/>
-        </p:nvSpPr>
-        <p:spPr>
-          <a:xfrm>
-            <a:off x="4057920" y="4395240"/>
-            <a:ext cx="1122120" cy="364320"/>
-          </a:xfrm>
-          <a:prstGeom prst="rect">
-            <a:avLst/>
-          </a:prstGeom>
-          <a:noFill/>
-          <a:ln>
-            <a:noFill/>
-          </a:ln>
-        </p:spPr>
-        <p:style>
-          <a:lnRef idx="0">
-            <a:scrgbClr r="0" g="0" b="0"/>
-          </a:lnRef>
-          <a:fillRef idx="0">
-            <a:scrgbClr r="0" g="0" b="0"/>
-          </a:fillRef>
-          <a:effectRef idx="0">
-            <a:scrgbClr r="0" g="0" b="0"/>
-          </a:effectRef>
-          <a:fontRef idx="minor"/>
-        </p:style>
-        <p:txBody>
-          <a:bodyPr lIns="90000" tIns="45000" rIns="90000" bIns="45000"/>
-          <a:lstStyle/>
-          <a:p>
-            <a:pPr>
-              <a:lnSpc>
-                <a:spcPct val="100000"/>
-              </a:lnSpc>
-            </a:pPr>
-            <a:r>
-              <a:rPr lang="en-US" sz="1800" b="0" strike="noStrike" spc="-1">
-                <a:solidFill>
-                  <a:srgbClr val="2F5597"/>
-                </a:solidFill>
-                <a:uFill>
-                  <a:solidFill>
-                    <a:srgbClr val="FFFFFF"/>
-                  </a:solidFill>
-                </a:uFill>
-                <a:latin typeface="Calibri"/>
-                <a:ea typeface="DejaVu Sans"/>
-              </a:rPr>
-              <a:t>Node</a:t>
-            </a:r>
-            <a:endParaRPr lang="en-US" sz="1800" b="0" strike="noStrike" spc="-1">
-              <a:solidFill>
-                <a:srgbClr val="000000"/>
-              </a:solidFill>
-              <a:uFill>
-                <a:solidFill>
-                  <a:srgbClr val="FFFFFF"/>
-                </a:solidFill>
-              </a:uFill>
-              <a:latin typeface="Arial"/>
-            </a:endParaRPr>
-          </a:p>
-        </p:txBody>
-      </p:sp>
-      <p:sp>
-        <p:nvSpPr>
-          <p:cNvPr id="349" name="CustomShape 9"/>
-          <p:cNvSpPr/>
-          <p:nvPr/>
-        </p:nvSpPr>
-        <p:spPr>
-          <a:xfrm>
-            <a:off x="6381360" y="2980440"/>
-            <a:ext cx="393480" cy="361440"/>
-          </a:xfrm>
-          <a:prstGeom prst="cube">
-            <a:avLst>
-              <a:gd name="adj" fmla="val 25000"/>
-            </a:avLst>
-          </a:prstGeom>
-          <a:solidFill>
-            <a:schemeClr val="accent6">
-              <a:lumMod val="60000"/>
-              <a:lumOff val="40000"/>
-            </a:schemeClr>
-          </a:solidFill>
-          <a:ln>
-            <a:round/>
-          </a:ln>
-        </p:spPr>
-        <p:style>
-          <a:lnRef idx="2">
-            <a:schemeClr val="accent1">
-              <a:shade val="50000"/>
-            </a:schemeClr>
-          </a:lnRef>
-          <a:fillRef idx="1">
-            <a:schemeClr val="accent1"/>
-          </a:fillRef>
-          <a:effectRef idx="0">
-            <a:schemeClr val="accent1"/>
-          </a:effectRef>
-          <a:fontRef idx="minor"/>
-        </p:style>
-      </p:sp>
-      <p:sp>
-        <p:nvSpPr>
-          <p:cNvPr id="350" name="CustomShape 10"/>
-          <p:cNvSpPr/>
-          <p:nvPr/>
-        </p:nvSpPr>
-        <p:spPr>
-          <a:xfrm>
-            <a:off x="4506120" y="3512880"/>
-            <a:ext cx="1595160" cy="870120"/>
-          </a:xfrm>
-          <a:prstGeom prst="flowChartMagneticDisk">
-            <a:avLst/>
-          </a:prstGeom>
-          <a:solidFill>
-            <a:schemeClr val="bg1">
-              <a:lumMod val="95000"/>
-            </a:schemeClr>
-          </a:solidFill>
-          <a:ln>
-            <a:round/>
-          </a:ln>
-        </p:spPr>
-        <p:style>
-          <a:lnRef idx="2">
-            <a:schemeClr val="accent1">
-              <a:shade val="50000"/>
-            </a:schemeClr>
-          </a:lnRef>
-          <a:fillRef idx="1">
-            <a:schemeClr val="accent1"/>
-          </a:fillRef>
-          <a:effectRef idx="0">
-            <a:schemeClr val="accent1"/>
-          </a:effectRef>
-          <a:fontRef idx="minor"/>
-        </p:style>
-        <p:txBody>
-          <a:bodyPr lIns="90000" tIns="45000" rIns="90000" bIns="45000" anchor="ctr"/>
-          <a:lstStyle/>
-          <a:p>
-            <a:pPr algn="ctr">
-              <a:lnSpc>
-                <a:spcPct val="100000"/>
-              </a:lnSpc>
-            </a:pPr>
-            <a:r>
-              <a:rPr lang="en-US" sz="1800" b="0" strike="noStrike" spc="-1">
-                <a:solidFill>
-                  <a:srgbClr val="000000"/>
-                </a:solidFill>
-                <a:uFill>
-                  <a:solidFill>
-                    <a:srgbClr val="FFFFFF"/>
-                  </a:solidFill>
-                </a:uFill>
-                <a:latin typeface="Calibri"/>
-                <a:ea typeface="DejaVu Sans"/>
-              </a:rPr>
-              <a:t>File-System</a:t>
-            </a:r>
-            <a:endParaRPr lang="en-US" sz="1800" b="0" strike="noStrike" spc="-1">
-              <a:solidFill>
-                <a:srgbClr val="000000"/>
-              </a:solidFill>
-              <a:uFill>
-                <a:solidFill>
-                  <a:srgbClr val="FFFFFF"/>
-                </a:solidFill>
-              </a:uFill>
-              <a:latin typeface="Arial"/>
-            </a:endParaRPr>
-          </a:p>
-        </p:txBody>
-      </p:sp>
-      <p:sp>
-        <p:nvSpPr>
-          <p:cNvPr id="351" name="CustomShape 11"/>
-          <p:cNvSpPr/>
-          <p:nvPr/>
-        </p:nvSpPr>
-        <p:spPr>
-          <a:xfrm rot="884400">
-            <a:off x="5643360" y="2967120"/>
-            <a:ext cx="543240" cy="654120"/>
-          </a:xfrm>
-          <a:prstGeom prst="triangle">
-            <a:avLst>
-              <a:gd name="adj" fmla="val 100000"/>
-            </a:avLst>
-          </a:prstGeom>
-          <a:solidFill>
-            <a:schemeClr val="bg1">
-              <a:lumMod val="95000"/>
-            </a:schemeClr>
-          </a:solidFill>
-          <a:ln>
-            <a:round/>
-          </a:ln>
-        </p:spPr>
-        <p:style>
-          <a:lnRef idx="2">
-            <a:schemeClr val="accent1">
-              <a:shade val="50000"/>
-            </a:schemeClr>
-          </a:lnRef>
-          <a:fillRef idx="1">
-            <a:schemeClr val="accent1"/>
-          </a:fillRef>
-          <a:effectRef idx="0">
-            <a:schemeClr val="accent1"/>
-          </a:effectRef>
-          <a:fontRef idx="minor"/>
-        </p:style>
-      </p:sp>
-    </p:spTree>
-    <p:extLst>
-      <p:ext uri="{BB962C8B-B14F-4D97-AF65-F5344CB8AC3E}">
-        <p14:creationId xmlns:p14="http://schemas.microsoft.com/office/powerpoint/2010/main" val="2929055489"/>
-      </p:ext>
-    </p:extLst>
-  </p:cSld>
-  <p:clrMapOvr>
-    <a:masterClrMapping/>
-  </p:clrMapOvr>
-  <p:timing>
-    <p:tnLst>
-      <p:par>
-        <p:cTn id="1" dur="indefinite" restart="never" nodeType="tmRoot">
-          <p:childTnLst>
-            <p:seq>
-              <p:cTn id="2" nodeType="mainSeq"/>
-              <p:prevCondLst>
-                <p:cond evt="onPrev" delay="0">
-                  <p:tgtEl>
-                    <p:sldTgt/>
-                  </p:tgtEl>
-                </p:cond>
-              </p:prevCondLst>
-              <p:nextCondLst>
-                <p:cond evt="onNext" delay="0">
-                  <p:tgtEl>
-                    <p:sldTgt/>
-                  </p:tgtEl>
-                </p:cond>
-              </p:nextCondLst>
-            </p:seq>
-          </p:childTnLst>
-        </p:cTn>
-      </p:par>
-    </p:tnLst>
-  </p:timing>
-</p:sld>
-</file>
-
-<file path=ppt/slides/slide35.xml><?xml version="1.0" encoding="utf-8"?>
-<p:sld xmlns:a="http://schemas.openxmlformats.org/drawingml/2006/main" xmlns:r="http://schemas.openxmlformats.org/officeDocument/2006/relationships" xmlns:p="http://schemas.openxmlformats.org/presentationml/2006/main">
-  <p:cSld>
-    <p:spTree>
-      <p:nvGrpSpPr>
-        <p:cNvPr id="1" name=""/>
-        <p:cNvGrpSpPr/>
-        <p:nvPr/>
-      </p:nvGrpSpPr>
-      <p:grpSpPr>
-        <a:xfrm>
-          <a:off x="0" y="0"/>
-          <a:ext cx="0" cy="0"/>
-          <a:chOff x="0" y="0"/>
-          <a:chExt cx="0" cy="0"/>
-        </a:xfrm>
-      </p:grpSpPr>
-      <p:sp>
-        <p:nvSpPr>
-          <p:cNvPr id="352" name="CustomShape 1"/>
-          <p:cNvSpPr/>
-          <p:nvPr/>
-        </p:nvSpPr>
-        <p:spPr>
-          <a:xfrm>
-            <a:off x="838080" y="365040"/>
-            <a:ext cx="10514880" cy="1324800"/>
-          </a:xfrm>
-          <a:prstGeom prst="rect">
-            <a:avLst/>
-          </a:prstGeom>
-          <a:noFill/>
-          <a:ln>
-            <a:noFill/>
-          </a:ln>
-        </p:spPr>
-        <p:style>
-          <a:lnRef idx="0">
-            <a:scrgbClr r="0" g="0" b="0"/>
-          </a:lnRef>
-          <a:fillRef idx="0">
-            <a:scrgbClr r="0" g="0" b="0"/>
-          </a:fillRef>
-          <a:effectRef idx="0">
-            <a:scrgbClr r="0" g="0" b="0"/>
-          </a:effectRef>
-          <a:fontRef idx="minor"/>
-        </p:style>
-      </p:sp>
-      <p:pic>
-        <p:nvPicPr>
-          <p:cNvPr id="353" name="Picture 4"/>
-          <p:cNvPicPr/>
-          <p:nvPr/>
-        </p:nvPicPr>
-        <p:blipFill>
-          <a:blip r:embed="rId2"/>
-          <a:stretch/>
-        </p:blipFill>
-        <p:spPr>
-          <a:xfrm>
-            <a:off x="625320" y="-88920"/>
-            <a:ext cx="10257120" cy="6822000"/>
-          </a:xfrm>
-          <a:prstGeom prst="rect">
-            <a:avLst/>
-          </a:prstGeom>
-          <a:ln>
-            <a:noFill/>
-          </a:ln>
-        </p:spPr>
-      </p:pic>
-      <p:sp>
-        <p:nvSpPr>
-          <p:cNvPr id="354" name="CustomShape 2"/>
-          <p:cNvSpPr/>
-          <p:nvPr/>
-        </p:nvSpPr>
-        <p:spPr>
-          <a:xfrm>
-            <a:off x="5261400" y="3438360"/>
-            <a:ext cx="1262160" cy="1337040"/>
-          </a:xfrm>
-          <a:prstGeom prst="pentagon">
-            <a:avLst>
-              <a:gd name="hf" fmla="val 105146"/>
-              <a:gd name="vf" fmla="val 110557"/>
-            </a:avLst>
-          </a:prstGeom>
-          <a:solidFill>
-            <a:schemeClr val="accent1">
-              <a:lumMod val="75000"/>
-            </a:schemeClr>
-          </a:solidFill>
-          <a:ln>
-            <a:round/>
-          </a:ln>
-        </p:spPr>
-        <p:style>
-          <a:lnRef idx="2">
-            <a:schemeClr val="accent1">
-              <a:shade val="50000"/>
-            </a:schemeClr>
-          </a:lnRef>
-          <a:fillRef idx="1">
-            <a:schemeClr val="accent1"/>
-          </a:fillRef>
-          <a:effectRef idx="0">
-            <a:schemeClr val="accent1"/>
-          </a:effectRef>
-          <a:fontRef idx="minor"/>
-        </p:style>
-      </p:sp>
-      <p:sp>
-        <p:nvSpPr>
-          <p:cNvPr id="355" name="CustomShape 3"/>
-          <p:cNvSpPr/>
-          <p:nvPr/>
-        </p:nvSpPr>
-        <p:spPr>
-          <a:xfrm>
-            <a:off x="5142600" y="3322440"/>
-            <a:ext cx="1506960" cy="1236240"/>
-          </a:xfrm>
-          <a:prstGeom prst="pentagon">
-            <a:avLst>
-              <a:gd name="hf" fmla="val 105146"/>
-              <a:gd name="vf" fmla="val 110557"/>
-            </a:avLst>
-          </a:prstGeom>
-          <a:solidFill>
-            <a:schemeClr val="bg1"/>
-          </a:solidFill>
-          <a:ln>
-            <a:round/>
-          </a:ln>
-        </p:spPr>
-        <p:style>
-          <a:lnRef idx="2">
-            <a:schemeClr val="accent1">
-              <a:shade val="50000"/>
-            </a:schemeClr>
-          </a:lnRef>
-          <a:fillRef idx="1">
-            <a:schemeClr val="accent1"/>
-          </a:fillRef>
-          <a:effectRef idx="0">
-            <a:schemeClr val="accent1"/>
-          </a:effectRef>
-          <a:fontRef idx="minor"/>
-        </p:style>
-      </p:sp>
-      <p:sp>
-        <p:nvSpPr>
-          <p:cNvPr id="356" name="CustomShape 4"/>
-          <p:cNvSpPr/>
-          <p:nvPr/>
-        </p:nvSpPr>
-        <p:spPr>
-          <a:xfrm rot="18890400">
-            <a:off x="6508800" y="2325960"/>
-            <a:ext cx="1253880" cy="1154880"/>
-          </a:xfrm>
-          <a:prstGeom prst="pentagon">
-            <a:avLst>
-              <a:gd name="hf" fmla="val 105146"/>
-              <a:gd name="vf" fmla="val 110557"/>
-            </a:avLst>
-          </a:prstGeom>
-          <a:solidFill>
-            <a:schemeClr val="accent1">
-              <a:lumMod val="75000"/>
-            </a:schemeClr>
-          </a:solidFill>
-          <a:ln>
-            <a:round/>
-          </a:ln>
-        </p:spPr>
-        <p:style>
-          <a:lnRef idx="2">
-            <a:schemeClr val="accent1">
-              <a:shade val="50000"/>
-            </a:schemeClr>
-          </a:lnRef>
-          <a:fillRef idx="1">
-            <a:schemeClr val="accent1"/>
-          </a:fillRef>
-          <a:effectRef idx="0">
-            <a:schemeClr val="accent1"/>
-          </a:effectRef>
-          <a:fontRef idx="minor"/>
-        </p:style>
-      </p:sp>
-      <p:sp>
-        <p:nvSpPr>
-          <p:cNvPr id="357" name="CustomShape 5"/>
-          <p:cNvSpPr/>
-          <p:nvPr/>
-        </p:nvSpPr>
-        <p:spPr>
-          <a:xfrm rot="18890400">
-            <a:off x="6570000" y="1942560"/>
-            <a:ext cx="1320120" cy="1413720"/>
-          </a:xfrm>
-          <a:prstGeom prst="pentagon">
-            <a:avLst>
-              <a:gd name="hf" fmla="val 105146"/>
-              <a:gd name="vf" fmla="val 110557"/>
-            </a:avLst>
-          </a:prstGeom>
-          <a:solidFill>
-            <a:schemeClr val="bg1"/>
-          </a:solidFill>
-          <a:ln>
-            <a:round/>
-          </a:ln>
-        </p:spPr>
-        <p:style>
-          <a:lnRef idx="2">
-            <a:schemeClr val="accent1">
-              <a:shade val="50000"/>
-            </a:schemeClr>
-          </a:lnRef>
-          <a:fillRef idx="1">
-            <a:schemeClr val="accent1"/>
-          </a:fillRef>
-          <a:effectRef idx="0">
-            <a:schemeClr val="accent1"/>
-          </a:effectRef>
-          <a:fontRef idx="minor"/>
-        </p:style>
-      </p:sp>
-      <p:sp>
-        <p:nvSpPr>
-          <p:cNvPr id="358" name="CustomShape 6"/>
-          <p:cNvSpPr/>
-          <p:nvPr/>
-        </p:nvSpPr>
-        <p:spPr>
-          <a:xfrm rot="2888400">
-            <a:off x="4053600" y="2295000"/>
-            <a:ext cx="1150920" cy="1175760"/>
-          </a:xfrm>
-          <a:prstGeom prst="pentagon">
-            <a:avLst>
-              <a:gd name="hf" fmla="val 105146"/>
-              <a:gd name="vf" fmla="val 110557"/>
-            </a:avLst>
-          </a:prstGeom>
-          <a:solidFill>
-            <a:schemeClr val="accent1">
-              <a:lumMod val="75000"/>
-            </a:schemeClr>
-          </a:solidFill>
-          <a:ln>
-            <a:round/>
-          </a:ln>
-        </p:spPr>
-        <p:style>
-          <a:lnRef idx="2">
-            <a:schemeClr val="accent1">
-              <a:shade val="50000"/>
-            </a:schemeClr>
-          </a:lnRef>
-          <a:fillRef idx="1">
-            <a:schemeClr val="accent1"/>
-          </a:fillRef>
-          <a:effectRef idx="0">
-            <a:schemeClr val="accent1"/>
-          </a:effectRef>
-          <a:fontRef idx="minor"/>
-        </p:style>
-      </p:sp>
-      <p:sp>
-        <p:nvSpPr>
-          <p:cNvPr id="359" name="CustomShape 7"/>
-          <p:cNvSpPr/>
-          <p:nvPr/>
-        </p:nvSpPr>
-        <p:spPr>
-          <a:xfrm rot="2884800">
-            <a:off x="3879000" y="1935360"/>
-            <a:ext cx="1326240" cy="1400040"/>
-          </a:xfrm>
-          <a:prstGeom prst="pentagon">
-            <a:avLst>
-              <a:gd name="hf" fmla="val 105146"/>
-              <a:gd name="vf" fmla="val 110557"/>
-            </a:avLst>
-          </a:prstGeom>
-          <a:solidFill>
-            <a:schemeClr val="bg1"/>
-          </a:solidFill>
-          <a:ln>
-            <a:round/>
-          </a:ln>
-        </p:spPr>
-        <p:style>
-          <a:lnRef idx="2">
-            <a:schemeClr val="accent1">
-              <a:shade val="50000"/>
-            </a:schemeClr>
-          </a:lnRef>
-          <a:fillRef idx="1">
-            <a:schemeClr val="accent1"/>
-          </a:fillRef>
-          <a:effectRef idx="0">
-            <a:schemeClr val="accent1"/>
-          </a:effectRef>
-          <a:fontRef idx="minor"/>
-        </p:style>
-      </p:sp>
-      <p:sp>
-        <p:nvSpPr>
-          <p:cNvPr id="360" name="CustomShape 8"/>
-          <p:cNvSpPr/>
-          <p:nvPr/>
-        </p:nvSpPr>
-        <p:spPr>
-          <a:xfrm>
-            <a:off x="5352840" y="2232360"/>
-            <a:ext cx="1078920" cy="872280"/>
-          </a:xfrm>
-          <a:prstGeom prst="hexagon">
-            <a:avLst>
-              <a:gd name="adj" fmla="val 25000"/>
-              <a:gd name="vf" fmla="val 115470"/>
-            </a:avLst>
-          </a:prstGeom>
-          <a:noFill/>
-          <a:ln w="38160">
-            <a:round/>
-          </a:ln>
-        </p:spPr>
-        <p:style>
-          <a:lnRef idx="2">
-            <a:schemeClr val="accent1">
-              <a:shade val="50000"/>
-            </a:schemeClr>
-          </a:lnRef>
-          <a:fillRef idx="1">
-            <a:schemeClr val="accent1"/>
-          </a:fillRef>
-          <a:effectRef idx="0">
-            <a:schemeClr val="accent1"/>
-          </a:effectRef>
-          <a:fontRef idx="minor"/>
-        </p:style>
-      </p:sp>
-      <p:sp>
-        <p:nvSpPr>
-          <p:cNvPr id="361" name="CustomShape 9"/>
-          <p:cNvSpPr/>
-          <p:nvPr/>
-        </p:nvSpPr>
-        <p:spPr>
-          <a:xfrm>
-            <a:off x="3414960" y="4407120"/>
-            <a:ext cx="2114280" cy="333360"/>
-          </a:xfrm>
-          <a:prstGeom prst="rect">
-            <a:avLst/>
-          </a:prstGeom>
-          <a:noFill/>
-          <a:ln>
-            <a:noFill/>
-          </a:ln>
-        </p:spPr>
-        <p:style>
-          <a:lnRef idx="0">
-            <a:scrgbClr r="0" g="0" b="0"/>
-          </a:lnRef>
-          <a:fillRef idx="0">
-            <a:scrgbClr r="0" g="0" b="0"/>
-          </a:fillRef>
-          <a:effectRef idx="0">
-            <a:scrgbClr r="0" g="0" b="0"/>
-          </a:effectRef>
-          <a:fontRef idx="minor"/>
-        </p:style>
-        <p:txBody>
-          <a:bodyPr lIns="90000" tIns="45000" rIns="90000" bIns="45000"/>
-          <a:lstStyle/>
-          <a:p>
-            <a:pPr>
-              <a:lnSpc>
-                <a:spcPct val="100000"/>
-              </a:lnSpc>
-            </a:pPr>
-            <a:r>
-              <a:rPr lang="en-US" sz="1600" b="0" strike="noStrike" spc="-1">
-                <a:solidFill>
-                  <a:srgbClr val="2E75B6"/>
-                </a:solidFill>
-                <a:uFill>
-                  <a:solidFill>
-                    <a:srgbClr val="FFFFFF"/>
-                  </a:solidFill>
-                </a:uFill>
-                <a:latin typeface="Calibri"/>
-                <a:ea typeface="DejaVu Sans"/>
-              </a:rPr>
-              <a:t>Kubernetes Cluster</a:t>
-            </a:r>
-            <a:endParaRPr lang="en-US" sz="1800" b="0" strike="noStrike" spc="-1">
-              <a:solidFill>
-                <a:srgbClr val="000000"/>
-              </a:solidFill>
-              <a:uFill>
-                <a:solidFill>
-                  <a:srgbClr val="FFFFFF"/>
-                </a:solidFill>
-              </a:uFill>
-              <a:latin typeface="Arial"/>
-            </a:endParaRPr>
-          </a:p>
-        </p:txBody>
-      </p:sp>
-      <p:pic>
-        <p:nvPicPr>
-          <p:cNvPr id="362" name="Content Placeholder 4"/>
-          <p:cNvPicPr/>
-          <p:nvPr/>
-        </p:nvPicPr>
-        <p:blipFill>
-          <a:blip r:embed="rId3"/>
-          <a:stretch/>
-        </p:blipFill>
-        <p:spPr>
-          <a:xfrm>
-            <a:off x="3528720" y="4133520"/>
-            <a:ext cx="308160" cy="308160"/>
-          </a:xfrm>
-          <a:prstGeom prst="rect">
-            <a:avLst/>
-          </a:prstGeom>
-          <a:ln>
-            <a:noFill/>
-          </a:ln>
-        </p:spPr>
-      </p:pic>
-      <p:sp>
-        <p:nvSpPr>
-          <p:cNvPr id="363" name="CustomShape 10"/>
-          <p:cNvSpPr/>
-          <p:nvPr/>
-        </p:nvSpPr>
-        <p:spPr>
-          <a:xfrm>
-            <a:off x="2636280" y="1027800"/>
-            <a:ext cx="5786280" cy="4375080"/>
-          </a:xfrm>
-          <a:prstGeom prst="heptagon">
-            <a:avLst>
-              <a:gd name="hf" fmla="val 102572"/>
-              <a:gd name="vf" fmla="val 105210"/>
-            </a:avLst>
-          </a:prstGeom>
-          <a:noFill/>
-          <a:ln w="19080">
-            <a:custDash>
-              <a:ds d="400000" sp="300000"/>
-            </a:custDash>
-            <a:round/>
-          </a:ln>
-        </p:spPr>
-        <p:style>
-          <a:lnRef idx="2">
-            <a:schemeClr val="accent1">
-              <a:shade val="50000"/>
-            </a:schemeClr>
-          </a:lnRef>
-          <a:fillRef idx="1">
-            <a:schemeClr val="accent1"/>
-          </a:fillRef>
-          <a:effectRef idx="0">
-            <a:schemeClr val="accent1"/>
-          </a:effectRef>
-          <a:fontRef idx="minor"/>
-        </p:style>
-      </p:sp>
-      <p:sp>
-        <p:nvSpPr>
-          <p:cNvPr id="364" name="CustomShape 11"/>
-          <p:cNvSpPr/>
-          <p:nvPr/>
-        </p:nvSpPr>
-        <p:spPr>
-          <a:xfrm>
-            <a:off x="7365240" y="2441880"/>
-            <a:ext cx="182880" cy="171720"/>
-          </a:xfrm>
-          <a:prstGeom prst="cube">
-            <a:avLst>
-              <a:gd name="adj" fmla="val 25000"/>
-            </a:avLst>
-          </a:prstGeom>
-          <a:ln>
-            <a:round/>
-          </a:ln>
-        </p:spPr>
-        <p:style>
-          <a:lnRef idx="2">
-            <a:schemeClr val="accent1">
-              <a:shade val="50000"/>
-            </a:schemeClr>
-          </a:lnRef>
-          <a:fillRef idx="1">
-            <a:schemeClr val="accent1"/>
-          </a:fillRef>
-          <a:effectRef idx="0">
-            <a:schemeClr val="accent1"/>
-          </a:effectRef>
-          <a:fontRef idx="minor"/>
-        </p:style>
-      </p:sp>
-      <p:sp>
-        <p:nvSpPr>
-          <p:cNvPr id="365" name="CustomShape 12"/>
-          <p:cNvSpPr/>
-          <p:nvPr/>
-        </p:nvSpPr>
-        <p:spPr>
-          <a:xfrm>
-            <a:off x="7189560" y="2252520"/>
-            <a:ext cx="465480" cy="475920"/>
-          </a:xfrm>
-          <a:prstGeom prst="ellipse">
-            <a:avLst/>
-          </a:prstGeom>
-          <a:noFill/>
-          <a:ln>
-            <a:round/>
-          </a:ln>
-        </p:spPr>
-        <p:style>
-          <a:lnRef idx="2">
-            <a:schemeClr val="accent1">
-              <a:shade val="50000"/>
-            </a:schemeClr>
-          </a:lnRef>
-          <a:fillRef idx="1">
-            <a:schemeClr val="accent1"/>
-          </a:fillRef>
-          <a:effectRef idx="0">
-            <a:schemeClr val="accent1"/>
-          </a:effectRef>
-          <a:fontRef idx="minor"/>
-        </p:style>
-      </p:sp>
-      <p:sp>
-        <p:nvSpPr>
-          <p:cNvPr id="366" name="CustomShape 13"/>
-          <p:cNvSpPr/>
-          <p:nvPr/>
-        </p:nvSpPr>
-        <p:spPr>
-          <a:xfrm>
-            <a:off x="7285680" y="2283480"/>
-            <a:ext cx="182880" cy="171720"/>
-          </a:xfrm>
-          <a:prstGeom prst="cube">
-            <a:avLst>
-              <a:gd name="adj" fmla="val 25000"/>
-            </a:avLst>
-          </a:prstGeom>
-          <a:solidFill>
-            <a:schemeClr val="accent6">
-              <a:lumMod val="60000"/>
-              <a:lumOff val="40000"/>
-            </a:schemeClr>
-          </a:solidFill>
-          <a:ln>
-            <a:round/>
-          </a:ln>
-        </p:spPr>
-        <p:style>
-          <a:lnRef idx="2">
-            <a:schemeClr val="accent1">
-              <a:shade val="50000"/>
-            </a:schemeClr>
-          </a:lnRef>
-          <a:fillRef idx="1">
-            <a:schemeClr val="accent1"/>
-          </a:fillRef>
-          <a:effectRef idx="0">
-            <a:schemeClr val="accent1"/>
-          </a:effectRef>
-          <a:fontRef idx="minor"/>
-        </p:style>
-      </p:sp>
-      <p:sp>
-        <p:nvSpPr>
-          <p:cNvPr id="367" name="CustomShape 14"/>
-          <p:cNvSpPr/>
-          <p:nvPr/>
-        </p:nvSpPr>
-        <p:spPr>
-          <a:xfrm>
-            <a:off x="5744880" y="2480400"/>
-            <a:ext cx="573480" cy="463320"/>
-          </a:xfrm>
-          <a:prstGeom prst="flowChartMagneticDisk">
-            <a:avLst/>
-          </a:prstGeom>
-          <a:solidFill>
-            <a:schemeClr val="bg1">
-              <a:lumMod val="95000"/>
-            </a:schemeClr>
-          </a:solidFill>
-          <a:ln>
-            <a:round/>
-          </a:ln>
-        </p:spPr>
-        <p:style>
-          <a:lnRef idx="2">
-            <a:schemeClr val="accent1">
-              <a:shade val="50000"/>
-            </a:schemeClr>
-          </a:lnRef>
-          <a:fillRef idx="1">
-            <a:schemeClr val="accent1"/>
-          </a:fillRef>
-          <a:effectRef idx="0">
-            <a:schemeClr val="accent1"/>
-          </a:effectRef>
-          <a:fontRef idx="minor"/>
-        </p:style>
-      </p:sp>
-      <p:sp>
-        <p:nvSpPr>
-          <p:cNvPr id="368" name="CustomShape 15"/>
-          <p:cNvSpPr/>
-          <p:nvPr/>
-        </p:nvSpPr>
-        <p:spPr>
-          <a:xfrm>
-            <a:off x="4290120" y="2584800"/>
-            <a:ext cx="573480" cy="463320"/>
-          </a:xfrm>
-          <a:prstGeom prst="flowChartMagneticDisk">
-            <a:avLst/>
-          </a:prstGeom>
-          <a:solidFill>
-            <a:schemeClr val="bg1">
-              <a:lumMod val="95000"/>
-            </a:schemeClr>
-          </a:solidFill>
-          <a:ln>
-            <a:round/>
-          </a:ln>
-        </p:spPr>
-        <p:style>
-          <a:lnRef idx="2">
-            <a:schemeClr val="accent1">
-              <a:shade val="50000"/>
-            </a:schemeClr>
-          </a:lnRef>
-          <a:fillRef idx="1">
-            <a:schemeClr val="accent1"/>
-          </a:fillRef>
-          <a:effectRef idx="0">
-            <a:schemeClr val="accent1"/>
-          </a:effectRef>
-          <a:fontRef idx="minor"/>
-        </p:style>
-      </p:sp>
-      <p:sp>
-        <p:nvSpPr>
-          <p:cNvPr id="369" name="CustomShape 16"/>
-          <p:cNvSpPr/>
-          <p:nvPr/>
-        </p:nvSpPr>
-        <p:spPr>
-          <a:xfrm>
-            <a:off x="1749240" y="4577040"/>
-            <a:ext cx="1051200" cy="632880"/>
-          </a:xfrm>
-          <a:prstGeom prst="flowChartMagneticDisk">
-            <a:avLst/>
-          </a:prstGeom>
-          <a:solidFill>
-            <a:schemeClr val="bg1">
-              <a:lumMod val="95000"/>
-            </a:schemeClr>
-          </a:solidFill>
-          <a:ln>
-            <a:round/>
-          </a:ln>
-        </p:spPr>
-        <p:style>
-          <a:lnRef idx="2">
-            <a:schemeClr val="accent1">
-              <a:shade val="50000"/>
-            </a:schemeClr>
-          </a:lnRef>
-          <a:fillRef idx="1">
-            <a:schemeClr val="accent1"/>
-          </a:fillRef>
-          <a:effectRef idx="0">
-            <a:schemeClr val="accent1"/>
-          </a:effectRef>
-          <a:fontRef idx="minor"/>
-        </p:style>
-      </p:sp>
-      <p:sp>
-        <p:nvSpPr>
-          <p:cNvPr id="370" name="CustomShape 17"/>
-          <p:cNvSpPr/>
-          <p:nvPr/>
-        </p:nvSpPr>
-        <p:spPr>
-          <a:xfrm>
-            <a:off x="3383280" y="3559680"/>
-            <a:ext cx="573480" cy="463320"/>
-          </a:xfrm>
-          <a:prstGeom prst="flowChartMagneticDisk">
-            <a:avLst/>
-          </a:prstGeom>
-          <a:solidFill>
-            <a:schemeClr val="bg1">
-              <a:lumMod val="95000"/>
-            </a:schemeClr>
-          </a:solidFill>
-          <a:ln>
-            <a:round/>
-          </a:ln>
-        </p:spPr>
-        <p:style>
-          <a:lnRef idx="2">
-            <a:schemeClr val="accent1">
-              <a:shade val="50000"/>
-            </a:schemeClr>
-          </a:lnRef>
-          <a:fillRef idx="1">
-            <a:schemeClr val="accent1"/>
-          </a:fillRef>
-          <a:effectRef idx="0">
-            <a:schemeClr val="accent1"/>
-          </a:effectRef>
-          <a:fontRef idx="minor"/>
-        </p:style>
-      </p:sp>
-    </p:spTree>
-    <p:extLst>
-      <p:ext uri="{BB962C8B-B14F-4D97-AF65-F5344CB8AC3E}">
-        <p14:creationId xmlns:p14="http://schemas.microsoft.com/office/powerpoint/2010/main" val="3108944396"/>
-      </p:ext>
-    </p:extLst>
-  </p:cSld>
-  <p:clrMapOvr>
-    <a:masterClrMapping/>
-  </p:clrMapOvr>
-  <p:timing>
-    <p:tnLst>
-      <p:par>
-        <p:cTn id="1" dur="indefinite" restart="never" nodeType="tmRoot">
-          <p:childTnLst>
-            <p:seq>
-              <p:cTn id="2" nodeType="mainSeq"/>
-              <p:prevCondLst>
-                <p:cond evt="onPrev" delay="0">
-                  <p:tgtEl>
-                    <p:sldTgt/>
-                  </p:tgtEl>
-                </p:cond>
-              </p:prevCondLst>
-              <p:nextCondLst>
-                <p:cond evt="onNext" delay="0">
-                  <p:tgtEl>
-                    <p:sldTgt/>
-                  </p:tgtEl>
-                </p:cond>
-              </p:nextCondLst>
-            </p:seq>
-          </p:childTnLst>
-        </p:cTn>
-      </p:par>
-    </p:tnLst>
-  </p:timing>
-</p:sld>
-</file>
-
-<file path=ppt/slides/slide36.xml><?xml version="1.0" encoding="utf-8"?>
-<p:sld xmlns:a="http://schemas.openxmlformats.org/drawingml/2006/main" xmlns:r="http://schemas.openxmlformats.org/officeDocument/2006/relationships" xmlns:p="http://schemas.openxmlformats.org/presentationml/2006/main">
-  <p:cSld>
-    <p:spTree>
-      <p:nvGrpSpPr>
-        <p:cNvPr id="1" name=""/>
-        <p:cNvGrpSpPr/>
-        <p:nvPr/>
-      </p:nvGrpSpPr>
-      <p:grpSpPr>
-        <a:xfrm>
-          <a:off x="0" y="0"/>
-          <a:ext cx="0" cy="0"/>
-          <a:chOff x="0" y="0"/>
-          <a:chExt cx="0" cy="0"/>
-        </a:xfrm>
-      </p:grpSpPr>
-      <p:sp>
-        <p:nvSpPr>
-          <p:cNvPr id="371" name="CustomShape 1"/>
-          <p:cNvSpPr/>
-          <p:nvPr/>
-        </p:nvSpPr>
-        <p:spPr>
-          <a:xfrm>
-            <a:off x="838080" y="365040"/>
-            <a:ext cx="10514880" cy="1324800"/>
-          </a:xfrm>
-          <a:prstGeom prst="rect">
-            <a:avLst/>
-          </a:prstGeom>
-          <a:noFill/>
-          <a:ln>
-            <a:noFill/>
-          </a:ln>
-        </p:spPr>
-        <p:style>
-          <a:lnRef idx="0">
-            <a:scrgbClr r="0" g="0" b="0"/>
-          </a:lnRef>
-          <a:fillRef idx="0">
-            <a:scrgbClr r="0" g="0" b="0"/>
-          </a:fillRef>
-          <a:effectRef idx="0">
-            <a:scrgbClr r="0" g="0" b="0"/>
-          </a:effectRef>
-          <a:fontRef idx="minor"/>
-        </p:style>
-        <p:txBody>
-          <a:bodyPr lIns="90000" tIns="45000" rIns="90000" bIns="45000" anchor="ctr"/>
-          <a:lstStyle/>
-          <a:p>
-            <a:pPr>
-              <a:lnSpc>
-                <a:spcPct val="90000"/>
-              </a:lnSpc>
-            </a:pPr>
-            <a:r>
-              <a:rPr lang="en-US" sz="4400" b="0" strike="noStrike" spc="-1">
-                <a:solidFill>
-                  <a:srgbClr val="000000"/>
-                </a:solidFill>
-                <a:uFill>
-                  <a:solidFill>
-                    <a:srgbClr val="FFFFFF"/>
-                  </a:solidFill>
-                </a:uFill>
-                <a:latin typeface="Calibri Light"/>
-              </a:rPr>
-              <a:t>Types of Volumes</a:t>
-            </a:r>
-            <a:endParaRPr lang="en-US" sz="1800" b="0" strike="noStrike" spc="-1">
-              <a:solidFill>
-                <a:srgbClr val="000000"/>
-              </a:solidFill>
-              <a:uFill>
-                <a:solidFill>
-                  <a:srgbClr val="FFFFFF"/>
-                </a:solidFill>
-              </a:uFill>
-              <a:latin typeface="Arial"/>
-            </a:endParaRPr>
-          </a:p>
-        </p:txBody>
-      </p:sp>
-      <p:sp>
-        <p:nvSpPr>
-          <p:cNvPr id="372" name="CustomShape 2"/>
-          <p:cNvSpPr/>
-          <p:nvPr/>
-        </p:nvSpPr>
-        <p:spPr>
-          <a:xfrm>
-            <a:off x="731880" y="1775520"/>
-            <a:ext cx="10514880" cy="4350600"/>
-          </a:xfrm>
-          <a:prstGeom prst="rect">
-            <a:avLst/>
-          </a:prstGeom>
-          <a:noFill/>
-          <a:ln>
-            <a:noFill/>
-          </a:ln>
-        </p:spPr>
-        <p:style>
-          <a:lnRef idx="0">
-            <a:scrgbClr r="0" g="0" b="0"/>
-          </a:lnRef>
-          <a:fillRef idx="0">
-            <a:scrgbClr r="0" g="0" b="0"/>
-          </a:fillRef>
-          <a:effectRef idx="0">
-            <a:scrgbClr r="0" g="0" b="0"/>
-          </a:effectRef>
-          <a:fontRef idx="minor"/>
-        </p:style>
-        <p:txBody>
-          <a:bodyPr lIns="90000" tIns="45000" rIns="90000" bIns="45000"/>
-          <a:lstStyle/>
-          <a:p>
-            <a:pPr marL="228600" indent="-227880">
-              <a:lnSpc>
-                <a:spcPct val="90000"/>
-              </a:lnSpc>
-              <a:buClr>
-                <a:srgbClr val="000000"/>
-              </a:buClr>
-              <a:buFont typeface="Arial"/>
-              <a:buChar char="•"/>
-            </a:pPr>
-            <a:r>
-              <a:rPr lang="en-US" sz="2800" b="0" strike="noStrike" spc="-1">
-                <a:solidFill>
-                  <a:srgbClr val="000000"/>
-                </a:solidFill>
-                <a:uFill>
-                  <a:solidFill>
-                    <a:srgbClr val="FFFFFF"/>
-                  </a:solidFill>
-                </a:uFill>
-                <a:latin typeface="Calibri"/>
-              </a:rPr>
-              <a:t>configMap/Secret</a:t>
-            </a:r>
-            <a:endParaRPr lang="en-US" sz="1800" b="0" strike="noStrike" spc="-1">
-              <a:solidFill>
-                <a:srgbClr val="000000"/>
-              </a:solidFill>
-              <a:uFill>
-                <a:solidFill>
-                  <a:srgbClr val="FFFFFF"/>
-                </a:solidFill>
-              </a:uFill>
-              <a:latin typeface="Arial"/>
-            </a:endParaRPr>
-          </a:p>
-          <a:p>
-            <a:pPr marL="228600" indent="-227880">
-              <a:lnSpc>
-                <a:spcPct val="90000"/>
-              </a:lnSpc>
-              <a:buClr>
-                <a:srgbClr val="000000"/>
-              </a:buClr>
-              <a:buFont typeface="Arial"/>
-              <a:buChar char="•"/>
-            </a:pPr>
-            <a:r>
-              <a:rPr lang="en-US" sz="2800" b="0" strike="noStrike" spc="-1">
-                <a:solidFill>
-                  <a:srgbClr val="000000"/>
-                </a:solidFill>
-                <a:uFill>
-                  <a:solidFill>
-                    <a:srgbClr val="FFFFFF"/>
-                  </a:solidFill>
-                </a:uFill>
-                <a:latin typeface="Calibri"/>
-              </a:rPr>
-              <a:t>projected</a:t>
-            </a:r>
-            <a:endParaRPr lang="en-US" sz="1800" b="0" strike="noStrike" spc="-1">
-              <a:solidFill>
-                <a:srgbClr val="000000"/>
-              </a:solidFill>
-              <a:uFill>
-                <a:solidFill>
-                  <a:srgbClr val="FFFFFF"/>
-                </a:solidFill>
-              </a:uFill>
-              <a:latin typeface="Arial"/>
-            </a:endParaRPr>
-          </a:p>
-          <a:p>
-            <a:pPr marL="228600" indent="-227880">
-              <a:lnSpc>
-                <a:spcPct val="90000"/>
-              </a:lnSpc>
-              <a:buClr>
-                <a:srgbClr val="000000"/>
-              </a:buClr>
-              <a:buFont typeface="Arial"/>
-              <a:buChar char="•"/>
-            </a:pPr>
-            <a:r>
-              <a:rPr lang="en-US" sz="2800" b="0" strike="noStrike" spc="-1">
-                <a:solidFill>
-                  <a:srgbClr val="000000"/>
-                </a:solidFill>
-                <a:uFill>
-                  <a:solidFill>
-                    <a:srgbClr val="FFFFFF"/>
-                  </a:solidFill>
-                </a:uFill>
-                <a:latin typeface="Calibri"/>
-              </a:rPr>
-              <a:t>emptyDir</a:t>
-            </a:r>
-            <a:endParaRPr lang="en-US" sz="1800" b="0" strike="noStrike" spc="-1">
-              <a:solidFill>
-                <a:srgbClr val="000000"/>
-              </a:solidFill>
-              <a:uFill>
-                <a:solidFill>
-                  <a:srgbClr val="FFFFFF"/>
-                </a:solidFill>
-              </a:uFill>
-              <a:latin typeface="Arial"/>
-            </a:endParaRPr>
-          </a:p>
-          <a:p>
-            <a:pPr marL="228600" indent="-227880">
-              <a:lnSpc>
-                <a:spcPct val="90000"/>
-              </a:lnSpc>
-              <a:buClr>
-                <a:srgbClr val="000000"/>
-              </a:buClr>
-              <a:buFont typeface="Arial"/>
-              <a:buChar char="•"/>
-            </a:pPr>
-            <a:r>
-              <a:rPr lang="en-US" sz="2800" b="0" strike="noStrike" spc="-1">
-                <a:solidFill>
-                  <a:srgbClr val="000000"/>
-                </a:solidFill>
-                <a:uFill>
-                  <a:solidFill>
-                    <a:srgbClr val="FFFFFF"/>
-                  </a:solidFill>
-                </a:uFill>
-                <a:latin typeface="Calibri"/>
-              </a:rPr>
-              <a:t>hostPath</a:t>
-            </a:r>
-            <a:endParaRPr lang="en-US" sz="1800" b="0" strike="noStrike" spc="-1">
-              <a:solidFill>
-                <a:srgbClr val="000000"/>
-              </a:solidFill>
-              <a:uFill>
-                <a:solidFill>
-                  <a:srgbClr val="FFFFFF"/>
-                </a:solidFill>
-              </a:uFill>
-              <a:latin typeface="Arial"/>
-            </a:endParaRPr>
-          </a:p>
-          <a:p>
-            <a:pPr marL="228600" indent="-227880">
-              <a:lnSpc>
-                <a:spcPct val="90000"/>
-              </a:lnSpc>
-              <a:buClr>
-                <a:srgbClr val="000000"/>
-              </a:buClr>
-              <a:buFont typeface="Arial"/>
-              <a:buChar char="•"/>
-            </a:pPr>
-            <a:r>
-              <a:rPr lang="en-US" sz="2800" b="0" strike="noStrike" spc="-1">
-                <a:solidFill>
-                  <a:srgbClr val="000000"/>
-                </a:solidFill>
-                <a:uFill>
-                  <a:solidFill>
-                    <a:srgbClr val="FFFFFF"/>
-                  </a:solidFill>
-                </a:uFill>
-                <a:latin typeface="Calibri"/>
-              </a:rPr>
-              <a:t>NFS</a:t>
-            </a:r>
-            <a:endParaRPr lang="en-US" sz="1800" b="0" strike="noStrike" spc="-1">
-              <a:solidFill>
-                <a:srgbClr val="000000"/>
-              </a:solidFill>
-              <a:uFill>
-                <a:solidFill>
-                  <a:srgbClr val="FFFFFF"/>
-                </a:solidFill>
-              </a:uFill>
-              <a:latin typeface="Arial"/>
-            </a:endParaRPr>
-          </a:p>
-          <a:p>
-            <a:pPr marL="228600" indent="-227880">
-              <a:lnSpc>
-                <a:spcPct val="90000"/>
-              </a:lnSpc>
-              <a:buClr>
-                <a:srgbClr val="000000"/>
-              </a:buClr>
-              <a:buFont typeface="Arial"/>
-              <a:buChar char="•"/>
-            </a:pPr>
-            <a:r>
-              <a:rPr lang="en-US" sz="2800" b="0" strike="noStrike" spc="-1">
-                <a:solidFill>
-                  <a:srgbClr val="000000"/>
-                </a:solidFill>
-                <a:uFill>
-                  <a:solidFill>
-                    <a:srgbClr val="FFFFFF"/>
-                  </a:solidFill>
-                </a:uFill>
-                <a:latin typeface="Calibri"/>
-              </a:rPr>
-              <a:t>CEPH</a:t>
-            </a:r>
-            <a:endParaRPr lang="en-US" sz="1800" b="0" strike="noStrike" spc="-1">
-              <a:solidFill>
-                <a:srgbClr val="000000"/>
-              </a:solidFill>
-              <a:uFill>
-                <a:solidFill>
-                  <a:srgbClr val="FFFFFF"/>
-                </a:solidFill>
-              </a:uFill>
-              <a:latin typeface="Arial"/>
-            </a:endParaRPr>
-          </a:p>
-          <a:p>
-            <a:pPr marL="228600" indent="-227880">
-              <a:lnSpc>
-                <a:spcPct val="90000"/>
-              </a:lnSpc>
-              <a:buClr>
-                <a:srgbClr val="000000"/>
-              </a:buClr>
-              <a:buFont typeface="Arial"/>
-              <a:buChar char="•"/>
-            </a:pPr>
-            <a:r>
-              <a:rPr lang="en-US" sz="2800" b="0" strike="noStrike" spc="-1">
-                <a:solidFill>
-                  <a:srgbClr val="000000"/>
-                </a:solidFill>
-                <a:uFill>
-                  <a:solidFill>
-                    <a:srgbClr val="FFFFFF"/>
-                  </a:solidFill>
-                </a:uFill>
-                <a:latin typeface="Calibri"/>
-              </a:rPr>
-              <a:t>glusterFS</a:t>
-            </a:r>
-            <a:endParaRPr lang="en-US" sz="1800" b="0" strike="noStrike" spc="-1">
-              <a:solidFill>
-                <a:srgbClr val="000000"/>
-              </a:solidFill>
-              <a:uFill>
-                <a:solidFill>
-                  <a:srgbClr val="FFFFFF"/>
-                </a:solidFill>
-              </a:uFill>
-              <a:latin typeface="Arial"/>
-            </a:endParaRPr>
-          </a:p>
-          <a:p>
-            <a:pPr marL="228600" indent="-227880">
-              <a:lnSpc>
-                <a:spcPct val="90000"/>
-              </a:lnSpc>
-              <a:buClr>
-                <a:srgbClr val="000000"/>
-              </a:buClr>
-              <a:buFont typeface="Arial"/>
-              <a:buChar char="•"/>
-            </a:pPr>
-            <a:r>
-              <a:rPr lang="en-US" sz="2800" b="0" strike="noStrike" spc="-1">
-                <a:solidFill>
-                  <a:srgbClr val="000000"/>
-                </a:solidFill>
-                <a:uFill>
-                  <a:solidFill>
-                    <a:srgbClr val="FFFFFF"/>
-                  </a:solidFill>
-                </a:uFill>
-                <a:latin typeface="Calibri"/>
-              </a:rPr>
-              <a:t>storageOS</a:t>
-            </a:r>
-            <a:endParaRPr lang="en-US" sz="1800" b="0" strike="noStrike" spc="-1">
-              <a:solidFill>
-                <a:srgbClr val="000000"/>
-              </a:solidFill>
-              <a:uFill>
-                <a:solidFill>
-                  <a:srgbClr val="FFFFFF"/>
-                </a:solidFill>
-              </a:uFill>
-              <a:latin typeface="Arial"/>
-            </a:endParaRPr>
-          </a:p>
-          <a:p>
-            <a:pPr>
-              <a:lnSpc>
-                <a:spcPct val="90000"/>
-              </a:lnSpc>
-            </a:pPr>
-            <a:endParaRPr lang="en-US" sz="1800" b="0" strike="noStrike" spc="-1">
-              <a:solidFill>
-                <a:srgbClr val="000000"/>
-              </a:solidFill>
-              <a:uFill>
-                <a:solidFill>
-                  <a:srgbClr val="FFFFFF"/>
-                </a:solidFill>
-              </a:uFill>
-              <a:latin typeface="Arial"/>
-            </a:endParaRPr>
-          </a:p>
-        </p:txBody>
-      </p:sp>
-    </p:spTree>
-    <p:extLst>
-      <p:ext uri="{BB962C8B-B14F-4D97-AF65-F5344CB8AC3E}">
-        <p14:creationId xmlns:p14="http://schemas.microsoft.com/office/powerpoint/2010/main" val="23707955"/>
-      </p:ext>
-    </p:extLst>
-  </p:cSld>
-  <p:clrMapOvr>
-    <a:masterClrMapping/>
-  </p:clrMapOvr>
-  <p:timing>
-    <p:tnLst>
-      <p:par>
-        <p:cTn id="1" dur="indefinite" restart="never" nodeType="tmRoot">
-          <p:childTnLst>
-            <p:seq>
-              <p:cTn id="2" nodeType="mainSeq"/>
-              <p:prevCondLst>
-                <p:cond evt="onPrev" delay="0">
-                  <p:tgtEl>
-                    <p:sldTgt/>
-                  </p:tgtEl>
-                </p:cond>
-              </p:prevCondLst>
-              <p:nextCondLst>
-                <p:cond evt="onNext" delay="0">
-                  <p:tgtEl>
-                    <p:sldTgt/>
-                  </p:tgtEl>
-                </p:cond>
-              </p:nextCondLst>
-            </p:seq>
-          </p:childTnLst>
-        </p:cTn>
-      </p:par>
-    </p:tnLst>
-  </p:timing>
-</p:sld>
-</file>
-
-<file path=ppt/slides/slide37.xml><?xml version="1.0" encoding="utf-8"?>
-<p:sld xmlns:a="http://schemas.openxmlformats.org/drawingml/2006/main" xmlns:r="http://schemas.openxmlformats.org/officeDocument/2006/relationships" xmlns:p="http://schemas.openxmlformats.org/presentationml/2006/main">
-  <p:cSld>
-    <p:spTree>
-      <p:nvGrpSpPr>
-        <p:cNvPr id="1" name=""/>
-        <p:cNvGrpSpPr/>
-        <p:nvPr/>
-      </p:nvGrpSpPr>
-      <p:grpSpPr>
-        <a:xfrm>
-          <a:off x="0" y="0"/>
-          <a:ext cx="0" cy="0"/>
-          <a:chOff x="0" y="0"/>
-          <a:chExt cx="0" cy="0"/>
-        </a:xfrm>
-      </p:grpSpPr>
-      <p:sp>
-        <p:nvSpPr>
-          <p:cNvPr id="373" name="CustomShape 1"/>
-          <p:cNvSpPr/>
-          <p:nvPr/>
-        </p:nvSpPr>
-        <p:spPr>
-          <a:xfrm>
-            <a:off x="838080" y="365040"/>
-            <a:ext cx="10514880" cy="1324800"/>
-          </a:xfrm>
-          <a:prstGeom prst="rect">
-            <a:avLst/>
-          </a:prstGeom>
-          <a:noFill/>
-          <a:ln>
-            <a:noFill/>
-          </a:ln>
-        </p:spPr>
-        <p:style>
-          <a:lnRef idx="0">
-            <a:scrgbClr r="0" g="0" b="0"/>
-          </a:lnRef>
-          <a:fillRef idx="0">
-            <a:scrgbClr r="0" g="0" b="0"/>
-          </a:fillRef>
-          <a:effectRef idx="0">
-            <a:scrgbClr r="0" g="0" b="0"/>
-          </a:effectRef>
-          <a:fontRef idx="minor"/>
-        </p:style>
-        <p:txBody>
-          <a:bodyPr lIns="90000" tIns="45000" rIns="90000" bIns="45000" anchor="ctr"/>
-          <a:lstStyle/>
-          <a:p>
-            <a:pPr>
-              <a:lnSpc>
-                <a:spcPct val="90000"/>
-              </a:lnSpc>
-            </a:pPr>
-            <a:r>
-              <a:rPr lang="en-US" sz="4000" b="0" strike="noStrike" spc="-1">
-                <a:solidFill>
-                  <a:srgbClr val="000000"/>
-                </a:solidFill>
-                <a:uFill>
-                  <a:solidFill>
-                    <a:srgbClr val="FFFFFF"/>
-                  </a:solidFill>
-                </a:uFill>
-                <a:latin typeface="Calibri Light"/>
-              </a:rPr>
-              <a:t>Volume - ConfigMap</a:t>
-            </a:r>
-            <a:endParaRPr lang="en-US" sz="4000" b="0" strike="noStrike" spc="-1">
-              <a:solidFill>
-                <a:srgbClr val="000000"/>
-              </a:solidFill>
-              <a:uFill>
-                <a:solidFill>
-                  <a:srgbClr val="FFFFFF"/>
-                </a:solidFill>
-              </a:uFill>
-              <a:latin typeface="Arial"/>
-            </a:endParaRPr>
-          </a:p>
-        </p:txBody>
-      </p:sp>
-      <p:pic>
-        <p:nvPicPr>
-          <p:cNvPr id="374" name="Content Placeholder 4"/>
-          <p:cNvPicPr/>
-          <p:nvPr/>
-        </p:nvPicPr>
-        <p:blipFill>
-          <a:blip r:embed="rId2"/>
-          <a:stretch/>
-        </p:blipFill>
-        <p:spPr>
-          <a:xfrm>
-            <a:off x="838080" y="1875240"/>
-            <a:ext cx="4073760" cy="3258720"/>
-          </a:xfrm>
-          <a:prstGeom prst="rect">
-            <a:avLst/>
-          </a:prstGeom>
-          <a:ln>
-            <a:noFill/>
-          </a:ln>
-        </p:spPr>
-      </p:pic>
-      <p:pic>
-        <p:nvPicPr>
-          <p:cNvPr id="375" name="Picture 3"/>
-          <p:cNvPicPr/>
-          <p:nvPr/>
-        </p:nvPicPr>
-        <p:blipFill>
-          <a:blip r:embed="rId3"/>
-          <a:stretch/>
-        </p:blipFill>
-        <p:spPr>
-          <a:xfrm>
-            <a:off x="6309360" y="365040"/>
-            <a:ext cx="5153040" cy="5450400"/>
-          </a:xfrm>
-          <a:prstGeom prst="rect">
-            <a:avLst/>
-          </a:prstGeom>
-          <a:ln>
-            <a:noFill/>
-          </a:ln>
-        </p:spPr>
-      </p:pic>
-      <p:sp>
-        <p:nvSpPr>
-          <p:cNvPr id="376" name="CustomShape 2"/>
-          <p:cNvSpPr/>
-          <p:nvPr/>
-        </p:nvSpPr>
-        <p:spPr>
-          <a:xfrm>
-            <a:off x="947520" y="1505880"/>
-            <a:ext cx="2234520" cy="364320"/>
-          </a:xfrm>
-          <a:prstGeom prst="rect">
-            <a:avLst/>
-          </a:prstGeom>
-          <a:noFill/>
-          <a:ln>
-            <a:noFill/>
-          </a:ln>
-        </p:spPr>
-        <p:style>
-          <a:lnRef idx="0">
-            <a:scrgbClr r="0" g="0" b="0"/>
-          </a:lnRef>
-          <a:fillRef idx="0">
-            <a:scrgbClr r="0" g="0" b="0"/>
-          </a:fillRef>
-          <a:effectRef idx="0">
-            <a:scrgbClr r="0" g="0" b="0"/>
-          </a:effectRef>
-          <a:fontRef idx="minor"/>
-        </p:style>
-        <p:txBody>
-          <a:bodyPr lIns="90000" tIns="45000" rIns="90000" bIns="45000"/>
-          <a:lstStyle/>
-          <a:p>
-            <a:pPr>
-              <a:lnSpc>
-                <a:spcPct val="100000"/>
-              </a:lnSpc>
-            </a:pPr>
-            <a:r>
-              <a:rPr lang="en-US" sz="1800" b="1" u="sng" strike="noStrike" spc="-1">
-                <a:solidFill>
-                  <a:srgbClr val="000000"/>
-                </a:solidFill>
-                <a:uFill>
-                  <a:solidFill>
-                    <a:srgbClr val="FFFFFF"/>
-                  </a:solidFill>
-                </a:uFill>
-                <a:latin typeface="Calibri"/>
-                <a:ea typeface="DejaVu Sans"/>
-              </a:rPr>
-              <a:t>my-config.yaml</a:t>
-            </a:r>
-            <a:endParaRPr lang="en-US" sz="1800" b="0" strike="noStrike" spc="-1">
-              <a:solidFill>
-                <a:srgbClr val="000000"/>
-              </a:solidFill>
-              <a:uFill>
-                <a:solidFill>
-                  <a:srgbClr val="FFFFFF"/>
-                </a:solidFill>
-              </a:uFill>
-              <a:latin typeface="Arial"/>
-            </a:endParaRPr>
-          </a:p>
-        </p:txBody>
-      </p:sp>
-      <p:sp>
-        <p:nvSpPr>
-          <p:cNvPr id="377" name="CustomShape 3"/>
-          <p:cNvSpPr/>
-          <p:nvPr/>
-        </p:nvSpPr>
-        <p:spPr>
-          <a:xfrm>
-            <a:off x="120960" y="5657040"/>
-            <a:ext cx="10870560" cy="1039320"/>
-          </a:xfrm>
-          <a:prstGeom prst="rect">
-            <a:avLst/>
-          </a:prstGeom>
-          <a:solidFill>
-            <a:schemeClr val="bg1">
-              <a:lumMod val="95000"/>
-            </a:schemeClr>
-          </a:solidFill>
-          <a:ln>
-            <a:round/>
-          </a:ln>
-        </p:spPr>
-        <p:style>
-          <a:lnRef idx="2">
-            <a:schemeClr val="accent1">
-              <a:shade val="50000"/>
-            </a:schemeClr>
-          </a:lnRef>
-          <a:fillRef idx="1">
-            <a:schemeClr val="accent1"/>
-          </a:fillRef>
-          <a:effectRef idx="0">
-            <a:schemeClr val="accent1"/>
-          </a:effectRef>
-          <a:fontRef idx="minor"/>
-        </p:style>
-        <p:txBody>
-          <a:bodyPr lIns="90000" tIns="45000" rIns="90000" bIns="45000" anchor="ctr"/>
-          <a:lstStyle/>
-          <a:p>
-            <a:pPr>
-              <a:lnSpc>
-                <a:spcPct val="100000"/>
-              </a:lnSpc>
-            </a:pPr>
-            <a:r>
-              <a:rPr lang="en-US" sz="2200" b="1" strike="noStrike" spc="-1">
-                <a:solidFill>
-                  <a:srgbClr val="000000"/>
-                </a:solidFill>
-                <a:uFill>
-                  <a:solidFill>
-                    <a:srgbClr val="FFFFFF"/>
-                  </a:solidFill>
-                </a:uFill>
-                <a:latin typeface="Courier New"/>
-                <a:ea typeface="DejaVu Sans"/>
-              </a:rPr>
-              <a:t>$ kubectl create –f </a:t>
-            </a:r>
-            <a:r>
-              <a:rPr lang="en-US" sz="2200" b="1" strike="noStrike" spc="-1">
-                <a:solidFill>
-                  <a:srgbClr val="843C0B"/>
-                </a:solidFill>
-                <a:uFill>
-                  <a:solidFill>
-                    <a:srgbClr val="FFFFFF"/>
-                  </a:solidFill>
-                </a:uFill>
-                <a:latin typeface="Courier New"/>
-                <a:ea typeface="DejaVu Sans"/>
-              </a:rPr>
-              <a:t>my-config.yaml</a:t>
-            </a:r>
-            <a:endParaRPr lang="en-US" sz="1800" b="0" strike="noStrike" spc="-1">
-              <a:solidFill>
-                <a:srgbClr val="000000"/>
-              </a:solidFill>
-              <a:uFill>
-                <a:solidFill>
-                  <a:srgbClr val="FFFFFF"/>
-                </a:solidFill>
-              </a:uFill>
-              <a:latin typeface="Arial"/>
-            </a:endParaRPr>
-          </a:p>
-          <a:p>
-            <a:pPr>
-              <a:lnSpc>
-                <a:spcPct val="100000"/>
-              </a:lnSpc>
-            </a:pPr>
-            <a:r>
-              <a:rPr lang="en-US" sz="2200" b="1" strike="noStrike" spc="-1">
-                <a:solidFill>
-                  <a:srgbClr val="000000"/>
-                </a:solidFill>
-                <a:uFill>
-                  <a:solidFill>
-                    <a:srgbClr val="FFFFFF"/>
-                  </a:solidFill>
-                </a:uFill>
-                <a:latin typeface="Courier New"/>
-                <a:ea typeface="DejaVu Sans"/>
-              </a:rPr>
-              <a:t>$ kubectl create configmap --from-file=example.property.file</a:t>
-            </a:r>
-            <a:endParaRPr lang="en-US" sz="1800" b="0" strike="noStrike" spc="-1">
-              <a:solidFill>
-                <a:srgbClr val="000000"/>
-              </a:solidFill>
-              <a:uFill>
-                <a:solidFill>
-                  <a:srgbClr val="FFFFFF"/>
-                </a:solidFill>
-              </a:uFill>
-              <a:latin typeface="Arial"/>
-            </a:endParaRPr>
-          </a:p>
-        </p:txBody>
-      </p:sp>
-    </p:spTree>
-    <p:extLst>
-      <p:ext uri="{BB962C8B-B14F-4D97-AF65-F5344CB8AC3E}">
-        <p14:creationId xmlns:p14="http://schemas.microsoft.com/office/powerpoint/2010/main" val="3672543733"/>
-      </p:ext>
-    </p:extLst>
-  </p:cSld>
-  <p:clrMapOvr>
-    <a:masterClrMapping/>
-  </p:clrMapOvr>
-  <p:timing>
-    <p:tnLst>
-      <p:par>
-        <p:cTn id="1" dur="indefinite" restart="never" nodeType="tmRoot">
-          <p:childTnLst>
-            <p:seq>
-              <p:cTn id="2" nodeType="mainSeq"/>
-              <p:prevCondLst>
-                <p:cond evt="onPrev" delay="0">
-                  <p:tgtEl>
-                    <p:sldTgt/>
-                  </p:tgtEl>
-                </p:cond>
-              </p:prevCondLst>
-              <p:nextCondLst>
-                <p:cond evt="onNext" delay="0">
-                  <p:tgtEl>
-                    <p:sldTgt/>
-                  </p:tgtEl>
-                </p:cond>
-              </p:nextCondLst>
-            </p:seq>
-          </p:childTnLst>
-        </p:cTn>
-      </p:par>
-    </p:tnLst>
-  </p:timing>
-</p:sld>
-</file>
-
-<file path=ppt/slides/slide38.xml><?xml version="1.0" encoding="utf-8"?>
-<p:sld xmlns:a="http://schemas.openxmlformats.org/drawingml/2006/main" xmlns:r="http://schemas.openxmlformats.org/officeDocument/2006/relationships" xmlns:p="http://schemas.openxmlformats.org/presentationml/2006/main">
-  <p:cSld>
-    <p:spTree>
-      <p:nvGrpSpPr>
-        <p:cNvPr id="1" name=""/>
-        <p:cNvGrpSpPr/>
-        <p:nvPr/>
-      </p:nvGrpSpPr>
-      <p:grpSpPr>
-        <a:xfrm>
-          <a:off x="0" y="0"/>
-          <a:ext cx="0" cy="0"/>
-          <a:chOff x="0" y="0"/>
-          <a:chExt cx="0" cy="0"/>
-        </a:xfrm>
-      </p:grpSpPr>
-      <p:sp>
-        <p:nvSpPr>
-          <p:cNvPr id="378" name="CustomShape 1"/>
-          <p:cNvSpPr/>
-          <p:nvPr/>
-        </p:nvSpPr>
-        <p:spPr>
-          <a:xfrm>
-            <a:off x="838080" y="365040"/>
-            <a:ext cx="10514880" cy="1324800"/>
-          </a:xfrm>
-          <a:prstGeom prst="rect">
-            <a:avLst/>
-          </a:prstGeom>
-          <a:noFill/>
-          <a:ln>
-            <a:noFill/>
-          </a:ln>
-        </p:spPr>
-        <p:style>
-          <a:lnRef idx="0">
-            <a:scrgbClr r="0" g="0" b="0"/>
-          </a:lnRef>
-          <a:fillRef idx="0">
-            <a:scrgbClr r="0" g="0" b="0"/>
-          </a:fillRef>
-          <a:effectRef idx="0">
-            <a:scrgbClr r="0" g="0" b="0"/>
-          </a:effectRef>
-          <a:fontRef idx="minor"/>
-        </p:style>
-        <p:txBody>
-          <a:bodyPr lIns="90000" tIns="45000" rIns="90000" bIns="45000" anchor="ctr"/>
-          <a:lstStyle/>
-          <a:p>
-            <a:pPr>
-              <a:lnSpc>
-                <a:spcPct val="90000"/>
-              </a:lnSpc>
-            </a:pPr>
-            <a:r>
-              <a:rPr lang="en-US" sz="4400" b="0" strike="noStrike" spc="-1">
-                <a:solidFill>
-                  <a:srgbClr val="000000"/>
-                </a:solidFill>
-                <a:uFill>
-                  <a:solidFill>
-                    <a:srgbClr val="FFFFFF"/>
-                  </a:solidFill>
-                </a:uFill>
-                <a:latin typeface="Calibri Light"/>
-              </a:rPr>
-              <a:t>Volume - configMap</a:t>
-            </a:r>
-            <a:endParaRPr lang="en-US" sz="1800" b="0" strike="noStrike" spc="-1">
-              <a:solidFill>
-                <a:srgbClr val="000000"/>
-              </a:solidFill>
-              <a:uFill>
-                <a:solidFill>
-                  <a:srgbClr val="FFFFFF"/>
-                </a:solidFill>
-              </a:uFill>
-              <a:latin typeface="Arial"/>
-            </a:endParaRPr>
-          </a:p>
-        </p:txBody>
-      </p:sp>
-      <p:sp>
-        <p:nvSpPr>
-          <p:cNvPr id="379" name="CustomShape 2"/>
-          <p:cNvSpPr/>
-          <p:nvPr/>
-        </p:nvSpPr>
-        <p:spPr>
-          <a:xfrm>
-            <a:off x="3311640" y="2284200"/>
-            <a:ext cx="5649120" cy="3933360"/>
-          </a:xfrm>
-          <a:prstGeom prst="pentagon">
-            <a:avLst>
-              <a:gd name="hf" fmla="val 105146"/>
-              <a:gd name="vf" fmla="val 110557"/>
-            </a:avLst>
-          </a:prstGeom>
-          <a:solidFill>
-            <a:schemeClr val="accent1">
-              <a:lumMod val="75000"/>
-            </a:schemeClr>
-          </a:solidFill>
-          <a:ln>
-            <a:round/>
-          </a:ln>
-        </p:spPr>
-        <p:style>
-          <a:lnRef idx="2">
-            <a:schemeClr val="accent1">
-              <a:shade val="50000"/>
-            </a:schemeClr>
-          </a:lnRef>
-          <a:fillRef idx="1">
-            <a:schemeClr val="accent1"/>
-          </a:fillRef>
-          <a:effectRef idx="0">
-            <a:schemeClr val="accent1"/>
-          </a:effectRef>
-          <a:fontRef idx="minor"/>
-        </p:style>
-      </p:sp>
-      <p:sp>
-        <p:nvSpPr>
-          <p:cNvPr id="380" name="CustomShape 3"/>
-          <p:cNvSpPr/>
-          <p:nvPr/>
-        </p:nvSpPr>
-        <p:spPr>
-          <a:xfrm>
-            <a:off x="2967120" y="2189880"/>
-            <a:ext cx="6359400" cy="3479040"/>
-          </a:xfrm>
-          <a:prstGeom prst="pentagon">
-            <a:avLst>
-              <a:gd name="hf" fmla="val 105146"/>
-              <a:gd name="vf" fmla="val 110557"/>
-            </a:avLst>
-          </a:prstGeom>
-          <a:solidFill>
-            <a:schemeClr val="bg1"/>
-          </a:solidFill>
-          <a:ln>
-            <a:round/>
-          </a:ln>
-        </p:spPr>
-        <p:style>
-          <a:lnRef idx="2">
-            <a:schemeClr val="accent1">
-              <a:shade val="50000"/>
-            </a:schemeClr>
-          </a:lnRef>
-          <a:fillRef idx="1">
-            <a:schemeClr val="accent1"/>
-          </a:fillRef>
-          <a:effectRef idx="0">
-            <a:schemeClr val="accent1"/>
-          </a:effectRef>
-          <a:fontRef idx="minor"/>
-        </p:style>
-      </p:sp>
-      <p:sp>
-        <p:nvSpPr>
-          <p:cNvPr id="381" name="CustomShape 4"/>
-          <p:cNvSpPr/>
-          <p:nvPr/>
-        </p:nvSpPr>
-        <p:spPr>
-          <a:xfrm>
-            <a:off x="4297680" y="3017520"/>
-            <a:ext cx="3158280" cy="1818720"/>
-          </a:xfrm>
-          <a:prstGeom prst="cube">
-            <a:avLst>
-              <a:gd name="adj" fmla="val 25000"/>
-            </a:avLst>
-          </a:prstGeom>
-          <a:ln>
-            <a:round/>
-          </a:ln>
-        </p:spPr>
-        <p:style>
-          <a:lnRef idx="2">
-            <a:schemeClr val="accent1">
-              <a:shade val="50000"/>
-            </a:schemeClr>
-          </a:lnRef>
-          <a:fillRef idx="1">
-            <a:schemeClr val="accent1"/>
-          </a:fillRef>
-          <a:effectRef idx="0">
-            <a:schemeClr val="accent1"/>
-          </a:effectRef>
-          <a:fontRef idx="minor"/>
-        </p:style>
-      </p:sp>
-      <p:sp>
-        <p:nvSpPr>
-          <p:cNvPr id="382" name="CustomShape 5"/>
-          <p:cNvSpPr/>
-          <p:nvPr/>
-        </p:nvSpPr>
-        <p:spPr>
-          <a:xfrm>
-            <a:off x="4006800" y="2521440"/>
-            <a:ext cx="3840120" cy="2925720"/>
-          </a:xfrm>
-          <a:prstGeom prst="ellipse">
-            <a:avLst/>
-          </a:prstGeom>
-          <a:noFill/>
-          <a:ln>
-            <a:round/>
-          </a:ln>
-        </p:spPr>
-        <p:style>
-          <a:lnRef idx="2">
-            <a:schemeClr val="accent1">
-              <a:shade val="50000"/>
-            </a:schemeClr>
-          </a:lnRef>
-          <a:fillRef idx="1">
-            <a:schemeClr val="accent1"/>
-          </a:fillRef>
-          <a:effectRef idx="0">
-            <a:schemeClr val="accent1"/>
-          </a:effectRef>
-          <a:fontRef idx="minor"/>
-        </p:style>
-      </p:sp>
-      <p:sp>
-        <p:nvSpPr>
-          <p:cNvPr id="383" name="CustomShape 6"/>
-          <p:cNvSpPr/>
-          <p:nvPr/>
-        </p:nvSpPr>
-        <p:spPr>
-          <a:xfrm>
-            <a:off x="4545360" y="5760720"/>
-            <a:ext cx="1215000" cy="364320"/>
-          </a:xfrm>
-          <a:prstGeom prst="rect">
-            <a:avLst/>
-          </a:prstGeom>
-          <a:noFill/>
-          <a:ln>
-            <a:noFill/>
-          </a:ln>
-        </p:spPr>
-        <p:style>
-          <a:lnRef idx="0">
-            <a:scrgbClr r="0" g="0" b="0"/>
-          </a:lnRef>
-          <a:fillRef idx="0">
-            <a:scrgbClr r="0" g="0" b="0"/>
-          </a:fillRef>
-          <a:effectRef idx="0">
-            <a:scrgbClr r="0" g="0" b="0"/>
-          </a:effectRef>
-          <a:fontRef idx="minor"/>
-        </p:style>
-        <p:txBody>
-          <a:bodyPr lIns="90000" tIns="45000" rIns="90000" bIns="45000"/>
-          <a:lstStyle/>
-          <a:p>
-            <a:pPr>
-              <a:lnSpc>
-                <a:spcPct val="100000"/>
-              </a:lnSpc>
-            </a:pPr>
-            <a:r>
-              <a:rPr lang="en-US" sz="1800" b="0" strike="noStrike" spc="-1">
-                <a:solidFill>
-                  <a:srgbClr val="FFFFFF"/>
-                </a:solidFill>
-                <a:uFill>
-                  <a:solidFill>
-                    <a:srgbClr val="FFFFFF"/>
-                  </a:solidFill>
-                </a:uFill>
-                <a:latin typeface="Calibri"/>
-                <a:ea typeface="DejaVu Sans"/>
-              </a:rPr>
-              <a:t>kublet</a:t>
-            </a:r>
-            <a:endParaRPr lang="en-US" sz="1800" b="0" strike="noStrike" spc="-1">
-              <a:solidFill>
-                <a:srgbClr val="000000"/>
-              </a:solidFill>
-              <a:uFill>
-                <a:solidFill>
-                  <a:srgbClr val="FFFFFF"/>
-                </a:solidFill>
-              </a:uFill>
-              <a:latin typeface="Arial"/>
-            </a:endParaRPr>
-          </a:p>
-        </p:txBody>
-      </p:sp>
-      <p:sp>
-        <p:nvSpPr>
-          <p:cNvPr id="384" name="CustomShape 7"/>
-          <p:cNvSpPr/>
-          <p:nvPr/>
-        </p:nvSpPr>
-        <p:spPr>
-          <a:xfrm>
-            <a:off x="6583680" y="5823000"/>
-            <a:ext cx="1215000" cy="303120"/>
-          </a:xfrm>
-          <a:prstGeom prst="rect">
-            <a:avLst/>
-          </a:prstGeom>
-          <a:solidFill>
-            <a:srgbClr val="00B0F0"/>
-          </a:solidFill>
-          <a:ln>
-            <a:noFill/>
-          </a:ln>
-        </p:spPr>
-        <p:style>
-          <a:lnRef idx="0">
-            <a:scrgbClr r="0" g="0" b="0"/>
-          </a:lnRef>
-          <a:fillRef idx="0">
-            <a:scrgbClr r="0" g="0" b="0"/>
-          </a:fillRef>
-          <a:effectRef idx="0">
-            <a:scrgbClr r="0" g="0" b="0"/>
-          </a:effectRef>
-          <a:fontRef idx="minor"/>
-        </p:style>
-        <p:txBody>
-          <a:bodyPr lIns="90000" tIns="45000" rIns="90000" bIns="45000"/>
-          <a:lstStyle/>
-          <a:p>
-            <a:pPr>
-              <a:lnSpc>
-                <a:spcPct val="100000"/>
-              </a:lnSpc>
-            </a:pPr>
-            <a:r>
-              <a:rPr lang="en-US" sz="1400" b="0" strike="noStrike" spc="-1">
-                <a:solidFill>
-                  <a:srgbClr val="FFFFFF"/>
-                </a:solidFill>
-                <a:uFill>
-                  <a:solidFill>
-                    <a:srgbClr val="FFFFFF"/>
-                  </a:solidFill>
-                </a:uFill>
-                <a:latin typeface="Calibri"/>
-                <a:ea typeface="DejaVu Sans"/>
-              </a:rPr>
-              <a:t>Docker</a:t>
-            </a:r>
-            <a:endParaRPr lang="en-US" sz="1800" b="0" strike="noStrike" spc="-1">
-              <a:solidFill>
-                <a:srgbClr val="000000"/>
-              </a:solidFill>
-              <a:uFill>
-                <a:solidFill>
-                  <a:srgbClr val="FFFFFF"/>
-                </a:solidFill>
-              </a:uFill>
-              <a:latin typeface="Arial"/>
-            </a:endParaRPr>
-          </a:p>
-        </p:txBody>
-      </p:sp>
-      <p:sp>
-        <p:nvSpPr>
-          <p:cNvPr id="385" name="CustomShape 8"/>
-          <p:cNvSpPr/>
-          <p:nvPr/>
-        </p:nvSpPr>
-        <p:spPr>
-          <a:xfrm>
-            <a:off x="4297680" y="5213160"/>
-            <a:ext cx="1122120" cy="364320"/>
-          </a:xfrm>
-          <a:prstGeom prst="rect">
-            <a:avLst/>
-          </a:prstGeom>
-          <a:noFill/>
-          <a:ln>
-            <a:noFill/>
-          </a:ln>
-        </p:spPr>
-        <p:style>
-          <a:lnRef idx="0">
-            <a:scrgbClr r="0" g="0" b="0"/>
-          </a:lnRef>
-          <a:fillRef idx="0">
-            <a:scrgbClr r="0" g="0" b="0"/>
-          </a:fillRef>
-          <a:effectRef idx="0">
-            <a:scrgbClr r="0" g="0" b="0"/>
-          </a:effectRef>
-          <a:fontRef idx="minor"/>
-        </p:style>
-        <p:txBody>
-          <a:bodyPr lIns="90000" tIns="45000" rIns="90000" bIns="45000"/>
-          <a:lstStyle/>
-          <a:p>
-            <a:pPr>
-              <a:lnSpc>
-                <a:spcPct val="100000"/>
-              </a:lnSpc>
-            </a:pPr>
-            <a:r>
-              <a:rPr lang="en-US" sz="1800" b="0" strike="noStrike" spc="-1">
-                <a:solidFill>
-                  <a:srgbClr val="2F5597"/>
-                </a:solidFill>
-                <a:uFill>
-                  <a:solidFill>
-                    <a:srgbClr val="FFFFFF"/>
-                  </a:solidFill>
-                </a:uFill>
-                <a:latin typeface="Calibri"/>
-                <a:ea typeface="DejaVu Sans"/>
-              </a:rPr>
-              <a:t>Node</a:t>
-            </a:r>
-            <a:endParaRPr lang="en-US" sz="1800" b="0" strike="noStrike" spc="-1">
-              <a:solidFill>
-                <a:srgbClr val="000000"/>
-              </a:solidFill>
-              <a:uFill>
-                <a:solidFill>
-                  <a:srgbClr val="FFFFFF"/>
-                </a:solidFill>
-              </a:uFill>
-              <a:latin typeface="Arial"/>
-            </a:endParaRPr>
-          </a:p>
-        </p:txBody>
-      </p:sp>
-      <p:sp>
-        <p:nvSpPr>
-          <p:cNvPr id="386" name="CustomShape 9"/>
-          <p:cNvSpPr/>
-          <p:nvPr/>
-        </p:nvSpPr>
-        <p:spPr>
-          <a:xfrm>
-            <a:off x="5164920" y="3830760"/>
-            <a:ext cx="1650960" cy="548280"/>
-          </a:xfrm>
-          <a:prstGeom prst="flowChartMagneticDisk">
-            <a:avLst/>
-          </a:prstGeom>
-          <a:solidFill>
-            <a:schemeClr val="bg1">
-              <a:lumMod val="95000"/>
-            </a:schemeClr>
-          </a:solidFill>
-          <a:ln>
-            <a:round/>
-          </a:ln>
-        </p:spPr>
-        <p:style>
-          <a:lnRef idx="2">
-            <a:schemeClr val="accent1">
-              <a:shade val="50000"/>
-            </a:schemeClr>
-          </a:lnRef>
-          <a:fillRef idx="1">
-            <a:schemeClr val="accent1"/>
-          </a:fillRef>
-          <a:effectRef idx="0">
-            <a:schemeClr val="accent1"/>
-          </a:effectRef>
-          <a:fontRef idx="minor"/>
-        </p:style>
-        <p:txBody>
-          <a:bodyPr lIns="90000" tIns="45000" rIns="90000" bIns="45000" anchor="ctr"/>
-          <a:lstStyle/>
-          <a:p>
-            <a:pPr algn="ctr">
-              <a:lnSpc>
-                <a:spcPct val="100000"/>
-              </a:lnSpc>
-            </a:pPr>
-            <a:r>
-              <a:rPr lang="en-US" sz="1200" b="0" strike="noStrike" spc="-1">
-                <a:solidFill>
-                  <a:srgbClr val="000000"/>
-                </a:solidFill>
-                <a:uFill>
-                  <a:solidFill>
-                    <a:srgbClr val="FFFFFF"/>
-                  </a:solidFill>
-                </a:uFill>
-                <a:latin typeface="Calibri"/>
-                <a:ea typeface="DejaVu Sans"/>
-              </a:rPr>
-              <a:t>/usr/src/app/config</a:t>
-            </a:r>
-            <a:endParaRPr lang="en-US" sz="1800" b="0" strike="noStrike" spc="-1">
-              <a:solidFill>
-                <a:srgbClr val="000000"/>
-              </a:solidFill>
-              <a:uFill>
-                <a:solidFill>
-                  <a:srgbClr val="FFFFFF"/>
-                </a:solidFill>
-              </a:uFill>
-              <a:latin typeface="Arial"/>
-            </a:endParaRPr>
-          </a:p>
-        </p:txBody>
-      </p:sp>
-      <p:sp>
-        <p:nvSpPr>
-          <p:cNvPr id="387" name="CustomShape 10"/>
-          <p:cNvSpPr/>
-          <p:nvPr/>
-        </p:nvSpPr>
-        <p:spPr>
-          <a:xfrm>
-            <a:off x="7150320" y="822960"/>
-            <a:ext cx="2176200" cy="1603800"/>
-          </a:xfrm>
-          <a:prstGeom prst="hexagon">
-            <a:avLst>
-              <a:gd name="adj" fmla="val 25000"/>
-              <a:gd name="vf" fmla="val 115470"/>
-            </a:avLst>
-          </a:prstGeom>
-          <a:noFill/>
-          <a:ln w="38160">
-            <a:round/>
-          </a:ln>
-        </p:spPr>
-        <p:style>
-          <a:lnRef idx="2">
-            <a:schemeClr val="accent1">
-              <a:shade val="50000"/>
-            </a:schemeClr>
-          </a:lnRef>
-          <a:fillRef idx="1">
-            <a:schemeClr val="accent1"/>
-          </a:fillRef>
-          <a:effectRef idx="0">
-            <a:schemeClr val="accent1"/>
-          </a:effectRef>
-          <a:fontRef idx="minor"/>
-        </p:style>
-      </p:sp>
-      <p:sp>
-        <p:nvSpPr>
-          <p:cNvPr id="388" name="CustomShape 11"/>
-          <p:cNvSpPr/>
-          <p:nvPr/>
-        </p:nvSpPr>
-        <p:spPr>
-          <a:xfrm>
-            <a:off x="7589520" y="2011680"/>
-            <a:ext cx="1122120" cy="364320"/>
-          </a:xfrm>
-          <a:prstGeom prst="rect">
-            <a:avLst/>
-          </a:prstGeom>
-          <a:noFill/>
-          <a:ln>
-            <a:noFill/>
-          </a:ln>
-        </p:spPr>
-        <p:style>
-          <a:lnRef idx="0">
-            <a:scrgbClr r="0" g="0" b="0"/>
-          </a:lnRef>
-          <a:fillRef idx="0">
-            <a:scrgbClr r="0" g="0" b="0"/>
-          </a:fillRef>
-          <a:effectRef idx="0">
-            <a:scrgbClr r="0" g="0" b="0"/>
-          </a:effectRef>
-          <a:fontRef idx="minor"/>
-        </p:style>
-        <p:txBody>
-          <a:bodyPr lIns="90000" tIns="45000" rIns="90000" bIns="45000"/>
-          <a:lstStyle/>
-          <a:p>
-            <a:pPr>
-              <a:lnSpc>
-                <a:spcPct val="100000"/>
-              </a:lnSpc>
-            </a:pPr>
-            <a:r>
-              <a:rPr lang="en-US" sz="1800" b="0" strike="noStrike" spc="-1">
-                <a:solidFill>
-                  <a:srgbClr val="2F5597"/>
-                </a:solidFill>
-                <a:uFill>
-                  <a:solidFill>
-                    <a:srgbClr val="FFFFFF"/>
-                  </a:solidFill>
-                </a:uFill>
-                <a:latin typeface="Calibri"/>
-                <a:ea typeface="DejaVu Sans"/>
-              </a:rPr>
-              <a:t>Master</a:t>
-            </a:r>
-            <a:endParaRPr lang="en-US" sz="1800" b="0" strike="noStrike" spc="-1">
-              <a:solidFill>
-                <a:srgbClr val="000000"/>
-              </a:solidFill>
-              <a:uFill>
-                <a:solidFill>
-                  <a:srgbClr val="FFFFFF"/>
-                </a:solidFill>
-              </a:uFill>
-              <a:latin typeface="Arial"/>
-            </a:endParaRPr>
-          </a:p>
-        </p:txBody>
-      </p:sp>
-      <p:sp>
-        <p:nvSpPr>
-          <p:cNvPr id="389" name="CustomShape 12"/>
-          <p:cNvSpPr/>
-          <p:nvPr/>
-        </p:nvSpPr>
-        <p:spPr>
-          <a:xfrm>
-            <a:off x="4530240" y="3017520"/>
-            <a:ext cx="2925720" cy="355680"/>
-          </a:xfrm>
-          <a:prstGeom prst="rect">
-            <a:avLst/>
-          </a:prstGeom>
-          <a:noFill/>
-          <a:ln>
-            <a:noFill/>
-          </a:ln>
-        </p:spPr>
-        <p:style>
-          <a:lnRef idx="0">
-            <a:scrgbClr r="0" g="0" b="0"/>
-          </a:lnRef>
-          <a:fillRef idx="0">
-            <a:scrgbClr r="0" g="0" b="0"/>
-          </a:fillRef>
-          <a:effectRef idx="0">
-            <a:scrgbClr r="0" g="0" b="0"/>
-          </a:effectRef>
-          <a:fontRef idx="minor"/>
-        </p:style>
-        <p:txBody>
-          <a:bodyPr lIns="90000" tIns="45000" rIns="90000" bIns="45000"/>
-          <a:lstStyle/>
-          <a:p>
-            <a:pPr algn="ctr">
-              <a:lnSpc>
-                <a:spcPct val="100000"/>
-              </a:lnSpc>
-            </a:pPr>
-            <a:r>
-              <a:rPr lang="en-US" sz="1800" b="0" strike="noStrike" spc="-1">
-                <a:solidFill>
-                  <a:srgbClr val="FFFFFF"/>
-                </a:solidFill>
-                <a:uFill>
-                  <a:solidFill>
-                    <a:srgbClr val="FFFFFF"/>
-                  </a:solidFill>
-                </a:uFill>
-                <a:latin typeface="Calibri"/>
-              </a:rPr>
-              <a:t>navivi/lets-chat-app:v1</a:t>
-            </a:r>
-            <a:endParaRPr lang="en-US" sz="1800" b="0" strike="noStrike" spc="-1">
-              <a:solidFill>
-                <a:srgbClr val="000000"/>
-              </a:solidFill>
-              <a:uFill>
-                <a:solidFill>
-                  <a:srgbClr val="FFFFFF"/>
-                </a:solidFill>
-              </a:uFill>
-              <a:latin typeface="Arial"/>
-            </a:endParaRPr>
-          </a:p>
-        </p:txBody>
-      </p:sp>
-      <p:sp>
-        <p:nvSpPr>
-          <p:cNvPr id="390" name="CustomShape 13"/>
-          <p:cNvSpPr/>
-          <p:nvPr/>
-        </p:nvSpPr>
-        <p:spPr>
-          <a:xfrm>
-            <a:off x="7315200" y="5120640"/>
-            <a:ext cx="822600" cy="456840"/>
-          </a:xfrm>
-          <a:prstGeom prst="rect">
-            <a:avLst/>
-          </a:prstGeom>
-          <a:solidFill>
-            <a:srgbClr val="FFFFFF"/>
-          </a:solidFill>
-          <a:ln>
-            <a:solidFill>
-              <a:srgbClr val="0000FF"/>
-            </a:solidFill>
-          </a:ln>
-        </p:spPr>
-        <p:style>
-          <a:lnRef idx="0">
-            <a:scrgbClr r="0" g="0" b="0"/>
-          </a:lnRef>
-          <a:fillRef idx="0">
-            <a:scrgbClr r="0" g="0" b="0"/>
-          </a:fillRef>
-          <a:effectRef idx="0">
-            <a:scrgbClr r="0" g="0" b="0"/>
-          </a:effectRef>
-          <a:fontRef idx="minor"/>
-        </p:style>
-      </p:sp>
-      <p:sp>
-        <p:nvSpPr>
-          <p:cNvPr id="391" name="CustomShape 14"/>
-          <p:cNvSpPr/>
-          <p:nvPr/>
-        </p:nvSpPr>
-        <p:spPr>
-          <a:xfrm>
-            <a:off x="7315200" y="5123160"/>
-            <a:ext cx="1122120" cy="362880"/>
-          </a:xfrm>
-          <a:prstGeom prst="rect">
-            <a:avLst/>
-          </a:prstGeom>
-          <a:noFill/>
-          <a:ln>
-            <a:noFill/>
-          </a:ln>
-        </p:spPr>
-        <p:style>
-          <a:lnRef idx="0">
-            <a:scrgbClr r="0" g="0" b="0"/>
-          </a:lnRef>
-          <a:fillRef idx="0">
-            <a:scrgbClr r="0" g="0" b="0"/>
-          </a:fillRef>
-          <a:effectRef idx="0">
-            <a:scrgbClr r="0" g="0" b="0"/>
-          </a:effectRef>
-          <a:fontRef idx="minor"/>
-        </p:style>
-        <p:txBody>
-          <a:bodyPr lIns="90000" tIns="45000" rIns="90000" bIns="45000"/>
-          <a:lstStyle/>
-          <a:p>
-            <a:pPr>
-              <a:lnSpc>
-                <a:spcPct val="100000"/>
-              </a:lnSpc>
-            </a:pPr>
-            <a:r>
-              <a:rPr lang="en-US" sz="1800" b="0" strike="noStrike" spc="-1">
-                <a:solidFill>
-                  <a:srgbClr val="2F5597"/>
-                </a:solidFill>
-                <a:uFill>
-                  <a:solidFill>
-                    <a:srgbClr val="FFFFFF"/>
-                  </a:solidFill>
-                </a:uFill>
-                <a:latin typeface="Calibri"/>
-                <a:ea typeface="DejaVu Sans"/>
-              </a:rPr>
-              <a:t>tmpfs</a:t>
-            </a:r>
-            <a:endParaRPr lang="en-US" sz="1800" b="0" strike="noStrike" spc="-1">
-              <a:solidFill>
-                <a:srgbClr val="000000"/>
-              </a:solidFill>
-              <a:uFill>
-                <a:solidFill>
-                  <a:srgbClr val="FFFFFF"/>
-                </a:solidFill>
-              </a:uFill>
-              <a:latin typeface="Arial"/>
-            </a:endParaRPr>
-          </a:p>
-        </p:txBody>
-      </p:sp>
-      <p:sp>
-        <p:nvSpPr>
-          <p:cNvPr id="392" name="CustomShape 15"/>
-          <p:cNvSpPr/>
-          <p:nvPr/>
-        </p:nvSpPr>
-        <p:spPr>
-          <a:xfrm>
-            <a:off x="9850320" y="3201480"/>
-            <a:ext cx="1487880" cy="364320"/>
-          </a:xfrm>
-          <a:prstGeom prst="rect">
-            <a:avLst/>
-          </a:prstGeom>
-          <a:noFill/>
-          <a:ln>
-            <a:noFill/>
-          </a:ln>
-        </p:spPr>
-        <p:style>
-          <a:lnRef idx="0">
-            <a:scrgbClr r="0" g="0" b="0"/>
-          </a:lnRef>
-          <a:fillRef idx="0">
-            <a:scrgbClr r="0" g="0" b="0"/>
-          </a:fillRef>
-          <a:effectRef idx="0">
-            <a:scrgbClr r="0" g="0" b="0"/>
-          </a:effectRef>
-          <a:fontRef idx="minor"/>
-        </p:style>
-        <p:txBody>
-          <a:bodyPr lIns="90000" tIns="45000" rIns="90000" bIns="45000"/>
-          <a:lstStyle/>
-          <a:p>
-            <a:pPr>
-              <a:lnSpc>
-                <a:spcPct val="100000"/>
-              </a:lnSpc>
-            </a:pPr>
-            <a:r>
-              <a:rPr lang="en-US" sz="1800" b="0" strike="noStrike" spc="-1">
-                <a:solidFill>
-                  <a:srgbClr val="2F5597"/>
-                </a:solidFill>
-                <a:uFill>
-                  <a:solidFill>
-                    <a:srgbClr val="FFFFFF"/>
-                  </a:solidFill>
-                </a:uFill>
-                <a:latin typeface="Calibri"/>
-                <a:ea typeface="DejaVu Sans"/>
-              </a:rPr>
-              <a:t>configMap</a:t>
-            </a:r>
-            <a:endParaRPr lang="en-US" sz="1800" b="0" strike="noStrike" spc="-1">
-              <a:solidFill>
-                <a:srgbClr val="000000"/>
-              </a:solidFill>
-              <a:uFill>
-                <a:solidFill>
-                  <a:srgbClr val="FFFFFF"/>
-                </a:solidFill>
-              </a:uFill>
-              <a:latin typeface="Arial"/>
-            </a:endParaRPr>
-          </a:p>
-        </p:txBody>
-      </p:sp>
-      <p:sp>
-        <p:nvSpPr>
-          <p:cNvPr id="393" name="Line 16"/>
-          <p:cNvSpPr/>
-          <p:nvPr/>
-        </p:nvSpPr>
-        <p:spPr>
-          <a:xfrm>
-            <a:off x="6309360" y="4379400"/>
-            <a:ext cx="1097280" cy="741240"/>
-          </a:xfrm>
-          <a:prstGeom prst="line">
-            <a:avLst/>
-          </a:prstGeom>
-          <a:ln>
-            <a:solidFill>
-              <a:srgbClr val="3465A4"/>
-            </a:solidFill>
-            <a:headEnd type="triangle" w="med" len="med"/>
-          </a:ln>
-        </p:spPr>
-        <p:style>
-          <a:lnRef idx="0">
-            <a:scrgbClr r="0" g="0" b="0"/>
-          </a:lnRef>
-          <a:fillRef idx="0">
-            <a:scrgbClr r="0" g="0" b="0"/>
-          </a:fillRef>
-          <a:effectRef idx="0">
-            <a:scrgbClr r="0" g="0" b="0"/>
-          </a:effectRef>
-          <a:fontRef idx="minor"/>
-        </p:style>
-      </p:sp>
-    </p:spTree>
-    <p:extLst>
-      <p:ext uri="{BB962C8B-B14F-4D97-AF65-F5344CB8AC3E}">
-        <p14:creationId xmlns:p14="http://schemas.microsoft.com/office/powerpoint/2010/main" val="116405801"/>
-      </p:ext>
-    </p:extLst>
-  </p:cSld>
-  <p:clrMapOvr>
-    <a:masterClrMapping/>
-  </p:clrMapOvr>
-  <p:timing>
-    <p:tnLst>
-      <p:par>
-        <p:cTn id="1" dur="indefinite" restart="never" nodeType="tmRoot">
-          <p:childTnLst>
-            <p:seq>
-              <p:cTn id="2" nodeType="mainSeq"/>
-              <p:prevCondLst>
-                <p:cond evt="onPrev" delay="0">
-                  <p:tgtEl>
-                    <p:sldTgt/>
-                  </p:tgtEl>
-                </p:cond>
-              </p:prevCondLst>
-              <p:nextCondLst>
-                <p:cond evt="onNext" delay="0">
-                  <p:tgtEl>
-                    <p:sldTgt/>
-                  </p:tgtEl>
-                </p:cond>
-              </p:nextCondLst>
-            </p:seq>
-          </p:childTnLst>
-        </p:cTn>
-      </p:par>
-    </p:tnLst>
-  </p:timing>
-</p:sld>
-</file>
-
-<file path=ppt/slides/slide39.xml><?xml version="1.0" encoding="utf-8"?>
-<p:sld xmlns:a="http://schemas.openxmlformats.org/drawingml/2006/main" xmlns:r="http://schemas.openxmlformats.org/officeDocument/2006/relationships" xmlns:p="http://schemas.openxmlformats.org/presentationml/2006/main">
-  <p:cSld>
-    <p:spTree>
-      <p:nvGrpSpPr>
-        <p:cNvPr id="1" name=""/>
-        <p:cNvGrpSpPr/>
-        <p:nvPr/>
-      </p:nvGrpSpPr>
-      <p:grpSpPr>
-        <a:xfrm>
-          <a:off x="0" y="0"/>
-          <a:ext cx="0" cy="0"/>
-          <a:chOff x="0" y="0"/>
-          <a:chExt cx="0" cy="0"/>
-        </a:xfrm>
-      </p:grpSpPr>
-      <p:sp>
-        <p:nvSpPr>
-          <p:cNvPr id="394" name="CustomShape 1"/>
-          <p:cNvSpPr/>
-          <p:nvPr/>
-        </p:nvSpPr>
-        <p:spPr>
-          <a:xfrm>
-            <a:off x="838080" y="365040"/>
-            <a:ext cx="10514880" cy="1324800"/>
-          </a:xfrm>
-          <a:prstGeom prst="rect">
-            <a:avLst/>
-          </a:prstGeom>
-          <a:noFill/>
-          <a:ln>
-            <a:noFill/>
-          </a:ln>
-        </p:spPr>
-        <p:style>
-          <a:lnRef idx="0">
-            <a:scrgbClr r="0" g="0" b="0"/>
-          </a:lnRef>
-          <a:fillRef idx="0">
-            <a:scrgbClr r="0" g="0" b="0"/>
-          </a:fillRef>
-          <a:effectRef idx="0">
-            <a:scrgbClr r="0" g="0" b="0"/>
-          </a:effectRef>
-          <a:fontRef idx="minor"/>
-        </p:style>
-        <p:txBody>
-          <a:bodyPr lIns="90000" tIns="45000" rIns="90000" bIns="45000" anchor="ctr"/>
-          <a:lstStyle/>
-          <a:p>
-            <a:pPr>
-              <a:lnSpc>
-                <a:spcPct val="90000"/>
-              </a:lnSpc>
-            </a:pPr>
-            <a:r>
-              <a:rPr lang="en-US" sz="4400" b="0" strike="noStrike" spc="-1">
-                <a:solidFill>
-                  <a:srgbClr val="000000"/>
-                </a:solidFill>
-                <a:uFill>
-                  <a:solidFill>
-                    <a:srgbClr val="FFFFFF"/>
-                  </a:solidFill>
-                </a:uFill>
-                <a:latin typeface="Calibri Light"/>
-              </a:rPr>
-              <a:t>Volume - Secret</a:t>
-            </a:r>
-            <a:endParaRPr lang="en-US" sz="1800" b="0" strike="noStrike" spc="-1">
-              <a:solidFill>
-                <a:srgbClr val="000000"/>
-              </a:solidFill>
-              <a:uFill>
-                <a:solidFill>
-                  <a:srgbClr val="FFFFFF"/>
-                </a:solidFill>
-              </a:uFill>
-              <a:latin typeface="Arial"/>
-            </a:endParaRPr>
-          </a:p>
-        </p:txBody>
-      </p:sp>
-      <p:sp>
-        <p:nvSpPr>
-          <p:cNvPr id="395" name="CustomShape 2"/>
-          <p:cNvSpPr/>
-          <p:nvPr/>
-        </p:nvSpPr>
-        <p:spPr>
-          <a:xfrm>
-            <a:off x="838080" y="1825560"/>
-            <a:ext cx="10514880" cy="4350600"/>
-          </a:xfrm>
-          <a:prstGeom prst="rect">
-            <a:avLst/>
-          </a:prstGeom>
-          <a:noFill/>
-          <a:ln>
-            <a:noFill/>
-          </a:ln>
-        </p:spPr>
-        <p:style>
-          <a:lnRef idx="0">
-            <a:scrgbClr r="0" g="0" b="0"/>
-          </a:lnRef>
-          <a:fillRef idx="0">
-            <a:scrgbClr r="0" g="0" b="0"/>
-          </a:fillRef>
-          <a:effectRef idx="0">
-            <a:scrgbClr r="0" g="0" b="0"/>
-          </a:effectRef>
-          <a:fontRef idx="minor"/>
-        </p:style>
-      </p:sp>
-      <p:pic>
-        <p:nvPicPr>
-          <p:cNvPr id="396" name="Picture 4"/>
-          <p:cNvPicPr/>
-          <p:nvPr/>
-        </p:nvPicPr>
-        <p:blipFill>
-          <a:blip r:embed="rId2"/>
-          <a:stretch/>
-        </p:blipFill>
-        <p:spPr>
-          <a:xfrm>
-            <a:off x="838080" y="1690560"/>
-            <a:ext cx="3573360" cy="3962520"/>
-          </a:xfrm>
-          <a:prstGeom prst="rect">
-            <a:avLst/>
-          </a:prstGeom>
-          <a:ln>
-            <a:noFill/>
-          </a:ln>
-        </p:spPr>
-      </p:pic>
-      <p:sp>
-        <p:nvSpPr>
-          <p:cNvPr id="397" name="CustomShape 3"/>
-          <p:cNvSpPr/>
-          <p:nvPr/>
-        </p:nvSpPr>
-        <p:spPr>
-          <a:xfrm>
-            <a:off x="149760" y="5654160"/>
-            <a:ext cx="11548080" cy="1039320"/>
-          </a:xfrm>
-          <a:prstGeom prst="rect">
-            <a:avLst/>
-          </a:prstGeom>
-          <a:solidFill>
-            <a:schemeClr val="bg1">
-              <a:lumMod val="95000"/>
-            </a:schemeClr>
-          </a:solidFill>
-          <a:ln>
-            <a:round/>
-          </a:ln>
-        </p:spPr>
-        <p:style>
-          <a:lnRef idx="2">
-            <a:schemeClr val="accent1">
-              <a:shade val="50000"/>
-            </a:schemeClr>
-          </a:lnRef>
-          <a:fillRef idx="1">
-            <a:schemeClr val="accent1"/>
-          </a:fillRef>
-          <a:effectRef idx="0">
-            <a:schemeClr val="accent1"/>
-          </a:effectRef>
-          <a:fontRef idx="minor"/>
-        </p:style>
-        <p:txBody>
-          <a:bodyPr lIns="90000" tIns="45000" rIns="90000" bIns="45000" anchor="ctr"/>
-          <a:lstStyle/>
-          <a:p>
-            <a:pPr>
-              <a:lnSpc>
-                <a:spcPct val="100000"/>
-              </a:lnSpc>
-            </a:pPr>
-            <a:r>
-              <a:rPr lang="en-US" sz="2200" b="1" strike="noStrike" spc="-1">
-                <a:solidFill>
-                  <a:srgbClr val="000000"/>
-                </a:solidFill>
-                <a:uFill>
-                  <a:solidFill>
-                    <a:srgbClr val="FFFFFF"/>
-                  </a:solidFill>
-                </a:uFill>
-                <a:latin typeface="Courier New"/>
-                <a:ea typeface="DejaVu Sans"/>
-              </a:rPr>
-              <a:t>$ kubectl create –f </a:t>
-            </a:r>
-            <a:r>
-              <a:rPr lang="en-US" sz="2200" b="1" strike="noStrike" spc="-1">
-                <a:solidFill>
-                  <a:srgbClr val="843C0B"/>
-                </a:solidFill>
-                <a:uFill>
-                  <a:solidFill>
-                    <a:srgbClr val="FFFFFF"/>
-                  </a:solidFill>
-                </a:uFill>
-                <a:latin typeface="Courier New"/>
-                <a:ea typeface="DejaVu Sans"/>
-              </a:rPr>
-              <a:t>my-secret.yaml</a:t>
-            </a:r>
-            <a:endParaRPr lang="en-US" sz="1800" b="0" strike="noStrike" spc="-1">
-              <a:solidFill>
-                <a:srgbClr val="000000"/>
-              </a:solidFill>
-              <a:uFill>
-                <a:solidFill>
-                  <a:srgbClr val="FFFFFF"/>
-                </a:solidFill>
-              </a:uFill>
-              <a:latin typeface="Arial"/>
-            </a:endParaRPr>
-          </a:p>
-          <a:p>
-            <a:pPr>
-              <a:lnSpc>
-                <a:spcPct val="100000"/>
-              </a:lnSpc>
-            </a:pPr>
-            <a:r>
-              <a:rPr lang="en-US" sz="2200" b="1" strike="noStrike" spc="-1">
-                <a:solidFill>
-                  <a:srgbClr val="000000"/>
-                </a:solidFill>
-                <a:uFill>
-                  <a:solidFill>
-                    <a:srgbClr val="FFFFFF"/>
-                  </a:solidFill>
-                </a:uFill>
-                <a:latin typeface="Courier New"/>
-                <a:ea typeface="DejaVu Sans"/>
-              </a:rPr>
-              <a:t>$ kubectl create secret generic mysecret --from-file=secret.key</a:t>
-            </a:r>
-            <a:endParaRPr lang="en-US" sz="1800" b="0" strike="noStrike" spc="-1">
-              <a:solidFill>
-                <a:srgbClr val="000000"/>
-              </a:solidFill>
-              <a:uFill>
-                <a:solidFill>
-                  <a:srgbClr val="FFFFFF"/>
-                </a:solidFill>
-              </a:uFill>
-              <a:latin typeface="Arial"/>
-            </a:endParaRPr>
-          </a:p>
-        </p:txBody>
-      </p:sp>
-      <p:pic>
-        <p:nvPicPr>
-          <p:cNvPr id="398" name="Picture 6"/>
-          <p:cNvPicPr/>
-          <p:nvPr/>
-        </p:nvPicPr>
-        <p:blipFill>
-          <a:blip r:embed="rId3"/>
-          <a:stretch/>
-        </p:blipFill>
-        <p:spPr>
-          <a:xfrm>
-            <a:off x="6064560" y="203040"/>
-            <a:ext cx="4065840" cy="5314680"/>
-          </a:xfrm>
-          <a:prstGeom prst="rect">
-            <a:avLst/>
-          </a:prstGeom>
-          <a:ln>
-            <a:noFill/>
-          </a:ln>
-        </p:spPr>
-      </p:pic>
-    </p:spTree>
-    <p:extLst>
-      <p:ext uri="{BB962C8B-B14F-4D97-AF65-F5344CB8AC3E}">
-        <p14:creationId xmlns:p14="http://schemas.microsoft.com/office/powerpoint/2010/main" val="2645561200"/>
-      </p:ext>
-    </p:extLst>
-  </p:cSld>
-  <p:clrMapOvr>
-    <a:masterClrMapping/>
-  </p:clrMapOvr>
-  <p:timing>
-    <p:tnLst>
-      <p:par>
-        <p:cTn id="1" dur="indefinite" restart="never" nodeType="tmRoot">
-          <p:childTnLst>
-            <p:seq>
-              <p:cTn id="2" nodeType="mainSeq"/>
-              <p:prevCondLst>
-                <p:cond evt="onPrev" delay="0">
-                  <p:tgtEl>
-                    <p:sldTgt/>
-                  </p:tgtEl>
-                </p:cond>
-              </p:prevCondLst>
-              <p:nextCondLst>
-                <p:cond evt="onNext" delay="0">
-                  <p:tgtEl>
-                    <p:sldTgt/>
-                  </p:tgtEl>
-                </p:cond>
-              </p:nextCondLst>
-            </p:seq>
-          </p:childTnLst>
-        </p:cTn>
-      </p:par>
-    </p:tnLst>
-  </p:timing>
-</p:sld>
-</file>
-
 <file path=ppt/slides/slide4.xml><?xml version="1.0" encoding="utf-8"?>
 <p:sld xmlns:a="http://schemas.openxmlformats.org/drawingml/2006/main" xmlns:r="http://schemas.openxmlformats.org/officeDocument/2006/relationships" xmlns:p="http://schemas.openxmlformats.org/presentationml/2006/main" show="0">
   <p:cSld>
@@ -27002,4354 +21986,6 @@
     <p:extLst>
       <p:ext uri="{BB962C8B-B14F-4D97-AF65-F5344CB8AC3E}">
         <p14:creationId xmlns:p14="http://schemas.microsoft.com/office/powerpoint/2010/main" val="4099943106"/>
-      </p:ext>
-    </p:extLst>
-  </p:cSld>
-  <p:clrMapOvr>
-    <a:masterClrMapping/>
-  </p:clrMapOvr>
-  <p:timing>
-    <p:tnLst>
-      <p:par>
-        <p:cTn id="1" dur="indefinite" restart="never" nodeType="tmRoot">
-          <p:childTnLst>
-            <p:seq>
-              <p:cTn id="2" nodeType="mainSeq"/>
-              <p:prevCondLst>
-                <p:cond evt="onPrev" delay="0">
-                  <p:tgtEl>
-                    <p:sldTgt/>
-                  </p:tgtEl>
-                </p:cond>
-              </p:prevCondLst>
-              <p:nextCondLst>
-                <p:cond evt="onNext" delay="0">
-                  <p:tgtEl>
-                    <p:sldTgt/>
-                  </p:tgtEl>
-                </p:cond>
-              </p:nextCondLst>
-            </p:seq>
-          </p:childTnLst>
-        </p:cTn>
-      </p:par>
-    </p:tnLst>
-  </p:timing>
-</p:sld>
-</file>
-
-<file path=ppt/slides/slide40.xml><?xml version="1.0" encoding="utf-8"?>
-<p:sld xmlns:a="http://schemas.openxmlformats.org/drawingml/2006/main" xmlns:r="http://schemas.openxmlformats.org/officeDocument/2006/relationships" xmlns:p="http://schemas.openxmlformats.org/presentationml/2006/main">
-  <p:cSld>
-    <p:spTree>
-      <p:nvGrpSpPr>
-        <p:cNvPr id="1" name=""/>
-        <p:cNvGrpSpPr/>
-        <p:nvPr/>
-      </p:nvGrpSpPr>
-      <p:grpSpPr>
-        <a:xfrm>
-          <a:off x="0" y="0"/>
-          <a:ext cx="0" cy="0"/>
-          <a:chOff x="0" y="0"/>
-          <a:chExt cx="0" cy="0"/>
-        </a:xfrm>
-      </p:grpSpPr>
-      <p:sp>
-        <p:nvSpPr>
-          <p:cNvPr id="399" name="CustomShape 1"/>
-          <p:cNvSpPr/>
-          <p:nvPr/>
-        </p:nvSpPr>
-        <p:spPr>
-          <a:xfrm>
-            <a:off x="365760" y="548640"/>
-            <a:ext cx="7117200" cy="1324800"/>
-          </a:xfrm>
-          <a:prstGeom prst="rect">
-            <a:avLst/>
-          </a:prstGeom>
-          <a:noFill/>
-          <a:ln>
-            <a:noFill/>
-          </a:ln>
-        </p:spPr>
-        <p:style>
-          <a:lnRef idx="0">
-            <a:scrgbClr r="0" g="0" b="0"/>
-          </a:lnRef>
-          <a:fillRef idx="0">
-            <a:scrgbClr r="0" g="0" b="0"/>
-          </a:fillRef>
-          <a:effectRef idx="0">
-            <a:scrgbClr r="0" g="0" b="0"/>
-          </a:effectRef>
-          <a:fontRef idx="minor"/>
-        </p:style>
-        <p:txBody>
-          <a:bodyPr lIns="90000" tIns="45000" rIns="90000" bIns="45000" anchor="ctr"/>
-          <a:lstStyle/>
-          <a:p>
-            <a:pPr>
-              <a:lnSpc>
-                <a:spcPct val="90000"/>
-              </a:lnSpc>
-            </a:pPr>
-            <a:r>
-              <a:rPr lang="en-US" sz="4400" b="0" strike="noStrike" spc="-1">
-                <a:solidFill>
-                  <a:srgbClr val="000000"/>
-                </a:solidFill>
-                <a:uFill>
-                  <a:solidFill>
-                    <a:srgbClr val="FFFFFF"/>
-                  </a:solidFill>
-                </a:uFill>
-                <a:latin typeface="Calibri Light"/>
-              </a:rPr>
-              <a:t>Volume – configMap</a:t>
-            </a:r>
-            <a:endParaRPr lang="en-US" sz="1800" b="0" strike="noStrike" spc="-1">
-              <a:solidFill>
-                <a:srgbClr val="000000"/>
-              </a:solidFill>
-              <a:uFill>
-                <a:solidFill>
-                  <a:srgbClr val="FFFFFF"/>
-                </a:solidFill>
-              </a:uFill>
-              <a:latin typeface="Arial"/>
-            </a:endParaRPr>
-          </a:p>
-          <a:p>
-            <a:pPr>
-              <a:lnSpc>
-                <a:spcPct val="90000"/>
-              </a:lnSpc>
-            </a:pPr>
-            <a:r>
-              <a:rPr lang="en-US" sz="4400" b="0" strike="noStrike" spc="-1">
-                <a:solidFill>
-                  <a:srgbClr val="000000"/>
-                </a:solidFill>
-                <a:uFill>
-                  <a:solidFill>
-                    <a:srgbClr val="FFFFFF"/>
-                  </a:solidFill>
-                </a:uFill>
-                <a:latin typeface="Calibri Light"/>
-              </a:rPr>
-              <a:t>And Secret into</a:t>
-            </a:r>
-            <a:endParaRPr lang="en-US" sz="1800" b="0" strike="noStrike" spc="-1">
-              <a:solidFill>
-                <a:srgbClr val="000000"/>
-              </a:solidFill>
-              <a:uFill>
-                <a:solidFill>
-                  <a:srgbClr val="FFFFFF"/>
-                </a:solidFill>
-              </a:uFill>
-              <a:latin typeface="Arial"/>
-            </a:endParaRPr>
-          </a:p>
-          <a:p>
-            <a:pPr>
-              <a:lnSpc>
-                <a:spcPct val="90000"/>
-              </a:lnSpc>
-            </a:pPr>
-            <a:r>
-              <a:rPr lang="en-US" sz="4400" b="0" strike="noStrike" spc="-1">
-                <a:solidFill>
-                  <a:srgbClr val="000000"/>
-                </a:solidFill>
-                <a:uFill>
-                  <a:solidFill>
-                    <a:srgbClr val="FFFFFF"/>
-                  </a:solidFill>
-                </a:uFill>
-                <a:latin typeface="Calibri Light"/>
-              </a:rPr>
-              <a:t>2 different Mount Paths</a:t>
-            </a:r>
-            <a:endParaRPr lang="en-US" sz="1800" b="0" strike="noStrike" spc="-1">
-              <a:solidFill>
-                <a:srgbClr val="000000"/>
-              </a:solidFill>
-              <a:uFill>
-                <a:solidFill>
-                  <a:srgbClr val="FFFFFF"/>
-                </a:solidFill>
-              </a:uFill>
-              <a:latin typeface="Arial"/>
-            </a:endParaRPr>
-          </a:p>
-        </p:txBody>
-      </p:sp>
-      <p:sp>
-        <p:nvSpPr>
-          <p:cNvPr id="400" name="CustomShape 2"/>
-          <p:cNvSpPr/>
-          <p:nvPr/>
-        </p:nvSpPr>
-        <p:spPr>
-          <a:xfrm>
-            <a:off x="3311640" y="2284200"/>
-            <a:ext cx="5649120" cy="3933360"/>
-          </a:xfrm>
-          <a:prstGeom prst="pentagon">
-            <a:avLst>
-              <a:gd name="hf" fmla="val 105146"/>
-              <a:gd name="vf" fmla="val 110557"/>
-            </a:avLst>
-          </a:prstGeom>
-          <a:solidFill>
-            <a:schemeClr val="accent1">
-              <a:lumMod val="75000"/>
-            </a:schemeClr>
-          </a:solidFill>
-          <a:ln>
-            <a:round/>
-          </a:ln>
-        </p:spPr>
-        <p:style>
-          <a:lnRef idx="2">
-            <a:schemeClr val="accent1">
-              <a:shade val="50000"/>
-            </a:schemeClr>
-          </a:lnRef>
-          <a:fillRef idx="1">
-            <a:schemeClr val="accent1"/>
-          </a:fillRef>
-          <a:effectRef idx="0">
-            <a:schemeClr val="accent1"/>
-          </a:effectRef>
-          <a:fontRef idx="minor"/>
-        </p:style>
-      </p:sp>
-      <p:sp>
-        <p:nvSpPr>
-          <p:cNvPr id="401" name="CustomShape 3"/>
-          <p:cNvSpPr/>
-          <p:nvPr/>
-        </p:nvSpPr>
-        <p:spPr>
-          <a:xfrm>
-            <a:off x="2967120" y="2189880"/>
-            <a:ext cx="6359400" cy="3479040"/>
-          </a:xfrm>
-          <a:prstGeom prst="pentagon">
-            <a:avLst>
-              <a:gd name="hf" fmla="val 105146"/>
-              <a:gd name="vf" fmla="val 110557"/>
-            </a:avLst>
-          </a:prstGeom>
-          <a:solidFill>
-            <a:schemeClr val="bg1"/>
-          </a:solidFill>
-          <a:ln>
-            <a:round/>
-          </a:ln>
-        </p:spPr>
-        <p:style>
-          <a:lnRef idx="2">
-            <a:schemeClr val="accent1">
-              <a:shade val="50000"/>
-            </a:schemeClr>
-          </a:lnRef>
-          <a:fillRef idx="1">
-            <a:schemeClr val="accent1"/>
-          </a:fillRef>
-          <a:effectRef idx="0">
-            <a:schemeClr val="accent1"/>
-          </a:effectRef>
-          <a:fontRef idx="minor"/>
-        </p:style>
-      </p:sp>
-      <p:sp>
-        <p:nvSpPr>
-          <p:cNvPr id="402" name="CustomShape 4"/>
-          <p:cNvSpPr/>
-          <p:nvPr/>
-        </p:nvSpPr>
-        <p:spPr>
-          <a:xfrm>
-            <a:off x="4297680" y="3017520"/>
-            <a:ext cx="3158280" cy="1818720"/>
-          </a:xfrm>
-          <a:prstGeom prst="cube">
-            <a:avLst>
-              <a:gd name="adj" fmla="val 25000"/>
-            </a:avLst>
-          </a:prstGeom>
-          <a:ln>
-            <a:round/>
-          </a:ln>
-        </p:spPr>
-        <p:style>
-          <a:lnRef idx="2">
-            <a:schemeClr val="accent1">
-              <a:shade val="50000"/>
-            </a:schemeClr>
-          </a:lnRef>
-          <a:fillRef idx="1">
-            <a:schemeClr val="accent1"/>
-          </a:fillRef>
-          <a:effectRef idx="0">
-            <a:schemeClr val="accent1"/>
-          </a:effectRef>
-          <a:fontRef idx="minor"/>
-        </p:style>
-      </p:sp>
-      <p:sp>
-        <p:nvSpPr>
-          <p:cNvPr id="403" name="CustomShape 5"/>
-          <p:cNvSpPr/>
-          <p:nvPr/>
-        </p:nvSpPr>
-        <p:spPr>
-          <a:xfrm>
-            <a:off x="4006800" y="2521440"/>
-            <a:ext cx="3840120" cy="2925720"/>
-          </a:xfrm>
-          <a:prstGeom prst="ellipse">
-            <a:avLst/>
-          </a:prstGeom>
-          <a:noFill/>
-          <a:ln>
-            <a:round/>
-          </a:ln>
-        </p:spPr>
-        <p:style>
-          <a:lnRef idx="2">
-            <a:schemeClr val="accent1">
-              <a:shade val="50000"/>
-            </a:schemeClr>
-          </a:lnRef>
-          <a:fillRef idx="1">
-            <a:schemeClr val="accent1"/>
-          </a:fillRef>
-          <a:effectRef idx="0">
-            <a:schemeClr val="accent1"/>
-          </a:effectRef>
-          <a:fontRef idx="minor"/>
-        </p:style>
-      </p:sp>
-      <p:sp>
-        <p:nvSpPr>
-          <p:cNvPr id="404" name="CustomShape 6"/>
-          <p:cNvSpPr/>
-          <p:nvPr/>
-        </p:nvSpPr>
-        <p:spPr>
-          <a:xfrm>
-            <a:off x="4545360" y="5760720"/>
-            <a:ext cx="1215000" cy="364320"/>
-          </a:xfrm>
-          <a:prstGeom prst="rect">
-            <a:avLst/>
-          </a:prstGeom>
-          <a:noFill/>
-          <a:ln>
-            <a:noFill/>
-          </a:ln>
-        </p:spPr>
-        <p:style>
-          <a:lnRef idx="0">
-            <a:scrgbClr r="0" g="0" b="0"/>
-          </a:lnRef>
-          <a:fillRef idx="0">
-            <a:scrgbClr r="0" g="0" b="0"/>
-          </a:fillRef>
-          <a:effectRef idx="0">
-            <a:scrgbClr r="0" g="0" b="0"/>
-          </a:effectRef>
-          <a:fontRef idx="minor"/>
-        </p:style>
-        <p:txBody>
-          <a:bodyPr lIns="90000" tIns="45000" rIns="90000" bIns="45000"/>
-          <a:lstStyle/>
-          <a:p>
-            <a:pPr>
-              <a:lnSpc>
-                <a:spcPct val="100000"/>
-              </a:lnSpc>
-            </a:pPr>
-            <a:r>
-              <a:rPr lang="en-US" sz="1800" b="0" strike="noStrike" spc="-1">
-                <a:solidFill>
-                  <a:srgbClr val="FFFFFF"/>
-                </a:solidFill>
-                <a:uFill>
-                  <a:solidFill>
-                    <a:srgbClr val="FFFFFF"/>
-                  </a:solidFill>
-                </a:uFill>
-                <a:latin typeface="Calibri"/>
-                <a:ea typeface="DejaVu Sans"/>
-              </a:rPr>
-              <a:t>kublet</a:t>
-            </a:r>
-            <a:endParaRPr lang="en-US" sz="1800" b="0" strike="noStrike" spc="-1">
-              <a:solidFill>
-                <a:srgbClr val="000000"/>
-              </a:solidFill>
-              <a:uFill>
-                <a:solidFill>
-                  <a:srgbClr val="FFFFFF"/>
-                </a:solidFill>
-              </a:uFill>
-              <a:latin typeface="Arial"/>
-            </a:endParaRPr>
-          </a:p>
-        </p:txBody>
-      </p:sp>
-      <p:sp>
-        <p:nvSpPr>
-          <p:cNvPr id="405" name="CustomShape 7"/>
-          <p:cNvSpPr/>
-          <p:nvPr/>
-        </p:nvSpPr>
-        <p:spPr>
-          <a:xfrm>
-            <a:off x="6583680" y="5823000"/>
-            <a:ext cx="1215000" cy="303120"/>
-          </a:xfrm>
-          <a:prstGeom prst="rect">
-            <a:avLst/>
-          </a:prstGeom>
-          <a:solidFill>
-            <a:srgbClr val="00B0F0"/>
-          </a:solidFill>
-          <a:ln>
-            <a:noFill/>
-          </a:ln>
-        </p:spPr>
-        <p:style>
-          <a:lnRef idx="0">
-            <a:scrgbClr r="0" g="0" b="0"/>
-          </a:lnRef>
-          <a:fillRef idx="0">
-            <a:scrgbClr r="0" g="0" b="0"/>
-          </a:fillRef>
-          <a:effectRef idx="0">
-            <a:scrgbClr r="0" g="0" b="0"/>
-          </a:effectRef>
-          <a:fontRef idx="minor"/>
-        </p:style>
-        <p:txBody>
-          <a:bodyPr lIns="90000" tIns="45000" rIns="90000" bIns="45000"/>
-          <a:lstStyle/>
-          <a:p>
-            <a:pPr>
-              <a:lnSpc>
-                <a:spcPct val="100000"/>
-              </a:lnSpc>
-            </a:pPr>
-            <a:r>
-              <a:rPr lang="en-US" sz="1400" b="0" strike="noStrike" spc="-1">
-                <a:solidFill>
-                  <a:srgbClr val="FFFFFF"/>
-                </a:solidFill>
-                <a:uFill>
-                  <a:solidFill>
-                    <a:srgbClr val="FFFFFF"/>
-                  </a:solidFill>
-                </a:uFill>
-                <a:latin typeface="Calibri"/>
-                <a:ea typeface="DejaVu Sans"/>
-              </a:rPr>
-              <a:t>Docker</a:t>
-            </a:r>
-            <a:endParaRPr lang="en-US" sz="1800" b="0" strike="noStrike" spc="-1">
-              <a:solidFill>
-                <a:srgbClr val="000000"/>
-              </a:solidFill>
-              <a:uFill>
-                <a:solidFill>
-                  <a:srgbClr val="FFFFFF"/>
-                </a:solidFill>
-              </a:uFill>
-              <a:latin typeface="Arial"/>
-            </a:endParaRPr>
-          </a:p>
-        </p:txBody>
-      </p:sp>
-      <p:sp>
-        <p:nvSpPr>
-          <p:cNvPr id="406" name="CustomShape 8"/>
-          <p:cNvSpPr/>
-          <p:nvPr/>
-        </p:nvSpPr>
-        <p:spPr>
-          <a:xfrm>
-            <a:off x="4297680" y="5213160"/>
-            <a:ext cx="1122120" cy="364320"/>
-          </a:xfrm>
-          <a:prstGeom prst="rect">
-            <a:avLst/>
-          </a:prstGeom>
-          <a:noFill/>
-          <a:ln>
-            <a:noFill/>
-          </a:ln>
-        </p:spPr>
-        <p:style>
-          <a:lnRef idx="0">
-            <a:scrgbClr r="0" g="0" b="0"/>
-          </a:lnRef>
-          <a:fillRef idx="0">
-            <a:scrgbClr r="0" g="0" b="0"/>
-          </a:fillRef>
-          <a:effectRef idx="0">
-            <a:scrgbClr r="0" g="0" b="0"/>
-          </a:effectRef>
-          <a:fontRef idx="minor"/>
-        </p:style>
-        <p:txBody>
-          <a:bodyPr lIns="90000" tIns="45000" rIns="90000" bIns="45000"/>
-          <a:lstStyle/>
-          <a:p>
-            <a:pPr>
-              <a:lnSpc>
-                <a:spcPct val="100000"/>
-              </a:lnSpc>
-            </a:pPr>
-            <a:r>
-              <a:rPr lang="en-US" sz="1800" b="0" strike="noStrike" spc="-1">
-                <a:solidFill>
-                  <a:srgbClr val="2F5597"/>
-                </a:solidFill>
-                <a:uFill>
-                  <a:solidFill>
-                    <a:srgbClr val="FFFFFF"/>
-                  </a:solidFill>
-                </a:uFill>
-                <a:latin typeface="Calibri"/>
-                <a:ea typeface="DejaVu Sans"/>
-              </a:rPr>
-              <a:t>Node</a:t>
-            </a:r>
-            <a:endParaRPr lang="en-US" sz="1800" b="0" strike="noStrike" spc="-1">
-              <a:solidFill>
-                <a:srgbClr val="000000"/>
-              </a:solidFill>
-              <a:uFill>
-                <a:solidFill>
-                  <a:srgbClr val="FFFFFF"/>
-                </a:solidFill>
-              </a:uFill>
-              <a:latin typeface="Arial"/>
-            </a:endParaRPr>
-          </a:p>
-        </p:txBody>
-      </p:sp>
-      <p:sp>
-        <p:nvSpPr>
-          <p:cNvPr id="407" name="CustomShape 9"/>
-          <p:cNvSpPr/>
-          <p:nvPr/>
-        </p:nvSpPr>
-        <p:spPr>
-          <a:xfrm>
-            <a:off x="5207040" y="3657600"/>
-            <a:ext cx="1650960" cy="548280"/>
-          </a:xfrm>
-          <a:prstGeom prst="flowChartMagneticDisk">
-            <a:avLst/>
-          </a:prstGeom>
-          <a:solidFill>
-            <a:schemeClr val="bg1">
-              <a:lumMod val="95000"/>
-            </a:schemeClr>
-          </a:solidFill>
-          <a:ln>
-            <a:round/>
-          </a:ln>
-        </p:spPr>
-        <p:style>
-          <a:lnRef idx="2">
-            <a:schemeClr val="accent1">
-              <a:shade val="50000"/>
-            </a:schemeClr>
-          </a:lnRef>
-          <a:fillRef idx="1">
-            <a:schemeClr val="accent1"/>
-          </a:fillRef>
-          <a:effectRef idx="0">
-            <a:schemeClr val="accent1"/>
-          </a:effectRef>
-          <a:fontRef idx="minor"/>
-        </p:style>
-        <p:txBody>
-          <a:bodyPr lIns="90000" tIns="45000" rIns="90000" bIns="45000" anchor="ctr"/>
-          <a:lstStyle/>
-          <a:p>
-            <a:pPr algn="ctr">
-              <a:lnSpc>
-                <a:spcPct val="100000"/>
-              </a:lnSpc>
-            </a:pPr>
-            <a:r>
-              <a:rPr lang="en-US" sz="1200" b="0" strike="noStrike" spc="-1">
-                <a:solidFill>
-                  <a:srgbClr val="000000"/>
-                </a:solidFill>
-                <a:uFill>
-                  <a:solidFill>
-                    <a:srgbClr val="FFFFFF"/>
-                  </a:solidFill>
-                </a:uFill>
-                <a:latin typeface="Calibri"/>
-                <a:ea typeface="DejaVu Sans"/>
-              </a:rPr>
-              <a:t>/usr/src/app/config</a:t>
-            </a:r>
-            <a:endParaRPr lang="en-US" sz="1800" b="0" strike="noStrike" spc="-1">
-              <a:solidFill>
-                <a:srgbClr val="000000"/>
-              </a:solidFill>
-              <a:uFill>
-                <a:solidFill>
-                  <a:srgbClr val="FFFFFF"/>
-                </a:solidFill>
-              </a:uFill>
-              <a:latin typeface="Arial"/>
-            </a:endParaRPr>
-          </a:p>
-        </p:txBody>
-      </p:sp>
-      <p:sp>
-        <p:nvSpPr>
-          <p:cNvPr id="408" name="CustomShape 10"/>
-          <p:cNvSpPr/>
-          <p:nvPr/>
-        </p:nvSpPr>
-        <p:spPr>
-          <a:xfrm>
-            <a:off x="7150320" y="822960"/>
-            <a:ext cx="2176200" cy="1603800"/>
-          </a:xfrm>
-          <a:prstGeom prst="hexagon">
-            <a:avLst>
-              <a:gd name="adj" fmla="val 25000"/>
-              <a:gd name="vf" fmla="val 115470"/>
-            </a:avLst>
-          </a:prstGeom>
-          <a:noFill/>
-          <a:ln w="38160">
-            <a:round/>
-          </a:ln>
-        </p:spPr>
-        <p:style>
-          <a:lnRef idx="2">
-            <a:schemeClr val="accent1">
-              <a:shade val="50000"/>
-            </a:schemeClr>
-          </a:lnRef>
-          <a:fillRef idx="1">
-            <a:schemeClr val="accent1"/>
-          </a:fillRef>
-          <a:effectRef idx="0">
-            <a:schemeClr val="accent1"/>
-          </a:effectRef>
-          <a:fontRef idx="minor"/>
-        </p:style>
-      </p:sp>
-      <p:sp>
-        <p:nvSpPr>
-          <p:cNvPr id="409" name="CustomShape 11"/>
-          <p:cNvSpPr/>
-          <p:nvPr/>
-        </p:nvSpPr>
-        <p:spPr>
-          <a:xfrm>
-            <a:off x="7589520" y="2011680"/>
-            <a:ext cx="1122120" cy="364320"/>
-          </a:xfrm>
-          <a:prstGeom prst="rect">
-            <a:avLst/>
-          </a:prstGeom>
-          <a:noFill/>
-          <a:ln>
-            <a:noFill/>
-          </a:ln>
-        </p:spPr>
-        <p:style>
-          <a:lnRef idx="0">
-            <a:scrgbClr r="0" g="0" b="0"/>
-          </a:lnRef>
-          <a:fillRef idx="0">
-            <a:scrgbClr r="0" g="0" b="0"/>
-          </a:fillRef>
-          <a:effectRef idx="0">
-            <a:scrgbClr r="0" g="0" b="0"/>
-          </a:effectRef>
-          <a:fontRef idx="minor"/>
-        </p:style>
-        <p:txBody>
-          <a:bodyPr lIns="90000" tIns="45000" rIns="90000" bIns="45000"/>
-          <a:lstStyle/>
-          <a:p>
-            <a:pPr>
-              <a:lnSpc>
-                <a:spcPct val="100000"/>
-              </a:lnSpc>
-            </a:pPr>
-            <a:r>
-              <a:rPr lang="en-US" sz="1800" b="0" strike="noStrike" spc="-1">
-                <a:solidFill>
-                  <a:srgbClr val="2F5597"/>
-                </a:solidFill>
-                <a:uFill>
-                  <a:solidFill>
-                    <a:srgbClr val="FFFFFF"/>
-                  </a:solidFill>
-                </a:uFill>
-                <a:latin typeface="Calibri"/>
-                <a:ea typeface="DejaVu Sans"/>
-              </a:rPr>
-              <a:t>Master</a:t>
-            </a:r>
-            <a:endParaRPr lang="en-US" sz="1800" b="0" strike="noStrike" spc="-1">
-              <a:solidFill>
-                <a:srgbClr val="000000"/>
-              </a:solidFill>
-              <a:uFill>
-                <a:solidFill>
-                  <a:srgbClr val="FFFFFF"/>
-                </a:solidFill>
-              </a:uFill>
-              <a:latin typeface="Arial"/>
-            </a:endParaRPr>
-          </a:p>
-        </p:txBody>
-      </p:sp>
-      <p:sp>
-        <p:nvSpPr>
-          <p:cNvPr id="410" name="CustomShape 12"/>
-          <p:cNvSpPr/>
-          <p:nvPr/>
-        </p:nvSpPr>
-        <p:spPr>
-          <a:xfrm>
-            <a:off x="4530240" y="3017520"/>
-            <a:ext cx="2925720" cy="355680"/>
-          </a:xfrm>
-          <a:prstGeom prst="rect">
-            <a:avLst/>
-          </a:prstGeom>
-          <a:noFill/>
-          <a:ln>
-            <a:noFill/>
-          </a:ln>
-        </p:spPr>
-        <p:style>
-          <a:lnRef idx="0">
-            <a:scrgbClr r="0" g="0" b="0"/>
-          </a:lnRef>
-          <a:fillRef idx="0">
-            <a:scrgbClr r="0" g="0" b="0"/>
-          </a:fillRef>
-          <a:effectRef idx="0">
-            <a:scrgbClr r="0" g="0" b="0"/>
-          </a:effectRef>
-          <a:fontRef idx="minor"/>
-        </p:style>
-        <p:txBody>
-          <a:bodyPr lIns="90000" tIns="45000" rIns="90000" bIns="45000"/>
-          <a:lstStyle/>
-          <a:p>
-            <a:pPr algn="ctr">
-              <a:lnSpc>
-                <a:spcPct val="100000"/>
-              </a:lnSpc>
-            </a:pPr>
-            <a:r>
-              <a:rPr lang="en-US" sz="1800" b="0" strike="noStrike" spc="-1">
-                <a:solidFill>
-                  <a:srgbClr val="FFFFFF"/>
-                </a:solidFill>
-                <a:uFill>
-                  <a:solidFill>
-                    <a:srgbClr val="FFFFFF"/>
-                  </a:solidFill>
-                </a:uFill>
-                <a:latin typeface="Calibri"/>
-              </a:rPr>
-              <a:t>navivi/lets-chat-app:v1</a:t>
-            </a:r>
-            <a:endParaRPr lang="en-US" sz="1800" b="0" strike="noStrike" spc="-1">
-              <a:solidFill>
-                <a:srgbClr val="000000"/>
-              </a:solidFill>
-              <a:uFill>
-                <a:solidFill>
-                  <a:srgbClr val="FFFFFF"/>
-                </a:solidFill>
-              </a:uFill>
-              <a:latin typeface="Arial"/>
-            </a:endParaRPr>
-          </a:p>
-        </p:txBody>
-      </p:sp>
-      <p:sp>
-        <p:nvSpPr>
-          <p:cNvPr id="411" name="CustomShape 13"/>
-          <p:cNvSpPr/>
-          <p:nvPr/>
-        </p:nvSpPr>
-        <p:spPr>
-          <a:xfrm>
-            <a:off x="7315200" y="5120640"/>
-            <a:ext cx="822600" cy="456840"/>
-          </a:xfrm>
-          <a:prstGeom prst="rect">
-            <a:avLst/>
-          </a:prstGeom>
-          <a:solidFill>
-            <a:srgbClr val="FFFFFF"/>
-          </a:solidFill>
-          <a:ln>
-            <a:solidFill>
-              <a:srgbClr val="0000FF"/>
-            </a:solidFill>
-          </a:ln>
-        </p:spPr>
-        <p:style>
-          <a:lnRef idx="0">
-            <a:scrgbClr r="0" g="0" b="0"/>
-          </a:lnRef>
-          <a:fillRef idx="0">
-            <a:scrgbClr r="0" g="0" b="0"/>
-          </a:fillRef>
-          <a:effectRef idx="0">
-            <a:scrgbClr r="0" g="0" b="0"/>
-          </a:effectRef>
-          <a:fontRef idx="minor"/>
-        </p:style>
-      </p:sp>
-      <p:sp>
-        <p:nvSpPr>
-          <p:cNvPr id="412" name="CustomShape 14"/>
-          <p:cNvSpPr/>
-          <p:nvPr/>
-        </p:nvSpPr>
-        <p:spPr>
-          <a:xfrm>
-            <a:off x="7315200" y="5123160"/>
-            <a:ext cx="1122120" cy="362880"/>
-          </a:xfrm>
-          <a:prstGeom prst="rect">
-            <a:avLst/>
-          </a:prstGeom>
-          <a:noFill/>
-          <a:ln>
-            <a:noFill/>
-          </a:ln>
-        </p:spPr>
-        <p:style>
-          <a:lnRef idx="0">
-            <a:scrgbClr r="0" g="0" b="0"/>
-          </a:lnRef>
-          <a:fillRef idx="0">
-            <a:scrgbClr r="0" g="0" b="0"/>
-          </a:fillRef>
-          <a:effectRef idx="0">
-            <a:scrgbClr r="0" g="0" b="0"/>
-          </a:effectRef>
-          <a:fontRef idx="minor"/>
-        </p:style>
-        <p:txBody>
-          <a:bodyPr lIns="90000" tIns="45000" rIns="90000" bIns="45000"/>
-          <a:lstStyle/>
-          <a:p>
-            <a:pPr>
-              <a:lnSpc>
-                <a:spcPct val="100000"/>
-              </a:lnSpc>
-            </a:pPr>
-            <a:r>
-              <a:rPr lang="en-US" sz="1800" b="0" strike="noStrike" spc="-1">
-                <a:solidFill>
-                  <a:srgbClr val="2F5597"/>
-                </a:solidFill>
-                <a:uFill>
-                  <a:solidFill>
-                    <a:srgbClr val="FFFFFF"/>
-                  </a:solidFill>
-                </a:uFill>
-                <a:latin typeface="Calibri"/>
-                <a:ea typeface="DejaVu Sans"/>
-              </a:rPr>
-              <a:t>tmpfs</a:t>
-            </a:r>
-            <a:endParaRPr lang="en-US" sz="1800" b="0" strike="noStrike" spc="-1">
-              <a:solidFill>
-                <a:srgbClr val="000000"/>
-              </a:solidFill>
-              <a:uFill>
-                <a:solidFill>
-                  <a:srgbClr val="FFFFFF"/>
-                </a:solidFill>
-              </a:uFill>
-              <a:latin typeface="Arial"/>
-            </a:endParaRPr>
-          </a:p>
-        </p:txBody>
-      </p:sp>
-      <p:sp>
-        <p:nvSpPr>
-          <p:cNvPr id="413" name="CustomShape 15"/>
-          <p:cNvSpPr/>
-          <p:nvPr/>
-        </p:nvSpPr>
-        <p:spPr>
-          <a:xfrm>
-            <a:off x="9850320" y="3201480"/>
-            <a:ext cx="1487880" cy="364320"/>
-          </a:xfrm>
-          <a:prstGeom prst="rect">
-            <a:avLst/>
-          </a:prstGeom>
-          <a:noFill/>
-          <a:ln>
-            <a:noFill/>
-          </a:ln>
-        </p:spPr>
-        <p:style>
-          <a:lnRef idx="0">
-            <a:scrgbClr r="0" g="0" b="0"/>
-          </a:lnRef>
-          <a:fillRef idx="0">
-            <a:scrgbClr r="0" g="0" b="0"/>
-          </a:fillRef>
-          <a:effectRef idx="0">
-            <a:scrgbClr r="0" g="0" b="0"/>
-          </a:effectRef>
-          <a:fontRef idx="minor"/>
-        </p:style>
-        <p:txBody>
-          <a:bodyPr lIns="90000" tIns="45000" rIns="90000" bIns="45000"/>
-          <a:lstStyle/>
-          <a:p>
-            <a:pPr>
-              <a:lnSpc>
-                <a:spcPct val="100000"/>
-              </a:lnSpc>
-            </a:pPr>
-            <a:r>
-              <a:rPr lang="en-US" sz="1800" b="0" strike="noStrike" spc="-1">
-                <a:solidFill>
-                  <a:srgbClr val="2F5597"/>
-                </a:solidFill>
-                <a:uFill>
-                  <a:solidFill>
-                    <a:srgbClr val="FFFFFF"/>
-                  </a:solidFill>
-                </a:uFill>
-                <a:latin typeface="Calibri"/>
-                <a:ea typeface="DejaVu Sans"/>
-              </a:rPr>
-              <a:t>configMap</a:t>
-            </a:r>
-            <a:endParaRPr lang="en-US" sz="1800" b="0" strike="noStrike" spc="-1">
-              <a:solidFill>
-                <a:srgbClr val="000000"/>
-              </a:solidFill>
-              <a:uFill>
-                <a:solidFill>
-                  <a:srgbClr val="FFFFFF"/>
-                </a:solidFill>
-              </a:uFill>
-              <a:latin typeface="Arial"/>
-            </a:endParaRPr>
-          </a:p>
-        </p:txBody>
-      </p:sp>
-      <p:sp>
-        <p:nvSpPr>
-          <p:cNvPr id="414" name="Line 16"/>
-          <p:cNvSpPr/>
-          <p:nvPr/>
-        </p:nvSpPr>
-        <p:spPr>
-          <a:xfrm>
-            <a:off x="6583680" y="4205880"/>
-            <a:ext cx="822960" cy="914760"/>
-          </a:xfrm>
-          <a:prstGeom prst="line">
-            <a:avLst/>
-          </a:prstGeom>
-          <a:ln>
-            <a:solidFill>
-              <a:srgbClr val="3465A4"/>
-            </a:solidFill>
-            <a:headEnd type="triangle" w="med" len="med"/>
-          </a:ln>
-        </p:spPr>
-        <p:style>
-          <a:lnRef idx="0">
-            <a:scrgbClr r="0" g="0" b="0"/>
-          </a:lnRef>
-          <a:fillRef idx="0">
-            <a:scrgbClr r="0" g="0" b="0"/>
-          </a:fillRef>
-          <a:effectRef idx="0">
-            <a:scrgbClr r="0" g="0" b="0"/>
-          </a:effectRef>
-          <a:fontRef idx="minor"/>
-        </p:style>
-      </p:sp>
-      <p:sp>
-        <p:nvSpPr>
-          <p:cNvPr id="415" name="CustomShape 17"/>
-          <p:cNvSpPr/>
-          <p:nvPr/>
-        </p:nvSpPr>
-        <p:spPr>
-          <a:xfrm>
-            <a:off x="4480560" y="4205880"/>
-            <a:ext cx="1650960" cy="548280"/>
-          </a:xfrm>
-          <a:prstGeom prst="flowChartMagneticDisk">
-            <a:avLst/>
-          </a:prstGeom>
-          <a:solidFill>
-            <a:schemeClr val="bg1">
-              <a:lumMod val="95000"/>
-            </a:schemeClr>
-          </a:solidFill>
-          <a:ln>
-            <a:round/>
-          </a:ln>
-        </p:spPr>
-        <p:style>
-          <a:lnRef idx="2">
-            <a:schemeClr val="accent1">
-              <a:shade val="50000"/>
-            </a:schemeClr>
-          </a:lnRef>
-          <a:fillRef idx="1">
-            <a:schemeClr val="accent1"/>
-          </a:fillRef>
-          <a:effectRef idx="0">
-            <a:schemeClr val="accent1"/>
-          </a:effectRef>
-          <a:fontRef idx="minor"/>
-        </p:style>
-        <p:txBody>
-          <a:bodyPr lIns="90000" tIns="45000" rIns="90000" bIns="45000" anchor="ctr"/>
-          <a:lstStyle/>
-          <a:p>
-            <a:pPr algn="ctr">
-              <a:lnSpc>
-                <a:spcPct val="100000"/>
-              </a:lnSpc>
-            </a:pPr>
-            <a:r>
-              <a:rPr lang="en-US" sz="1200" b="0" strike="noStrike" spc="-1">
-                <a:solidFill>
-                  <a:srgbClr val="000000"/>
-                </a:solidFill>
-                <a:uFill>
-                  <a:solidFill>
-                    <a:srgbClr val="FFFFFF"/>
-                  </a:solidFill>
-                </a:uFill>
-                <a:latin typeface="Calibri"/>
-                <a:ea typeface="DejaVu Sans"/>
-              </a:rPr>
-              <a:t>/usr/src/app/docker</a:t>
-            </a:r>
-            <a:endParaRPr lang="en-US" sz="1800" b="0" strike="noStrike" spc="-1">
-              <a:solidFill>
-                <a:srgbClr val="000000"/>
-              </a:solidFill>
-              <a:uFill>
-                <a:solidFill>
-                  <a:srgbClr val="FFFFFF"/>
-                </a:solidFill>
-              </a:uFill>
-              <a:latin typeface="Arial"/>
-            </a:endParaRPr>
-          </a:p>
-        </p:txBody>
-      </p:sp>
-      <p:sp>
-        <p:nvSpPr>
-          <p:cNvPr id="416" name="Line 18"/>
-          <p:cNvSpPr/>
-          <p:nvPr/>
-        </p:nvSpPr>
-        <p:spPr>
-          <a:xfrm flipH="1" flipV="1">
-            <a:off x="6131520" y="4663440"/>
-            <a:ext cx="1183680" cy="639360"/>
-          </a:xfrm>
-          <a:prstGeom prst="line">
-            <a:avLst/>
-          </a:prstGeom>
-          <a:ln>
-            <a:solidFill>
-              <a:srgbClr val="006699"/>
-            </a:solidFill>
-            <a:tailEnd type="triangle" w="med" len="med"/>
-          </a:ln>
-        </p:spPr>
-        <p:style>
-          <a:lnRef idx="0">
-            <a:scrgbClr r="0" g="0" b="0"/>
-          </a:lnRef>
-          <a:fillRef idx="0">
-            <a:scrgbClr r="0" g="0" b="0"/>
-          </a:fillRef>
-          <a:effectRef idx="0">
-            <a:scrgbClr r="0" g="0" b="0"/>
-          </a:effectRef>
-          <a:fontRef idx="minor"/>
-        </p:style>
-      </p:sp>
-      <p:sp>
-        <p:nvSpPr>
-          <p:cNvPr id="417" name="CustomShape 19"/>
-          <p:cNvSpPr/>
-          <p:nvPr/>
-        </p:nvSpPr>
-        <p:spPr>
-          <a:xfrm>
-            <a:off x="9601200" y="3933360"/>
-            <a:ext cx="1487880" cy="364320"/>
-          </a:xfrm>
-          <a:prstGeom prst="rect">
-            <a:avLst/>
-          </a:prstGeom>
-          <a:noFill/>
-          <a:ln>
-            <a:noFill/>
-          </a:ln>
-        </p:spPr>
-        <p:style>
-          <a:lnRef idx="0">
-            <a:scrgbClr r="0" g="0" b="0"/>
-          </a:lnRef>
-          <a:fillRef idx="0">
-            <a:scrgbClr r="0" g="0" b="0"/>
-          </a:fillRef>
-          <a:effectRef idx="0">
-            <a:scrgbClr r="0" g="0" b="0"/>
-          </a:effectRef>
-          <a:fontRef idx="minor"/>
-        </p:style>
-        <p:txBody>
-          <a:bodyPr lIns="90000" tIns="45000" rIns="90000" bIns="45000"/>
-          <a:lstStyle/>
-          <a:p>
-            <a:pPr>
-              <a:lnSpc>
-                <a:spcPct val="100000"/>
-              </a:lnSpc>
-            </a:pPr>
-            <a:r>
-              <a:rPr lang="en-US" sz="1800" b="0" strike="noStrike" spc="-1">
-                <a:solidFill>
-                  <a:srgbClr val="2F5597"/>
-                </a:solidFill>
-                <a:uFill>
-                  <a:solidFill>
-                    <a:srgbClr val="FFFFFF"/>
-                  </a:solidFill>
-                </a:uFill>
-                <a:latin typeface="Calibri"/>
-                <a:ea typeface="DejaVu Sans"/>
-              </a:rPr>
-              <a:t>Secret</a:t>
-            </a:r>
-            <a:endParaRPr lang="en-US" sz="1800" b="0" strike="noStrike" spc="-1">
-              <a:solidFill>
-                <a:srgbClr val="000000"/>
-              </a:solidFill>
-              <a:uFill>
-                <a:solidFill>
-                  <a:srgbClr val="FFFFFF"/>
-                </a:solidFill>
-              </a:uFill>
-              <a:latin typeface="Arial"/>
-            </a:endParaRPr>
-          </a:p>
-        </p:txBody>
-      </p:sp>
-    </p:spTree>
-    <p:extLst>
-      <p:ext uri="{BB962C8B-B14F-4D97-AF65-F5344CB8AC3E}">
-        <p14:creationId xmlns:p14="http://schemas.microsoft.com/office/powerpoint/2010/main" val="1487997008"/>
-      </p:ext>
-    </p:extLst>
-  </p:cSld>
-  <p:clrMapOvr>
-    <a:masterClrMapping/>
-  </p:clrMapOvr>
-  <p:timing>
-    <p:tnLst>
-      <p:par>
-        <p:cTn id="1" dur="indefinite" restart="never" nodeType="tmRoot">
-          <p:childTnLst>
-            <p:seq>
-              <p:cTn id="2" nodeType="mainSeq"/>
-              <p:prevCondLst>
-                <p:cond evt="onPrev" delay="0">
-                  <p:tgtEl>
-                    <p:sldTgt/>
-                  </p:tgtEl>
-                </p:cond>
-              </p:prevCondLst>
-              <p:nextCondLst>
-                <p:cond evt="onNext" delay="0">
-                  <p:tgtEl>
-                    <p:sldTgt/>
-                  </p:tgtEl>
-                </p:cond>
-              </p:nextCondLst>
-            </p:seq>
-          </p:childTnLst>
-        </p:cTn>
-      </p:par>
-    </p:tnLst>
-  </p:timing>
-</p:sld>
-</file>
-
-<file path=ppt/slides/slide41.xml><?xml version="1.0" encoding="utf-8"?>
-<p:sld xmlns:a="http://schemas.openxmlformats.org/drawingml/2006/main" xmlns:r="http://schemas.openxmlformats.org/officeDocument/2006/relationships" xmlns:p="http://schemas.openxmlformats.org/presentationml/2006/main">
-  <p:cSld>
-    <p:spTree>
-      <p:nvGrpSpPr>
-        <p:cNvPr id="1" name=""/>
-        <p:cNvGrpSpPr/>
-        <p:nvPr/>
-      </p:nvGrpSpPr>
-      <p:grpSpPr>
-        <a:xfrm>
-          <a:off x="0" y="0"/>
-          <a:ext cx="0" cy="0"/>
-          <a:chOff x="0" y="0"/>
-          <a:chExt cx="0" cy="0"/>
-        </a:xfrm>
-      </p:grpSpPr>
-      <p:sp>
-        <p:nvSpPr>
-          <p:cNvPr id="418" name="CustomShape 1"/>
-          <p:cNvSpPr/>
-          <p:nvPr/>
-        </p:nvSpPr>
-        <p:spPr>
-          <a:xfrm>
-            <a:off x="838080" y="365040"/>
-            <a:ext cx="10514880" cy="1324800"/>
-          </a:xfrm>
-          <a:prstGeom prst="rect">
-            <a:avLst/>
-          </a:prstGeom>
-          <a:noFill/>
-          <a:ln>
-            <a:noFill/>
-          </a:ln>
-        </p:spPr>
-        <p:style>
-          <a:lnRef idx="0">
-            <a:scrgbClr r="0" g="0" b="0"/>
-          </a:lnRef>
-          <a:fillRef idx="0">
-            <a:scrgbClr r="0" g="0" b="0"/>
-          </a:fillRef>
-          <a:effectRef idx="0">
-            <a:scrgbClr r="0" g="0" b="0"/>
-          </a:effectRef>
-          <a:fontRef idx="minor"/>
-        </p:style>
-        <p:txBody>
-          <a:bodyPr lIns="90000" tIns="45000" rIns="90000" bIns="45000" anchor="ctr"/>
-          <a:lstStyle/>
-          <a:p>
-            <a:pPr>
-              <a:lnSpc>
-                <a:spcPct val="90000"/>
-              </a:lnSpc>
-            </a:pPr>
-            <a:r>
-              <a:rPr lang="en-US" sz="4400" b="0" strike="noStrike" spc="-1">
-                <a:solidFill>
-                  <a:srgbClr val="000000"/>
-                </a:solidFill>
-                <a:uFill>
-                  <a:solidFill>
-                    <a:srgbClr val="FFFFFF"/>
-                  </a:solidFill>
-                </a:uFill>
-                <a:latin typeface="Calibri Light"/>
-              </a:rPr>
-              <a:t>Volume - </a:t>
-            </a:r>
-            <a:endParaRPr lang="en-US" sz="1800" b="0" strike="noStrike" spc="-1">
-              <a:solidFill>
-                <a:srgbClr val="000000"/>
-              </a:solidFill>
-              <a:uFill>
-                <a:solidFill>
-                  <a:srgbClr val="FFFFFF"/>
-                </a:solidFill>
-              </a:uFill>
-              <a:latin typeface="Arial"/>
-            </a:endParaRPr>
-          </a:p>
-          <a:p>
-            <a:pPr>
-              <a:lnSpc>
-                <a:spcPct val="90000"/>
-              </a:lnSpc>
-            </a:pPr>
-            <a:r>
-              <a:rPr lang="en-US" sz="4400" b="0" strike="noStrike" spc="-1">
-                <a:solidFill>
-                  <a:srgbClr val="000000"/>
-                </a:solidFill>
-                <a:uFill>
-                  <a:solidFill>
-                    <a:srgbClr val="FFFFFF"/>
-                  </a:solidFill>
-                </a:uFill>
-                <a:latin typeface="Calibri Light"/>
-              </a:rPr>
-              <a:t>Projected</a:t>
-            </a:r>
-            <a:endParaRPr lang="en-US" sz="1800" b="0" strike="noStrike" spc="-1">
-              <a:solidFill>
-                <a:srgbClr val="000000"/>
-              </a:solidFill>
-              <a:uFill>
-                <a:solidFill>
-                  <a:srgbClr val="FFFFFF"/>
-                </a:solidFill>
-              </a:uFill>
-              <a:latin typeface="Arial"/>
-            </a:endParaRPr>
-          </a:p>
-        </p:txBody>
-      </p:sp>
-      <p:sp>
-        <p:nvSpPr>
-          <p:cNvPr id="419" name="CustomShape 2"/>
-          <p:cNvSpPr/>
-          <p:nvPr/>
-        </p:nvSpPr>
-        <p:spPr>
-          <a:xfrm>
-            <a:off x="838080" y="1825560"/>
-            <a:ext cx="10514880" cy="4350600"/>
-          </a:xfrm>
-          <a:prstGeom prst="rect">
-            <a:avLst/>
-          </a:prstGeom>
-          <a:noFill/>
-          <a:ln>
-            <a:noFill/>
-          </a:ln>
-        </p:spPr>
-        <p:style>
-          <a:lnRef idx="0">
-            <a:scrgbClr r="0" g="0" b="0"/>
-          </a:lnRef>
-          <a:fillRef idx="0">
-            <a:scrgbClr r="0" g="0" b="0"/>
-          </a:fillRef>
-          <a:effectRef idx="0">
-            <a:scrgbClr r="0" g="0" b="0"/>
-          </a:effectRef>
-          <a:fontRef idx="minor"/>
-        </p:style>
-      </p:sp>
-      <p:pic>
-        <p:nvPicPr>
-          <p:cNvPr id="420" name="Picture 3"/>
-          <p:cNvPicPr/>
-          <p:nvPr/>
-        </p:nvPicPr>
-        <p:blipFill>
-          <a:blip r:embed="rId2"/>
-          <a:stretch/>
-        </p:blipFill>
-        <p:spPr>
-          <a:xfrm>
-            <a:off x="4937760" y="60480"/>
-            <a:ext cx="5634360" cy="6706080"/>
-          </a:xfrm>
-          <a:prstGeom prst="rect">
-            <a:avLst/>
-          </a:prstGeom>
-          <a:ln>
-            <a:noFill/>
-          </a:ln>
-        </p:spPr>
-      </p:pic>
-    </p:spTree>
-    <p:extLst>
-      <p:ext uri="{BB962C8B-B14F-4D97-AF65-F5344CB8AC3E}">
-        <p14:creationId xmlns:p14="http://schemas.microsoft.com/office/powerpoint/2010/main" val="3627726805"/>
-      </p:ext>
-    </p:extLst>
-  </p:cSld>
-  <p:clrMapOvr>
-    <a:masterClrMapping/>
-  </p:clrMapOvr>
-  <p:timing>
-    <p:tnLst>
-      <p:par>
-        <p:cTn id="1" dur="indefinite" restart="never" nodeType="tmRoot">
-          <p:childTnLst>
-            <p:seq>
-              <p:cTn id="2" nodeType="mainSeq"/>
-              <p:prevCondLst>
-                <p:cond evt="onPrev" delay="0">
-                  <p:tgtEl>
-                    <p:sldTgt/>
-                  </p:tgtEl>
-                </p:cond>
-              </p:prevCondLst>
-              <p:nextCondLst>
-                <p:cond evt="onNext" delay="0">
-                  <p:tgtEl>
-                    <p:sldTgt/>
-                  </p:tgtEl>
-                </p:cond>
-              </p:nextCondLst>
-            </p:seq>
-          </p:childTnLst>
-        </p:cTn>
-      </p:par>
-    </p:tnLst>
-  </p:timing>
-</p:sld>
-</file>
-
-<file path=ppt/slides/slide42.xml><?xml version="1.0" encoding="utf-8"?>
-<p:sld xmlns:a="http://schemas.openxmlformats.org/drawingml/2006/main" xmlns:r="http://schemas.openxmlformats.org/officeDocument/2006/relationships" xmlns:p="http://schemas.openxmlformats.org/presentationml/2006/main">
-  <p:cSld>
-    <p:spTree>
-      <p:nvGrpSpPr>
-        <p:cNvPr id="1" name=""/>
-        <p:cNvGrpSpPr/>
-        <p:nvPr/>
-      </p:nvGrpSpPr>
-      <p:grpSpPr>
-        <a:xfrm>
-          <a:off x="0" y="0"/>
-          <a:ext cx="0" cy="0"/>
-          <a:chOff x="0" y="0"/>
-          <a:chExt cx="0" cy="0"/>
-        </a:xfrm>
-      </p:grpSpPr>
-      <p:sp>
-        <p:nvSpPr>
-          <p:cNvPr id="421" name="CustomShape 1"/>
-          <p:cNvSpPr/>
-          <p:nvPr/>
-        </p:nvSpPr>
-        <p:spPr>
-          <a:xfrm>
-            <a:off x="365760" y="548640"/>
-            <a:ext cx="7117200" cy="1324800"/>
-          </a:xfrm>
-          <a:prstGeom prst="rect">
-            <a:avLst/>
-          </a:prstGeom>
-          <a:noFill/>
-          <a:ln>
-            <a:noFill/>
-          </a:ln>
-        </p:spPr>
-        <p:style>
-          <a:lnRef idx="0">
-            <a:scrgbClr r="0" g="0" b="0"/>
-          </a:lnRef>
-          <a:fillRef idx="0">
-            <a:scrgbClr r="0" g="0" b="0"/>
-          </a:fillRef>
-          <a:effectRef idx="0">
-            <a:scrgbClr r="0" g="0" b="0"/>
-          </a:effectRef>
-          <a:fontRef idx="minor"/>
-        </p:style>
-        <p:txBody>
-          <a:bodyPr lIns="90000" tIns="45000" rIns="90000" bIns="45000" anchor="ctr"/>
-          <a:lstStyle/>
-          <a:p>
-            <a:pPr>
-              <a:lnSpc>
-                <a:spcPct val="90000"/>
-              </a:lnSpc>
-            </a:pPr>
-            <a:r>
-              <a:rPr lang="en-US" sz="4400" b="0" strike="noStrike" spc="-1">
-                <a:solidFill>
-                  <a:srgbClr val="000000"/>
-                </a:solidFill>
-                <a:uFill>
-                  <a:solidFill>
-                    <a:srgbClr val="FFFFFF"/>
-                  </a:solidFill>
-                </a:uFill>
-                <a:latin typeface="Calibri Light"/>
-              </a:rPr>
-              <a:t>Volume – configMap</a:t>
-            </a:r>
-            <a:endParaRPr lang="en-US" sz="1800" b="0" strike="noStrike" spc="-1">
-              <a:solidFill>
-                <a:srgbClr val="000000"/>
-              </a:solidFill>
-              <a:uFill>
-                <a:solidFill>
-                  <a:srgbClr val="FFFFFF"/>
-                </a:solidFill>
-              </a:uFill>
-              <a:latin typeface="Arial"/>
-            </a:endParaRPr>
-          </a:p>
-          <a:p>
-            <a:pPr>
-              <a:lnSpc>
-                <a:spcPct val="90000"/>
-              </a:lnSpc>
-            </a:pPr>
-            <a:r>
-              <a:rPr lang="en-US" sz="4400" b="0" strike="noStrike" spc="-1">
-                <a:solidFill>
-                  <a:srgbClr val="000000"/>
-                </a:solidFill>
-                <a:uFill>
-                  <a:solidFill>
-                    <a:srgbClr val="FFFFFF"/>
-                  </a:solidFill>
-                </a:uFill>
-                <a:latin typeface="Calibri Light"/>
-              </a:rPr>
-              <a:t>And Secret into</a:t>
-            </a:r>
-            <a:endParaRPr lang="en-US" sz="1800" b="0" strike="noStrike" spc="-1">
-              <a:solidFill>
-                <a:srgbClr val="000000"/>
-              </a:solidFill>
-              <a:uFill>
-                <a:solidFill>
-                  <a:srgbClr val="FFFFFF"/>
-                </a:solidFill>
-              </a:uFill>
-              <a:latin typeface="Arial"/>
-            </a:endParaRPr>
-          </a:p>
-          <a:p>
-            <a:pPr>
-              <a:lnSpc>
-                <a:spcPct val="90000"/>
-              </a:lnSpc>
-            </a:pPr>
-            <a:r>
-              <a:rPr lang="en-US" sz="4400" b="0" strike="noStrike" spc="-1">
-                <a:solidFill>
-                  <a:srgbClr val="000000"/>
-                </a:solidFill>
-                <a:uFill>
-                  <a:solidFill>
-                    <a:srgbClr val="FFFFFF"/>
-                  </a:solidFill>
-                </a:uFill>
-                <a:latin typeface="Calibri Light"/>
-              </a:rPr>
-              <a:t>The same Mount Path</a:t>
-            </a:r>
-            <a:endParaRPr lang="en-US" sz="1800" b="0" strike="noStrike" spc="-1">
-              <a:solidFill>
-                <a:srgbClr val="000000"/>
-              </a:solidFill>
-              <a:uFill>
-                <a:solidFill>
-                  <a:srgbClr val="FFFFFF"/>
-                </a:solidFill>
-              </a:uFill>
-              <a:latin typeface="Arial"/>
-            </a:endParaRPr>
-          </a:p>
-        </p:txBody>
-      </p:sp>
-      <p:sp>
-        <p:nvSpPr>
-          <p:cNvPr id="422" name="CustomShape 2"/>
-          <p:cNvSpPr/>
-          <p:nvPr/>
-        </p:nvSpPr>
-        <p:spPr>
-          <a:xfrm>
-            <a:off x="3311640" y="2284200"/>
-            <a:ext cx="5649120" cy="3933360"/>
-          </a:xfrm>
-          <a:prstGeom prst="pentagon">
-            <a:avLst>
-              <a:gd name="hf" fmla="val 105146"/>
-              <a:gd name="vf" fmla="val 110557"/>
-            </a:avLst>
-          </a:prstGeom>
-          <a:solidFill>
-            <a:schemeClr val="accent1">
-              <a:lumMod val="75000"/>
-            </a:schemeClr>
-          </a:solidFill>
-          <a:ln>
-            <a:round/>
-          </a:ln>
-        </p:spPr>
-        <p:style>
-          <a:lnRef idx="2">
-            <a:schemeClr val="accent1">
-              <a:shade val="50000"/>
-            </a:schemeClr>
-          </a:lnRef>
-          <a:fillRef idx="1">
-            <a:schemeClr val="accent1"/>
-          </a:fillRef>
-          <a:effectRef idx="0">
-            <a:schemeClr val="accent1"/>
-          </a:effectRef>
-          <a:fontRef idx="minor"/>
-        </p:style>
-      </p:sp>
-      <p:sp>
-        <p:nvSpPr>
-          <p:cNvPr id="423" name="CustomShape 3"/>
-          <p:cNvSpPr/>
-          <p:nvPr/>
-        </p:nvSpPr>
-        <p:spPr>
-          <a:xfrm>
-            <a:off x="2967120" y="2189880"/>
-            <a:ext cx="6359400" cy="3479040"/>
-          </a:xfrm>
-          <a:prstGeom prst="pentagon">
-            <a:avLst>
-              <a:gd name="hf" fmla="val 105146"/>
-              <a:gd name="vf" fmla="val 110557"/>
-            </a:avLst>
-          </a:prstGeom>
-          <a:solidFill>
-            <a:schemeClr val="bg1"/>
-          </a:solidFill>
-          <a:ln>
-            <a:round/>
-          </a:ln>
-        </p:spPr>
-        <p:style>
-          <a:lnRef idx="2">
-            <a:schemeClr val="accent1">
-              <a:shade val="50000"/>
-            </a:schemeClr>
-          </a:lnRef>
-          <a:fillRef idx="1">
-            <a:schemeClr val="accent1"/>
-          </a:fillRef>
-          <a:effectRef idx="0">
-            <a:schemeClr val="accent1"/>
-          </a:effectRef>
-          <a:fontRef idx="minor"/>
-        </p:style>
-      </p:sp>
-      <p:sp>
-        <p:nvSpPr>
-          <p:cNvPr id="424" name="CustomShape 4"/>
-          <p:cNvSpPr/>
-          <p:nvPr/>
-        </p:nvSpPr>
-        <p:spPr>
-          <a:xfrm>
-            <a:off x="4297680" y="3017520"/>
-            <a:ext cx="3158280" cy="1818720"/>
-          </a:xfrm>
-          <a:prstGeom prst="cube">
-            <a:avLst>
-              <a:gd name="adj" fmla="val 25000"/>
-            </a:avLst>
-          </a:prstGeom>
-          <a:ln>
-            <a:round/>
-          </a:ln>
-        </p:spPr>
-        <p:style>
-          <a:lnRef idx="2">
-            <a:schemeClr val="accent1">
-              <a:shade val="50000"/>
-            </a:schemeClr>
-          </a:lnRef>
-          <a:fillRef idx="1">
-            <a:schemeClr val="accent1"/>
-          </a:fillRef>
-          <a:effectRef idx="0">
-            <a:schemeClr val="accent1"/>
-          </a:effectRef>
-          <a:fontRef idx="minor"/>
-        </p:style>
-      </p:sp>
-      <p:sp>
-        <p:nvSpPr>
-          <p:cNvPr id="425" name="CustomShape 5"/>
-          <p:cNvSpPr/>
-          <p:nvPr/>
-        </p:nvSpPr>
-        <p:spPr>
-          <a:xfrm>
-            <a:off x="4006800" y="2521440"/>
-            <a:ext cx="3840120" cy="2925720"/>
-          </a:xfrm>
-          <a:prstGeom prst="ellipse">
-            <a:avLst/>
-          </a:prstGeom>
-          <a:noFill/>
-          <a:ln>
-            <a:round/>
-          </a:ln>
-        </p:spPr>
-        <p:style>
-          <a:lnRef idx="2">
-            <a:schemeClr val="accent1">
-              <a:shade val="50000"/>
-            </a:schemeClr>
-          </a:lnRef>
-          <a:fillRef idx="1">
-            <a:schemeClr val="accent1"/>
-          </a:fillRef>
-          <a:effectRef idx="0">
-            <a:schemeClr val="accent1"/>
-          </a:effectRef>
-          <a:fontRef idx="minor"/>
-        </p:style>
-      </p:sp>
-      <p:sp>
-        <p:nvSpPr>
-          <p:cNvPr id="426" name="CustomShape 6"/>
-          <p:cNvSpPr/>
-          <p:nvPr/>
-        </p:nvSpPr>
-        <p:spPr>
-          <a:xfrm>
-            <a:off x="4545360" y="5760720"/>
-            <a:ext cx="1215000" cy="364320"/>
-          </a:xfrm>
-          <a:prstGeom prst="rect">
-            <a:avLst/>
-          </a:prstGeom>
-          <a:noFill/>
-          <a:ln>
-            <a:noFill/>
-          </a:ln>
-        </p:spPr>
-        <p:style>
-          <a:lnRef idx="0">
-            <a:scrgbClr r="0" g="0" b="0"/>
-          </a:lnRef>
-          <a:fillRef idx="0">
-            <a:scrgbClr r="0" g="0" b="0"/>
-          </a:fillRef>
-          <a:effectRef idx="0">
-            <a:scrgbClr r="0" g="0" b="0"/>
-          </a:effectRef>
-          <a:fontRef idx="minor"/>
-        </p:style>
-        <p:txBody>
-          <a:bodyPr lIns="90000" tIns="45000" rIns="90000" bIns="45000"/>
-          <a:lstStyle/>
-          <a:p>
-            <a:pPr>
-              <a:lnSpc>
-                <a:spcPct val="100000"/>
-              </a:lnSpc>
-            </a:pPr>
-            <a:r>
-              <a:rPr lang="en-US" sz="1800" b="0" strike="noStrike" spc="-1">
-                <a:solidFill>
-                  <a:srgbClr val="FFFFFF"/>
-                </a:solidFill>
-                <a:uFill>
-                  <a:solidFill>
-                    <a:srgbClr val="FFFFFF"/>
-                  </a:solidFill>
-                </a:uFill>
-                <a:latin typeface="Calibri"/>
-                <a:ea typeface="DejaVu Sans"/>
-              </a:rPr>
-              <a:t>kublet</a:t>
-            </a:r>
-            <a:endParaRPr lang="en-US" sz="1800" b="0" strike="noStrike" spc="-1">
-              <a:solidFill>
-                <a:srgbClr val="000000"/>
-              </a:solidFill>
-              <a:uFill>
-                <a:solidFill>
-                  <a:srgbClr val="FFFFFF"/>
-                </a:solidFill>
-              </a:uFill>
-              <a:latin typeface="Arial"/>
-            </a:endParaRPr>
-          </a:p>
-        </p:txBody>
-      </p:sp>
-      <p:sp>
-        <p:nvSpPr>
-          <p:cNvPr id="427" name="CustomShape 7"/>
-          <p:cNvSpPr/>
-          <p:nvPr/>
-        </p:nvSpPr>
-        <p:spPr>
-          <a:xfrm>
-            <a:off x="6583680" y="5823000"/>
-            <a:ext cx="1215000" cy="303120"/>
-          </a:xfrm>
-          <a:prstGeom prst="rect">
-            <a:avLst/>
-          </a:prstGeom>
-          <a:solidFill>
-            <a:srgbClr val="00B0F0"/>
-          </a:solidFill>
-          <a:ln>
-            <a:noFill/>
-          </a:ln>
-        </p:spPr>
-        <p:style>
-          <a:lnRef idx="0">
-            <a:scrgbClr r="0" g="0" b="0"/>
-          </a:lnRef>
-          <a:fillRef idx="0">
-            <a:scrgbClr r="0" g="0" b="0"/>
-          </a:fillRef>
-          <a:effectRef idx="0">
-            <a:scrgbClr r="0" g="0" b="0"/>
-          </a:effectRef>
-          <a:fontRef idx="minor"/>
-        </p:style>
-        <p:txBody>
-          <a:bodyPr lIns="90000" tIns="45000" rIns="90000" bIns="45000"/>
-          <a:lstStyle/>
-          <a:p>
-            <a:pPr>
-              <a:lnSpc>
-                <a:spcPct val="100000"/>
-              </a:lnSpc>
-            </a:pPr>
-            <a:r>
-              <a:rPr lang="en-US" sz="1400" b="0" strike="noStrike" spc="-1">
-                <a:solidFill>
-                  <a:srgbClr val="FFFFFF"/>
-                </a:solidFill>
-                <a:uFill>
-                  <a:solidFill>
-                    <a:srgbClr val="FFFFFF"/>
-                  </a:solidFill>
-                </a:uFill>
-                <a:latin typeface="Calibri"/>
-                <a:ea typeface="DejaVu Sans"/>
-              </a:rPr>
-              <a:t>Docker</a:t>
-            </a:r>
-            <a:endParaRPr lang="en-US" sz="1800" b="0" strike="noStrike" spc="-1">
-              <a:solidFill>
-                <a:srgbClr val="000000"/>
-              </a:solidFill>
-              <a:uFill>
-                <a:solidFill>
-                  <a:srgbClr val="FFFFFF"/>
-                </a:solidFill>
-              </a:uFill>
-              <a:latin typeface="Arial"/>
-            </a:endParaRPr>
-          </a:p>
-        </p:txBody>
-      </p:sp>
-      <p:sp>
-        <p:nvSpPr>
-          <p:cNvPr id="428" name="CustomShape 8"/>
-          <p:cNvSpPr/>
-          <p:nvPr/>
-        </p:nvSpPr>
-        <p:spPr>
-          <a:xfrm>
-            <a:off x="4297680" y="5213160"/>
-            <a:ext cx="1122120" cy="364320"/>
-          </a:xfrm>
-          <a:prstGeom prst="rect">
-            <a:avLst/>
-          </a:prstGeom>
-          <a:noFill/>
-          <a:ln>
-            <a:noFill/>
-          </a:ln>
-        </p:spPr>
-        <p:style>
-          <a:lnRef idx="0">
-            <a:scrgbClr r="0" g="0" b="0"/>
-          </a:lnRef>
-          <a:fillRef idx="0">
-            <a:scrgbClr r="0" g="0" b="0"/>
-          </a:fillRef>
-          <a:effectRef idx="0">
-            <a:scrgbClr r="0" g="0" b="0"/>
-          </a:effectRef>
-          <a:fontRef idx="minor"/>
-        </p:style>
-        <p:txBody>
-          <a:bodyPr lIns="90000" tIns="45000" rIns="90000" bIns="45000"/>
-          <a:lstStyle/>
-          <a:p>
-            <a:pPr>
-              <a:lnSpc>
-                <a:spcPct val="100000"/>
-              </a:lnSpc>
-            </a:pPr>
-            <a:r>
-              <a:rPr lang="en-US" sz="1800" b="0" strike="noStrike" spc="-1">
-                <a:solidFill>
-                  <a:srgbClr val="2F5597"/>
-                </a:solidFill>
-                <a:uFill>
-                  <a:solidFill>
-                    <a:srgbClr val="FFFFFF"/>
-                  </a:solidFill>
-                </a:uFill>
-                <a:latin typeface="Calibri"/>
-                <a:ea typeface="DejaVu Sans"/>
-              </a:rPr>
-              <a:t>Node</a:t>
-            </a:r>
-            <a:endParaRPr lang="en-US" sz="1800" b="0" strike="noStrike" spc="-1">
-              <a:solidFill>
-                <a:srgbClr val="000000"/>
-              </a:solidFill>
-              <a:uFill>
-                <a:solidFill>
-                  <a:srgbClr val="FFFFFF"/>
-                </a:solidFill>
-              </a:uFill>
-              <a:latin typeface="Arial"/>
-            </a:endParaRPr>
-          </a:p>
-        </p:txBody>
-      </p:sp>
-      <p:sp>
-        <p:nvSpPr>
-          <p:cNvPr id="429" name="CustomShape 9"/>
-          <p:cNvSpPr/>
-          <p:nvPr/>
-        </p:nvSpPr>
-        <p:spPr>
-          <a:xfrm>
-            <a:off x="4846320" y="4023720"/>
-            <a:ext cx="1650960" cy="548280"/>
-          </a:xfrm>
-          <a:prstGeom prst="flowChartMagneticDisk">
-            <a:avLst/>
-          </a:prstGeom>
-          <a:solidFill>
-            <a:schemeClr val="bg1">
-              <a:lumMod val="95000"/>
-            </a:schemeClr>
-          </a:solidFill>
-          <a:ln>
-            <a:round/>
-          </a:ln>
-        </p:spPr>
-        <p:style>
-          <a:lnRef idx="2">
-            <a:schemeClr val="accent1">
-              <a:shade val="50000"/>
-            </a:schemeClr>
-          </a:lnRef>
-          <a:fillRef idx="1">
-            <a:schemeClr val="accent1"/>
-          </a:fillRef>
-          <a:effectRef idx="0">
-            <a:schemeClr val="accent1"/>
-          </a:effectRef>
-          <a:fontRef idx="minor"/>
-        </p:style>
-        <p:txBody>
-          <a:bodyPr lIns="90000" tIns="45000" rIns="90000" bIns="45000" anchor="ctr"/>
-          <a:lstStyle/>
-          <a:p>
-            <a:pPr algn="ctr">
-              <a:lnSpc>
-                <a:spcPct val="100000"/>
-              </a:lnSpc>
-            </a:pPr>
-            <a:r>
-              <a:rPr lang="en-US" sz="1200" b="0" strike="noStrike" spc="-1">
-                <a:solidFill>
-                  <a:srgbClr val="000000"/>
-                </a:solidFill>
-                <a:uFill>
-                  <a:solidFill>
-                    <a:srgbClr val="FFFFFF"/>
-                  </a:solidFill>
-                </a:uFill>
-                <a:latin typeface="Calibri"/>
-                <a:ea typeface="DejaVu Sans"/>
-              </a:rPr>
-              <a:t>/usr/src/app/config</a:t>
-            </a:r>
-            <a:endParaRPr lang="en-US" sz="1800" b="0" strike="noStrike" spc="-1">
-              <a:solidFill>
-                <a:srgbClr val="000000"/>
-              </a:solidFill>
-              <a:uFill>
-                <a:solidFill>
-                  <a:srgbClr val="FFFFFF"/>
-                </a:solidFill>
-              </a:uFill>
-              <a:latin typeface="Arial"/>
-            </a:endParaRPr>
-          </a:p>
-        </p:txBody>
-      </p:sp>
-      <p:sp>
-        <p:nvSpPr>
-          <p:cNvPr id="430" name="CustomShape 10"/>
-          <p:cNvSpPr/>
-          <p:nvPr/>
-        </p:nvSpPr>
-        <p:spPr>
-          <a:xfrm>
-            <a:off x="7150320" y="822960"/>
-            <a:ext cx="2176200" cy="1603800"/>
-          </a:xfrm>
-          <a:prstGeom prst="hexagon">
-            <a:avLst>
-              <a:gd name="adj" fmla="val 25000"/>
-              <a:gd name="vf" fmla="val 115470"/>
-            </a:avLst>
-          </a:prstGeom>
-          <a:noFill/>
-          <a:ln w="38160">
-            <a:round/>
-          </a:ln>
-        </p:spPr>
-        <p:style>
-          <a:lnRef idx="2">
-            <a:schemeClr val="accent1">
-              <a:shade val="50000"/>
-            </a:schemeClr>
-          </a:lnRef>
-          <a:fillRef idx="1">
-            <a:schemeClr val="accent1"/>
-          </a:fillRef>
-          <a:effectRef idx="0">
-            <a:schemeClr val="accent1"/>
-          </a:effectRef>
-          <a:fontRef idx="minor"/>
-        </p:style>
-      </p:sp>
-      <p:sp>
-        <p:nvSpPr>
-          <p:cNvPr id="431" name="CustomShape 11"/>
-          <p:cNvSpPr/>
-          <p:nvPr/>
-        </p:nvSpPr>
-        <p:spPr>
-          <a:xfrm>
-            <a:off x="7589520" y="2011680"/>
-            <a:ext cx="1122120" cy="364320"/>
-          </a:xfrm>
-          <a:prstGeom prst="rect">
-            <a:avLst/>
-          </a:prstGeom>
-          <a:noFill/>
-          <a:ln>
-            <a:noFill/>
-          </a:ln>
-        </p:spPr>
-        <p:style>
-          <a:lnRef idx="0">
-            <a:scrgbClr r="0" g="0" b="0"/>
-          </a:lnRef>
-          <a:fillRef idx="0">
-            <a:scrgbClr r="0" g="0" b="0"/>
-          </a:fillRef>
-          <a:effectRef idx="0">
-            <a:scrgbClr r="0" g="0" b="0"/>
-          </a:effectRef>
-          <a:fontRef idx="minor"/>
-        </p:style>
-        <p:txBody>
-          <a:bodyPr lIns="90000" tIns="45000" rIns="90000" bIns="45000"/>
-          <a:lstStyle/>
-          <a:p>
-            <a:pPr>
-              <a:lnSpc>
-                <a:spcPct val="100000"/>
-              </a:lnSpc>
-            </a:pPr>
-            <a:r>
-              <a:rPr lang="en-US" sz="1800" b="0" strike="noStrike" spc="-1">
-                <a:solidFill>
-                  <a:srgbClr val="2F5597"/>
-                </a:solidFill>
-                <a:uFill>
-                  <a:solidFill>
-                    <a:srgbClr val="FFFFFF"/>
-                  </a:solidFill>
-                </a:uFill>
-                <a:latin typeface="Calibri"/>
-                <a:ea typeface="DejaVu Sans"/>
-              </a:rPr>
-              <a:t>Master</a:t>
-            </a:r>
-            <a:endParaRPr lang="en-US" sz="1800" b="0" strike="noStrike" spc="-1">
-              <a:solidFill>
-                <a:srgbClr val="000000"/>
-              </a:solidFill>
-              <a:uFill>
-                <a:solidFill>
-                  <a:srgbClr val="FFFFFF"/>
-                </a:solidFill>
-              </a:uFill>
-              <a:latin typeface="Arial"/>
-            </a:endParaRPr>
-          </a:p>
-        </p:txBody>
-      </p:sp>
-      <p:sp>
-        <p:nvSpPr>
-          <p:cNvPr id="432" name="CustomShape 12"/>
-          <p:cNvSpPr/>
-          <p:nvPr/>
-        </p:nvSpPr>
-        <p:spPr>
-          <a:xfrm>
-            <a:off x="4530240" y="3017520"/>
-            <a:ext cx="2925720" cy="355680"/>
-          </a:xfrm>
-          <a:prstGeom prst="rect">
-            <a:avLst/>
-          </a:prstGeom>
-          <a:noFill/>
-          <a:ln>
-            <a:noFill/>
-          </a:ln>
-        </p:spPr>
-        <p:style>
-          <a:lnRef idx="0">
-            <a:scrgbClr r="0" g="0" b="0"/>
-          </a:lnRef>
-          <a:fillRef idx="0">
-            <a:scrgbClr r="0" g="0" b="0"/>
-          </a:fillRef>
-          <a:effectRef idx="0">
-            <a:scrgbClr r="0" g="0" b="0"/>
-          </a:effectRef>
-          <a:fontRef idx="minor"/>
-        </p:style>
-        <p:txBody>
-          <a:bodyPr lIns="90000" tIns="45000" rIns="90000" bIns="45000"/>
-          <a:lstStyle/>
-          <a:p>
-            <a:pPr algn="ctr">
-              <a:lnSpc>
-                <a:spcPct val="100000"/>
-              </a:lnSpc>
-            </a:pPr>
-            <a:r>
-              <a:rPr lang="en-US" sz="1800" b="0" strike="noStrike" spc="-1">
-                <a:solidFill>
-                  <a:srgbClr val="FFFFFF"/>
-                </a:solidFill>
-                <a:uFill>
-                  <a:solidFill>
-                    <a:srgbClr val="FFFFFF"/>
-                  </a:solidFill>
-                </a:uFill>
-                <a:latin typeface="Calibri"/>
-              </a:rPr>
-              <a:t>navivi/lets-chat-app:v1</a:t>
-            </a:r>
-            <a:endParaRPr lang="en-US" sz="1800" b="0" strike="noStrike" spc="-1">
-              <a:solidFill>
-                <a:srgbClr val="000000"/>
-              </a:solidFill>
-              <a:uFill>
-                <a:solidFill>
-                  <a:srgbClr val="FFFFFF"/>
-                </a:solidFill>
-              </a:uFill>
-              <a:latin typeface="Arial"/>
-            </a:endParaRPr>
-          </a:p>
-        </p:txBody>
-      </p:sp>
-      <p:sp>
-        <p:nvSpPr>
-          <p:cNvPr id="433" name="CustomShape 13"/>
-          <p:cNvSpPr/>
-          <p:nvPr/>
-        </p:nvSpPr>
-        <p:spPr>
-          <a:xfrm>
-            <a:off x="7315200" y="5120640"/>
-            <a:ext cx="822600" cy="456840"/>
-          </a:xfrm>
-          <a:prstGeom prst="rect">
-            <a:avLst/>
-          </a:prstGeom>
-          <a:solidFill>
-            <a:srgbClr val="FFFFFF"/>
-          </a:solidFill>
-          <a:ln>
-            <a:solidFill>
-              <a:srgbClr val="0000FF"/>
-            </a:solidFill>
-          </a:ln>
-        </p:spPr>
-        <p:style>
-          <a:lnRef idx="0">
-            <a:scrgbClr r="0" g="0" b="0"/>
-          </a:lnRef>
-          <a:fillRef idx="0">
-            <a:scrgbClr r="0" g="0" b="0"/>
-          </a:fillRef>
-          <a:effectRef idx="0">
-            <a:scrgbClr r="0" g="0" b="0"/>
-          </a:effectRef>
-          <a:fontRef idx="minor"/>
-        </p:style>
-      </p:sp>
-      <p:sp>
-        <p:nvSpPr>
-          <p:cNvPr id="434" name="CustomShape 14"/>
-          <p:cNvSpPr/>
-          <p:nvPr/>
-        </p:nvSpPr>
-        <p:spPr>
-          <a:xfrm>
-            <a:off x="7315200" y="5123160"/>
-            <a:ext cx="1122120" cy="362880"/>
-          </a:xfrm>
-          <a:prstGeom prst="rect">
-            <a:avLst/>
-          </a:prstGeom>
-          <a:noFill/>
-          <a:ln>
-            <a:noFill/>
-          </a:ln>
-        </p:spPr>
-        <p:style>
-          <a:lnRef idx="0">
-            <a:scrgbClr r="0" g="0" b="0"/>
-          </a:lnRef>
-          <a:fillRef idx="0">
-            <a:scrgbClr r="0" g="0" b="0"/>
-          </a:fillRef>
-          <a:effectRef idx="0">
-            <a:scrgbClr r="0" g="0" b="0"/>
-          </a:effectRef>
-          <a:fontRef idx="minor"/>
-        </p:style>
-        <p:txBody>
-          <a:bodyPr lIns="90000" tIns="45000" rIns="90000" bIns="45000"/>
-          <a:lstStyle/>
-          <a:p>
-            <a:pPr>
-              <a:lnSpc>
-                <a:spcPct val="100000"/>
-              </a:lnSpc>
-            </a:pPr>
-            <a:r>
-              <a:rPr lang="en-US" sz="1800" b="0" strike="noStrike" spc="-1">
-                <a:solidFill>
-                  <a:srgbClr val="2F5597"/>
-                </a:solidFill>
-                <a:uFill>
-                  <a:solidFill>
-                    <a:srgbClr val="FFFFFF"/>
-                  </a:solidFill>
-                </a:uFill>
-                <a:latin typeface="Calibri"/>
-                <a:ea typeface="DejaVu Sans"/>
-              </a:rPr>
-              <a:t>tmpfs</a:t>
-            </a:r>
-            <a:endParaRPr lang="en-US" sz="1800" b="0" strike="noStrike" spc="-1">
-              <a:solidFill>
-                <a:srgbClr val="000000"/>
-              </a:solidFill>
-              <a:uFill>
-                <a:solidFill>
-                  <a:srgbClr val="FFFFFF"/>
-                </a:solidFill>
-              </a:uFill>
-              <a:latin typeface="Arial"/>
-            </a:endParaRPr>
-          </a:p>
-        </p:txBody>
-      </p:sp>
-      <p:sp>
-        <p:nvSpPr>
-          <p:cNvPr id="435" name="CustomShape 15"/>
-          <p:cNvSpPr/>
-          <p:nvPr/>
-        </p:nvSpPr>
-        <p:spPr>
-          <a:xfrm>
-            <a:off x="9850320" y="3201480"/>
-            <a:ext cx="1487880" cy="364320"/>
-          </a:xfrm>
-          <a:prstGeom prst="rect">
-            <a:avLst/>
-          </a:prstGeom>
-          <a:noFill/>
-          <a:ln>
-            <a:noFill/>
-          </a:ln>
-        </p:spPr>
-        <p:style>
-          <a:lnRef idx="0">
-            <a:scrgbClr r="0" g="0" b="0"/>
-          </a:lnRef>
-          <a:fillRef idx="0">
-            <a:scrgbClr r="0" g="0" b="0"/>
-          </a:fillRef>
-          <a:effectRef idx="0">
-            <a:scrgbClr r="0" g="0" b="0"/>
-          </a:effectRef>
-          <a:fontRef idx="minor"/>
-        </p:style>
-        <p:txBody>
-          <a:bodyPr lIns="90000" tIns="45000" rIns="90000" bIns="45000"/>
-          <a:lstStyle/>
-          <a:p>
-            <a:pPr>
-              <a:lnSpc>
-                <a:spcPct val="100000"/>
-              </a:lnSpc>
-            </a:pPr>
-            <a:r>
-              <a:rPr lang="en-US" sz="1800" b="0" strike="noStrike" spc="-1">
-                <a:solidFill>
-                  <a:srgbClr val="2F5597"/>
-                </a:solidFill>
-                <a:uFill>
-                  <a:solidFill>
-                    <a:srgbClr val="FFFFFF"/>
-                  </a:solidFill>
-                </a:uFill>
-                <a:latin typeface="Calibri"/>
-                <a:ea typeface="DejaVu Sans"/>
-              </a:rPr>
-              <a:t>configMap</a:t>
-            </a:r>
-            <a:endParaRPr lang="en-US" sz="1800" b="0" strike="noStrike" spc="-1">
-              <a:solidFill>
-                <a:srgbClr val="000000"/>
-              </a:solidFill>
-              <a:uFill>
-                <a:solidFill>
-                  <a:srgbClr val="FFFFFF"/>
-                </a:solidFill>
-              </a:uFill>
-              <a:latin typeface="Arial"/>
-            </a:endParaRPr>
-          </a:p>
-        </p:txBody>
-      </p:sp>
-      <p:sp>
-        <p:nvSpPr>
-          <p:cNvPr id="436" name="Line 16"/>
-          <p:cNvSpPr/>
-          <p:nvPr/>
-        </p:nvSpPr>
-        <p:spPr>
-          <a:xfrm>
-            <a:off x="6497280" y="4480560"/>
-            <a:ext cx="909360" cy="640080"/>
-          </a:xfrm>
-          <a:prstGeom prst="line">
-            <a:avLst/>
-          </a:prstGeom>
-          <a:ln>
-            <a:solidFill>
-              <a:srgbClr val="3465A4"/>
-            </a:solidFill>
-            <a:headEnd type="triangle" w="med" len="med"/>
-          </a:ln>
-        </p:spPr>
-        <p:style>
-          <a:lnRef idx="0">
-            <a:scrgbClr r="0" g="0" b="0"/>
-          </a:lnRef>
-          <a:fillRef idx="0">
-            <a:scrgbClr r="0" g="0" b="0"/>
-          </a:fillRef>
-          <a:effectRef idx="0">
-            <a:scrgbClr r="0" g="0" b="0"/>
-          </a:effectRef>
-          <a:fontRef idx="minor"/>
-        </p:style>
-      </p:sp>
-      <p:sp>
-        <p:nvSpPr>
-          <p:cNvPr id="437" name="Line 17"/>
-          <p:cNvSpPr/>
-          <p:nvPr/>
-        </p:nvSpPr>
-        <p:spPr>
-          <a:xfrm flipH="1" flipV="1">
-            <a:off x="5669280" y="4572000"/>
-            <a:ext cx="1645920" cy="730800"/>
-          </a:xfrm>
-          <a:prstGeom prst="line">
-            <a:avLst/>
-          </a:prstGeom>
-          <a:ln>
-            <a:solidFill>
-              <a:srgbClr val="006699"/>
-            </a:solidFill>
-            <a:tailEnd type="triangle" w="med" len="med"/>
-          </a:ln>
-        </p:spPr>
-        <p:style>
-          <a:lnRef idx="0">
-            <a:scrgbClr r="0" g="0" b="0"/>
-          </a:lnRef>
-          <a:fillRef idx="0">
-            <a:scrgbClr r="0" g="0" b="0"/>
-          </a:fillRef>
-          <a:effectRef idx="0">
-            <a:scrgbClr r="0" g="0" b="0"/>
-          </a:effectRef>
-          <a:fontRef idx="minor"/>
-        </p:style>
-      </p:sp>
-      <p:sp>
-        <p:nvSpPr>
-          <p:cNvPr id="438" name="CustomShape 18"/>
-          <p:cNvSpPr/>
-          <p:nvPr/>
-        </p:nvSpPr>
-        <p:spPr>
-          <a:xfrm>
-            <a:off x="9601200" y="3933360"/>
-            <a:ext cx="1487880" cy="364320"/>
-          </a:xfrm>
-          <a:prstGeom prst="rect">
-            <a:avLst/>
-          </a:prstGeom>
-          <a:noFill/>
-          <a:ln>
-            <a:noFill/>
-          </a:ln>
-        </p:spPr>
-        <p:style>
-          <a:lnRef idx="0">
-            <a:scrgbClr r="0" g="0" b="0"/>
-          </a:lnRef>
-          <a:fillRef idx="0">
-            <a:scrgbClr r="0" g="0" b="0"/>
-          </a:fillRef>
-          <a:effectRef idx="0">
-            <a:scrgbClr r="0" g="0" b="0"/>
-          </a:effectRef>
-          <a:fontRef idx="minor"/>
-        </p:style>
-        <p:txBody>
-          <a:bodyPr lIns="90000" tIns="45000" rIns="90000" bIns="45000"/>
-          <a:lstStyle/>
-          <a:p>
-            <a:pPr>
-              <a:lnSpc>
-                <a:spcPct val="100000"/>
-              </a:lnSpc>
-            </a:pPr>
-            <a:r>
-              <a:rPr lang="en-US" sz="1800" b="0" strike="noStrike" spc="-1">
-                <a:solidFill>
-                  <a:srgbClr val="2F5597"/>
-                </a:solidFill>
-                <a:uFill>
-                  <a:solidFill>
-                    <a:srgbClr val="FFFFFF"/>
-                  </a:solidFill>
-                </a:uFill>
-                <a:latin typeface="Calibri"/>
-                <a:ea typeface="DejaVu Sans"/>
-              </a:rPr>
-              <a:t>Secret</a:t>
-            </a:r>
-            <a:endParaRPr lang="en-US" sz="1800" b="0" strike="noStrike" spc="-1">
-              <a:solidFill>
-                <a:srgbClr val="000000"/>
-              </a:solidFill>
-              <a:uFill>
-                <a:solidFill>
-                  <a:srgbClr val="FFFFFF"/>
-                </a:solidFill>
-              </a:uFill>
-              <a:latin typeface="Arial"/>
-            </a:endParaRPr>
-          </a:p>
-        </p:txBody>
-      </p:sp>
-    </p:spTree>
-    <p:extLst>
-      <p:ext uri="{BB962C8B-B14F-4D97-AF65-F5344CB8AC3E}">
-        <p14:creationId xmlns:p14="http://schemas.microsoft.com/office/powerpoint/2010/main" val="2122754825"/>
-      </p:ext>
-    </p:extLst>
-  </p:cSld>
-  <p:clrMapOvr>
-    <a:masterClrMapping/>
-  </p:clrMapOvr>
-  <p:timing>
-    <p:tnLst>
-      <p:par>
-        <p:cTn id="1" dur="indefinite" restart="never" nodeType="tmRoot">
-          <p:childTnLst>
-            <p:seq>
-              <p:cTn id="2" nodeType="mainSeq"/>
-              <p:prevCondLst>
-                <p:cond evt="onPrev" delay="0">
-                  <p:tgtEl>
-                    <p:sldTgt/>
-                  </p:tgtEl>
-                </p:cond>
-              </p:prevCondLst>
-              <p:nextCondLst>
-                <p:cond evt="onNext" delay="0">
-                  <p:tgtEl>
-                    <p:sldTgt/>
-                  </p:tgtEl>
-                </p:cond>
-              </p:nextCondLst>
-            </p:seq>
-          </p:childTnLst>
-        </p:cTn>
-      </p:par>
-    </p:tnLst>
-  </p:timing>
-</p:sld>
-</file>
-
-<file path=ppt/slides/slide43.xml><?xml version="1.0" encoding="utf-8"?>
-<p:sld xmlns:a="http://schemas.openxmlformats.org/drawingml/2006/main" xmlns:r="http://schemas.openxmlformats.org/officeDocument/2006/relationships" xmlns:p="http://schemas.openxmlformats.org/presentationml/2006/main">
-  <p:cSld>
-    <p:spTree>
-      <p:nvGrpSpPr>
-        <p:cNvPr id="1" name=""/>
-        <p:cNvGrpSpPr/>
-        <p:nvPr/>
-      </p:nvGrpSpPr>
-      <p:grpSpPr>
-        <a:xfrm>
-          <a:off x="0" y="0"/>
-          <a:ext cx="0" cy="0"/>
-          <a:chOff x="0" y="0"/>
-          <a:chExt cx="0" cy="0"/>
-        </a:xfrm>
-      </p:grpSpPr>
-      <p:sp>
-        <p:nvSpPr>
-          <p:cNvPr id="439" name="CustomShape 1"/>
-          <p:cNvSpPr/>
-          <p:nvPr/>
-        </p:nvSpPr>
-        <p:spPr>
-          <a:xfrm>
-            <a:off x="838080" y="365040"/>
-            <a:ext cx="10514880" cy="1324800"/>
-          </a:xfrm>
-          <a:prstGeom prst="rect">
-            <a:avLst/>
-          </a:prstGeom>
-          <a:noFill/>
-          <a:ln>
-            <a:noFill/>
-          </a:ln>
-        </p:spPr>
-        <p:style>
-          <a:lnRef idx="0">
-            <a:scrgbClr r="0" g="0" b="0"/>
-          </a:lnRef>
-          <a:fillRef idx="0">
-            <a:scrgbClr r="0" g="0" b="0"/>
-          </a:fillRef>
-          <a:effectRef idx="0">
-            <a:scrgbClr r="0" g="0" b="0"/>
-          </a:effectRef>
-          <a:fontRef idx="minor"/>
-        </p:style>
-        <p:txBody>
-          <a:bodyPr lIns="90000" tIns="45000" rIns="90000" bIns="45000" anchor="ctr"/>
-          <a:lstStyle/>
-          <a:p>
-            <a:pPr>
-              <a:lnSpc>
-                <a:spcPct val="90000"/>
-              </a:lnSpc>
-            </a:pPr>
-            <a:r>
-              <a:rPr lang="en-US" sz="4400" b="0" strike="noStrike" spc="-1">
-                <a:solidFill>
-                  <a:srgbClr val="000000"/>
-                </a:solidFill>
-                <a:uFill>
-                  <a:solidFill>
-                    <a:srgbClr val="FFFFFF"/>
-                  </a:solidFill>
-                </a:uFill>
-                <a:latin typeface="Calibri Light"/>
-              </a:rPr>
-              <a:t>Volume - </a:t>
-            </a:r>
-            <a:endParaRPr lang="en-US" sz="1800" b="0" strike="noStrike" spc="-1">
-              <a:solidFill>
-                <a:srgbClr val="000000"/>
-              </a:solidFill>
-              <a:uFill>
-                <a:solidFill>
-                  <a:srgbClr val="FFFFFF"/>
-                </a:solidFill>
-              </a:uFill>
-              <a:latin typeface="Arial"/>
-            </a:endParaRPr>
-          </a:p>
-          <a:p>
-            <a:pPr>
-              <a:lnSpc>
-                <a:spcPct val="90000"/>
-              </a:lnSpc>
-            </a:pPr>
-            <a:r>
-              <a:rPr lang="en-US" sz="4400" b="0" strike="noStrike" spc="-1">
-                <a:solidFill>
-                  <a:srgbClr val="000000"/>
-                </a:solidFill>
-                <a:uFill>
-                  <a:solidFill>
-                    <a:srgbClr val="FFFFFF"/>
-                  </a:solidFill>
-                </a:uFill>
-                <a:latin typeface="Calibri Light"/>
-              </a:rPr>
-              <a:t>emptyDir</a:t>
-            </a:r>
-            <a:endParaRPr lang="en-US" sz="1800" b="0" strike="noStrike" spc="-1">
-              <a:solidFill>
-                <a:srgbClr val="000000"/>
-              </a:solidFill>
-              <a:uFill>
-                <a:solidFill>
-                  <a:srgbClr val="FFFFFF"/>
-                </a:solidFill>
-              </a:uFill>
-              <a:latin typeface="Arial"/>
-            </a:endParaRPr>
-          </a:p>
-        </p:txBody>
-      </p:sp>
-      <p:sp>
-        <p:nvSpPr>
-          <p:cNvPr id="440" name="CustomShape 2"/>
-          <p:cNvSpPr/>
-          <p:nvPr/>
-        </p:nvSpPr>
-        <p:spPr>
-          <a:xfrm>
-            <a:off x="838080" y="1825560"/>
-            <a:ext cx="10514880" cy="4350600"/>
-          </a:xfrm>
-          <a:prstGeom prst="rect">
-            <a:avLst/>
-          </a:prstGeom>
-          <a:noFill/>
-          <a:ln>
-            <a:noFill/>
-          </a:ln>
-        </p:spPr>
-        <p:style>
-          <a:lnRef idx="0">
-            <a:scrgbClr r="0" g="0" b="0"/>
-          </a:lnRef>
-          <a:fillRef idx="0">
-            <a:scrgbClr r="0" g="0" b="0"/>
-          </a:fillRef>
-          <a:effectRef idx="0">
-            <a:scrgbClr r="0" g="0" b="0"/>
-          </a:effectRef>
-          <a:fontRef idx="minor"/>
-        </p:style>
-      </p:sp>
-    </p:spTree>
-    <p:extLst>
-      <p:ext uri="{BB962C8B-B14F-4D97-AF65-F5344CB8AC3E}">
-        <p14:creationId xmlns:p14="http://schemas.microsoft.com/office/powerpoint/2010/main" val="2142983109"/>
-      </p:ext>
-    </p:extLst>
-  </p:cSld>
-  <p:clrMapOvr>
-    <a:masterClrMapping/>
-  </p:clrMapOvr>
-  <p:timing>
-    <p:tnLst>
-      <p:par>
-        <p:cTn id="1" dur="indefinite" restart="never" nodeType="tmRoot">
-          <p:childTnLst>
-            <p:seq>
-              <p:cTn id="2" nodeType="mainSeq"/>
-              <p:prevCondLst>
-                <p:cond evt="onPrev" delay="0">
-                  <p:tgtEl>
-                    <p:sldTgt/>
-                  </p:tgtEl>
-                </p:cond>
-              </p:prevCondLst>
-              <p:nextCondLst>
-                <p:cond evt="onNext" delay="0">
-                  <p:tgtEl>
-                    <p:sldTgt/>
-                  </p:tgtEl>
-                </p:cond>
-              </p:nextCondLst>
-            </p:seq>
-          </p:childTnLst>
-        </p:cTn>
-      </p:par>
-    </p:tnLst>
-  </p:timing>
-</p:sld>
-</file>
-
-<file path=ppt/slides/slide44.xml><?xml version="1.0" encoding="utf-8"?>
-<p:sld xmlns:a="http://schemas.openxmlformats.org/drawingml/2006/main" xmlns:r="http://schemas.openxmlformats.org/officeDocument/2006/relationships" xmlns:p="http://schemas.openxmlformats.org/presentationml/2006/main">
-  <p:cSld>
-    <p:spTree>
-      <p:nvGrpSpPr>
-        <p:cNvPr id="1" name=""/>
-        <p:cNvGrpSpPr/>
-        <p:nvPr/>
-      </p:nvGrpSpPr>
-      <p:grpSpPr>
-        <a:xfrm>
-          <a:off x="0" y="0"/>
-          <a:ext cx="0" cy="0"/>
-          <a:chOff x="0" y="0"/>
-          <a:chExt cx="0" cy="0"/>
-        </a:xfrm>
-      </p:grpSpPr>
-      <p:sp>
-        <p:nvSpPr>
-          <p:cNvPr id="441" name="CustomShape 1"/>
-          <p:cNvSpPr/>
-          <p:nvPr/>
-        </p:nvSpPr>
-        <p:spPr>
-          <a:xfrm>
-            <a:off x="838080" y="365040"/>
-            <a:ext cx="10514880" cy="1324800"/>
-          </a:xfrm>
-          <a:prstGeom prst="rect">
-            <a:avLst/>
-          </a:prstGeom>
-          <a:noFill/>
-          <a:ln>
-            <a:noFill/>
-          </a:ln>
-        </p:spPr>
-        <p:style>
-          <a:lnRef idx="0">
-            <a:scrgbClr r="0" g="0" b="0"/>
-          </a:lnRef>
-          <a:fillRef idx="0">
-            <a:scrgbClr r="0" g="0" b="0"/>
-          </a:fillRef>
-          <a:effectRef idx="0">
-            <a:scrgbClr r="0" g="0" b="0"/>
-          </a:effectRef>
-          <a:fontRef idx="minor"/>
-        </p:style>
-        <p:txBody>
-          <a:bodyPr lIns="90000" tIns="45000" rIns="90000" bIns="45000" anchor="ctr"/>
-          <a:lstStyle/>
-          <a:p>
-            <a:pPr>
-              <a:lnSpc>
-                <a:spcPct val="90000"/>
-              </a:lnSpc>
-            </a:pPr>
-            <a:r>
-              <a:rPr lang="en-US" sz="4400" b="0" strike="noStrike" spc="-1">
-                <a:solidFill>
-                  <a:srgbClr val="000000"/>
-                </a:solidFill>
-                <a:uFill>
-                  <a:solidFill>
-                    <a:srgbClr val="FFFFFF"/>
-                  </a:solidFill>
-                </a:uFill>
-                <a:latin typeface="Calibri Light"/>
-              </a:rPr>
-              <a:t>Volume – emptyDir</a:t>
-            </a:r>
-            <a:endParaRPr lang="en-US" sz="1800" b="0" strike="noStrike" spc="-1">
-              <a:solidFill>
-                <a:srgbClr val="000000"/>
-              </a:solidFill>
-              <a:uFill>
-                <a:solidFill>
-                  <a:srgbClr val="FFFFFF"/>
-                </a:solidFill>
-              </a:uFill>
-              <a:latin typeface="Arial"/>
-            </a:endParaRPr>
-          </a:p>
-          <a:p>
-            <a:pPr>
-              <a:lnSpc>
-                <a:spcPct val="90000"/>
-              </a:lnSpc>
-            </a:pPr>
-            <a:r>
-              <a:rPr lang="en-US" sz="4400" b="0" strike="noStrike" spc="-1">
-                <a:solidFill>
-                  <a:srgbClr val="000000"/>
-                </a:solidFill>
-                <a:uFill>
-                  <a:solidFill>
-                    <a:srgbClr val="FFFFFF"/>
-                  </a:solidFill>
-                </a:uFill>
-                <a:latin typeface="Calibri Light"/>
-              </a:rPr>
-              <a:t>Lets-chat-web Pod – with 2 Containers</a:t>
-            </a:r>
-            <a:endParaRPr lang="en-US" sz="1800" b="0" strike="noStrike" spc="-1">
-              <a:solidFill>
-                <a:srgbClr val="000000"/>
-              </a:solidFill>
-              <a:uFill>
-                <a:solidFill>
-                  <a:srgbClr val="FFFFFF"/>
-                </a:solidFill>
-              </a:uFill>
-              <a:latin typeface="Arial"/>
-            </a:endParaRPr>
-          </a:p>
-        </p:txBody>
-      </p:sp>
-      <p:sp>
-        <p:nvSpPr>
-          <p:cNvPr id="442" name="CustomShape 2"/>
-          <p:cNvSpPr/>
-          <p:nvPr/>
-        </p:nvSpPr>
-        <p:spPr>
-          <a:xfrm>
-            <a:off x="2651760" y="2729160"/>
-            <a:ext cx="3313800" cy="1933920"/>
-          </a:xfrm>
-          <a:prstGeom prst="cube">
-            <a:avLst>
-              <a:gd name="adj" fmla="val 25000"/>
-            </a:avLst>
-          </a:prstGeom>
-          <a:ln>
-            <a:round/>
-          </a:ln>
-        </p:spPr>
-        <p:style>
-          <a:lnRef idx="2">
-            <a:schemeClr val="accent1">
-              <a:shade val="50000"/>
-            </a:schemeClr>
-          </a:lnRef>
-          <a:fillRef idx="1">
-            <a:schemeClr val="accent1"/>
-          </a:fillRef>
-          <a:effectRef idx="0">
-            <a:schemeClr val="accent1"/>
-          </a:effectRef>
-          <a:fontRef idx="minor"/>
-        </p:style>
-      </p:sp>
-      <p:sp>
-        <p:nvSpPr>
-          <p:cNvPr id="443" name="CustomShape 3"/>
-          <p:cNvSpPr/>
-          <p:nvPr/>
-        </p:nvSpPr>
-        <p:spPr>
-          <a:xfrm>
-            <a:off x="1463040" y="1815120"/>
-            <a:ext cx="9052200" cy="4676760"/>
-          </a:xfrm>
-          <a:prstGeom prst="ellipse">
-            <a:avLst/>
-          </a:prstGeom>
-          <a:noFill/>
-          <a:ln>
-            <a:round/>
-          </a:ln>
-        </p:spPr>
-        <p:style>
-          <a:lnRef idx="2">
-            <a:schemeClr val="accent1">
-              <a:shade val="50000"/>
-            </a:schemeClr>
-          </a:lnRef>
-          <a:fillRef idx="1">
-            <a:schemeClr val="accent1"/>
-          </a:fillRef>
-          <a:effectRef idx="0">
-            <a:schemeClr val="accent1"/>
-          </a:effectRef>
-          <a:fontRef idx="minor"/>
-        </p:style>
-      </p:sp>
-      <p:sp>
-        <p:nvSpPr>
-          <p:cNvPr id="444" name="CustomShape 4"/>
-          <p:cNvSpPr/>
-          <p:nvPr/>
-        </p:nvSpPr>
-        <p:spPr>
-          <a:xfrm>
-            <a:off x="6291720" y="2743200"/>
-            <a:ext cx="3309120" cy="1828440"/>
-          </a:xfrm>
-          <a:prstGeom prst="cube">
-            <a:avLst>
-              <a:gd name="adj" fmla="val 25000"/>
-            </a:avLst>
-          </a:prstGeom>
-          <a:solidFill>
-            <a:schemeClr val="accent6">
-              <a:lumMod val="60000"/>
-              <a:lumOff val="40000"/>
-            </a:schemeClr>
-          </a:solidFill>
-          <a:ln>
-            <a:round/>
-          </a:ln>
-        </p:spPr>
-        <p:style>
-          <a:lnRef idx="2">
-            <a:schemeClr val="accent1">
-              <a:shade val="50000"/>
-            </a:schemeClr>
-          </a:lnRef>
-          <a:fillRef idx="1">
-            <a:schemeClr val="accent1"/>
-          </a:fillRef>
-          <a:effectRef idx="0">
-            <a:schemeClr val="accent1"/>
-          </a:effectRef>
-          <a:fontRef idx="minor"/>
-        </p:style>
-      </p:sp>
-      <p:sp>
-        <p:nvSpPr>
-          <p:cNvPr id="445" name="CustomShape 5"/>
-          <p:cNvSpPr/>
-          <p:nvPr/>
-        </p:nvSpPr>
-        <p:spPr>
-          <a:xfrm>
-            <a:off x="4973760" y="5119560"/>
-            <a:ext cx="1857240" cy="1189440"/>
-          </a:xfrm>
-          <a:prstGeom prst="flowChartMagneticDisk">
-            <a:avLst/>
-          </a:prstGeom>
-          <a:solidFill>
-            <a:schemeClr val="bg1">
-              <a:lumMod val="95000"/>
-            </a:schemeClr>
-          </a:solidFill>
-          <a:ln>
-            <a:round/>
-          </a:ln>
-        </p:spPr>
-        <p:style>
-          <a:lnRef idx="2">
-            <a:schemeClr val="accent1">
-              <a:shade val="50000"/>
-            </a:schemeClr>
-          </a:lnRef>
-          <a:fillRef idx="1">
-            <a:schemeClr val="accent1"/>
-          </a:fillRef>
-          <a:effectRef idx="0">
-            <a:schemeClr val="accent1"/>
-          </a:effectRef>
-          <a:fontRef idx="minor"/>
-        </p:style>
-      </p:sp>
-      <p:sp>
-        <p:nvSpPr>
-          <p:cNvPr id="446" name="CustomShape 6"/>
-          <p:cNvSpPr/>
-          <p:nvPr/>
-        </p:nvSpPr>
-        <p:spPr>
-          <a:xfrm>
-            <a:off x="3274200" y="3891600"/>
-            <a:ext cx="2211840" cy="680040"/>
-          </a:xfrm>
-          <a:prstGeom prst="flowChartMagneticDisk">
-            <a:avLst/>
-          </a:prstGeom>
-          <a:solidFill>
-            <a:schemeClr val="bg1">
-              <a:lumMod val="95000"/>
-            </a:schemeClr>
-          </a:solidFill>
-          <a:ln>
-            <a:round/>
-          </a:ln>
-        </p:spPr>
-        <p:style>
-          <a:lnRef idx="2">
-            <a:schemeClr val="accent1">
-              <a:shade val="50000"/>
-            </a:schemeClr>
-          </a:lnRef>
-          <a:fillRef idx="1">
-            <a:schemeClr val="accent1"/>
-          </a:fillRef>
-          <a:effectRef idx="0">
-            <a:schemeClr val="accent1"/>
-          </a:effectRef>
-          <a:fontRef idx="minor"/>
-        </p:style>
-      </p:sp>
-      <p:sp>
-        <p:nvSpPr>
-          <p:cNvPr id="447" name="CustomShape 7"/>
-          <p:cNvSpPr/>
-          <p:nvPr/>
-        </p:nvSpPr>
-        <p:spPr>
-          <a:xfrm>
-            <a:off x="2651760" y="3373560"/>
-            <a:ext cx="2925720" cy="355680"/>
-          </a:xfrm>
-          <a:prstGeom prst="rect">
-            <a:avLst/>
-          </a:prstGeom>
-          <a:noFill/>
-          <a:ln>
-            <a:noFill/>
-          </a:ln>
-        </p:spPr>
-        <p:style>
-          <a:lnRef idx="0">
-            <a:scrgbClr r="0" g="0" b="0"/>
-          </a:lnRef>
-          <a:fillRef idx="0">
-            <a:scrgbClr r="0" g="0" b="0"/>
-          </a:fillRef>
-          <a:effectRef idx="0">
-            <a:scrgbClr r="0" g="0" b="0"/>
-          </a:effectRef>
-          <a:fontRef idx="minor"/>
-        </p:style>
-        <p:txBody>
-          <a:bodyPr lIns="90000" tIns="45000" rIns="90000" bIns="45000"/>
-          <a:lstStyle/>
-          <a:p>
-            <a:pPr algn="ctr">
-              <a:lnSpc>
-                <a:spcPct val="100000"/>
-              </a:lnSpc>
-            </a:pPr>
-            <a:r>
-              <a:rPr lang="en-US" sz="1800" b="0" strike="noStrike" spc="-1">
-                <a:solidFill>
-                  <a:srgbClr val="FFFFFF"/>
-                </a:solidFill>
-                <a:uFill>
-                  <a:solidFill>
-                    <a:srgbClr val="FFFFFF"/>
-                  </a:solidFill>
-                </a:uFill>
-                <a:latin typeface="Calibri"/>
-              </a:rPr>
-              <a:t>navivi/lets-chat-web:v1</a:t>
-            </a:r>
-            <a:endParaRPr lang="en-US" sz="1800" b="0" strike="noStrike" spc="-1">
-              <a:solidFill>
-                <a:srgbClr val="000000"/>
-              </a:solidFill>
-              <a:uFill>
-                <a:solidFill>
-                  <a:srgbClr val="FFFFFF"/>
-                </a:solidFill>
-              </a:uFill>
-              <a:latin typeface="Arial"/>
-            </a:endParaRPr>
-          </a:p>
-        </p:txBody>
-      </p:sp>
-      <p:sp>
-        <p:nvSpPr>
-          <p:cNvPr id="448" name="CustomShape 8"/>
-          <p:cNvSpPr/>
-          <p:nvPr/>
-        </p:nvSpPr>
-        <p:spPr>
-          <a:xfrm>
-            <a:off x="3291840" y="4114800"/>
-            <a:ext cx="2194200" cy="298800"/>
-          </a:xfrm>
-          <a:prstGeom prst="rect">
-            <a:avLst/>
-          </a:prstGeom>
-          <a:noFill/>
-          <a:ln>
-            <a:noFill/>
-          </a:ln>
-        </p:spPr>
-        <p:style>
-          <a:lnRef idx="0">
-            <a:scrgbClr r="0" g="0" b="0"/>
-          </a:lnRef>
-          <a:fillRef idx="0">
-            <a:scrgbClr r="0" g="0" b="0"/>
-          </a:fillRef>
-          <a:effectRef idx="0">
-            <a:scrgbClr r="0" g="0" b="0"/>
-          </a:effectRef>
-          <a:fontRef idx="minor"/>
-        </p:style>
-        <p:txBody>
-          <a:bodyPr lIns="90000" tIns="45000" rIns="90000" bIns="45000"/>
-          <a:lstStyle/>
-          <a:p>
-            <a:pPr algn="ctr">
-              <a:lnSpc>
-                <a:spcPct val="100000"/>
-              </a:lnSpc>
-            </a:pPr>
-            <a:r>
-              <a:rPr lang="en-US" sz="1400" b="0" strike="noStrike" spc="-1">
-                <a:solidFill>
-                  <a:srgbClr val="000000"/>
-                </a:solidFill>
-                <a:uFill>
-                  <a:solidFill>
-                    <a:srgbClr val="FFFFFF"/>
-                  </a:solidFill>
-                </a:uFill>
-                <a:latin typeface="Calibri"/>
-              </a:rPr>
-              <a:t>/var/log/nginx/letschat</a:t>
-            </a:r>
-            <a:endParaRPr lang="en-US" sz="1800" b="0" strike="noStrike" spc="-1">
-              <a:solidFill>
-                <a:srgbClr val="000000"/>
-              </a:solidFill>
-              <a:uFill>
-                <a:solidFill>
-                  <a:srgbClr val="FFFFFF"/>
-                </a:solidFill>
-              </a:uFill>
-              <a:latin typeface="Arial"/>
-            </a:endParaRPr>
-          </a:p>
-        </p:txBody>
-      </p:sp>
-      <p:sp>
-        <p:nvSpPr>
-          <p:cNvPr id="449" name="CustomShape 9"/>
-          <p:cNvSpPr/>
-          <p:nvPr/>
-        </p:nvSpPr>
-        <p:spPr>
-          <a:xfrm>
-            <a:off x="6309360" y="3383280"/>
-            <a:ext cx="2925720" cy="355680"/>
-          </a:xfrm>
-          <a:prstGeom prst="rect">
-            <a:avLst/>
-          </a:prstGeom>
-          <a:noFill/>
-          <a:ln>
-            <a:noFill/>
-          </a:ln>
-        </p:spPr>
-        <p:style>
-          <a:lnRef idx="0">
-            <a:scrgbClr r="0" g="0" b="0"/>
-          </a:lnRef>
-          <a:fillRef idx="0">
-            <a:scrgbClr r="0" g="0" b="0"/>
-          </a:fillRef>
-          <a:effectRef idx="0">
-            <a:scrgbClr r="0" g="0" b="0"/>
-          </a:effectRef>
-          <a:fontRef idx="minor"/>
-        </p:style>
-        <p:txBody>
-          <a:bodyPr lIns="90000" tIns="45000" rIns="90000" bIns="45000"/>
-          <a:lstStyle/>
-          <a:p>
-            <a:pPr algn="ctr">
-              <a:lnSpc>
-                <a:spcPct val="100000"/>
-              </a:lnSpc>
-            </a:pPr>
-            <a:r>
-              <a:rPr lang="en-US" sz="1800" b="0" strike="noStrike" spc="-1">
-                <a:solidFill>
-                  <a:srgbClr val="FFFFFF"/>
-                </a:solidFill>
-                <a:uFill>
-                  <a:solidFill>
-                    <a:srgbClr val="FFFFFF"/>
-                  </a:solidFill>
-                </a:uFill>
-                <a:latin typeface="Calibri"/>
-              </a:rPr>
-              <a:t>blacklabelops/logrotate</a:t>
-            </a:r>
-            <a:endParaRPr lang="en-US" sz="1800" b="0" strike="noStrike" spc="-1">
-              <a:solidFill>
-                <a:srgbClr val="000000"/>
-              </a:solidFill>
-              <a:uFill>
-                <a:solidFill>
-                  <a:srgbClr val="FFFFFF"/>
-                </a:solidFill>
-              </a:uFill>
-              <a:latin typeface="Arial"/>
-            </a:endParaRPr>
-          </a:p>
-        </p:txBody>
-      </p:sp>
-      <p:sp>
-        <p:nvSpPr>
-          <p:cNvPr id="450" name="CustomShape 10"/>
-          <p:cNvSpPr/>
-          <p:nvPr/>
-        </p:nvSpPr>
-        <p:spPr>
-          <a:xfrm>
-            <a:off x="6675120" y="3840480"/>
-            <a:ext cx="2211840" cy="680040"/>
-          </a:xfrm>
-          <a:prstGeom prst="flowChartMagneticDisk">
-            <a:avLst/>
-          </a:prstGeom>
-          <a:solidFill>
-            <a:schemeClr val="bg1">
-              <a:lumMod val="95000"/>
-            </a:schemeClr>
-          </a:solidFill>
-          <a:ln>
-            <a:round/>
-          </a:ln>
-        </p:spPr>
-        <p:style>
-          <a:lnRef idx="2">
-            <a:schemeClr val="accent1">
-              <a:shade val="50000"/>
-            </a:schemeClr>
-          </a:lnRef>
-          <a:fillRef idx="1">
-            <a:schemeClr val="accent1"/>
-          </a:fillRef>
-          <a:effectRef idx="0">
-            <a:schemeClr val="accent1"/>
-          </a:effectRef>
-          <a:fontRef idx="minor"/>
-        </p:style>
-      </p:sp>
-      <p:sp>
-        <p:nvSpPr>
-          <p:cNvPr id="451" name="CustomShape 11"/>
-          <p:cNvSpPr/>
-          <p:nvPr/>
-        </p:nvSpPr>
-        <p:spPr>
-          <a:xfrm>
-            <a:off x="6692760" y="4114800"/>
-            <a:ext cx="2194200" cy="298800"/>
-          </a:xfrm>
-          <a:prstGeom prst="rect">
-            <a:avLst/>
-          </a:prstGeom>
-          <a:noFill/>
-          <a:ln>
-            <a:noFill/>
-          </a:ln>
-        </p:spPr>
-        <p:style>
-          <a:lnRef idx="0">
-            <a:scrgbClr r="0" g="0" b="0"/>
-          </a:lnRef>
-          <a:fillRef idx="0">
-            <a:scrgbClr r="0" g="0" b="0"/>
-          </a:fillRef>
-          <a:effectRef idx="0">
-            <a:scrgbClr r="0" g="0" b="0"/>
-          </a:effectRef>
-          <a:fontRef idx="minor"/>
-        </p:style>
-        <p:txBody>
-          <a:bodyPr lIns="90000" tIns="45000" rIns="90000" bIns="45000"/>
-          <a:lstStyle/>
-          <a:p>
-            <a:pPr algn="ctr">
-              <a:lnSpc>
-                <a:spcPct val="100000"/>
-              </a:lnSpc>
-            </a:pPr>
-            <a:r>
-              <a:rPr lang="en-US" sz="1400" b="0" strike="noStrike" spc="-1">
-                <a:solidFill>
-                  <a:srgbClr val="000000"/>
-                </a:solidFill>
-                <a:uFill>
-                  <a:solidFill>
-                    <a:srgbClr val="FFFFFF"/>
-                  </a:solidFill>
-                </a:uFill>
-                <a:latin typeface="Calibri"/>
-              </a:rPr>
-              <a:t>/var/logs/lets-chat</a:t>
-            </a:r>
-            <a:endParaRPr lang="en-US" sz="1800" b="0" strike="noStrike" spc="-1">
-              <a:solidFill>
-                <a:srgbClr val="000000"/>
-              </a:solidFill>
-              <a:uFill>
-                <a:solidFill>
-                  <a:srgbClr val="FFFFFF"/>
-                </a:solidFill>
-              </a:uFill>
-              <a:latin typeface="Arial"/>
-            </a:endParaRPr>
-          </a:p>
-        </p:txBody>
-      </p:sp>
-      <p:sp>
-        <p:nvSpPr>
-          <p:cNvPr id="452" name="CustomShape 12"/>
-          <p:cNvSpPr/>
-          <p:nvPr/>
-        </p:nvSpPr>
-        <p:spPr>
-          <a:xfrm>
-            <a:off x="5147280" y="5679000"/>
-            <a:ext cx="1436040" cy="355680"/>
-          </a:xfrm>
-          <a:prstGeom prst="rect">
-            <a:avLst/>
-          </a:prstGeom>
-          <a:noFill/>
-          <a:ln>
-            <a:noFill/>
-          </a:ln>
-        </p:spPr>
-        <p:style>
-          <a:lnRef idx="0">
-            <a:scrgbClr r="0" g="0" b="0"/>
-          </a:lnRef>
-          <a:fillRef idx="0">
-            <a:scrgbClr r="0" g="0" b="0"/>
-          </a:fillRef>
-          <a:effectRef idx="0">
-            <a:scrgbClr r="0" g="0" b="0"/>
-          </a:effectRef>
-          <a:fontRef idx="minor"/>
-        </p:style>
-        <p:txBody>
-          <a:bodyPr lIns="90000" tIns="45000" rIns="90000" bIns="45000"/>
-          <a:lstStyle/>
-          <a:p>
-            <a:pPr algn="ctr">
-              <a:lnSpc>
-                <a:spcPct val="100000"/>
-              </a:lnSpc>
-            </a:pPr>
-            <a:r>
-              <a:rPr lang="en-US" sz="1800" b="0" strike="noStrike" spc="-1">
-                <a:solidFill>
-                  <a:srgbClr val="0066FF"/>
-                </a:solidFill>
-                <a:uFill>
-                  <a:solidFill>
-                    <a:srgbClr val="FFFFFF"/>
-                  </a:solidFill>
-                </a:uFill>
-                <a:latin typeface="Calibri"/>
-              </a:rPr>
-              <a:t>emptyDir</a:t>
-            </a:r>
-            <a:endParaRPr lang="en-US" sz="1800" b="0" strike="noStrike" spc="-1">
-              <a:solidFill>
-                <a:srgbClr val="000000"/>
-              </a:solidFill>
-              <a:uFill>
-                <a:solidFill>
-                  <a:srgbClr val="FFFFFF"/>
-                </a:solidFill>
-              </a:uFill>
-              <a:latin typeface="Arial"/>
-            </a:endParaRPr>
-          </a:p>
-        </p:txBody>
-      </p:sp>
-      <p:sp>
-        <p:nvSpPr>
-          <p:cNvPr id="453" name="Line 13"/>
-          <p:cNvSpPr/>
-          <p:nvPr/>
-        </p:nvSpPr>
-        <p:spPr>
-          <a:xfrm>
-            <a:off x="4754880" y="4572000"/>
-            <a:ext cx="548640" cy="610920"/>
-          </a:xfrm>
-          <a:prstGeom prst="line">
-            <a:avLst/>
-          </a:prstGeom>
-          <a:ln>
-            <a:solidFill>
-              <a:srgbClr val="3465A4"/>
-            </a:solidFill>
-            <a:headEnd type="triangle" w="med" len="med"/>
-          </a:ln>
-        </p:spPr>
-        <p:style>
-          <a:lnRef idx="0">
-            <a:scrgbClr r="0" g="0" b="0"/>
-          </a:lnRef>
-          <a:fillRef idx="0">
-            <a:scrgbClr r="0" g="0" b="0"/>
-          </a:fillRef>
-          <a:effectRef idx="0">
-            <a:scrgbClr r="0" g="0" b="0"/>
-          </a:effectRef>
-          <a:fontRef idx="minor"/>
-        </p:style>
-      </p:sp>
-      <p:sp>
-        <p:nvSpPr>
-          <p:cNvPr id="454" name="Line 14"/>
-          <p:cNvSpPr/>
-          <p:nvPr/>
-        </p:nvSpPr>
-        <p:spPr>
-          <a:xfrm flipH="1">
-            <a:off x="6675120" y="4520880"/>
-            <a:ext cx="822960" cy="691200"/>
-          </a:xfrm>
-          <a:prstGeom prst="line">
-            <a:avLst/>
-          </a:prstGeom>
-          <a:ln>
-            <a:solidFill>
-              <a:srgbClr val="3465A4"/>
-            </a:solidFill>
-            <a:headEnd type="triangle" w="med" len="med"/>
-          </a:ln>
-        </p:spPr>
-        <p:style>
-          <a:lnRef idx="0">
-            <a:scrgbClr r="0" g="0" b="0"/>
-          </a:lnRef>
-          <a:fillRef idx="0">
-            <a:scrgbClr r="0" g="0" b="0"/>
-          </a:fillRef>
-          <a:effectRef idx="0">
-            <a:scrgbClr r="0" g="0" b="0"/>
-          </a:effectRef>
-          <a:fontRef idx="minor"/>
-        </p:style>
-      </p:sp>
-    </p:spTree>
-    <p:extLst>
-      <p:ext uri="{BB962C8B-B14F-4D97-AF65-F5344CB8AC3E}">
-        <p14:creationId xmlns:p14="http://schemas.microsoft.com/office/powerpoint/2010/main" val="3327575166"/>
-      </p:ext>
-    </p:extLst>
-  </p:cSld>
-  <p:clrMapOvr>
-    <a:masterClrMapping/>
-  </p:clrMapOvr>
-  <p:timing>
-    <p:tnLst>
-      <p:par>
-        <p:cTn id="1" dur="indefinite" restart="never" nodeType="tmRoot">
-          <p:childTnLst>
-            <p:seq>
-              <p:cTn id="2" nodeType="mainSeq"/>
-              <p:prevCondLst>
-                <p:cond evt="onPrev" delay="0">
-                  <p:tgtEl>
-                    <p:sldTgt/>
-                  </p:tgtEl>
-                </p:cond>
-              </p:prevCondLst>
-              <p:nextCondLst>
-                <p:cond evt="onNext" delay="0">
-                  <p:tgtEl>
-                    <p:sldTgt/>
-                  </p:tgtEl>
-                </p:cond>
-              </p:nextCondLst>
-            </p:seq>
-          </p:childTnLst>
-        </p:cTn>
-      </p:par>
-    </p:tnLst>
-  </p:timing>
-</p:sld>
-</file>
-
-<file path=ppt/slides/slide45.xml><?xml version="1.0" encoding="utf-8"?>
-<p:sld xmlns:a="http://schemas.openxmlformats.org/drawingml/2006/main" xmlns:r="http://schemas.openxmlformats.org/officeDocument/2006/relationships" xmlns:p="http://schemas.openxmlformats.org/presentationml/2006/main">
-  <p:cSld>
-    <p:spTree>
-      <p:nvGrpSpPr>
-        <p:cNvPr id="1" name=""/>
-        <p:cNvGrpSpPr/>
-        <p:nvPr/>
-      </p:nvGrpSpPr>
-      <p:grpSpPr>
-        <a:xfrm>
-          <a:off x="0" y="0"/>
-          <a:ext cx="0" cy="0"/>
-          <a:chOff x="0" y="0"/>
-          <a:chExt cx="0" cy="0"/>
-        </a:xfrm>
-      </p:grpSpPr>
-      <p:sp>
-        <p:nvSpPr>
-          <p:cNvPr id="455" name="CustomShape 1"/>
-          <p:cNvSpPr/>
-          <p:nvPr/>
-        </p:nvSpPr>
-        <p:spPr>
-          <a:xfrm>
-            <a:off x="838080" y="365040"/>
-            <a:ext cx="10514880" cy="1324800"/>
-          </a:xfrm>
-          <a:prstGeom prst="rect">
-            <a:avLst/>
-          </a:prstGeom>
-          <a:noFill/>
-          <a:ln>
-            <a:noFill/>
-          </a:ln>
-        </p:spPr>
-        <p:style>
-          <a:lnRef idx="0">
-            <a:scrgbClr r="0" g="0" b="0"/>
-          </a:lnRef>
-          <a:fillRef idx="0">
-            <a:scrgbClr r="0" g="0" b="0"/>
-          </a:fillRef>
-          <a:effectRef idx="0">
-            <a:scrgbClr r="0" g="0" b="0"/>
-          </a:effectRef>
-          <a:fontRef idx="minor"/>
-        </p:style>
-        <p:txBody>
-          <a:bodyPr lIns="90000" tIns="45000" rIns="90000" bIns="45000" anchor="ctr"/>
-          <a:lstStyle/>
-          <a:p>
-            <a:pPr>
-              <a:lnSpc>
-                <a:spcPct val="90000"/>
-              </a:lnSpc>
-            </a:pPr>
-            <a:r>
-              <a:rPr lang="en-US" sz="4000" b="0" strike="noStrike" spc="-1">
-                <a:solidFill>
-                  <a:srgbClr val="000000"/>
-                </a:solidFill>
-                <a:uFill>
-                  <a:solidFill>
-                    <a:srgbClr val="FFFFFF"/>
-                  </a:solidFill>
-                </a:uFill>
-                <a:latin typeface="Calibri Light"/>
-              </a:rPr>
-              <a:t>Volume - hostPath</a:t>
-            </a:r>
-            <a:endParaRPr lang="en-US" sz="4000" b="0" strike="noStrike" spc="-1">
-              <a:solidFill>
-                <a:srgbClr val="000000"/>
-              </a:solidFill>
-              <a:uFill>
-                <a:solidFill>
-                  <a:srgbClr val="FFFFFF"/>
-                </a:solidFill>
-              </a:uFill>
-              <a:latin typeface="Arial"/>
-            </a:endParaRPr>
-          </a:p>
-        </p:txBody>
-      </p:sp>
-      <p:pic>
-        <p:nvPicPr>
-          <p:cNvPr id="456" name="Picture 4"/>
-          <p:cNvPicPr/>
-          <p:nvPr/>
-        </p:nvPicPr>
-        <p:blipFill>
-          <a:blip r:embed="rId2"/>
-          <a:stretch/>
-        </p:blipFill>
-        <p:spPr>
-          <a:xfrm>
-            <a:off x="5470200" y="504720"/>
-            <a:ext cx="6494040" cy="5542920"/>
-          </a:xfrm>
-          <a:prstGeom prst="rect">
-            <a:avLst/>
-          </a:prstGeom>
-          <a:ln>
-            <a:noFill/>
-          </a:ln>
-        </p:spPr>
-      </p:pic>
-      <p:pic>
-        <p:nvPicPr>
-          <p:cNvPr id="457" name="Picture 8"/>
-          <p:cNvPicPr/>
-          <p:nvPr/>
-        </p:nvPicPr>
-        <p:blipFill>
-          <a:blip r:embed="rId3"/>
-          <a:stretch/>
-        </p:blipFill>
-        <p:spPr>
-          <a:xfrm>
-            <a:off x="1171440" y="1943280"/>
-            <a:ext cx="3371760" cy="3381480"/>
-          </a:xfrm>
-          <a:prstGeom prst="rect">
-            <a:avLst/>
-          </a:prstGeom>
-          <a:ln>
-            <a:noFill/>
-          </a:ln>
-        </p:spPr>
-      </p:pic>
-    </p:spTree>
-    <p:extLst>
-      <p:ext uri="{BB962C8B-B14F-4D97-AF65-F5344CB8AC3E}">
-        <p14:creationId xmlns:p14="http://schemas.microsoft.com/office/powerpoint/2010/main" val="3449138072"/>
-      </p:ext>
-    </p:extLst>
-  </p:cSld>
-  <p:clrMapOvr>
-    <a:masterClrMapping/>
-  </p:clrMapOvr>
-  <p:timing>
-    <p:tnLst>
-      <p:par>
-        <p:cTn id="1" dur="indefinite" restart="never" nodeType="tmRoot">
-          <p:childTnLst>
-            <p:seq>
-              <p:cTn id="2" nodeType="mainSeq"/>
-              <p:prevCondLst>
-                <p:cond evt="onPrev" delay="0">
-                  <p:tgtEl>
-                    <p:sldTgt/>
-                  </p:tgtEl>
-                </p:cond>
-              </p:prevCondLst>
-              <p:nextCondLst>
-                <p:cond evt="onNext" delay="0">
-                  <p:tgtEl>
-                    <p:sldTgt/>
-                  </p:tgtEl>
-                </p:cond>
-              </p:nextCondLst>
-            </p:seq>
-          </p:childTnLst>
-        </p:cTn>
-      </p:par>
-    </p:tnLst>
-  </p:timing>
-</p:sld>
-</file>
-
-<file path=ppt/slides/slide46.xml><?xml version="1.0" encoding="utf-8"?>
-<p:sld xmlns:a="http://schemas.openxmlformats.org/drawingml/2006/main" xmlns:r="http://schemas.openxmlformats.org/officeDocument/2006/relationships" xmlns:p="http://schemas.openxmlformats.org/presentationml/2006/main">
-  <p:cSld>
-    <p:spTree>
-      <p:nvGrpSpPr>
-        <p:cNvPr id="1" name=""/>
-        <p:cNvGrpSpPr/>
-        <p:nvPr/>
-      </p:nvGrpSpPr>
-      <p:grpSpPr>
-        <a:xfrm>
-          <a:off x="0" y="0"/>
-          <a:ext cx="0" cy="0"/>
-          <a:chOff x="0" y="0"/>
-          <a:chExt cx="0" cy="0"/>
-        </a:xfrm>
-      </p:grpSpPr>
-      <p:sp>
-        <p:nvSpPr>
-          <p:cNvPr id="458" name="CustomShape 1"/>
-          <p:cNvSpPr/>
-          <p:nvPr/>
-        </p:nvSpPr>
-        <p:spPr>
-          <a:xfrm>
-            <a:off x="838080" y="365040"/>
-            <a:ext cx="10514880" cy="1324800"/>
-          </a:xfrm>
-          <a:prstGeom prst="rect">
-            <a:avLst/>
-          </a:prstGeom>
-          <a:noFill/>
-          <a:ln>
-            <a:noFill/>
-          </a:ln>
-        </p:spPr>
-        <p:style>
-          <a:lnRef idx="0">
-            <a:scrgbClr r="0" g="0" b="0"/>
-          </a:lnRef>
-          <a:fillRef idx="0">
-            <a:scrgbClr r="0" g="0" b="0"/>
-          </a:fillRef>
-          <a:effectRef idx="0">
-            <a:scrgbClr r="0" g="0" b="0"/>
-          </a:effectRef>
-          <a:fontRef idx="minor"/>
-        </p:style>
-        <p:txBody>
-          <a:bodyPr lIns="90000" tIns="45000" rIns="90000" bIns="45000" anchor="ctr"/>
-          <a:lstStyle/>
-          <a:p>
-            <a:pPr>
-              <a:lnSpc>
-                <a:spcPct val="90000"/>
-              </a:lnSpc>
-            </a:pPr>
-            <a:r>
-              <a:rPr lang="en-US" sz="4400" b="0" strike="noStrike" spc="-1">
-                <a:solidFill>
-                  <a:srgbClr val="000000"/>
-                </a:solidFill>
-                <a:uFill>
-                  <a:solidFill>
-                    <a:srgbClr val="FFFFFF"/>
-                  </a:solidFill>
-                </a:uFill>
-                <a:latin typeface="Calibri Light"/>
-              </a:rPr>
-              <a:t>Volume - hostPath</a:t>
-            </a:r>
-            <a:endParaRPr lang="en-US" sz="1800" b="0" strike="noStrike" spc="-1">
-              <a:solidFill>
-                <a:srgbClr val="000000"/>
-              </a:solidFill>
-              <a:uFill>
-                <a:solidFill>
-                  <a:srgbClr val="FFFFFF"/>
-                </a:solidFill>
-              </a:uFill>
-              <a:latin typeface="Arial"/>
-            </a:endParaRPr>
-          </a:p>
-          <a:p>
-            <a:pPr>
-              <a:lnSpc>
-                <a:spcPct val="90000"/>
-              </a:lnSpc>
-            </a:pPr>
-            <a:r>
-              <a:rPr lang="en-US" sz="4400" b="0" strike="noStrike" spc="-1">
-                <a:solidFill>
-                  <a:srgbClr val="000000"/>
-                </a:solidFill>
-                <a:uFill>
-                  <a:solidFill>
-                    <a:srgbClr val="FFFFFF"/>
-                  </a:solidFill>
-                </a:uFill>
-                <a:latin typeface="Calibri Light"/>
-              </a:rPr>
-              <a:t>To Node</a:t>
-            </a:r>
-            <a:endParaRPr lang="en-US" sz="1800" b="0" strike="noStrike" spc="-1">
-              <a:solidFill>
-                <a:srgbClr val="000000"/>
-              </a:solidFill>
-              <a:uFill>
-                <a:solidFill>
-                  <a:srgbClr val="FFFFFF"/>
-                </a:solidFill>
-              </a:uFill>
-              <a:latin typeface="Arial"/>
-            </a:endParaRPr>
-          </a:p>
-        </p:txBody>
-      </p:sp>
-      <p:sp>
-        <p:nvSpPr>
-          <p:cNvPr id="459" name="CustomShape 2"/>
-          <p:cNvSpPr/>
-          <p:nvPr/>
-        </p:nvSpPr>
-        <p:spPr>
-          <a:xfrm>
-            <a:off x="3534840" y="1765440"/>
-            <a:ext cx="5828040" cy="3538080"/>
-          </a:xfrm>
-          <a:prstGeom prst="pentagon">
-            <a:avLst>
-              <a:gd name="hf" fmla="val 105146"/>
-              <a:gd name="vf" fmla="val 110557"/>
-            </a:avLst>
-          </a:prstGeom>
-          <a:solidFill>
-            <a:schemeClr val="accent1">
-              <a:lumMod val="75000"/>
-            </a:schemeClr>
-          </a:solidFill>
-          <a:ln>
-            <a:round/>
-          </a:ln>
-        </p:spPr>
-        <p:style>
-          <a:lnRef idx="2">
-            <a:schemeClr val="accent1">
-              <a:shade val="50000"/>
-            </a:schemeClr>
-          </a:lnRef>
-          <a:fillRef idx="1">
-            <a:schemeClr val="accent1"/>
-          </a:fillRef>
-          <a:effectRef idx="0">
-            <a:schemeClr val="accent1"/>
-          </a:effectRef>
-          <a:fontRef idx="minor"/>
-        </p:style>
-      </p:sp>
-      <p:sp>
-        <p:nvSpPr>
-          <p:cNvPr id="460" name="CustomShape 3"/>
-          <p:cNvSpPr/>
-          <p:nvPr/>
-        </p:nvSpPr>
-        <p:spPr>
-          <a:xfrm>
-            <a:off x="3039120" y="548640"/>
-            <a:ext cx="6836400" cy="4257720"/>
-          </a:xfrm>
-          <a:prstGeom prst="pentagon">
-            <a:avLst>
-              <a:gd name="hf" fmla="val 105146"/>
-              <a:gd name="vf" fmla="val 110557"/>
-            </a:avLst>
-          </a:prstGeom>
-          <a:solidFill>
-            <a:schemeClr val="bg1"/>
-          </a:solidFill>
-          <a:ln>
-            <a:round/>
-          </a:ln>
-        </p:spPr>
-        <p:style>
-          <a:lnRef idx="2">
-            <a:schemeClr val="accent1">
-              <a:shade val="50000"/>
-            </a:schemeClr>
-          </a:lnRef>
-          <a:fillRef idx="1">
-            <a:schemeClr val="accent1"/>
-          </a:fillRef>
-          <a:effectRef idx="0">
-            <a:schemeClr val="accent1"/>
-          </a:effectRef>
-          <a:fontRef idx="minor"/>
-        </p:style>
-      </p:sp>
-      <p:sp>
-        <p:nvSpPr>
-          <p:cNvPr id="461" name="CustomShape 4"/>
-          <p:cNvSpPr/>
-          <p:nvPr/>
-        </p:nvSpPr>
-        <p:spPr>
-          <a:xfrm>
-            <a:off x="5943600" y="2103120"/>
-            <a:ext cx="2560320" cy="1076400"/>
-          </a:xfrm>
-          <a:prstGeom prst="cube">
-            <a:avLst>
-              <a:gd name="adj" fmla="val 25000"/>
-            </a:avLst>
-          </a:prstGeom>
-          <a:ln>
-            <a:round/>
-          </a:ln>
-        </p:spPr>
-        <p:style>
-          <a:lnRef idx="2">
-            <a:schemeClr val="accent1">
-              <a:shade val="50000"/>
-            </a:schemeClr>
-          </a:lnRef>
-          <a:fillRef idx="1">
-            <a:schemeClr val="accent1"/>
-          </a:fillRef>
-          <a:effectRef idx="0">
-            <a:schemeClr val="accent1"/>
-          </a:effectRef>
-          <a:fontRef idx="minor"/>
-        </p:style>
-      </p:sp>
-      <p:sp>
-        <p:nvSpPr>
-          <p:cNvPr id="462" name="CustomShape 5"/>
-          <p:cNvSpPr/>
-          <p:nvPr/>
-        </p:nvSpPr>
-        <p:spPr>
-          <a:xfrm>
-            <a:off x="5303520" y="1371600"/>
-            <a:ext cx="3474720" cy="2257560"/>
-          </a:xfrm>
-          <a:prstGeom prst="ellipse">
-            <a:avLst/>
-          </a:prstGeom>
-          <a:noFill/>
-          <a:ln>
-            <a:round/>
-          </a:ln>
-        </p:spPr>
-        <p:style>
-          <a:lnRef idx="2">
-            <a:schemeClr val="accent1">
-              <a:shade val="50000"/>
-            </a:schemeClr>
-          </a:lnRef>
-          <a:fillRef idx="1">
-            <a:schemeClr val="accent1"/>
-          </a:fillRef>
-          <a:effectRef idx="0">
-            <a:schemeClr val="accent1"/>
-          </a:effectRef>
-          <a:fontRef idx="minor"/>
-        </p:style>
-      </p:sp>
-      <p:sp>
-        <p:nvSpPr>
-          <p:cNvPr id="463" name="CustomShape 6"/>
-          <p:cNvSpPr/>
-          <p:nvPr/>
-        </p:nvSpPr>
-        <p:spPr>
-          <a:xfrm>
-            <a:off x="4754880" y="4848480"/>
-            <a:ext cx="1298880" cy="637920"/>
-          </a:xfrm>
-          <a:prstGeom prst="rect">
-            <a:avLst/>
-          </a:prstGeom>
-          <a:noFill/>
-          <a:ln>
-            <a:noFill/>
-          </a:ln>
-        </p:spPr>
-        <p:style>
-          <a:lnRef idx="0">
-            <a:scrgbClr r="0" g="0" b="0"/>
-          </a:lnRef>
-          <a:fillRef idx="0">
-            <a:scrgbClr r="0" g="0" b="0"/>
-          </a:fillRef>
-          <a:effectRef idx="0">
-            <a:scrgbClr r="0" g="0" b="0"/>
-          </a:effectRef>
-          <a:fontRef idx="minor"/>
-        </p:style>
-        <p:txBody>
-          <a:bodyPr lIns="90000" tIns="45000" rIns="90000" bIns="45000"/>
-          <a:lstStyle/>
-          <a:p>
-            <a:pPr>
-              <a:lnSpc>
-                <a:spcPct val="100000"/>
-              </a:lnSpc>
-            </a:pPr>
-            <a:r>
-              <a:rPr lang="en-US" sz="1800" b="0" strike="noStrike" spc="-1">
-                <a:solidFill>
-                  <a:srgbClr val="FFFFFF"/>
-                </a:solidFill>
-                <a:uFill>
-                  <a:solidFill>
-                    <a:srgbClr val="FFFFFF"/>
-                  </a:solidFill>
-                </a:uFill>
-                <a:latin typeface="Calibri"/>
-                <a:ea typeface="DejaVu Sans"/>
-              </a:rPr>
-              <a:t>kublet</a:t>
-            </a:r>
-            <a:endParaRPr lang="en-US" sz="1800" b="0" strike="noStrike" spc="-1">
-              <a:solidFill>
-                <a:srgbClr val="000000"/>
-              </a:solidFill>
-              <a:uFill>
-                <a:solidFill>
-                  <a:srgbClr val="FFFFFF"/>
-                </a:solidFill>
-              </a:uFill>
-              <a:latin typeface="Arial"/>
-            </a:endParaRPr>
-          </a:p>
-        </p:txBody>
-      </p:sp>
-      <p:sp>
-        <p:nvSpPr>
-          <p:cNvPr id="464" name="CustomShape 7"/>
-          <p:cNvSpPr/>
-          <p:nvPr/>
-        </p:nvSpPr>
-        <p:spPr>
-          <a:xfrm>
-            <a:off x="7099200" y="4908960"/>
-            <a:ext cx="856080" cy="303120"/>
-          </a:xfrm>
-          <a:prstGeom prst="rect">
-            <a:avLst/>
-          </a:prstGeom>
-          <a:solidFill>
-            <a:srgbClr val="00B0F0"/>
-          </a:solidFill>
-          <a:ln>
-            <a:noFill/>
-          </a:ln>
-        </p:spPr>
-        <p:style>
-          <a:lnRef idx="0">
-            <a:scrgbClr r="0" g="0" b="0"/>
-          </a:lnRef>
-          <a:fillRef idx="0">
-            <a:scrgbClr r="0" g="0" b="0"/>
-          </a:fillRef>
-          <a:effectRef idx="0">
-            <a:scrgbClr r="0" g="0" b="0"/>
-          </a:effectRef>
-          <a:fontRef idx="minor"/>
-        </p:style>
-        <p:txBody>
-          <a:bodyPr lIns="90000" tIns="45000" rIns="90000" bIns="45000"/>
-          <a:lstStyle/>
-          <a:p>
-            <a:pPr>
-              <a:lnSpc>
-                <a:spcPct val="100000"/>
-              </a:lnSpc>
-            </a:pPr>
-            <a:r>
-              <a:rPr lang="en-US" sz="1400" b="0" strike="noStrike" spc="-1">
-                <a:solidFill>
-                  <a:srgbClr val="FFFFFF"/>
-                </a:solidFill>
-                <a:uFill>
-                  <a:solidFill>
-                    <a:srgbClr val="FFFFFF"/>
-                  </a:solidFill>
-                </a:uFill>
-                <a:latin typeface="Calibri"/>
-                <a:ea typeface="DejaVu Sans"/>
-              </a:rPr>
-              <a:t>Docker</a:t>
-            </a:r>
-            <a:endParaRPr lang="en-US" sz="1800" b="0" strike="noStrike" spc="-1">
-              <a:solidFill>
-                <a:srgbClr val="000000"/>
-              </a:solidFill>
-              <a:uFill>
-                <a:solidFill>
-                  <a:srgbClr val="FFFFFF"/>
-                </a:solidFill>
-              </a:uFill>
-              <a:latin typeface="Arial"/>
-            </a:endParaRPr>
-          </a:p>
-        </p:txBody>
-      </p:sp>
-      <p:sp>
-        <p:nvSpPr>
-          <p:cNvPr id="465" name="CustomShape 8"/>
-          <p:cNvSpPr/>
-          <p:nvPr/>
-        </p:nvSpPr>
-        <p:spPr>
-          <a:xfrm>
-            <a:off x="4389120" y="4395240"/>
-            <a:ext cx="1122120" cy="364320"/>
-          </a:xfrm>
-          <a:prstGeom prst="rect">
-            <a:avLst/>
-          </a:prstGeom>
-          <a:noFill/>
-          <a:ln>
-            <a:noFill/>
-          </a:ln>
-        </p:spPr>
-        <p:style>
-          <a:lnRef idx="0">
-            <a:scrgbClr r="0" g="0" b="0"/>
-          </a:lnRef>
-          <a:fillRef idx="0">
-            <a:scrgbClr r="0" g="0" b="0"/>
-          </a:fillRef>
-          <a:effectRef idx="0">
-            <a:scrgbClr r="0" g="0" b="0"/>
-          </a:effectRef>
-          <a:fontRef idx="minor"/>
-        </p:style>
-        <p:txBody>
-          <a:bodyPr lIns="90000" tIns="45000" rIns="90000" bIns="45000"/>
-          <a:lstStyle/>
-          <a:p>
-            <a:pPr>
-              <a:lnSpc>
-                <a:spcPct val="100000"/>
-              </a:lnSpc>
-            </a:pPr>
-            <a:r>
-              <a:rPr lang="en-US" sz="1800" b="0" strike="noStrike" spc="-1">
-                <a:solidFill>
-                  <a:srgbClr val="2F5597"/>
-                </a:solidFill>
-                <a:uFill>
-                  <a:solidFill>
-                    <a:srgbClr val="FFFFFF"/>
-                  </a:solidFill>
-                </a:uFill>
-                <a:latin typeface="Calibri"/>
-                <a:ea typeface="DejaVu Sans"/>
-              </a:rPr>
-              <a:t>Node</a:t>
-            </a:r>
-            <a:endParaRPr lang="en-US" sz="1800" b="0" strike="noStrike" spc="-1">
-              <a:solidFill>
-                <a:srgbClr val="000000"/>
-              </a:solidFill>
-              <a:uFill>
-                <a:solidFill>
-                  <a:srgbClr val="FFFFFF"/>
-                </a:solidFill>
-              </a:uFill>
-              <a:latin typeface="Arial"/>
-            </a:endParaRPr>
-          </a:p>
-        </p:txBody>
-      </p:sp>
-      <p:sp>
-        <p:nvSpPr>
-          <p:cNvPr id="466" name="CustomShape 9"/>
-          <p:cNvSpPr/>
-          <p:nvPr/>
-        </p:nvSpPr>
-        <p:spPr>
-          <a:xfrm>
-            <a:off x="4506120" y="3512880"/>
-            <a:ext cx="1595160" cy="870120"/>
-          </a:xfrm>
-          <a:prstGeom prst="flowChartMagneticDisk">
-            <a:avLst/>
-          </a:prstGeom>
-          <a:solidFill>
-            <a:schemeClr val="bg1">
-              <a:lumMod val="95000"/>
-            </a:schemeClr>
-          </a:solidFill>
-          <a:ln>
-            <a:round/>
-          </a:ln>
-        </p:spPr>
-        <p:style>
-          <a:lnRef idx="2">
-            <a:schemeClr val="accent1">
-              <a:shade val="50000"/>
-            </a:schemeClr>
-          </a:lnRef>
-          <a:fillRef idx="1">
-            <a:schemeClr val="accent1"/>
-          </a:fillRef>
-          <a:effectRef idx="0">
-            <a:schemeClr val="accent1"/>
-          </a:effectRef>
-          <a:fontRef idx="minor"/>
-        </p:style>
-        <p:txBody>
-          <a:bodyPr lIns="90000" tIns="45000" rIns="90000" bIns="45000" anchor="ctr"/>
-          <a:lstStyle/>
-          <a:p>
-            <a:pPr algn="ctr">
-              <a:lnSpc>
-                <a:spcPct val="100000"/>
-              </a:lnSpc>
-            </a:pPr>
-            <a:r>
-              <a:rPr lang="en-US" sz="1800" b="0" strike="noStrike" spc="-1">
-                <a:solidFill>
-                  <a:srgbClr val="000000"/>
-                </a:solidFill>
-                <a:uFill>
-                  <a:solidFill>
-                    <a:srgbClr val="FFFFFF"/>
-                  </a:solidFill>
-                </a:uFill>
-                <a:latin typeface="Calibri"/>
-                <a:ea typeface="DejaVu Sans"/>
-              </a:rPr>
-              <a:t>File-System</a:t>
-            </a:r>
-            <a:endParaRPr lang="en-US" sz="1800" b="0" strike="noStrike" spc="-1">
-              <a:solidFill>
-                <a:srgbClr val="000000"/>
-              </a:solidFill>
-              <a:uFill>
-                <a:solidFill>
-                  <a:srgbClr val="FFFFFF"/>
-                </a:solidFill>
-              </a:uFill>
-              <a:latin typeface="Arial"/>
-            </a:endParaRPr>
-          </a:p>
-        </p:txBody>
-      </p:sp>
-      <p:sp>
-        <p:nvSpPr>
-          <p:cNvPr id="467" name="CustomShape 10"/>
-          <p:cNvSpPr/>
-          <p:nvPr/>
-        </p:nvSpPr>
-        <p:spPr>
-          <a:xfrm rot="884400">
-            <a:off x="5643360" y="2967120"/>
-            <a:ext cx="543240" cy="654120"/>
-          </a:xfrm>
-          <a:prstGeom prst="triangle">
-            <a:avLst>
-              <a:gd name="adj" fmla="val 100000"/>
-            </a:avLst>
-          </a:prstGeom>
-          <a:solidFill>
-            <a:schemeClr val="bg1">
-              <a:lumMod val="95000"/>
-            </a:schemeClr>
-          </a:solidFill>
-          <a:ln>
-            <a:round/>
-          </a:ln>
-        </p:spPr>
-        <p:style>
-          <a:lnRef idx="2">
-            <a:schemeClr val="accent1">
-              <a:shade val="50000"/>
-            </a:schemeClr>
-          </a:lnRef>
-          <a:fillRef idx="1">
-            <a:schemeClr val="accent1"/>
-          </a:fillRef>
-          <a:effectRef idx="0">
-            <a:schemeClr val="accent1"/>
-          </a:effectRef>
-          <a:fontRef idx="minor"/>
-        </p:style>
-      </p:sp>
-      <p:sp>
-        <p:nvSpPr>
-          <p:cNvPr id="468" name="CustomShape 11"/>
-          <p:cNvSpPr/>
-          <p:nvPr/>
-        </p:nvSpPr>
-        <p:spPr>
-          <a:xfrm>
-            <a:off x="5578200" y="2377440"/>
-            <a:ext cx="2925720" cy="355680"/>
-          </a:xfrm>
-          <a:prstGeom prst="rect">
-            <a:avLst/>
-          </a:prstGeom>
-          <a:noFill/>
-          <a:ln>
-            <a:noFill/>
-          </a:ln>
-        </p:spPr>
-        <p:style>
-          <a:lnRef idx="0">
-            <a:scrgbClr r="0" g="0" b="0"/>
-          </a:lnRef>
-          <a:fillRef idx="0">
-            <a:scrgbClr r="0" g="0" b="0"/>
-          </a:fillRef>
-          <a:effectRef idx="0">
-            <a:scrgbClr r="0" g="0" b="0"/>
-          </a:effectRef>
-          <a:fontRef idx="minor"/>
-        </p:style>
-        <p:txBody>
-          <a:bodyPr lIns="90000" tIns="45000" rIns="90000" bIns="45000"/>
-          <a:lstStyle/>
-          <a:p>
-            <a:pPr algn="ctr">
-              <a:lnSpc>
-                <a:spcPct val="100000"/>
-              </a:lnSpc>
-            </a:pPr>
-            <a:r>
-              <a:rPr lang="en-US" sz="1800" b="0" strike="noStrike" spc="-1">
-                <a:solidFill>
-                  <a:srgbClr val="FFFFFF"/>
-                </a:solidFill>
-                <a:uFill>
-                  <a:solidFill>
-                    <a:srgbClr val="FFFFFF"/>
-                  </a:solidFill>
-                </a:uFill>
-                <a:latin typeface="Calibri"/>
-              </a:rPr>
-              <a:t>mongo</a:t>
-            </a:r>
-            <a:endParaRPr lang="en-US" sz="1800" b="0" strike="noStrike" spc="-1">
-              <a:solidFill>
-                <a:srgbClr val="000000"/>
-              </a:solidFill>
-              <a:uFill>
-                <a:solidFill>
-                  <a:srgbClr val="FFFFFF"/>
-                </a:solidFill>
-              </a:uFill>
-              <a:latin typeface="Arial"/>
-            </a:endParaRPr>
-          </a:p>
-        </p:txBody>
-      </p:sp>
-    </p:spTree>
-    <p:extLst>
-      <p:ext uri="{BB962C8B-B14F-4D97-AF65-F5344CB8AC3E}">
-        <p14:creationId xmlns:p14="http://schemas.microsoft.com/office/powerpoint/2010/main" val="3498726630"/>
       </p:ext>
     </p:extLst>
   </p:cSld>

--- a/day-3/Using Kubernetes Day 3.pptx
+++ b/day-3/Using Kubernetes Day 3.pptx
@@ -33,7 +33,8 @@
     <p:sldId id="281" r:id="rId27"/>
     <p:sldId id="282" r:id="rId28"/>
     <p:sldId id="283" r:id="rId29"/>
-    <p:sldId id="284" r:id="rId30"/>
+    <p:sldId id="303" r:id="rId30"/>
+    <p:sldId id="284" r:id="rId31"/>
   </p:sldIdLst>
   <p:sldSz cx="12192000" cy="6858000"/>
   <p:notesSz cx="6858000" cy="9144000"/>
@@ -140,6 +141,3702 @@
 </p:presentation>
 </file>
 
+<file path=ppt/diagrams/colors1.xml><?xml version="1.0" encoding="utf-8"?>
+<dgm:colorsDef xmlns:dgm="http://schemas.openxmlformats.org/drawingml/2006/diagram" xmlns:a="http://schemas.openxmlformats.org/drawingml/2006/main" uniqueId="urn:microsoft.com/office/officeart/2005/8/colors/colorful2">
+  <dgm:title val=""/>
+  <dgm:desc val=""/>
+  <dgm:catLst>
+    <dgm:cat type="colorful" pri="10200"/>
+  </dgm:catLst>
+  <dgm:styleLbl name="node0">
+    <dgm:fillClrLst meth="repeat">
+      <a:schemeClr val="accent1"/>
+    </dgm:fillClrLst>
+    <dgm:linClrLst meth="repeat">
+      <a:schemeClr val="lt1"/>
+    </dgm:linClrLst>
+    <dgm:effectClrLst/>
+    <dgm:txLinClrLst/>
+    <dgm:txFillClrLst/>
+    <dgm:txEffectClrLst/>
+  </dgm:styleLbl>
+  <dgm:styleLbl name="node1">
+    <dgm:fillClrLst>
+      <a:schemeClr val="accent2"/>
+      <a:schemeClr val="accent3"/>
+    </dgm:fillClrLst>
+    <dgm:linClrLst meth="repeat">
+      <a:schemeClr val="lt1"/>
+    </dgm:linClrLst>
+    <dgm:effectClrLst/>
+    <dgm:txLinClrLst/>
+    <dgm:txFillClrLst/>
+    <dgm:txEffectClrLst/>
+  </dgm:styleLbl>
+  <dgm:styleLbl name="alignNode1">
+    <dgm:fillClrLst>
+      <a:schemeClr val="accent2"/>
+      <a:schemeClr val="accent3"/>
+    </dgm:fillClrLst>
+    <dgm:linClrLst>
+      <a:schemeClr val="accent2"/>
+      <a:schemeClr val="accent3"/>
+    </dgm:linClrLst>
+    <dgm:effectClrLst/>
+    <dgm:txLinClrLst/>
+    <dgm:txFillClrLst/>
+    <dgm:txEffectClrLst/>
+  </dgm:styleLbl>
+  <dgm:styleLbl name="lnNode1">
+    <dgm:fillClrLst>
+      <a:schemeClr val="accent2"/>
+      <a:schemeClr val="accent3"/>
+    </dgm:fillClrLst>
+    <dgm:linClrLst meth="repeat">
+      <a:schemeClr val="lt1"/>
+    </dgm:linClrLst>
+    <dgm:effectClrLst/>
+    <dgm:txLinClrLst/>
+    <dgm:txFillClrLst/>
+    <dgm:txEffectClrLst/>
+  </dgm:styleLbl>
+  <dgm:styleLbl name="vennNode1">
+    <dgm:fillClrLst>
+      <a:schemeClr val="accent2">
+        <a:alpha val="50000"/>
+      </a:schemeClr>
+      <a:schemeClr val="accent3">
+        <a:alpha val="50000"/>
+      </a:schemeClr>
+    </dgm:fillClrLst>
+    <dgm:linClrLst meth="repeat">
+      <a:schemeClr val="lt1"/>
+    </dgm:linClrLst>
+    <dgm:effectClrLst/>
+    <dgm:txLinClrLst/>
+    <dgm:txFillClrLst/>
+    <dgm:txEffectClrLst/>
+  </dgm:styleLbl>
+  <dgm:styleLbl name="node2">
+    <dgm:fillClrLst>
+      <a:schemeClr val="accent3"/>
+    </dgm:fillClrLst>
+    <dgm:linClrLst meth="repeat">
+      <a:schemeClr val="lt1"/>
+    </dgm:linClrLst>
+    <dgm:effectClrLst/>
+    <dgm:txLinClrLst/>
+    <dgm:txFillClrLst/>
+    <dgm:txEffectClrLst/>
+  </dgm:styleLbl>
+  <dgm:styleLbl name="node3">
+    <dgm:fillClrLst>
+      <a:schemeClr val="accent4"/>
+    </dgm:fillClrLst>
+    <dgm:linClrLst meth="repeat">
+      <a:schemeClr val="lt1"/>
+    </dgm:linClrLst>
+    <dgm:effectClrLst/>
+    <dgm:txLinClrLst/>
+    <dgm:txFillClrLst/>
+    <dgm:txEffectClrLst/>
+  </dgm:styleLbl>
+  <dgm:styleLbl name="node4">
+    <dgm:fillClrLst>
+      <a:schemeClr val="accent5"/>
+    </dgm:fillClrLst>
+    <dgm:linClrLst meth="repeat">
+      <a:schemeClr val="lt1"/>
+    </dgm:linClrLst>
+    <dgm:effectClrLst/>
+    <dgm:txLinClrLst/>
+    <dgm:txFillClrLst/>
+    <dgm:txEffectClrLst/>
+  </dgm:styleLbl>
+  <dgm:styleLbl name="fgImgPlace1">
+    <dgm:fillClrLst>
+      <a:schemeClr val="accent2">
+        <a:tint val="50000"/>
+      </a:schemeClr>
+      <a:schemeClr val="accent3">
+        <a:tint val="50000"/>
+      </a:schemeClr>
+    </dgm:fillClrLst>
+    <dgm:linClrLst meth="repeat">
+      <a:schemeClr val="lt1"/>
+    </dgm:linClrLst>
+    <dgm:effectClrLst/>
+    <dgm:txLinClrLst/>
+    <dgm:txFillClrLst meth="repeat">
+      <a:schemeClr val="lt1"/>
+    </dgm:txFillClrLst>
+    <dgm:txEffectClrLst/>
+  </dgm:styleLbl>
+  <dgm:styleLbl name="alignImgPlace1">
+    <dgm:fillClrLst>
+      <a:schemeClr val="accent2">
+        <a:tint val="50000"/>
+      </a:schemeClr>
+      <a:schemeClr val="accent3">
+        <a:tint val="20000"/>
+      </a:schemeClr>
+    </dgm:fillClrLst>
+    <dgm:linClrLst meth="repeat">
+      <a:schemeClr val="lt1"/>
+    </dgm:linClrLst>
+    <dgm:effectClrLst/>
+    <dgm:txLinClrLst/>
+    <dgm:txFillClrLst meth="repeat">
+      <a:schemeClr val="lt1"/>
+    </dgm:txFillClrLst>
+    <dgm:txEffectClrLst/>
+  </dgm:styleLbl>
+  <dgm:styleLbl name="bgImgPlace1">
+    <dgm:fillClrLst>
+      <a:schemeClr val="accent2">
+        <a:tint val="50000"/>
+      </a:schemeClr>
+      <a:schemeClr val="accent3">
+        <a:tint val="20000"/>
+      </a:schemeClr>
+    </dgm:fillClrLst>
+    <dgm:linClrLst meth="repeat">
+      <a:schemeClr val="lt1"/>
+    </dgm:linClrLst>
+    <dgm:effectClrLst/>
+    <dgm:txLinClrLst/>
+    <dgm:txFillClrLst meth="repeat">
+      <a:schemeClr val="lt1"/>
+    </dgm:txFillClrLst>
+    <dgm:txEffectClrLst/>
+  </dgm:styleLbl>
+  <dgm:styleLbl name="sibTrans2D1">
+    <dgm:fillClrLst>
+      <a:schemeClr val="accent2"/>
+      <a:schemeClr val="accent3"/>
+    </dgm:fillClrLst>
+    <dgm:linClrLst meth="repeat">
+      <a:schemeClr val="lt1"/>
+    </dgm:linClrLst>
+    <dgm:effectClrLst/>
+    <dgm:txLinClrLst/>
+    <dgm:txFillClrLst/>
+    <dgm:txEffectClrLst/>
+  </dgm:styleLbl>
+  <dgm:styleLbl name="fgSibTrans2D1">
+    <dgm:fillClrLst>
+      <a:schemeClr val="accent2"/>
+      <a:schemeClr val="accent3"/>
+    </dgm:fillClrLst>
+    <dgm:linClrLst meth="repeat">
+      <a:schemeClr val="lt1"/>
+    </dgm:linClrLst>
+    <dgm:effectClrLst/>
+    <dgm:txLinClrLst/>
+    <dgm:txFillClrLst meth="repeat">
+      <a:schemeClr val="lt1"/>
+    </dgm:txFillClrLst>
+    <dgm:txEffectClrLst/>
+  </dgm:styleLbl>
+  <dgm:styleLbl name="bgSibTrans2D1">
+    <dgm:fillClrLst>
+      <a:schemeClr val="accent2"/>
+      <a:schemeClr val="accent3"/>
+    </dgm:fillClrLst>
+    <dgm:linClrLst meth="repeat">
+      <a:schemeClr val="lt1"/>
+    </dgm:linClrLst>
+    <dgm:effectClrLst/>
+    <dgm:txLinClrLst/>
+    <dgm:txFillClrLst meth="repeat">
+      <a:schemeClr val="lt1"/>
+    </dgm:txFillClrLst>
+    <dgm:txEffectClrLst/>
+  </dgm:styleLbl>
+  <dgm:styleLbl name="sibTrans1D1">
+    <dgm:fillClrLst/>
+    <dgm:linClrLst>
+      <a:schemeClr val="accent2"/>
+      <a:schemeClr val="accent3"/>
+    </dgm:linClrLst>
+    <dgm:effectClrLst/>
+    <dgm:txLinClrLst/>
+    <dgm:txFillClrLst meth="repeat">
+      <a:schemeClr val="tx1"/>
+    </dgm:txFillClrLst>
+    <dgm:txEffectClrLst/>
+  </dgm:styleLbl>
+  <dgm:styleLbl name="callout">
+    <dgm:fillClrLst meth="repeat">
+      <a:schemeClr val="accent2"/>
+    </dgm:fillClrLst>
+    <dgm:linClrLst meth="repeat">
+      <a:schemeClr val="accent2">
+        <a:tint val="50000"/>
+      </a:schemeClr>
+    </dgm:linClrLst>
+    <dgm:effectClrLst/>
+    <dgm:txLinClrLst/>
+    <dgm:txFillClrLst meth="repeat">
+      <a:schemeClr val="tx1"/>
+    </dgm:txFillClrLst>
+    <dgm:txEffectClrLst/>
+  </dgm:styleLbl>
+  <dgm:styleLbl name="asst0">
+    <dgm:fillClrLst meth="repeat">
+      <a:schemeClr val="accent2"/>
+    </dgm:fillClrLst>
+    <dgm:linClrLst meth="repeat">
+      <a:schemeClr val="lt1">
+        <a:shade val="80000"/>
+      </a:schemeClr>
+    </dgm:linClrLst>
+    <dgm:effectClrLst/>
+    <dgm:txLinClrLst/>
+    <dgm:txFillClrLst/>
+    <dgm:txEffectClrLst/>
+  </dgm:styleLbl>
+  <dgm:styleLbl name="asst1">
+    <dgm:fillClrLst meth="repeat">
+      <a:schemeClr val="accent3"/>
+    </dgm:fillClrLst>
+    <dgm:linClrLst meth="repeat">
+      <a:schemeClr val="lt1">
+        <a:shade val="80000"/>
+      </a:schemeClr>
+    </dgm:linClrLst>
+    <dgm:effectClrLst/>
+    <dgm:txLinClrLst/>
+    <dgm:txFillClrLst/>
+    <dgm:txEffectClrLst/>
+  </dgm:styleLbl>
+  <dgm:styleLbl name="asst2">
+    <dgm:fillClrLst>
+      <a:schemeClr val="accent4"/>
+    </dgm:fillClrLst>
+    <dgm:linClrLst meth="repeat">
+      <a:schemeClr val="lt1"/>
+    </dgm:linClrLst>
+    <dgm:effectClrLst/>
+    <dgm:txLinClrLst/>
+    <dgm:txFillClrLst/>
+    <dgm:txEffectClrLst/>
+  </dgm:styleLbl>
+  <dgm:styleLbl name="asst3">
+    <dgm:fillClrLst>
+      <a:schemeClr val="accent5"/>
+    </dgm:fillClrLst>
+    <dgm:linClrLst meth="repeat">
+      <a:schemeClr val="lt1"/>
+    </dgm:linClrLst>
+    <dgm:effectClrLst/>
+    <dgm:txLinClrLst/>
+    <dgm:txFillClrLst/>
+    <dgm:txEffectClrLst/>
+  </dgm:styleLbl>
+  <dgm:styleLbl name="asst4">
+    <dgm:fillClrLst>
+      <a:schemeClr val="accent6"/>
+    </dgm:fillClrLst>
+    <dgm:linClrLst meth="repeat">
+      <a:schemeClr val="lt1"/>
+    </dgm:linClrLst>
+    <dgm:effectClrLst/>
+    <dgm:txLinClrLst/>
+    <dgm:txFillClrLst/>
+    <dgm:txEffectClrLst/>
+  </dgm:styleLbl>
+  <dgm:styleLbl name="parChTrans2D1">
+    <dgm:fillClrLst meth="repeat">
+      <a:schemeClr val="accent2"/>
+    </dgm:fillClrLst>
+    <dgm:linClrLst meth="repeat">
+      <a:schemeClr val="lt1"/>
+    </dgm:linClrLst>
+    <dgm:effectClrLst/>
+    <dgm:txLinClrLst/>
+    <dgm:txFillClrLst meth="repeat">
+      <a:schemeClr val="lt1"/>
+    </dgm:txFillClrLst>
+    <dgm:txEffectClrLst/>
+  </dgm:styleLbl>
+  <dgm:styleLbl name="parChTrans2D2">
+    <dgm:fillClrLst meth="repeat">
+      <a:schemeClr val="accent3"/>
+    </dgm:fillClrLst>
+    <dgm:linClrLst meth="repeat">
+      <a:schemeClr val="lt1"/>
+    </dgm:linClrLst>
+    <dgm:effectClrLst/>
+    <dgm:txLinClrLst/>
+    <dgm:txFillClrLst/>
+    <dgm:txEffectClrLst/>
+  </dgm:styleLbl>
+  <dgm:styleLbl name="parChTrans2D3">
+    <dgm:fillClrLst meth="repeat">
+      <a:schemeClr val="accent4"/>
+    </dgm:fillClrLst>
+    <dgm:linClrLst meth="repeat">
+      <a:schemeClr val="lt1"/>
+    </dgm:linClrLst>
+    <dgm:effectClrLst/>
+    <dgm:txLinClrLst/>
+    <dgm:txFillClrLst/>
+    <dgm:txEffectClrLst/>
+  </dgm:styleLbl>
+  <dgm:styleLbl name="parChTrans2D4">
+    <dgm:fillClrLst meth="repeat">
+      <a:schemeClr val="accent5"/>
+    </dgm:fillClrLst>
+    <dgm:linClrLst meth="repeat">
+      <a:schemeClr val="lt1"/>
+    </dgm:linClrLst>
+    <dgm:effectClrLst/>
+    <dgm:txLinClrLst/>
+    <dgm:txFillClrLst meth="repeat">
+      <a:schemeClr val="lt1"/>
+    </dgm:txFillClrLst>
+    <dgm:txEffectClrLst/>
+  </dgm:styleLbl>
+  <dgm:styleLbl name="parChTrans1D1">
+    <dgm:fillClrLst meth="repeat">
+      <a:schemeClr val="accent2"/>
+    </dgm:fillClrLst>
+    <dgm:linClrLst meth="repeat">
+      <a:schemeClr val="accent2"/>
+    </dgm:linClrLst>
+    <dgm:effectClrLst/>
+    <dgm:txLinClrLst/>
+    <dgm:txFillClrLst meth="repeat">
+      <a:schemeClr val="tx1"/>
+    </dgm:txFillClrLst>
+    <dgm:txEffectClrLst/>
+  </dgm:styleLbl>
+  <dgm:styleLbl name="parChTrans1D2">
+    <dgm:fillClrLst meth="repeat">
+      <a:schemeClr val="accent2">
+        <a:tint val="90000"/>
+      </a:schemeClr>
+    </dgm:fillClrLst>
+    <dgm:linClrLst meth="repeat">
+      <a:schemeClr val="accent3"/>
+    </dgm:linClrLst>
+    <dgm:effectClrLst/>
+    <dgm:txLinClrLst/>
+    <dgm:txFillClrLst meth="repeat">
+      <a:schemeClr val="tx1"/>
+    </dgm:txFillClrLst>
+    <dgm:txEffectClrLst/>
+  </dgm:styleLbl>
+  <dgm:styleLbl name="parChTrans1D3">
+    <dgm:fillClrLst meth="repeat">
+      <a:schemeClr val="accent2">
+        <a:tint val="70000"/>
+      </a:schemeClr>
+    </dgm:fillClrLst>
+    <dgm:linClrLst meth="repeat">
+      <a:schemeClr val="accent4"/>
+    </dgm:linClrLst>
+    <dgm:effectClrLst/>
+    <dgm:txLinClrLst/>
+    <dgm:txFillClrLst meth="repeat">
+      <a:schemeClr val="tx1"/>
+    </dgm:txFillClrLst>
+    <dgm:txEffectClrLst/>
+  </dgm:styleLbl>
+  <dgm:styleLbl name="parChTrans1D4">
+    <dgm:fillClrLst meth="repeat">
+      <a:schemeClr val="accent2">
+        <a:tint val="50000"/>
+      </a:schemeClr>
+    </dgm:fillClrLst>
+    <dgm:linClrLst meth="repeat">
+      <a:schemeClr val="accent5"/>
+    </dgm:linClrLst>
+    <dgm:effectClrLst/>
+    <dgm:txLinClrLst/>
+    <dgm:txFillClrLst meth="repeat">
+      <a:schemeClr val="tx1"/>
+    </dgm:txFillClrLst>
+    <dgm:txEffectClrLst/>
+  </dgm:styleLbl>
+  <dgm:styleLbl name="fgAcc1">
+    <dgm:fillClrLst meth="repeat">
+      <a:schemeClr val="lt1">
+        <a:alpha val="90000"/>
+      </a:schemeClr>
+    </dgm:fillClrLst>
+    <dgm:linClrLst>
+      <a:schemeClr val="accent2"/>
+      <a:schemeClr val="accent3"/>
+    </dgm:linClrLst>
+    <dgm:effectClrLst/>
+    <dgm:txLinClrLst/>
+    <dgm:txFillClrLst meth="repeat">
+      <a:schemeClr val="dk1"/>
+    </dgm:txFillClrLst>
+    <dgm:txEffectClrLst/>
+  </dgm:styleLbl>
+  <dgm:styleLbl name="conFgAcc1">
+    <dgm:fillClrLst meth="repeat">
+      <a:schemeClr val="lt1">
+        <a:alpha val="90000"/>
+      </a:schemeClr>
+    </dgm:fillClrLst>
+    <dgm:linClrLst>
+      <a:schemeClr val="accent2"/>
+      <a:schemeClr val="accent3"/>
+    </dgm:linClrLst>
+    <dgm:effectClrLst/>
+    <dgm:txLinClrLst/>
+    <dgm:txFillClrLst meth="repeat">
+      <a:schemeClr val="dk1"/>
+    </dgm:txFillClrLst>
+    <dgm:txEffectClrLst/>
+  </dgm:styleLbl>
+  <dgm:styleLbl name="alignAcc1">
+    <dgm:fillClrLst meth="repeat">
+      <a:schemeClr val="lt1">
+        <a:alpha val="90000"/>
+      </a:schemeClr>
+    </dgm:fillClrLst>
+    <dgm:linClrLst>
+      <a:schemeClr val="accent2"/>
+      <a:schemeClr val="accent3"/>
+    </dgm:linClrLst>
+    <dgm:effectClrLst/>
+    <dgm:txLinClrLst/>
+    <dgm:txFillClrLst meth="repeat">
+      <a:schemeClr val="dk1"/>
+    </dgm:txFillClrLst>
+    <dgm:txEffectClrLst/>
+  </dgm:styleLbl>
+  <dgm:styleLbl name="trAlignAcc1">
+    <dgm:fillClrLst meth="repeat">
+      <a:schemeClr val="lt1">
+        <a:alpha val="40000"/>
+      </a:schemeClr>
+    </dgm:fillClrLst>
+    <dgm:linClrLst meth="repeat">
+      <a:schemeClr val="accent2"/>
+    </dgm:linClrLst>
+    <dgm:effectClrLst/>
+    <dgm:txLinClrLst/>
+    <dgm:txFillClrLst meth="repeat">
+      <a:schemeClr val="dk1"/>
+    </dgm:txFillClrLst>
+    <dgm:txEffectClrLst/>
+  </dgm:styleLbl>
+  <dgm:styleLbl name="bgAcc1">
+    <dgm:fillClrLst meth="repeat">
+      <a:schemeClr val="lt1">
+        <a:alpha val="90000"/>
+      </a:schemeClr>
+    </dgm:fillClrLst>
+    <dgm:linClrLst>
+      <a:schemeClr val="accent2"/>
+      <a:schemeClr val="accent3"/>
+    </dgm:linClrLst>
+    <dgm:effectClrLst/>
+    <dgm:txLinClrLst/>
+    <dgm:txFillClrLst meth="repeat">
+      <a:schemeClr val="dk1"/>
+    </dgm:txFillClrLst>
+    <dgm:txEffectClrLst/>
+  </dgm:styleLbl>
+  <dgm:styleLbl name="solidFgAcc1">
+    <dgm:fillClrLst meth="repeat">
+      <a:schemeClr val="lt1"/>
+    </dgm:fillClrLst>
+    <dgm:linClrLst>
+      <a:schemeClr val="accent2"/>
+      <a:schemeClr val="accent3"/>
+    </dgm:linClrLst>
+    <dgm:effectClrLst/>
+    <dgm:txLinClrLst/>
+    <dgm:txFillClrLst meth="repeat">
+      <a:schemeClr val="dk1"/>
+    </dgm:txFillClrLst>
+    <dgm:txEffectClrLst/>
+  </dgm:styleLbl>
+  <dgm:styleLbl name="solidAlignAcc1">
+    <dgm:fillClrLst meth="repeat">
+      <a:schemeClr val="lt1"/>
+    </dgm:fillClrLst>
+    <dgm:linClrLst>
+      <a:schemeClr val="accent2"/>
+      <a:schemeClr val="accent3"/>
+    </dgm:linClrLst>
+    <dgm:effectClrLst/>
+    <dgm:txLinClrLst/>
+    <dgm:txFillClrLst meth="repeat">
+      <a:schemeClr val="dk1"/>
+    </dgm:txFillClrLst>
+    <dgm:txEffectClrLst/>
+  </dgm:styleLbl>
+  <dgm:styleLbl name="solidBgAcc1">
+    <dgm:fillClrLst meth="repeat">
+      <a:schemeClr val="lt1"/>
+    </dgm:fillClrLst>
+    <dgm:linClrLst>
+      <a:schemeClr val="accent2"/>
+      <a:schemeClr val="accent3"/>
+    </dgm:linClrLst>
+    <dgm:effectClrLst/>
+    <dgm:txLinClrLst/>
+    <dgm:txFillClrLst meth="repeat">
+      <a:schemeClr val="dk1"/>
+    </dgm:txFillClrLst>
+    <dgm:txEffectClrLst/>
+  </dgm:styleLbl>
+  <dgm:styleLbl name="fgAccFollowNode1">
+    <dgm:fillClrLst>
+      <a:schemeClr val="accent2">
+        <a:tint val="40000"/>
+        <a:alpha val="90000"/>
+      </a:schemeClr>
+      <a:schemeClr val="accent3">
+        <a:tint val="40000"/>
+        <a:alpha val="90000"/>
+      </a:schemeClr>
+    </dgm:fillClrLst>
+    <dgm:linClrLst>
+      <a:schemeClr val="accent2">
+        <a:tint val="40000"/>
+        <a:alpha val="90000"/>
+      </a:schemeClr>
+      <a:schemeClr val="accent3">
+        <a:tint val="40000"/>
+        <a:alpha val="90000"/>
+      </a:schemeClr>
+    </dgm:linClrLst>
+    <dgm:effectClrLst/>
+    <dgm:txLinClrLst/>
+    <dgm:txFillClrLst meth="repeat">
+      <a:schemeClr val="dk1"/>
+    </dgm:txFillClrLst>
+    <dgm:txEffectClrLst/>
+  </dgm:styleLbl>
+  <dgm:styleLbl name="alignAccFollowNode1">
+    <dgm:fillClrLst>
+      <a:schemeClr val="accent2">
+        <a:tint val="40000"/>
+        <a:alpha val="90000"/>
+      </a:schemeClr>
+      <a:schemeClr val="accent3">
+        <a:tint val="40000"/>
+        <a:alpha val="90000"/>
+      </a:schemeClr>
+    </dgm:fillClrLst>
+    <dgm:linClrLst>
+      <a:schemeClr val="accent2">
+        <a:tint val="40000"/>
+        <a:alpha val="90000"/>
+      </a:schemeClr>
+      <a:schemeClr val="accent3">
+        <a:tint val="40000"/>
+        <a:alpha val="90000"/>
+      </a:schemeClr>
+    </dgm:linClrLst>
+    <dgm:effectClrLst/>
+    <dgm:txLinClrLst/>
+    <dgm:txFillClrLst meth="repeat">
+      <a:schemeClr val="dk1"/>
+    </dgm:txFillClrLst>
+    <dgm:txEffectClrLst/>
+  </dgm:styleLbl>
+  <dgm:styleLbl name="bgAccFollowNode1">
+    <dgm:fillClrLst>
+      <a:schemeClr val="accent2">
+        <a:tint val="40000"/>
+        <a:alpha val="90000"/>
+      </a:schemeClr>
+      <a:schemeClr val="accent3">
+        <a:tint val="40000"/>
+        <a:alpha val="90000"/>
+      </a:schemeClr>
+    </dgm:fillClrLst>
+    <dgm:linClrLst>
+      <a:schemeClr val="accent2">
+        <a:tint val="40000"/>
+        <a:alpha val="90000"/>
+      </a:schemeClr>
+      <a:schemeClr val="accent3">
+        <a:tint val="40000"/>
+        <a:alpha val="90000"/>
+      </a:schemeClr>
+    </dgm:linClrLst>
+    <dgm:effectClrLst/>
+    <dgm:txLinClrLst/>
+    <dgm:txFillClrLst meth="repeat">
+      <a:schemeClr val="dk1"/>
+    </dgm:txFillClrLst>
+    <dgm:txEffectClrLst/>
+  </dgm:styleLbl>
+  <dgm:styleLbl name="fgAcc0">
+    <dgm:fillClrLst meth="repeat">
+      <a:schemeClr val="lt1">
+        <a:alpha val="90000"/>
+      </a:schemeClr>
+    </dgm:fillClrLst>
+    <dgm:linClrLst>
+      <a:schemeClr val="accent1"/>
+    </dgm:linClrLst>
+    <dgm:effectClrLst/>
+    <dgm:txLinClrLst/>
+    <dgm:txFillClrLst meth="repeat">
+      <a:schemeClr val="dk1"/>
+    </dgm:txFillClrLst>
+    <dgm:txEffectClrLst/>
+  </dgm:styleLbl>
+  <dgm:styleLbl name="fgAcc2">
+    <dgm:fillClrLst meth="repeat">
+      <a:schemeClr val="lt1">
+        <a:alpha val="90000"/>
+      </a:schemeClr>
+    </dgm:fillClrLst>
+    <dgm:linClrLst>
+      <a:schemeClr val="accent3"/>
+    </dgm:linClrLst>
+    <dgm:effectClrLst/>
+    <dgm:txLinClrLst/>
+    <dgm:txFillClrLst meth="repeat">
+      <a:schemeClr val="dk1"/>
+    </dgm:txFillClrLst>
+    <dgm:txEffectClrLst/>
+  </dgm:styleLbl>
+  <dgm:styleLbl name="fgAcc3">
+    <dgm:fillClrLst meth="repeat">
+      <a:schemeClr val="lt1">
+        <a:alpha val="90000"/>
+      </a:schemeClr>
+    </dgm:fillClrLst>
+    <dgm:linClrLst>
+      <a:schemeClr val="accent4"/>
+    </dgm:linClrLst>
+    <dgm:effectClrLst/>
+    <dgm:txLinClrLst/>
+    <dgm:txFillClrLst meth="repeat">
+      <a:schemeClr val="dk1"/>
+    </dgm:txFillClrLst>
+    <dgm:txEffectClrLst/>
+  </dgm:styleLbl>
+  <dgm:styleLbl name="fgAcc4">
+    <dgm:fillClrLst meth="repeat">
+      <a:schemeClr val="lt1">
+        <a:alpha val="90000"/>
+      </a:schemeClr>
+    </dgm:fillClrLst>
+    <dgm:linClrLst>
+      <a:schemeClr val="accent5"/>
+    </dgm:linClrLst>
+    <dgm:effectClrLst/>
+    <dgm:txLinClrLst/>
+    <dgm:txFillClrLst meth="repeat">
+      <a:schemeClr val="dk1"/>
+    </dgm:txFillClrLst>
+    <dgm:txEffectClrLst/>
+  </dgm:styleLbl>
+  <dgm:styleLbl name="bgShp">
+    <dgm:fillClrLst meth="repeat">
+      <a:schemeClr val="accent2">
+        <a:tint val="40000"/>
+      </a:schemeClr>
+    </dgm:fillClrLst>
+    <dgm:linClrLst meth="repeat">
+      <a:schemeClr val="dk1"/>
+    </dgm:linClrLst>
+    <dgm:effectClrLst/>
+    <dgm:txLinClrLst/>
+    <dgm:txFillClrLst meth="repeat">
+      <a:schemeClr val="dk1"/>
+    </dgm:txFillClrLst>
+    <dgm:txEffectClrLst/>
+  </dgm:styleLbl>
+  <dgm:styleLbl name="dkBgShp">
+    <dgm:fillClrLst meth="repeat">
+      <a:schemeClr val="accent2">
+        <a:shade val="90000"/>
+      </a:schemeClr>
+    </dgm:fillClrLst>
+    <dgm:linClrLst meth="repeat">
+      <a:schemeClr val="dk1"/>
+    </dgm:linClrLst>
+    <dgm:effectClrLst/>
+    <dgm:txLinClrLst/>
+    <dgm:txFillClrLst meth="repeat">
+      <a:schemeClr val="lt1"/>
+    </dgm:txFillClrLst>
+    <dgm:txEffectClrLst/>
+  </dgm:styleLbl>
+  <dgm:styleLbl name="trBgShp">
+    <dgm:fillClrLst meth="repeat">
+      <a:schemeClr val="accent2">
+        <a:tint val="50000"/>
+        <a:alpha val="40000"/>
+      </a:schemeClr>
+    </dgm:fillClrLst>
+    <dgm:linClrLst meth="repeat">
+      <a:schemeClr val="accent2"/>
+    </dgm:linClrLst>
+    <dgm:effectClrLst/>
+    <dgm:txLinClrLst/>
+    <dgm:txFillClrLst meth="repeat">
+      <a:schemeClr val="lt1"/>
+    </dgm:txFillClrLst>
+    <dgm:txEffectClrLst/>
+  </dgm:styleLbl>
+  <dgm:styleLbl name="fgShp">
+    <dgm:fillClrLst meth="repeat">
+      <a:schemeClr val="accent2">
+        <a:tint val="40000"/>
+      </a:schemeClr>
+    </dgm:fillClrLst>
+    <dgm:linClrLst meth="repeat">
+      <a:schemeClr val="lt1"/>
+    </dgm:linClrLst>
+    <dgm:effectClrLst/>
+    <dgm:txLinClrLst/>
+    <dgm:txFillClrLst meth="repeat">
+      <a:schemeClr val="dk1"/>
+    </dgm:txFillClrLst>
+    <dgm:txEffectClrLst/>
+  </dgm:styleLbl>
+  <dgm:styleLbl name="revTx">
+    <dgm:fillClrLst meth="repeat">
+      <a:schemeClr val="lt1">
+        <a:alpha val="0"/>
+      </a:schemeClr>
+    </dgm:fillClrLst>
+    <dgm:linClrLst meth="repeat">
+      <a:schemeClr val="dk1">
+        <a:alpha val="0"/>
+      </a:schemeClr>
+    </dgm:linClrLst>
+    <dgm:effectClrLst/>
+    <dgm:txLinClrLst/>
+    <dgm:txFillClrLst meth="repeat">
+      <a:schemeClr val="tx1"/>
+    </dgm:txFillClrLst>
+    <dgm:txEffectClrLst/>
+  </dgm:styleLbl>
+</dgm:colorsDef>
+</file>
+
+<file path=ppt/diagrams/data1.xml><?xml version="1.0" encoding="utf-8"?>
+<dgm:dataModel xmlns:dgm="http://schemas.openxmlformats.org/drawingml/2006/diagram" xmlns:a="http://schemas.openxmlformats.org/drawingml/2006/main">
+  <dgm:ptLst>
+    <dgm:pt modelId="{5AF9D7BC-155A-41B0-837F-C89FBA2BB651}" type="doc">
+      <dgm:prSet loTypeId="urn:microsoft.com/office/officeart/2005/8/layout/vProcess5" loCatId="process" qsTypeId="urn:microsoft.com/office/officeart/2005/8/quickstyle/simple1" qsCatId="simple" csTypeId="urn:microsoft.com/office/officeart/2005/8/colors/colorful2" csCatId="colorful" phldr="1"/>
+      <dgm:spPr/>
+      <dgm:t>
+        <a:bodyPr/>
+        <a:lstStyle/>
+        <a:p>
+          <a:endParaRPr lang="en-US"/>
+        </a:p>
+      </dgm:t>
+    </dgm:pt>
+    <dgm:pt modelId="{01C0C251-71A8-43B6-8B5E-CB94FBD4ED4F}">
+      <dgm:prSet/>
+      <dgm:spPr/>
+      <dgm:t>
+        <a:bodyPr/>
+        <a:lstStyle/>
+        <a:p>
+          <a:r>
+            <a:rPr lang="en-IL" dirty="0"/>
+            <a:t>Envarioment variables are injected to pod from config map only while creating the pod</a:t>
+          </a:r>
+          <a:endParaRPr lang="en-US" dirty="0"/>
+        </a:p>
+      </dgm:t>
+    </dgm:pt>
+    <dgm:pt modelId="{B5D56BAF-4609-45EF-A7CD-F25EEADC120D}" type="parTrans" cxnId="{0485525C-5DB0-4360-A1C3-01EFB271D637}">
+      <dgm:prSet/>
+      <dgm:spPr/>
+      <dgm:t>
+        <a:bodyPr/>
+        <a:lstStyle/>
+        <a:p>
+          <a:endParaRPr lang="en-US"/>
+        </a:p>
+      </dgm:t>
+    </dgm:pt>
+    <dgm:pt modelId="{66C061B8-0661-4B8A-816C-9B6C06537211}" type="sibTrans" cxnId="{0485525C-5DB0-4360-A1C3-01EFB271D637}">
+      <dgm:prSet/>
+      <dgm:spPr/>
+      <dgm:t>
+        <a:bodyPr/>
+        <a:lstStyle/>
+        <a:p>
+          <a:endParaRPr lang="en-US"/>
+        </a:p>
+      </dgm:t>
+    </dgm:pt>
+    <dgm:pt modelId="{22B51539-828C-4069-8ADD-61216A2EC500}">
+      <dgm:prSet/>
+      <dgm:spPr/>
+      <dgm:t>
+        <a:bodyPr/>
+        <a:lstStyle/>
+        <a:p>
+          <a:r>
+            <a:rPr lang="en-IL" dirty="0"/>
+            <a:t>Updating values in config map not affect running pods</a:t>
+          </a:r>
+          <a:endParaRPr lang="en-US" dirty="0"/>
+        </a:p>
+      </dgm:t>
+    </dgm:pt>
+    <dgm:pt modelId="{4DB24B26-FFBD-488F-843C-5F81FC13600A}" type="parTrans" cxnId="{81BACBF9-D6DB-4B63-BC56-A75EF58A2AE4}">
+      <dgm:prSet/>
+      <dgm:spPr/>
+      <dgm:t>
+        <a:bodyPr/>
+        <a:lstStyle/>
+        <a:p>
+          <a:endParaRPr lang="en-US"/>
+        </a:p>
+      </dgm:t>
+    </dgm:pt>
+    <dgm:pt modelId="{8DAD8A33-AD83-436F-AB46-20E6BCDD60E3}" type="sibTrans" cxnId="{81BACBF9-D6DB-4B63-BC56-A75EF58A2AE4}">
+      <dgm:prSet/>
+      <dgm:spPr/>
+      <dgm:t>
+        <a:bodyPr/>
+        <a:lstStyle/>
+        <a:p>
+          <a:endParaRPr lang="en-US"/>
+        </a:p>
+      </dgm:t>
+    </dgm:pt>
+    <dgm:pt modelId="{C75B2013-5AC2-40B2-BF77-7E2C0CD312B4}">
+      <dgm:prSet/>
+      <dgm:spPr/>
+      <dgm:t>
+        <a:bodyPr/>
+        <a:lstStyle/>
+        <a:p>
+          <a:r>
+            <a:rPr lang="en-IL" dirty="0"/>
+            <a:t>You need to restart the pod in order to get a pod with updated values</a:t>
+          </a:r>
+          <a:endParaRPr lang="en-US" dirty="0"/>
+        </a:p>
+      </dgm:t>
+    </dgm:pt>
+    <dgm:pt modelId="{4F1DA21C-EE2E-45ED-A24F-D8C914E784EE}" type="parTrans" cxnId="{62609B2E-AC0D-4A01-979D-1B7FD611433F}">
+      <dgm:prSet/>
+      <dgm:spPr/>
+      <dgm:t>
+        <a:bodyPr/>
+        <a:lstStyle/>
+        <a:p>
+          <a:endParaRPr lang="en-US"/>
+        </a:p>
+      </dgm:t>
+    </dgm:pt>
+    <dgm:pt modelId="{9E6CFBBE-8233-4774-86FE-E4A2CD3E5808}" type="sibTrans" cxnId="{62609B2E-AC0D-4A01-979D-1B7FD611433F}">
+      <dgm:prSet/>
+      <dgm:spPr/>
+      <dgm:t>
+        <a:bodyPr/>
+        <a:lstStyle/>
+        <a:p>
+          <a:endParaRPr lang="en-US"/>
+        </a:p>
+      </dgm:t>
+    </dgm:pt>
+    <dgm:pt modelId="{059625A1-53DD-9E40-AA97-696EFB5C9B96}" type="pres">
+      <dgm:prSet presAssocID="{5AF9D7BC-155A-41B0-837F-C89FBA2BB651}" presName="outerComposite" presStyleCnt="0">
+        <dgm:presLayoutVars>
+          <dgm:chMax val="5"/>
+          <dgm:dir/>
+          <dgm:resizeHandles val="exact"/>
+        </dgm:presLayoutVars>
+      </dgm:prSet>
+      <dgm:spPr/>
+    </dgm:pt>
+    <dgm:pt modelId="{22E9A2BA-FAC9-C149-983A-DFD1EBD50963}" type="pres">
+      <dgm:prSet presAssocID="{5AF9D7BC-155A-41B0-837F-C89FBA2BB651}" presName="dummyMaxCanvas" presStyleCnt="0">
+        <dgm:presLayoutVars/>
+      </dgm:prSet>
+      <dgm:spPr/>
+    </dgm:pt>
+    <dgm:pt modelId="{CF230DBD-C903-144D-A299-E279009D4975}" type="pres">
+      <dgm:prSet presAssocID="{5AF9D7BC-155A-41B0-837F-C89FBA2BB651}" presName="ThreeNodes_1" presStyleLbl="node1" presStyleIdx="0" presStyleCnt="3">
+        <dgm:presLayoutVars>
+          <dgm:bulletEnabled val="1"/>
+        </dgm:presLayoutVars>
+      </dgm:prSet>
+      <dgm:spPr/>
+    </dgm:pt>
+    <dgm:pt modelId="{525D30D5-17F5-094F-8503-9D27FB67EF53}" type="pres">
+      <dgm:prSet presAssocID="{5AF9D7BC-155A-41B0-837F-C89FBA2BB651}" presName="ThreeNodes_2" presStyleLbl="node1" presStyleIdx="1" presStyleCnt="3">
+        <dgm:presLayoutVars>
+          <dgm:bulletEnabled val="1"/>
+        </dgm:presLayoutVars>
+      </dgm:prSet>
+      <dgm:spPr/>
+    </dgm:pt>
+    <dgm:pt modelId="{33ADC7CD-9291-7D40-9CFB-2DEC3F8F0ACF}" type="pres">
+      <dgm:prSet presAssocID="{5AF9D7BC-155A-41B0-837F-C89FBA2BB651}" presName="ThreeNodes_3" presStyleLbl="node1" presStyleIdx="2" presStyleCnt="3">
+        <dgm:presLayoutVars>
+          <dgm:bulletEnabled val="1"/>
+        </dgm:presLayoutVars>
+      </dgm:prSet>
+      <dgm:spPr/>
+    </dgm:pt>
+    <dgm:pt modelId="{CDF45246-4AEB-DE46-8F85-6345900EA1D0}" type="pres">
+      <dgm:prSet presAssocID="{5AF9D7BC-155A-41B0-837F-C89FBA2BB651}" presName="ThreeConn_1-2" presStyleLbl="fgAccFollowNode1" presStyleIdx="0" presStyleCnt="2">
+        <dgm:presLayoutVars>
+          <dgm:bulletEnabled val="1"/>
+        </dgm:presLayoutVars>
+      </dgm:prSet>
+      <dgm:spPr/>
+    </dgm:pt>
+    <dgm:pt modelId="{3F34677C-DFEA-404E-A0A6-69CCC12379D6}" type="pres">
+      <dgm:prSet presAssocID="{5AF9D7BC-155A-41B0-837F-C89FBA2BB651}" presName="ThreeConn_2-3" presStyleLbl="fgAccFollowNode1" presStyleIdx="1" presStyleCnt="2">
+        <dgm:presLayoutVars>
+          <dgm:bulletEnabled val="1"/>
+        </dgm:presLayoutVars>
+      </dgm:prSet>
+      <dgm:spPr/>
+    </dgm:pt>
+    <dgm:pt modelId="{D406F6CA-79D0-924A-8E01-47AC3368E3A9}" type="pres">
+      <dgm:prSet presAssocID="{5AF9D7BC-155A-41B0-837F-C89FBA2BB651}" presName="ThreeNodes_1_text" presStyleLbl="node1" presStyleIdx="2" presStyleCnt="3">
+        <dgm:presLayoutVars>
+          <dgm:bulletEnabled val="1"/>
+        </dgm:presLayoutVars>
+      </dgm:prSet>
+      <dgm:spPr/>
+    </dgm:pt>
+    <dgm:pt modelId="{70167125-A308-234A-A66B-5AAA36295E55}" type="pres">
+      <dgm:prSet presAssocID="{5AF9D7BC-155A-41B0-837F-C89FBA2BB651}" presName="ThreeNodes_2_text" presStyleLbl="node1" presStyleIdx="2" presStyleCnt="3">
+        <dgm:presLayoutVars>
+          <dgm:bulletEnabled val="1"/>
+        </dgm:presLayoutVars>
+      </dgm:prSet>
+      <dgm:spPr/>
+    </dgm:pt>
+    <dgm:pt modelId="{1CBB1F42-7EC1-F342-A73C-0896D0D0745D}" type="pres">
+      <dgm:prSet presAssocID="{5AF9D7BC-155A-41B0-837F-C89FBA2BB651}" presName="ThreeNodes_3_text" presStyleLbl="node1" presStyleIdx="2" presStyleCnt="3">
+        <dgm:presLayoutVars>
+          <dgm:bulletEnabled val="1"/>
+        </dgm:presLayoutVars>
+      </dgm:prSet>
+      <dgm:spPr/>
+    </dgm:pt>
+  </dgm:ptLst>
+  <dgm:cxnLst>
+    <dgm:cxn modelId="{CAB44017-E864-A94E-A23B-CABD2D3A7F48}" type="presOf" srcId="{C75B2013-5AC2-40B2-BF77-7E2C0CD312B4}" destId="{1CBB1F42-7EC1-F342-A73C-0896D0D0745D}" srcOrd="1" destOrd="0" presId="urn:microsoft.com/office/officeart/2005/8/layout/vProcess5"/>
+    <dgm:cxn modelId="{62609B2E-AC0D-4A01-979D-1B7FD611433F}" srcId="{5AF9D7BC-155A-41B0-837F-C89FBA2BB651}" destId="{C75B2013-5AC2-40B2-BF77-7E2C0CD312B4}" srcOrd="2" destOrd="0" parTransId="{4F1DA21C-EE2E-45ED-A24F-D8C914E784EE}" sibTransId="{9E6CFBBE-8233-4774-86FE-E4A2CD3E5808}"/>
+    <dgm:cxn modelId="{0485525C-5DB0-4360-A1C3-01EFB271D637}" srcId="{5AF9D7BC-155A-41B0-837F-C89FBA2BB651}" destId="{01C0C251-71A8-43B6-8B5E-CB94FBD4ED4F}" srcOrd="0" destOrd="0" parTransId="{B5D56BAF-4609-45EF-A7CD-F25EEADC120D}" sibTransId="{66C061B8-0661-4B8A-816C-9B6C06537211}"/>
+    <dgm:cxn modelId="{43858762-98A8-0245-B631-64AEE75C7AAA}" type="presOf" srcId="{01C0C251-71A8-43B6-8B5E-CB94FBD4ED4F}" destId="{CF230DBD-C903-144D-A299-E279009D4975}" srcOrd="0" destOrd="0" presId="urn:microsoft.com/office/officeart/2005/8/layout/vProcess5"/>
+    <dgm:cxn modelId="{487D0869-7D28-E640-B815-F62B75CEE35B}" type="presOf" srcId="{5AF9D7BC-155A-41B0-837F-C89FBA2BB651}" destId="{059625A1-53DD-9E40-AA97-696EFB5C9B96}" srcOrd="0" destOrd="0" presId="urn:microsoft.com/office/officeart/2005/8/layout/vProcess5"/>
+    <dgm:cxn modelId="{A716D26D-FAA3-B64B-9117-120B295234B6}" type="presOf" srcId="{22B51539-828C-4069-8ADD-61216A2EC500}" destId="{70167125-A308-234A-A66B-5AAA36295E55}" srcOrd="1" destOrd="0" presId="urn:microsoft.com/office/officeart/2005/8/layout/vProcess5"/>
+    <dgm:cxn modelId="{D9C64270-91A8-DF42-B266-834195726500}" type="presOf" srcId="{8DAD8A33-AD83-436F-AB46-20E6BCDD60E3}" destId="{3F34677C-DFEA-404E-A0A6-69CCC12379D6}" srcOrd="0" destOrd="0" presId="urn:microsoft.com/office/officeart/2005/8/layout/vProcess5"/>
+    <dgm:cxn modelId="{BB5BDDE8-0421-C445-97FA-3C26C7DF1E28}" type="presOf" srcId="{C75B2013-5AC2-40B2-BF77-7E2C0CD312B4}" destId="{33ADC7CD-9291-7D40-9CFB-2DEC3F8F0ACF}" srcOrd="0" destOrd="0" presId="urn:microsoft.com/office/officeart/2005/8/layout/vProcess5"/>
+    <dgm:cxn modelId="{812FCBEE-39EE-E746-B06F-E44C5C164CF7}" type="presOf" srcId="{66C061B8-0661-4B8A-816C-9B6C06537211}" destId="{CDF45246-4AEB-DE46-8F85-6345900EA1D0}" srcOrd="0" destOrd="0" presId="urn:microsoft.com/office/officeart/2005/8/layout/vProcess5"/>
+    <dgm:cxn modelId="{81BACBF9-D6DB-4B63-BC56-A75EF58A2AE4}" srcId="{5AF9D7BC-155A-41B0-837F-C89FBA2BB651}" destId="{22B51539-828C-4069-8ADD-61216A2EC500}" srcOrd="1" destOrd="0" parTransId="{4DB24B26-FFBD-488F-843C-5F81FC13600A}" sibTransId="{8DAD8A33-AD83-436F-AB46-20E6BCDD60E3}"/>
+    <dgm:cxn modelId="{C6F4C9FB-2F6B-6B4C-8079-0978B15CC440}" type="presOf" srcId="{22B51539-828C-4069-8ADD-61216A2EC500}" destId="{525D30D5-17F5-094F-8503-9D27FB67EF53}" srcOrd="0" destOrd="0" presId="urn:microsoft.com/office/officeart/2005/8/layout/vProcess5"/>
+    <dgm:cxn modelId="{CF0E92FE-9A1F-8941-87D9-3EFA0F5AD787}" type="presOf" srcId="{01C0C251-71A8-43B6-8B5E-CB94FBD4ED4F}" destId="{D406F6CA-79D0-924A-8E01-47AC3368E3A9}" srcOrd="1" destOrd="0" presId="urn:microsoft.com/office/officeart/2005/8/layout/vProcess5"/>
+    <dgm:cxn modelId="{F55C9AE1-FED2-8B49-B413-A966A0EBCD6A}" type="presParOf" srcId="{059625A1-53DD-9E40-AA97-696EFB5C9B96}" destId="{22E9A2BA-FAC9-C149-983A-DFD1EBD50963}" srcOrd="0" destOrd="0" presId="urn:microsoft.com/office/officeart/2005/8/layout/vProcess5"/>
+    <dgm:cxn modelId="{2255F123-71B9-2E45-B87D-EBFFF78E7941}" type="presParOf" srcId="{059625A1-53DD-9E40-AA97-696EFB5C9B96}" destId="{CF230DBD-C903-144D-A299-E279009D4975}" srcOrd="1" destOrd="0" presId="urn:microsoft.com/office/officeart/2005/8/layout/vProcess5"/>
+    <dgm:cxn modelId="{D61C57BE-CB04-5B45-9233-21C48B4C461B}" type="presParOf" srcId="{059625A1-53DD-9E40-AA97-696EFB5C9B96}" destId="{525D30D5-17F5-094F-8503-9D27FB67EF53}" srcOrd="2" destOrd="0" presId="urn:microsoft.com/office/officeart/2005/8/layout/vProcess5"/>
+    <dgm:cxn modelId="{F90E2383-948F-B04E-90DF-8B50984533DB}" type="presParOf" srcId="{059625A1-53DD-9E40-AA97-696EFB5C9B96}" destId="{33ADC7CD-9291-7D40-9CFB-2DEC3F8F0ACF}" srcOrd="3" destOrd="0" presId="urn:microsoft.com/office/officeart/2005/8/layout/vProcess5"/>
+    <dgm:cxn modelId="{D8D5B5B6-9B90-284A-A73D-A45F84426A2E}" type="presParOf" srcId="{059625A1-53DD-9E40-AA97-696EFB5C9B96}" destId="{CDF45246-4AEB-DE46-8F85-6345900EA1D0}" srcOrd="4" destOrd="0" presId="urn:microsoft.com/office/officeart/2005/8/layout/vProcess5"/>
+    <dgm:cxn modelId="{DD3883A9-0BEC-6C4C-8318-CD3504E74815}" type="presParOf" srcId="{059625A1-53DD-9E40-AA97-696EFB5C9B96}" destId="{3F34677C-DFEA-404E-A0A6-69CCC12379D6}" srcOrd="5" destOrd="0" presId="urn:microsoft.com/office/officeart/2005/8/layout/vProcess5"/>
+    <dgm:cxn modelId="{A863C077-555A-DA46-850B-DC738643E653}" type="presParOf" srcId="{059625A1-53DD-9E40-AA97-696EFB5C9B96}" destId="{D406F6CA-79D0-924A-8E01-47AC3368E3A9}" srcOrd="6" destOrd="0" presId="urn:microsoft.com/office/officeart/2005/8/layout/vProcess5"/>
+    <dgm:cxn modelId="{1C791057-73AD-A841-A996-534A197F831B}" type="presParOf" srcId="{059625A1-53DD-9E40-AA97-696EFB5C9B96}" destId="{70167125-A308-234A-A66B-5AAA36295E55}" srcOrd="7" destOrd="0" presId="urn:microsoft.com/office/officeart/2005/8/layout/vProcess5"/>
+    <dgm:cxn modelId="{BBC49493-0708-CA49-84CB-C65DC4917DBC}" type="presParOf" srcId="{059625A1-53DD-9E40-AA97-696EFB5C9B96}" destId="{1CBB1F42-7EC1-F342-A73C-0896D0D0745D}" srcOrd="8" destOrd="0" presId="urn:microsoft.com/office/officeart/2005/8/layout/vProcess5"/>
+  </dgm:cxnLst>
+  <dgm:bg/>
+  <dgm:whole/>
+  <dgm:extLst>
+    <a:ext uri="http://schemas.microsoft.com/office/drawing/2008/diagram">
+      <dsp:dataModelExt xmlns:dsp="http://schemas.microsoft.com/office/drawing/2008/diagram" relId="rId6" minVer="http://schemas.openxmlformats.org/drawingml/2006/diagram"/>
+    </a:ext>
+  </dgm:extLst>
+</dgm:dataModel>
+</file>
+
+<file path=ppt/diagrams/drawing1.xml><?xml version="1.0" encoding="utf-8"?>
+<dsp:drawing xmlns:dgm="http://schemas.openxmlformats.org/drawingml/2006/diagram" xmlns:dsp="http://schemas.microsoft.com/office/drawing/2008/diagram" xmlns:a="http://schemas.openxmlformats.org/drawingml/2006/main">
+  <dsp:spTree>
+    <dsp:nvGrpSpPr>
+      <dsp:cNvPr id="0" name=""/>
+      <dsp:cNvGrpSpPr/>
+    </dsp:nvGrpSpPr>
+    <dsp:grpSpPr/>
+    <dsp:sp modelId="{CF230DBD-C903-144D-A299-E279009D4975}">
+      <dsp:nvSpPr>
+        <dsp:cNvPr id="0" name=""/>
+        <dsp:cNvSpPr/>
+      </dsp:nvSpPr>
+      <dsp:spPr>
+        <a:xfrm>
+          <a:off x="0" y="0"/>
+          <a:ext cx="7952690" cy="1318260"/>
+        </a:xfrm>
+        <a:prstGeom prst="roundRect">
+          <a:avLst>
+            <a:gd name="adj" fmla="val 10000"/>
+          </a:avLst>
+        </a:prstGeom>
+        <a:solidFill>
+          <a:schemeClr val="accent2">
+            <a:hueOff val="0"/>
+            <a:satOff val="0"/>
+            <a:lumOff val="0"/>
+            <a:alphaOff val="0"/>
+          </a:schemeClr>
+        </a:solidFill>
+        <a:ln w="12700" cap="flat" cmpd="sng" algn="ctr">
+          <a:solidFill>
+            <a:schemeClr val="lt1">
+              <a:hueOff val="0"/>
+              <a:satOff val="0"/>
+              <a:lumOff val="0"/>
+              <a:alphaOff val="0"/>
+            </a:schemeClr>
+          </a:solidFill>
+          <a:prstDash val="solid"/>
+          <a:miter lim="800000"/>
+        </a:ln>
+        <a:effectLst/>
+      </dsp:spPr>
+      <dsp:style>
+        <a:lnRef idx="2">
+          <a:scrgbClr r="0" g="0" b="0"/>
+        </a:lnRef>
+        <a:fillRef idx="1">
+          <a:scrgbClr r="0" g="0" b="0"/>
+        </a:fillRef>
+        <a:effectRef idx="0">
+          <a:scrgbClr r="0" g="0" b="0"/>
+        </a:effectRef>
+        <a:fontRef idx="minor">
+          <a:schemeClr val="lt1"/>
+        </a:fontRef>
+      </dsp:style>
+      <dsp:txBody>
+        <a:bodyPr spcFirstLastPara="0" vert="horz" wrap="square" lIns="102870" tIns="102870" rIns="102870" bIns="102870" numCol="1" spcCol="1270" anchor="ctr" anchorCtr="0">
+          <a:noAutofit/>
+        </a:bodyPr>
+        <a:lstStyle/>
+        <a:p>
+          <a:pPr marL="0" lvl="0" indent="0" algn="l" defTabSz="1200150">
+            <a:lnSpc>
+              <a:spcPct val="90000"/>
+            </a:lnSpc>
+            <a:spcBef>
+              <a:spcPct val="0"/>
+            </a:spcBef>
+            <a:spcAft>
+              <a:spcPct val="35000"/>
+            </a:spcAft>
+            <a:buNone/>
+          </a:pPr>
+          <a:r>
+            <a:rPr lang="en-IL" sz="2700" kern="1200" dirty="0"/>
+            <a:t>Envarioment variables are injected to pod from config map only while creating the pod</a:t>
+          </a:r>
+          <a:endParaRPr lang="en-US" sz="2700" kern="1200" dirty="0"/>
+        </a:p>
+      </dsp:txBody>
+      <dsp:txXfrm>
+        <a:off x="38611" y="38611"/>
+        <a:ext cx="6530184" cy="1241038"/>
+      </dsp:txXfrm>
+    </dsp:sp>
+    <dsp:sp modelId="{525D30D5-17F5-094F-8503-9D27FB67EF53}">
+      <dsp:nvSpPr>
+        <dsp:cNvPr id="0" name=""/>
+        <dsp:cNvSpPr/>
+      </dsp:nvSpPr>
+      <dsp:spPr>
+        <a:xfrm>
+          <a:off x="701708" y="1537970"/>
+          <a:ext cx="7952690" cy="1318260"/>
+        </a:xfrm>
+        <a:prstGeom prst="roundRect">
+          <a:avLst>
+            <a:gd name="adj" fmla="val 10000"/>
+          </a:avLst>
+        </a:prstGeom>
+        <a:solidFill>
+          <a:schemeClr val="accent2">
+            <a:hueOff val="-727682"/>
+            <a:satOff val="-41964"/>
+            <a:lumOff val="4314"/>
+            <a:alphaOff val="0"/>
+          </a:schemeClr>
+        </a:solidFill>
+        <a:ln w="12700" cap="flat" cmpd="sng" algn="ctr">
+          <a:solidFill>
+            <a:schemeClr val="lt1">
+              <a:hueOff val="0"/>
+              <a:satOff val="0"/>
+              <a:lumOff val="0"/>
+              <a:alphaOff val="0"/>
+            </a:schemeClr>
+          </a:solidFill>
+          <a:prstDash val="solid"/>
+          <a:miter lim="800000"/>
+        </a:ln>
+        <a:effectLst/>
+      </dsp:spPr>
+      <dsp:style>
+        <a:lnRef idx="2">
+          <a:scrgbClr r="0" g="0" b="0"/>
+        </a:lnRef>
+        <a:fillRef idx="1">
+          <a:scrgbClr r="0" g="0" b="0"/>
+        </a:fillRef>
+        <a:effectRef idx="0">
+          <a:scrgbClr r="0" g="0" b="0"/>
+        </a:effectRef>
+        <a:fontRef idx="minor">
+          <a:schemeClr val="lt1"/>
+        </a:fontRef>
+      </dsp:style>
+      <dsp:txBody>
+        <a:bodyPr spcFirstLastPara="0" vert="horz" wrap="square" lIns="102870" tIns="102870" rIns="102870" bIns="102870" numCol="1" spcCol="1270" anchor="ctr" anchorCtr="0">
+          <a:noAutofit/>
+        </a:bodyPr>
+        <a:lstStyle/>
+        <a:p>
+          <a:pPr marL="0" lvl="0" indent="0" algn="l" defTabSz="1200150">
+            <a:lnSpc>
+              <a:spcPct val="90000"/>
+            </a:lnSpc>
+            <a:spcBef>
+              <a:spcPct val="0"/>
+            </a:spcBef>
+            <a:spcAft>
+              <a:spcPct val="35000"/>
+            </a:spcAft>
+            <a:buNone/>
+          </a:pPr>
+          <a:r>
+            <a:rPr lang="en-IL" sz="2700" kern="1200" dirty="0"/>
+            <a:t>Updating values in config map not affect running pods</a:t>
+          </a:r>
+          <a:endParaRPr lang="en-US" sz="2700" kern="1200" dirty="0"/>
+        </a:p>
+      </dsp:txBody>
+      <dsp:txXfrm>
+        <a:off x="740319" y="1576581"/>
+        <a:ext cx="6316891" cy="1241038"/>
+      </dsp:txXfrm>
+    </dsp:sp>
+    <dsp:sp modelId="{33ADC7CD-9291-7D40-9CFB-2DEC3F8F0ACF}">
+      <dsp:nvSpPr>
+        <dsp:cNvPr id="0" name=""/>
+        <dsp:cNvSpPr/>
+      </dsp:nvSpPr>
+      <dsp:spPr>
+        <a:xfrm>
+          <a:off x="1403416" y="3075940"/>
+          <a:ext cx="7952690" cy="1318260"/>
+        </a:xfrm>
+        <a:prstGeom prst="roundRect">
+          <a:avLst>
+            <a:gd name="adj" fmla="val 10000"/>
+          </a:avLst>
+        </a:prstGeom>
+        <a:solidFill>
+          <a:schemeClr val="accent2">
+            <a:hueOff val="-1455363"/>
+            <a:satOff val="-83928"/>
+            <a:lumOff val="8628"/>
+            <a:alphaOff val="0"/>
+          </a:schemeClr>
+        </a:solidFill>
+        <a:ln w="12700" cap="flat" cmpd="sng" algn="ctr">
+          <a:solidFill>
+            <a:schemeClr val="lt1">
+              <a:hueOff val="0"/>
+              <a:satOff val="0"/>
+              <a:lumOff val="0"/>
+              <a:alphaOff val="0"/>
+            </a:schemeClr>
+          </a:solidFill>
+          <a:prstDash val="solid"/>
+          <a:miter lim="800000"/>
+        </a:ln>
+        <a:effectLst/>
+      </dsp:spPr>
+      <dsp:style>
+        <a:lnRef idx="2">
+          <a:scrgbClr r="0" g="0" b="0"/>
+        </a:lnRef>
+        <a:fillRef idx="1">
+          <a:scrgbClr r="0" g="0" b="0"/>
+        </a:fillRef>
+        <a:effectRef idx="0">
+          <a:scrgbClr r="0" g="0" b="0"/>
+        </a:effectRef>
+        <a:fontRef idx="minor">
+          <a:schemeClr val="lt1"/>
+        </a:fontRef>
+      </dsp:style>
+      <dsp:txBody>
+        <a:bodyPr spcFirstLastPara="0" vert="horz" wrap="square" lIns="102870" tIns="102870" rIns="102870" bIns="102870" numCol="1" spcCol="1270" anchor="ctr" anchorCtr="0">
+          <a:noAutofit/>
+        </a:bodyPr>
+        <a:lstStyle/>
+        <a:p>
+          <a:pPr marL="0" lvl="0" indent="0" algn="l" defTabSz="1200150">
+            <a:lnSpc>
+              <a:spcPct val="90000"/>
+            </a:lnSpc>
+            <a:spcBef>
+              <a:spcPct val="0"/>
+            </a:spcBef>
+            <a:spcAft>
+              <a:spcPct val="35000"/>
+            </a:spcAft>
+            <a:buNone/>
+          </a:pPr>
+          <a:r>
+            <a:rPr lang="en-IL" sz="2700" kern="1200" dirty="0"/>
+            <a:t>You need to restart the pod in order to get a pod with updated values</a:t>
+          </a:r>
+          <a:endParaRPr lang="en-US" sz="2700" kern="1200" dirty="0"/>
+        </a:p>
+      </dsp:txBody>
+      <dsp:txXfrm>
+        <a:off x="1442027" y="3114551"/>
+        <a:ext cx="6316891" cy="1241038"/>
+      </dsp:txXfrm>
+    </dsp:sp>
+    <dsp:sp modelId="{CDF45246-4AEB-DE46-8F85-6345900EA1D0}">
+      <dsp:nvSpPr>
+        <dsp:cNvPr id="0" name=""/>
+        <dsp:cNvSpPr/>
+      </dsp:nvSpPr>
+      <dsp:spPr>
+        <a:xfrm>
+          <a:off x="7095821" y="999680"/>
+          <a:ext cx="856869" cy="856869"/>
+        </a:xfrm>
+        <a:prstGeom prst="downArrow">
+          <a:avLst>
+            <a:gd name="adj1" fmla="val 55000"/>
+            <a:gd name="adj2" fmla="val 45000"/>
+          </a:avLst>
+        </a:prstGeom>
+        <a:solidFill>
+          <a:schemeClr val="accent2">
+            <a:tint val="40000"/>
+            <a:alpha val="90000"/>
+            <a:hueOff val="0"/>
+            <a:satOff val="0"/>
+            <a:lumOff val="0"/>
+            <a:alphaOff val="0"/>
+          </a:schemeClr>
+        </a:solidFill>
+        <a:ln w="12700" cap="flat" cmpd="sng" algn="ctr">
+          <a:solidFill>
+            <a:schemeClr val="accent2">
+              <a:tint val="40000"/>
+              <a:alpha val="90000"/>
+              <a:hueOff val="0"/>
+              <a:satOff val="0"/>
+              <a:lumOff val="0"/>
+              <a:alphaOff val="0"/>
+            </a:schemeClr>
+          </a:solidFill>
+          <a:prstDash val="solid"/>
+          <a:miter lim="800000"/>
+        </a:ln>
+        <a:effectLst/>
+      </dsp:spPr>
+      <dsp:style>
+        <a:lnRef idx="2">
+          <a:scrgbClr r="0" g="0" b="0"/>
+        </a:lnRef>
+        <a:fillRef idx="1">
+          <a:scrgbClr r="0" g="0" b="0"/>
+        </a:fillRef>
+        <a:effectRef idx="0">
+          <a:scrgbClr r="0" g="0" b="0"/>
+        </a:effectRef>
+        <a:fontRef idx="minor"/>
+      </dsp:style>
+      <dsp:txBody>
+        <a:bodyPr spcFirstLastPara="0" vert="horz" wrap="square" lIns="45720" tIns="45720" rIns="45720" bIns="45720" numCol="1" spcCol="1270" anchor="ctr" anchorCtr="0">
+          <a:noAutofit/>
+        </a:bodyPr>
+        <a:lstStyle/>
+        <a:p>
+          <a:pPr marL="0" lvl="0" indent="0" algn="ctr" defTabSz="1600200">
+            <a:lnSpc>
+              <a:spcPct val="90000"/>
+            </a:lnSpc>
+            <a:spcBef>
+              <a:spcPct val="0"/>
+            </a:spcBef>
+            <a:spcAft>
+              <a:spcPct val="35000"/>
+            </a:spcAft>
+            <a:buNone/>
+          </a:pPr>
+          <a:endParaRPr lang="en-US" sz="3600" kern="1200"/>
+        </a:p>
+      </dsp:txBody>
+      <dsp:txXfrm>
+        <a:off x="7288617" y="999680"/>
+        <a:ext cx="471277" cy="644794"/>
+      </dsp:txXfrm>
+    </dsp:sp>
+    <dsp:sp modelId="{3F34677C-DFEA-404E-A0A6-69CCC12379D6}">
+      <dsp:nvSpPr>
+        <dsp:cNvPr id="0" name=""/>
+        <dsp:cNvSpPr/>
+      </dsp:nvSpPr>
+      <dsp:spPr>
+        <a:xfrm>
+          <a:off x="7797529" y="2528862"/>
+          <a:ext cx="856869" cy="856869"/>
+        </a:xfrm>
+        <a:prstGeom prst="downArrow">
+          <a:avLst>
+            <a:gd name="adj1" fmla="val 55000"/>
+            <a:gd name="adj2" fmla="val 45000"/>
+          </a:avLst>
+        </a:prstGeom>
+        <a:solidFill>
+          <a:schemeClr val="accent2">
+            <a:tint val="40000"/>
+            <a:alpha val="90000"/>
+            <a:hueOff val="-849226"/>
+            <a:satOff val="-75346"/>
+            <a:lumOff val="-769"/>
+            <a:alphaOff val="0"/>
+          </a:schemeClr>
+        </a:solidFill>
+        <a:ln w="12700" cap="flat" cmpd="sng" algn="ctr">
+          <a:solidFill>
+            <a:schemeClr val="accent2">
+              <a:tint val="40000"/>
+              <a:alpha val="90000"/>
+              <a:hueOff val="-849226"/>
+              <a:satOff val="-75346"/>
+              <a:lumOff val="-769"/>
+              <a:alphaOff val="0"/>
+            </a:schemeClr>
+          </a:solidFill>
+          <a:prstDash val="solid"/>
+          <a:miter lim="800000"/>
+        </a:ln>
+        <a:effectLst/>
+      </dsp:spPr>
+      <dsp:style>
+        <a:lnRef idx="2">
+          <a:scrgbClr r="0" g="0" b="0"/>
+        </a:lnRef>
+        <a:fillRef idx="1">
+          <a:scrgbClr r="0" g="0" b="0"/>
+        </a:fillRef>
+        <a:effectRef idx="0">
+          <a:scrgbClr r="0" g="0" b="0"/>
+        </a:effectRef>
+        <a:fontRef idx="minor"/>
+      </dsp:style>
+      <dsp:txBody>
+        <a:bodyPr spcFirstLastPara="0" vert="horz" wrap="square" lIns="45720" tIns="45720" rIns="45720" bIns="45720" numCol="1" spcCol="1270" anchor="ctr" anchorCtr="0">
+          <a:noAutofit/>
+        </a:bodyPr>
+        <a:lstStyle/>
+        <a:p>
+          <a:pPr marL="0" lvl="0" indent="0" algn="ctr" defTabSz="1600200">
+            <a:lnSpc>
+              <a:spcPct val="90000"/>
+            </a:lnSpc>
+            <a:spcBef>
+              <a:spcPct val="0"/>
+            </a:spcBef>
+            <a:spcAft>
+              <a:spcPct val="35000"/>
+            </a:spcAft>
+            <a:buNone/>
+          </a:pPr>
+          <a:endParaRPr lang="en-US" sz="3600" kern="1200"/>
+        </a:p>
+      </dsp:txBody>
+      <dsp:txXfrm>
+        <a:off x="7990325" y="2528862"/>
+        <a:ext cx="471277" cy="644794"/>
+      </dsp:txXfrm>
+    </dsp:sp>
+  </dsp:spTree>
+</dsp:drawing>
+</file>
+
+<file path=ppt/diagrams/layout1.xml><?xml version="1.0" encoding="utf-8"?>
+<dgm:layoutDef xmlns:dgm="http://schemas.openxmlformats.org/drawingml/2006/diagram" xmlns:a="http://schemas.openxmlformats.org/drawingml/2006/main" uniqueId="urn:microsoft.com/office/officeart/2005/8/layout/vProcess5">
+  <dgm:title val=""/>
+  <dgm:desc val=""/>
+  <dgm:catLst>
+    <dgm:cat type="process" pri="14000"/>
+  </dgm:catLst>
+  <dgm:sampData>
+    <dgm:dataModel>
+      <dgm:ptLst>
+        <dgm:pt modelId="0" type="doc"/>
+        <dgm:pt modelId="1">
+          <dgm:prSet phldr="1"/>
+        </dgm:pt>
+        <dgm:pt modelId="2">
+          <dgm:prSet phldr="1"/>
+        </dgm:pt>
+        <dgm:pt modelId="3">
+          <dgm:prSet phldr="1"/>
+        </dgm:pt>
+      </dgm:ptLst>
+      <dgm:cxnLst>
+        <dgm:cxn modelId="5" srcId="0" destId="1" srcOrd="0" destOrd="0"/>
+        <dgm:cxn modelId="6" srcId="0" destId="2" srcOrd="1" destOrd="0"/>
+        <dgm:cxn modelId="7" srcId="0" destId="3" srcOrd="2" destOrd="0"/>
+      </dgm:cxnLst>
+      <dgm:bg/>
+      <dgm:whole/>
+    </dgm:dataModel>
+  </dgm:sampData>
+  <dgm:styleData>
+    <dgm:dataModel>
+      <dgm:ptLst>
+        <dgm:pt modelId="0" type="doc"/>
+        <dgm:pt modelId="1"/>
+        <dgm:pt modelId="2"/>
+      </dgm:ptLst>
+      <dgm:cxnLst>
+        <dgm:cxn modelId="3" srcId="0" destId="1" srcOrd="0" destOrd="0"/>
+        <dgm:cxn modelId="4" srcId="0" destId="2" srcOrd="1" destOrd="0"/>
+      </dgm:cxnLst>
+      <dgm:bg/>
+      <dgm:whole/>
+    </dgm:dataModel>
+  </dgm:styleData>
+  <dgm:clrData>
+    <dgm:dataModel>
+      <dgm:ptLst>
+        <dgm:pt modelId="0" type="doc"/>
+        <dgm:pt modelId="1"/>
+        <dgm:pt modelId="2"/>
+        <dgm:pt modelId="3"/>
+        <dgm:pt modelId="4"/>
+      </dgm:ptLst>
+      <dgm:cxnLst>
+        <dgm:cxn modelId="6" srcId="0" destId="1" srcOrd="0" destOrd="0"/>
+        <dgm:cxn modelId="7" srcId="0" destId="2" srcOrd="1" destOrd="0"/>
+        <dgm:cxn modelId="8" srcId="0" destId="3" srcOrd="2" destOrd="0"/>
+        <dgm:cxn modelId="9" srcId="0" destId="4" srcOrd="3" destOrd="0"/>
+      </dgm:cxnLst>
+      <dgm:bg/>
+      <dgm:whole/>
+    </dgm:dataModel>
+  </dgm:clrData>
+  <dgm:layoutNode name="outerComposite">
+    <dgm:varLst>
+      <dgm:chMax val="5"/>
+      <dgm:dir/>
+      <dgm:resizeHandles val="exact"/>
+    </dgm:varLst>
+    <dgm:alg type="composite"/>
+    <dgm:shape xmlns:r="http://schemas.openxmlformats.org/officeDocument/2006/relationships" r:blip="">
+      <dgm:adjLst/>
+    </dgm:shape>
+    <dgm:presOf/>
+    <dgm:choose name="Name0">
+      <dgm:if name="Name1" func="var" arg="dir" op="equ" val="norm">
+        <dgm:constrLst>
+          <dgm:constr type="primFontSz" for="ch" ptType="node" op="equ" val="65"/>
+          <dgm:constr type="w" for="ch" forName="dummyMaxCanvas" refType="w"/>
+          <dgm:constr type="h" for="ch" forName="dummyMaxCanvas" refType="h"/>
+          <dgm:constr type="w" for="ch" forName="OneNode_1" refType="w"/>
+          <dgm:constr type="h" for="ch" forName="OneNode_1" refType="h" fact="0.5"/>
+          <dgm:constr type="ctrY" for="ch" forName="OneNode_1" refType="h" fact="0.5"/>
+          <dgm:constr type="w" for="ch" forName="TwoNodes_1" refType="w" fact="0.85"/>
+          <dgm:constr type="h" for="ch" forName="TwoNodes_1" refType="h" fact="0.45"/>
+          <dgm:constr type="t" for="ch" forName="TwoNodes_1"/>
+          <dgm:constr type="l" for="ch" forName="TwoNodes_1"/>
+          <dgm:constr type="w" for="ch" forName="TwoNodes_2" refType="w" fact="0.85"/>
+          <dgm:constr type="h" for="ch" forName="TwoNodes_2" refType="h" fact="0.45"/>
+          <dgm:constr type="b" for="ch" forName="TwoNodes_2" refType="h"/>
+          <dgm:constr type="r" for="ch" forName="TwoNodes_2" refType="w"/>
+          <dgm:constr type="w" for="ch" forName="TwoConn_1-2" refType="h" refFor="ch" refForName="TwoNodes_1" fact="0.65"/>
+          <dgm:constr type="h" for="ch" forName="TwoConn_1-2" refType="h" refFor="ch" refForName="TwoNodes_1" fact="0.65"/>
+          <dgm:constr type="ctrY" for="ch" forName="TwoConn_1-2" refType="h" fact="0.5"/>
+          <dgm:constr type="r" for="ch" forName="TwoConn_1-2" refType="r" refFor="ch" refForName="TwoNodes_1"/>
+          <dgm:constr type="r" for="ch" forName="TwoNodes_1_text" refType="l" refFor="ch" refForName="TwoConn_1-2"/>
+          <dgm:constr type="rOff" for="ch" forName="TwoNodes_1_text" refType="w" refFor="ch" refForName="TwoConn_1-2" fact="-0.5"/>
+          <dgm:constr type="t" for="ch" forName="TwoNodes_1_text" refType="t" refFor="ch" refForName="TwoNodes_1"/>
+          <dgm:constr type="b" for="ch" forName="TwoNodes_1_text" refType="b" refFor="ch" refForName="TwoNodes_1"/>
+          <dgm:constr type="l" for="ch" forName="TwoNodes_1_text" refType="l" refFor="ch" refForName="TwoNodes_1"/>
+          <dgm:constr type="r" for="ch" forName="TwoNodes_2_text" refType="l" refFor="ch" refForName="TwoConn_1-2"/>
+          <dgm:constr type="t" for="ch" forName="TwoNodes_2_text" refType="t" refFor="ch" refForName="TwoNodes_2"/>
+          <dgm:constr type="b" for="ch" forName="TwoNodes_2_text" refType="b" refFor="ch" refForName="TwoNodes_2"/>
+          <dgm:constr type="l" for="ch" forName="TwoNodes_2_text" refType="l" refFor="ch" refForName="TwoNodes_2"/>
+          <dgm:constr type="w" for="ch" forName="ThreeNodes_1" refType="w" fact="0.85"/>
+          <dgm:constr type="h" for="ch" forName="ThreeNodes_1" refType="h" fact="0.3"/>
+          <dgm:constr type="t" for="ch" forName="ThreeNodes_1"/>
+          <dgm:constr type="l" for="ch" forName="ThreeNodes_1"/>
+          <dgm:constr type="w" for="ch" forName="ThreeNodes_2" refType="w" fact="0.85"/>
+          <dgm:constr type="h" for="ch" forName="ThreeNodes_2" refType="h" fact="0.3"/>
+          <dgm:constr type="ctrY" for="ch" forName="ThreeNodes_2" refType="h" fact="0.5"/>
+          <dgm:constr type="ctrX" for="ch" forName="ThreeNodes_2" refType="w" fact="0.5"/>
+          <dgm:constr type="w" for="ch" forName="ThreeNodes_3" refType="w" fact="0.85"/>
+          <dgm:constr type="h" for="ch" forName="ThreeNodes_3" refType="h" fact="0.3"/>
+          <dgm:constr type="b" for="ch" forName="ThreeNodes_3" refType="h"/>
+          <dgm:constr type="r" for="ch" forName="ThreeNodes_3" refType="w"/>
+          <dgm:constr type="w" for="ch" forName="ThreeConn_1-2" refType="h" refFor="ch" refForName="ThreeNodes_1" fact="0.65"/>
+          <dgm:constr type="h" for="ch" forName="ThreeConn_1-2" refType="h" refFor="ch" refForName="ThreeNodes_1" fact="0.65"/>
+          <dgm:constr type="ctrY" for="ch" forName="ThreeConn_1-2" refType="h" fact="0.325"/>
+          <dgm:constr type="r" for="ch" forName="ThreeConn_1-2" refType="r" refFor="ch" refForName="ThreeNodes_1"/>
+          <dgm:constr type="w" for="ch" forName="ThreeConn_2-3" refType="h" refFor="ch" refForName="ThreeNodes_2" fact="0.65"/>
+          <dgm:constr type="h" for="ch" forName="ThreeConn_2-3" refType="h" refFor="ch" refForName="ThreeNodes_2" fact="0.65"/>
+          <dgm:constr type="ctrY" for="ch" forName="ThreeConn_2-3" refType="h" fact="0.673"/>
+          <dgm:constr type="r" for="ch" forName="ThreeConn_2-3" refType="r" refFor="ch" refForName="ThreeNodes_2"/>
+          <dgm:constr type="r" for="ch" forName="ThreeNodes_1_text" refType="l" refFor="ch" refForName="ThreeConn_1-2"/>
+          <dgm:constr type="rOff" for="ch" forName="ThreeNodes_1_text" refType="w" refFor="ch" refForName="ThreeConn_1-2" fact="-0.57"/>
+          <dgm:constr type="t" for="ch" forName="ThreeNodes_1_text" refType="t" refFor="ch" refForName="ThreeNodes_1"/>
+          <dgm:constr type="b" for="ch" forName="ThreeNodes_1_text" refType="b" refFor="ch" refForName="ThreeNodes_1"/>
+          <dgm:constr type="l" for="ch" forName="ThreeNodes_1_text" refType="l" refFor="ch" refForName="ThreeNodes_1"/>
+          <dgm:constr type="r" for="ch" forName="ThreeNodes_2_text" refType="l" refFor="ch" refForName="ThreeConn_1-2"/>
+          <dgm:constr type="t" for="ch" forName="ThreeNodes_2_text" refType="t" refFor="ch" refForName="ThreeNodes_2"/>
+          <dgm:constr type="b" for="ch" forName="ThreeNodes_2_text" refType="b" refFor="ch" refForName="ThreeNodes_2"/>
+          <dgm:constr type="l" for="ch" forName="ThreeNodes_2_text" refType="l" refFor="ch" refForName="ThreeNodes_2"/>
+          <dgm:constr type="r" for="ch" forName="ThreeNodes_3_text" refType="l" refFor="ch" refForName="ThreeConn_2-3"/>
+          <dgm:constr type="t" for="ch" forName="ThreeNodes_3_text" refType="t" refFor="ch" refForName="ThreeNodes_3"/>
+          <dgm:constr type="b" for="ch" forName="ThreeNodes_3_text" refType="b" refFor="ch" refForName="ThreeNodes_3"/>
+          <dgm:constr type="l" for="ch" forName="ThreeNodes_3_text" refType="l" refFor="ch" refForName="ThreeNodes_3"/>
+          <dgm:constr type="w" for="ch" forName="FourNodes_1" refType="w" fact="0.8"/>
+          <dgm:constr type="h" for="ch" forName="FourNodes_1" refType="h" fact="0.22"/>
+          <dgm:constr type="t" for="ch" forName="FourNodes_1"/>
+          <dgm:constr type="l" for="ch" forName="FourNodes_1"/>
+          <dgm:constr type="w" for="ch" forName="FourNodes_2" refType="w" fact="0.8"/>
+          <dgm:constr type="h" for="ch" forName="FourNodes_2" refType="h" fact="0.22"/>
+          <dgm:constr type="ctrY" for="ch" forName="FourNodes_2" refType="h" fact="0.37"/>
+          <dgm:constr type="ctrX" for="ch" forName="FourNodes_2" refType="w" fact="0.467"/>
+          <dgm:constr type="w" for="ch" forName="FourNodes_3" refType="w" fact="0.8"/>
+          <dgm:constr type="h" for="ch" forName="FourNodes_3" refType="h" fact="0.22"/>
+          <dgm:constr type="ctrY" for="ch" forName="FourNodes_3" refType="h" fact="0.63"/>
+          <dgm:constr type="ctrX" for="ch" forName="FourNodes_3" refType="w" fact="0.533"/>
+          <dgm:constr type="w" for="ch" forName="FourNodes_4" refType="w" fact="0.8"/>
+          <dgm:constr type="h" for="ch" forName="FourNodes_4" refType="h" fact="0.22"/>
+          <dgm:constr type="b" for="ch" forName="FourNodes_4" refType="h"/>
+          <dgm:constr type="r" for="ch" forName="FourNodes_4" refType="w"/>
+          <dgm:constr type="w" for="ch" forName="FourConn_1-2" refType="h" refFor="ch" refForName="FourNodes_1" fact="0.65"/>
+          <dgm:constr type="h" for="ch" forName="FourConn_1-2" refType="h" refFor="ch" refForName="FourNodes_1" fact="0.65"/>
+          <dgm:constr type="ctrY" for="ch" forName="FourConn_1-2" refType="h" fact="0.24"/>
+          <dgm:constr type="r" for="ch" forName="FourConn_1-2" refType="r" refFor="ch" refForName="FourNodes_1"/>
+          <dgm:constr type="w" for="ch" forName="FourConn_2-3" refType="h" refFor="ch" refForName="FourNodes_2" fact="0.65"/>
+          <dgm:constr type="h" for="ch" forName="FourConn_2-3" refType="h" refFor="ch" refForName="FourNodes_2" fact="0.65"/>
+          <dgm:constr type="ctrY" for="ch" forName="FourConn_2-3" refType="h" fact="0.5"/>
+          <dgm:constr type="r" for="ch" forName="FourConn_2-3" refType="r" refFor="ch" refForName="FourNodes_2"/>
+          <dgm:constr type="w" for="ch" forName="FourConn_3-4" refType="h" refFor="ch" refForName="FourNodes_3" fact="0.65"/>
+          <dgm:constr type="h" for="ch" forName="FourConn_3-4" refType="h" refFor="ch" refForName="FourNodes_3" fact="0.65"/>
+          <dgm:constr type="ctrY" for="ch" forName="FourConn_3-4" refType="h" fact="0.76"/>
+          <dgm:constr type="r" for="ch" forName="FourConn_3-4" refType="r" refFor="ch" refForName="FourNodes_3"/>
+          <dgm:constr type="r" for="ch" forName="FourNodes_1_text" refType="l" refFor="ch" refForName="FourConn_1-2"/>
+          <dgm:constr type="rOff" for="ch" forName="FourNodes_1_text" refType="w" refFor="ch" refForName="FourConn_1-2" fact="-0.7"/>
+          <dgm:constr type="t" for="ch" forName="FourNodes_1_text" refType="t" refFor="ch" refForName="FourNodes_1"/>
+          <dgm:constr type="b" for="ch" forName="FourNodes_1_text" refType="b" refFor="ch" refForName="FourNodes_1"/>
+          <dgm:constr type="l" for="ch" forName="FourNodes_1_text" refType="l" refFor="ch" refForName="FourNodes_1"/>
+          <dgm:constr type="r" for="ch" forName="FourNodes_2_text" refType="l" refFor="ch" refForName="FourConn_1-2"/>
+          <dgm:constr type="t" for="ch" forName="FourNodes_2_text" refType="t" refFor="ch" refForName="FourNodes_2"/>
+          <dgm:constr type="b" for="ch" forName="FourNodes_2_text" refType="b" refFor="ch" refForName="FourNodes_2"/>
+          <dgm:constr type="l" for="ch" forName="FourNodes_2_text" refType="l" refFor="ch" refForName="FourNodes_2"/>
+          <dgm:constr type="r" for="ch" forName="FourNodes_3_text" refType="l" refFor="ch" refForName="FourConn_2-3"/>
+          <dgm:constr type="t" for="ch" forName="FourNodes_3_text" refType="t" refFor="ch" refForName="FourNodes_3"/>
+          <dgm:constr type="b" for="ch" forName="FourNodes_3_text" refType="b" refFor="ch" refForName="FourNodes_3"/>
+          <dgm:constr type="l" for="ch" forName="FourNodes_3_text" refType="l" refFor="ch" refForName="FourNodes_3"/>
+          <dgm:constr type="r" for="ch" forName="FourNodes_4_text" refType="l" refFor="ch" refForName="FourConn_3-4"/>
+          <dgm:constr type="t" for="ch" forName="FourNodes_4_text" refType="t" refFor="ch" refForName="FourNodes_4"/>
+          <dgm:constr type="b" for="ch" forName="FourNodes_4_text" refType="b" refFor="ch" refForName="FourNodes_4"/>
+          <dgm:constr type="l" for="ch" forName="FourNodes_4_text" refType="l" refFor="ch" refForName="FourNodes_4"/>
+          <dgm:constr type="w" for="ch" forName="FiveNodes_1" refType="w" fact="0.77"/>
+          <dgm:constr type="h" for="ch" forName="FiveNodes_1" refType="h" fact="0.18"/>
+          <dgm:constr type="t" for="ch" forName="FiveNodes_1"/>
+          <dgm:constr type="l" for="ch" forName="FiveNodes_1"/>
+          <dgm:constr type="w" for="ch" forName="FiveNodes_2" refType="w" fact="0.77"/>
+          <dgm:constr type="h" for="ch" forName="FiveNodes_2" refType="h" fact="0.18"/>
+          <dgm:constr type="ctrY" for="ch" forName="FiveNodes_2" refType="h" fact="0.295"/>
+          <dgm:constr type="ctrX" for="ch" forName="FiveNodes_2" refType="w" fact="0.4425"/>
+          <dgm:constr type="w" for="ch" forName="FiveNodes_3" refType="w" fact="0.77"/>
+          <dgm:constr type="h" for="ch" forName="FiveNodes_3" refType="h" fact="0.18"/>
+          <dgm:constr type="ctrY" for="ch" forName="FiveNodes_3" refType="h" fact="0.5"/>
+          <dgm:constr type="ctrX" for="ch" forName="FiveNodes_3" refType="w" fact="0.5"/>
+          <dgm:constr type="w" for="ch" forName="FiveNodes_4" refType="w" fact="0.77"/>
+          <dgm:constr type="h" for="ch" forName="FiveNodes_4" refType="h" fact="0.18"/>
+          <dgm:constr type="ctrY" for="ch" forName="FiveNodes_4" refType="h" fact="0.705"/>
+          <dgm:constr type="ctrX" for="ch" forName="FiveNodes_4" refType="w" fact="0.5575"/>
+          <dgm:constr type="w" for="ch" forName="FiveNodes_5" refType="w" fact="0.77"/>
+          <dgm:constr type="h" for="ch" forName="FiveNodes_5" refType="h" fact="0.18"/>
+          <dgm:constr type="b" for="ch" forName="FiveNodes_5" refType="h"/>
+          <dgm:constr type="r" for="ch" forName="FiveNodes_5" refType="w"/>
+          <dgm:constr type="w" for="ch" forName="FiveConn_1-2" refType="h" refFor="ch" refForName="FiveNodes_1" fact="0.65"/>
+          <dgm:constr type="h" for="ch" forName="FiveConn_1-2" refType="h" refFor="ch" refForName="FiveNodes_1" fact="0.65"/>
+          <dgm:constr type="ctrY" for="ch" forName="FiveConn_1-2" refType="h" fact="0.19"/>
+          <dgm:constr type="r" for="ch" forName="FiveConn_1-2" refType="r" refFor="ch" refForName="FiveNodes_1"/>
+          <dgm:constr type="w" for="ch" forName="FiveConn_2-3" refType="h" refFor="ch" refForName="FiveNodes_2" fact="0.65"/>
+          <dgm:constr type="h" for="ch" forName="FiveConn_2-3" refType="h" refFor="ch" refForName="FiveNodes_2" fact="0.65"/>
+          <dgm:constr type="ctrY" for="ch" forName="FiveConn_2-3" refType="h" fact="0.395"/>
+          <dgm:constr type="r" for="ch" forName="FiveConn_2-3" refType="r" refFor="ch" refForName="FiveNodes_2"/>
+          <dgm:constr type="w" for="ch" forName="FiveConn_3-4" refType="h" refFor="ch" refForName="FiveNodes_3" fact="0.65"/>
+          <dgm:constr type="h" for="ch" forName="FiveConn_3-4" refType="h" refFor="ch" refForName="FiveNodes_3" fact="0.65"/>
+          <dgm:constr type="ctrY" for="ch" forName="FiveConn_3-4" refType="h" fact="0.597"/>
+          <dgm:constr type="r" for="ch" forName="FiveConn_3-4" refType="r" refFor="ch" refForName="FiveNodes_3"/>
+          <dgm:constr type="w" for="ch" forName="FiveConn_4-5" refType="h" refFor="ch" refForName="FiveNodes_4" fact="0.65"/>
+          <dgm:constr type="h" for="ch" forName="FiveConn_4-5" refType="h" refFor="ch" refForName="FiveNodes_4" fact="0.65"/>
+          <dgm:constr type="ctrY" for="ch" forName="FiveConn_4-5" refType="h" fact="0.804"/>
+          <dgm:constr type="r" for="ch" forName="FiveConn_4-5" refType="r" refFor="ch" refForName="FiveNodes_4"/>
+          <dgm:constr type="r" for="ch" forName="FiveNodes_1_text" refType="l" refFor="ch" refForName="FiveConn_1-2"/>
+          <dgm:constr type="rOff" for="ch" forName="FiveNodes_1_text" refType="w" refFor="ch" refForName="FiveConn_1-2" fact="-0.75"/>
+          <dgm:constr type="t" for="ch" forName="FiveNodes_1_text" refType="t" refFor="ch" refForName="FiveNodes_1"/>
+          <dgm:constr type="b" for="ch" forName="FiveNodes_1_text" refType="b" refFor="ch" refForName="FiveNodes_1"/>
+          <dgm:constr type="l" for="ch" forName="FiveNodes_1_text" refType="l" refFor="ch" refForName="FiveNodes_1"/>
+          <dgm:constr type="r" for="ch" forName="FiveNodes_2_text" refType="l" refFor="ch" refForName="FiveConn_1-2"/>
+          <dgm:constr type="t" for="ch" forName="FiveNodes_2_text" refType="t" refFor="ch" refForName="FiveNodes_2"/>
+          <dgm:constr type="b" for="ch" forName="FiveNodes_2_text" refType="b" refFor="ch" refForName="FiveNodes_2"/>
+          <dgm:constr type="l" for="ch" forName="FiveNodes_2_text" refType="l" refFor="ch" refForName="FiveNodes_2"/>
+          <dgm:constr type="r" for="ch" forName="FiveNodes_3_text" refType="l" refFor="ch" refForName="FiveConn_2-3"/>
+          <dgm:constr type="t" for="ch" forName="FiveNodes_3_text" refType="t" refFor="ch" refForName="FiveNodes_3"/>
+          <dgm:constr type="b" for="ch" forName="FiveNodes_3_text" refType="b" refFor="ch" refForName="FiveNodes_3"/>
+          <dgm:constr type="l" for="ch" forName="FiveNodes_3_text" refType="l" refFor="ch" refForName="FiveNodes_3"/>
+          <dgm:constr type="r" for="ch" forName="FiveNodes_4_text" refType="l" refFor="ch" refForName="FiveConn_3-4"/>
+          <dgm:constr type="t" for="ch" forName="FiveNodes_4_text" refType="t" refFor="ch" refForName="FiveNodes_4"/>
+          <dgm:constr type="b" for="ch" forName="FiveNodes_4_text" refType="b" refFor="ch" refForName="FiveNodes_4"/>
+          <dgm:constr type="l" for="ch" forName="FiveNodes_4_text" refType="l" refFor="ch" refForName="FiveNodes_4"/>
+          <dgm:constr type="r" for="ch" forName="FiveNodes_5_text" refType="l" refFor="ch" refForName="FiveConn_4-5"/>
+          <dgm:constr type="t" for="ch" forName="FiveNodes_5_text" refType="t" refFor="ch" refForName="FiveNodes_5"/>
+          <dgm:constr type="b" for="ch" forName="FiveNodes_5_text" refType="b" refFor="ch" refForName="FiveNodes_5"/>
+          <dgm:constr type="l" for="ch" forName="FiveNodes_5_text" refType="l" refFor="ch" refForName="FiveNodes_5"/>
+        </dgm:constrLst>
+      </dgm:if>
+      <dgm:else name="Name2">
+        <dgm:constrLst>
+          <dgm:constr type="primFontSz" for="ch" ptType="node" op="equ" val="65"/>
+          <dgm:constr type="w" for="ch" forName="dummyMaxCanvas" refType="w"/>
+          <dgm:constr type="h" for="ch" forName="dummyMaxCanvas" refType="h"/>
+          <dgm:constr type="w" for="ch" forName="OneNode_1" refType="w"/>
+          <dgm:constr type="h" for="ch" forName="OneNode_1" refType="h" fact="0.5"/>
+          <dgm:constr type="ctrY" for="ch" forName="OneNode_1" refType="h" fact="0.5"/>
+          <dgm:constr type="w" for="ch" forName="TwoNodes_1" refType="w" fact="0.85"/>
+          <dgm:constr type="h" for="ch" forName="TwoNodes_1" refType="h" fact="0.45"/>
+          <dgm:constr type="t" for="ch" forName="TwoNodes_1"/>
+          <dgm:constr type="r" for="ch" forName="TwoNodes_1" refType="w"/>
+          <dgm:constr type="w" for="ch" forName="TwoNodes_2" refType="w" fact="0.85"/>
+          <dgm:constr type="h" for="ch" forName="TwoNodes_2" refType="h" fact="0.45"/>
+          <dgm:constr type="b" for="ch" forName="TwoNodes_2" refType="h"/>
+          <dgm:constr type="l" for="ch" forName="TwoNodes_2"/>
+          <dgm:constr type="w" for="ch" forName="TwoConn_1-2" refType="h" refFor="ch" refForName="TwoNodes_1" fact="0.65"/>
+          <dgm:constr type="h" for="ch" forName="TwoConn_1-2" refType="h" refFor="ch" refForName="TwoNodes_1" fact="0.65"/>
+          <dgm:constr type="ctrY" for="ch" forName="TwoConn_1-2" refType="h" fact="0.5"/>
+          <dgm:constr type="l" for="ch" forName="TwoConn_1-2" refType="l" refFor="ch" refForName="TwoNodes_1"/>
+          <dgm:constr type="l" for="ch" forName="TwoNodes_1_text" refType="r" refFor="ch" refForName="TwoConn_1-2"/>
+          <dgm:constr type="lOff" for="ch" forName="TwoNodes_1_text" refType="w" refFor="ch" refForName="TwoConn_1-2" fact="0.5"/>
+          <dgm:constr type="t" for="ch" forName="TwoNodes_1_text" refType="t" refFor="ch" refForName="TwoNodes_1"/>
+          <dgm:constr type="b" for="ch" forName="TwoNodes_1_text" refType="b" refFor="ch" refForName="TwoNodes_1"/>
+          <dgm:constr type="r" for="ch" forName="TwoNodes_1_text" refType="r" refFor="ch" refForName="TwoNodes_1"/>
+          <dgm:constr type="l" for="ch" forName="TwoNodes_2_text" refType="r" refFor="ch" refForName="TwoConn_1-2"/>
+          <dgm:constr type="t" for="ch" forName="TwoNodes_2_text" refType="t" refFor="ch" refForName="TwoNodes_2"/>
+          <dgm:constr type="b" for="ch" forName="TwoNodes_2_text" refType="b" refFor="ch" refForName="TwoNodes_2"/>
+          <dgm:constr type="r" for="ch" forName="TwoNodes_2_text" refType="r" refFor="ch" refForName="TwoNodes_2"/>
+          <dgm:constr type="w" for="ch" forName="ThreeNodes_1" refType="w" fact="0.85"/>
+          <dgm:constr type="h" for="ch" forName="ThreeNodes_1" refType="h" fact="0.3"/>
+          <dgm:constr type="t" for="ch" forName="ThreeNodes_1"/>
+          <dgm:constr type="r" for="ch" forName="ThreeNodes_1" refType="w"/>
+          <dgm:constr type="w" for="ch" forName="ThreeNodes_2" refType="w" fact="0.85"/>
+          <dgm:constr type="h" for="ch" forName="ThreeNodes_2" refType="h" fact="0.3"/>
+          <dgm:constr type="ctrY" for="ch" forName="ThreeNodes_2" refType="h" fact="0.5"/>
+          <dgm:constr type="ctrX" for="ch" forName="ThreeNodes_2" refType="w" fact="0.5"/>
+          <dgm:constr type="w" for="ch" forName="ThreeNodes_3" refType="w" fact="0.85"/>
+          <dgm:constr type="h" for="ch" forName="ThreeNodes_3" refType="h" fact="0.3"/>
+          <dgm:constr type="b" for="ch" forName="ThreeNodes_3" refType="h"/>
+          <dgm:constr type="l" for="ch" forName="ThreeNodes_3"/>
+          <dgm:constr type="w" for="ch" forName="ThreeConn_1-2" refType="h" refFor="ch" refForName="ThreeNodes_1" fact="0.65"/>
+          <dgm:constr type="h" for="ch" forName="ThreeConn_1-2" refType="h" refFor="ch" refForName="ThreeNodes_1" fact="0.65"/>
+          <dgm:constr type="ctrY" for="ch" forName="ThreeConn_1-2" refType="h" fact="0.325"/>
+          <dgm:constr type="l" for="ch" forName="ThreeConn_1-2" refType="l" refFor="ch" refForName="ThreeNodes_1"/>
+          <dgm:constr type="w" for="ch" forName="ThreeConn_2-3" refType="h" refFor="ch" refForName="ThreeNodes_2" fact="0.65"/>
+          <dgm:constr type="h" for="ch" forName="ThreeConn_2-3" refType="h" refFor="ch" refForName="ThreeNodes_2" fact="0.65"/>
+          <dgm:constr type="ctrY" for="ch" forName="ThreeConn_2-3" refType="h" fact="0.673"/>
+          <dgm:constr type="l" for="ch" forName="ThreeConn_2-3" refType="l" refFor="ch" refForName="ThreeNodes_2"/>
+          <dgm:constr type="l" for="ch" forName="ThreeNodes_1_text" refType="r" refFor="ch" refForName="ThreeConn_1-2"/>
+          <dgm:constr type="lOff" for="ch" forName="ThreeNodes_1_text" refType="w" refFor="ch" refForName="ThreeConn_1-2" fact="0.55"/>
+          <dgm:constr type="t" for="ch" forName="ThreeNodes_1_text" refType="t" refFor="ch" refForName="ThreeNodes_1"/>
+          <dgm:constr type="b" for="ch" forName="ThreeNodes_1_text" refType="b" refFor="ch" refForName="ThreeNodes_1"/>
+          <dgm:constr type="r" for="ch" forName="ThreeNodes_1_text" refType="r" refFor="ch" refForName="ThreeNodes_1"/>
+          <dgm:constr type="l" for="ch" forName="ThreeNodes_2_text" refType="r" refFor="ch" refForName="ThreeConn_1-2"/>
+          <dgm:constr type="t" for="ch" forName="ThreeNodes_2_text" refType="t" refFor="ch" refForName="ThreeNodes_2"/>
+          <dgm:constr type="b" for="ch" forName="ThreeNodes_2_text" refType="b" refFor="ch" refForName="ThreeNodes_2"/>
+          <dgm:constr type="r" for="ch" forName="ThreeNodes_2_text" refType="r" refFor="ch" refForName="ThreeNodes_2"/>
+          <dgm:constr type="l" for="ch" forName="ThreeNodes_3_text" refType="r" refFor="ch" refForName="ThreeConn_2-3"/>
+          <dgm:constr type="t" for="ch" forName="ThreeNodes_3_text" refType="t" refFor="ch" refForName="ThreeNodes_3"/>
+          <dgm:constr type="b" for="ch" forName="ThreeNodes_3_text" refType="b" refFor="ch" refForName="ThreeNodes_3"/>
+          <dgm:constr type="r" for="ch" forName="ThreeNodes_3_text" refType="r" refFor="ch" refForName="ThreeNodes_3"/>
+          <dgm:constr type="w" for="ch" forName="FourNodes_1" refType="w" fact="0.8"/>
+          <dgm:constr type="h" for="ch" forName="FourNodes_1" refType="h" fact="0.22"/>
+          <dgm:constr type="t" for="ch" forName="FourNodes_1"/>
+          <dgm:constr type="r" for="ch" forName="FourNodes_1" refType="w"/>
+          <dgm:constr type="w" for="ch" forName="FourNodes_2" refType="w" fact="0.8"/>
+          <dgm:constr type="h" for="ch" forName="FourNodes_2" refType="h" fact="0.22"/>
+          <dgm:constr type="ctrY" for="ch" forName="FourNodes_2" refType="h" fact="0.37"/>
+          <dgm:constr type="ctrX" for="ch" forName="FourNodes_2" refType="w" fact="0.533"/>
+          <dgm:constr type="w" for="ch" forName="FourNodes_3" refType="w" fact="0.8"/>
+          <dgm:constr type="h" for="ch" forName="FourNodes_3" refType="h" fact="0.22"/>
+          <dgm:constr type="ctrY" for="ch" forName="FourNodes_3" refType="h" fact="0.63"/>
+          <dgm:constr type="ctrX" for="ch" forName="FourNodes_3" refType="w" fact="0.467"/>
+          <dgm:constr type="w" for="ch" forName="FourNodes_4" refType="w" fact="0.8"/>
+          <dgm:constr type="h" for="ch" forName="FourNodes_4" refType="h" fact="0.22"/>
+          <dgm:constr type="b" for="ch" forName="FourNodes_4" refType="h"/>
+          <dgm:constr type="l" for="ch" forName="FourNodes_4"/>
+          <dgm:constr type="w" for="ch" forName="FourConn_1-2" refType="h" refFor="ch" refForName="FourNodes_1" fact="0.65"/>
+          <dgm:constr type="h" for="ch" forName="FourConn_1-2" refType="h" refFor="ch" refForName="FourNodes_1" fact="0.65"/>
+          <dgm:constr type="ctrY" for="ch" forName="FourConn_1-2" refType="h" fact="0.24"/>
+          <dgm:constr type="l" for="ch" forName="FourConn_1-2" refType="l" refFor="ch" refForName="FourNodes_1"/>
+          <dgm:constr type="w" for="ch" forName="FourConn_2-3" refType="h" refFor="ch" refForName="FourNodes_2" fact="0.65"/>
+          <dgm:constr type="h" for="ch" forName="FourConn_2-3" refType="h" refFor="ch" refForName="FourNodes_2" fact="0.65"/>
+          <dgm:constr type="ctrY" for="ch" forName="FourConn_2-3" refType="h" fact="0.5"/>
+          <dgm:constr type="l" for="ch" forName="FourConn_2-3" refType="l" refFor="ch" refForName="FourNodes_2"/>
+          <dgm:constr type="w" for="ch" forName="FourConn_3-4" refType="h" refFor="ch" refForName="FourNodes_3" fact="0.65"/>
+          <dgm:constr type="h" for="ch" forName="FourConn_3-4" refType="h" refFor="ch" refForName="FourNodes_3" fact="0.65"/>
+          <dgm:constr type="ctrY" for="ch" forName="FourConn_3-4" refType="h" fact="0.76"/>
+          <dgm:constr type="l" for="ch" forName="FourConn_3-4" refType="l" refFor="ch" refForName="FourNodes_3"/>
+          <dgm:constr type="l" for="ch" forName="FourNodes_1_text" refType="r" refFor="ch" refForName="FourConn_1-2"/>
+          <dgm:constr type="lOff" for="ch" forName="FourNodes_1_text" refType="w" refFor="ch" refForName="FourConn_1-2" fact="0.69"/>
+          <dgm:constr type="t" for="ch" forName="FourNodes_1_text" refType="t" refFor="ch" refForName="FourNodes_1"/>
+          <dgm:constr type="b" for="ch" forName="FourNodes_1_text" refType="b" refFor="ch" refForName="FourNodes_1"/>
+          <dgm:constr type="r" for="ch" forName="FourNodes_1_text" refType="r" refFor="ch" refForName="FourNodes_1"/>
+          <dgm:constr type="l" for="ch" forName="FourNodes_2_text" refType="r" refFor="ch" refForName="FourConn_1-2"/>
+          <dgm:constr type="t" for="ch" forName="FourNodes_2_text" refType="t" refFor="ch" refForName="FourNodes_2"/>
+          <dgm:constr type="b" for="ch" forName="FourNodes_2_text" refType="b" refFor="ch" refForName="FourNodes_2"/>
+          <dgm:constr type="r" for="ch" forName="FourNodes_2_text" refType="r" refFor="ch" refForName="FourNodes_2"/>
+          <dgm:constr type="l" for="ch" forName="FourNodes_3_text" refType="r" refFor="ch" refForName="FourConn_2-3"/>
+          <dgm:constr type="t" for="ch" forName="FourNodes_3_text" refType="t" refFor="ch" refForName="FourNodes_3"/>
+          <dgm:constr type="b" for="ch" forName="FourNodes_3_text" refType="b" refFor="ch" refForName="FourNodes_3"/>
+          <dgm:constr type="r" for="ch" forName="FourNodes_3_text" refType="r" refFor="ch" refForName="FourNodes_3"/>
+          <dgm:constr type="l" for="ch" forName="FourNodes_4_text" refType="r" refFor="ch" refForName="FourConn_3-4"/>
+          <dgm:constr type="t" for="ch" forName="FourNodes_4_text" refType="t" refFor="ch" refForName="FourNodes_4"/>
+          <dgm:constr type="b" for="ch" forName="FourNodes_4_text" refType="b" refFor="ch" refForName="FourNodes_4"/>
+          <dgm:constr type="r" for="ch" forName="FourNodes_4_text" refType="r" refFor="ch" refForName="FourNodes_4"/>
+          <dgm:constr type="w" for="ch" forName="FiveNodes_1" refType="w" fact="0.77"/>
+          <dgm:constr type="h" for="ch" forName="FiveNodes_1" refType="h" fact="0.18"/>
+          <dgm:constr type="t" for="ch" forName="FiveNodes_1"/>
+          <dgm:constr type="r" for="ch" forName="FiveNodes_1" refType="w"/>
+          <dgm:constr type="w" for="ch" forName="FiveNodes_2" refType="w" fact="0.77"/>
+          <dgm:constr type="h" for="ch" forName="FiveNodes_2" refType="h" fact="0.18"/>
+          <dgm:constr type="ctrY" for="ch" forName="FiveNodes_2" refType="h" fact="0.295"/>
+          <dgm:constr type="ctrX" for="ch" forName="FiveNodes_2" refType="w" fact="0.5575"/>
+          <dgm:constr type="w" for="ch" forName="FiveNodes_3" refType="w" fact="0.77"/>
+          <dgm:constr type="h" for="ch" forName="FiveNodes_3" refType="h" fact="0.18"/>
+          <dgm:constr type="ctrY" for="ch" forName="FiveNodes_3" refType="h" fact="0.5"/>
+          <dgm:constr type="ctrX" for="ch" forName="FiveNodes_3" refType="w" fact="0.5"/>
+          <dgm:constr type="w" for="ch" forName="FiveNodes_4" refType="w" fact="0.77"/>
+          <dgm:constr type="h" for="ch" forName="FiveNodes_4" refType="h" fact="0.18"/>
+          <dgm:constr type="ctrY" for="ch" forName="FiveNodes_4" refType="h" fact="0.705"/>
+          <dgm:constr type="ctrX" for="ch" forName="FiveNodes_4" refType="w" fact="0.4425"/>
+          <dgm:constr type="w" for="ch" forName="FiveNodes_5" refType="w" fact="0.77"/>
+          <dgm:constr type="h" for="ch" forName="FiveNodes_5" refType="h" fact="0.18"/>
+          <dgm:constr type="b" for="ch" forName="FiveNodes_5" refType="h"/>
+          <dgm:constr type="l" for="ch" forName="FiveNodes_5"/>
+          <dgm:constr type="w" for="ch" forName="FiveConn_1-2" refType="h" refFor="ch" refForName="FiveNodes_1" fact="0.65"/>
+          <dgm:constr type="h" for="ch" forName="FiveConn_1-2" refType="h" refFor="ch" refForName="FiveNodes_1" fact="0.65"/>
+          <dgm:constr type="ctrY" for="ch" forName="FiveConn_1-2" refType="h" fact="0.19"/>
+          <dgm:constr type="l" for="ch" forName="FiveConn_1-2" refType="l" refFor="ch" refForName="FiveNodes_1"/>
+          <dgm:constr type="w" for="ch" forName="FiveConn_2-3" refType="h" refFor="ch" refForName="FiveNodes_2" fact="0.65"/>
+          <dgm:constr type="h" for="ch" forName="FiveConn_2-3" refType="h" refFor="ch" refForName="FiveNodes_2" fact="0.65"/>
+          <dgm:constr type="ctrY" for="ch" forName="FiveConn_2-3" refType="h" fact="0.395"/>
+          <dgm:constr type="l" for="ch" forName="FiveConn_2-3" refType="l" refFor="ch" refForName="FiveNodes_2"/>
+          <dgm:constr type="w" for="ch" forName="FiveConn_3-4" refType="h" refFor="ch" refForName="FiveNodes_3" fact="0.65"/>
+          <dgm:constr type="h" for="ch" forName="FiveConn_3-4" refType="h" refFor="ch" refForName="FiveNodes_3" fact="0.65"/>
+          <dgm:constr type="ctrY" for="ch" forName="FiveConn_3-4" refType="h" fact="0.597"/>
+          <dgm:constr type="l" for="ch" forName="FiveConn_3-4" refType="l" refFor="ch" refForName="FiveNodes_3"/>
+          <dgm:constr type="w" for="ch" forName="FiveConn_4-5" refType="h" refFor="ch" refForName="FiveNodes_4" fact="0.65"/>
+          <dgm:constr type="h" for="ch" forName="FiveConn_4-5" refType="h" refFor="ch" refForName="FiveNodes_4" fact="0.65"/>
+          <dgm:constr type="ctrY" for="ch" forName="FiveConn_4-5" refType="h" fact="0.804"/>
+          <dgm:constr type="l" for="ch" forName="FiveConn_4-5" refType="l" refFor="ch" refForName="FiveNodes_4"/>
+          <dgm:constr type="l" for="ch" forName="FiveNodes_1_text" refType="r" refFor="ch" refForName="FiveConn_1-2"/>
+          <dgm:constr type="lOff" for="ch" forName="FiveNodes_1_text" refType="w" refFor="ch" refForName="FiveConn_1-2" fact="0.73"/>
+          <dgm:constr type="t" for="ch" forName="FiveNodes_1_text" refType="t" refFor="ch" refForName="FiveNodes_1"/>
+          <dgm:constr type="b" for="ch" forName="FiveNodes_1_text" refType="b" refFor="ch" refForName="FiveNodes_1"/>
+          <dgm:constr type="r" for="ch" forName="FiveNodes_1_text" refType="r" refFor="ch" refForName="FiveNodes_1"/>
+          <dgm:constr type="l" for="ch" forName="FiveNodes_2_text" refType="r" refFor="ch" refForName="FiveConn_1-2"/>
+          <dgm:constr type="t" for="ch" forName="FiveNodes_2_text" refType="t" refFor="ch" refForName="FiveNodes_2"/>
+          <dgm:constr type="b" for="ch" forName="FiveNodes_2_text" refType="b" refFor="ch" refForName="FiveNodes_2"/>
+          <dgm:constr type="r" for="ch" forName="FiveNodes_2_text" refType="r" refFor="ch" refForName="FiveNodes_2"/>
+          <dgm:constr type="l" for="ch" forName="FiveNodes_3_text" refType="r" refFor="ch" refForName="FiveConn_2-3"/>
+          <dgm:constr type="t" for="ch" forName="FiveNodes_3_text" refType="t" refFor="ch" refForName="FiveNodes_3"/>
+          <dgm:constr type="b" for="ch" forName="FiveNodes_3_text" refType="b" refFor="ch" refForName="FiveNodes_3"/>
+          <dgm:constr type="r" for="ch" forName="FiveNodes_3_text" refType="r" refFor="ch" refForName="FiveNodes_3"/>
+          <dgm:constr type="l" for="ch" forName="FiveNodes_4_text" refType="r" refFor="ch" refForName="FiveConn_3-4"/>
+          <dgm:constr type="t" for="ch" forName="FiveNodes_4_text" refType="t" refFor="ch" refForName="FiveNodes_4"/>
+          <dgm:constr type="b" for="ch" forName="FiveNodes_4_text" refType="b" refFor="ch" refForName="FiveNodes_4"/>
+          <dgm:constr type="r" for="ch" forName="FiveNodes_4_text" refType="r" refFor="ch" refForName="FiveNodes_4"/>
+          <dgm:constr type="l" for="ch" forName="FiveNodes_5_text" refType="r" refFor="ch" refForName="FiveConn_4-5"/>
+          <dgm:constr type="t" for="ch" forName="FiveNodes_5_text" refType="t" refFor="ch" refForName="FiveNodes_5"/>
+          <dgm:constr type="b" for="ch" forName="FiveNodes_5_text" refType="b" refFor="ch" refForName="FiveNodes_5"/>
+          <dgm:constr type="r" for="ch" forName="FiveNodes_5_text" refType="r" refFor="ch" refForName="FiveNodes_5"/>
+        </dgm:constrLst>
+      </dgm:else>
+    </dgm:choose>
+    <dgm:ruleLst/>
+    <dgm:layoutNode name="dummyMaxCanvas">
+      <dgm:varLst/>
+      <dgm:alg type="sp"/>
+      <dgm:shape xmlns:r="http://schemas.openxmlformats.org/officeDocument/2006/relationships" r:blip="">
+        <dgm:adjLst/>
+      </dgm:shape>
+      <dgm:presOf/>
+      <dgm:constrLst/>
+      <dgm:ruleLst/>
+    </dgm:layoutNode>
+    <dgm:choose name="Name3">
+      <dgm:if name="Name4" axis="ch" ptType="node" func="cnt" op="equ" val="1">
+        <dgm:layoutNode name="OneNode_1">
+          <dgm:varLst>
+            <dgm:bulletEnabled val="1"/>
+          </dgm:varLst>
+          <dgm:alg type="tx"/>
+          <dgm:shape xmlns:r="http://schemas.openxmlformats.org/officeDocument/2006/relationships" type="roundRect" r:blip="">
+            <dgm:adjLst>
+              <dgm:adj idx="1" val="0.1"/>
+            </dgm:adjLst>
+          </dgm:shape>
+          <dgm:presOf axis="ch desOrSelf" ptType="node node" st="1 1" cnt="1 0"/>
+          <dgm:constrLst>
+            <dgm:constr type="lMarg" refType="primFontSz" fact="0.3"/>
+            <dgm:constr type="rMarg" refType="primFontSz" fact="0.3"/>
+            <dgm:constr type="tMarg" refType="primFontSz" fact="0.3"/>
+            <dgm:constr type="bMarg" refType="primFontSz" fact="0.3"/>
+          </dgm:constrLst>
+          <dgm:ruleLst>
+            <dgm:rule type="primFontSz" val="5" fact="NaN" max="NaN"/>
+          </dgm:ruleLst>
+        </dgm:layoutNode>
+      </dgm:if>
+      <dgm:else name="Name5">
+        <dgm:choose name="Name6">
+          <dgm:if name="Name7" axis="ch" ptType="node" func="cnt" op="equ" val="2">
+            <dgm:layoutNode name="TwoNodes_1">
+              <dgm:varLst>
+                <dgm:bulletEnabled val="1"/>
+              </dgm:varLst>
+              <dgm:alg type="sp"/>
+              <dgm:shape xmlns:r="http://schemas.openxmlformats.org/officeDocument/2006/relationships" type="roundRect" r:blip="">
+                <dgm:adjLst>
+                  <dgm:adj idx="1" val="0.1"/>
+                </dgm:adjLst>
+              </dgm:shape>
+              <dgm:presOf axis="ch desOrSelf" ptType="node node" st="1 1" cnt="1 0"/>
+              <dgm:constrLst/>
+              <dgm:ruleLst/>
+            </dgm:layoutNode>
+            <dgm:layoutNode name="TwoNodes_2">
+              <dgm:varLst>
+                <dgm:bulletEnabled val="1"/>
+              </dgm:varLst>
+              <dgm:alg type="sp"/>
+              <dgm:shape xmlns:r="http://schemas.openxmlformats.org/officeDocument/2006/relationships" type="roundRect" r:blip="">
+                <dgm:adjLst>
+                  <dgm:adj idx="1" val="0.1"/>
+                </dgm:adjLst>
+              </dgm:shape>
+              <dgm:presOf axis="ch desOrSelf" ptType="node node" st="2 1" cnt="1 0"/>
+              <dgm:constrLst/>
+              <dgm:ruleLst/>
+            </dgm:layoutNode>
+            <dgm:layoutNode name="TwoConn_1-2" styleLbl="fgAccFollowNode1">
+              <dgm:varLst>
+                <dgm:bulletEnabled val="1"/>
+              </dgm:varLst>
+              <dgm:alg type="tx"/>
+              <dgm:shape xmlns:r="http://schemas.openxmlformats.org/officeDocument/2006/relationships" type="downArrow" r:blip="">
+                <dgm:adjLst>
+                  <dgm:adj idx="1" val="0.55"/>
+                  <dgm:adj idx="2" val="0.45"/>
+                </dgm:adjLst>
+              </dgm:shape>
+              <dgm:presOf axis="ch" ptType="sibTrans" cnt="1"/>
+              <dgm:constrLst>
+                <dgm:constr type="lMarg" refType="primFontSz" fact="0.1"/>
+                <dgm:constr type="rMarg" refType="primFontSz" fact="0.1"/>
+                <dgm:constr type="tMarg" refType="primFontSz" fact="0.1"/>
+                <dgm:constr type="bMarg" refType="primFontSz" fact="0.1"/>
+              </dgm:constrLst>
+              <dgm:ruleLst>
+                <dgm:rule type="primFontSz" val="5" fact="NaN" max="NaN"/>
+              </dgm:ruleLst>
+            </dgm:layoutNode>
+            <dgm:layoutNode name="TwoNodes_1_text">
+              <dgm:varLst>
+                <dgm:bulletEnabled val="1"/>
+              </dgm:varLst>
+              <dgm:alg type="tx">
+                <dgm:param type="parTxLTRAlign" val="l"/>
+                <dgm:param type="txAnchorVertCh" val="mid"/>
+              </dgm:alg>
+              <dgm:shape xmlns:r="http://schemas.openxmlformats.org/officeDocument/2006/relationships" type="roundRect" r:blip="" hideGeom="1">
+                <dgm:adjLst>
+                  <dgm:adj idx="1" val="0.1"/>
+                </dgm:adjLst>
+              </dgm:shape>
+              <dgm:presOf axis="ch desOrSelf" ptType="node node" st="1 1" cnt="1 0"/>
+              <dgm:constrLst>
+                <dgm:constr type="lMarg" refType="primFontSz" fact="0.3"/>
+                <dgm:constr type="rMarg" refType="primFontSz" fact="0.3"/>
+                <dgm:constr type="tMarg" refType="primFontSz" fact="0.3"/>
+                <dgm:constr type="bMarg" refType="primFontSz" fact="0.3"/>
+              </dgm:constrLst>
+              <dgm:ruleLst>
+                <dgm:rule type="primFontSz" val="5" fact="NaN" max="NaN"/>
+              </dgm:ruleLst>
+            </dgm:layoutNode>
+            <dgm:layoutNode name="TwoNodes_2_text">
+              <dgm:varLst>
+                <dgm:bulletEnabled val="1"/>
+              </dgm:varLst>
+              <dgm:alg type="tx">
+                <dgm:param type="parTxLTRAlign" val="l"/>
+                <dgm:param type="txAnchorVertCh" val="mid"/>
+              </dgm:alg>
+              <dgm:shape xmlns:r="http://schemas.openxmlformats.org/officeDocument/2006/relationships" type="roundRect" r:blip="" hideGeom="1">
+                <dgm:adjLst>
+                  <dgm:adj idx="1" val="0.1"/>
+                </dgm:adjLst>
+              </dgm:shape>
+              <dgm:presOf axis="ch desOrSelf" ptType="node node" st="2 1" cnt="1 0"/>
+              <dgm:constrLst>
+                <dgm:constr type="lMarg" refType="primFontSz" fact="0.3"/>
+                <dgm:constr type="rMarg" refType="primFontSz" fact="0.3"/>
+                <dgm:constr type="tMarg" refType="primFontSz" fact="0.3"/>
+                <dgm:constr type="bMarg" refType="primFontSz" fact="0.3"/>
+              </dgm:constrLst>
+              <dgm:ruleLst>
+                <dgm:rule type="primFontSz" val="5" fact="NaN" max="NaN"/>
+              </dgm:ruleLst>
+            </dgm:layoutNode>
+          </dgm:if>
+          <dgm:else name="Name8">
+            <dgm:choose name="Name9">
+              <dgm:if name="Name10" axis="ch" ptType="node" func="cnt" op="equ" val="3">
+                <dgm:layoutNode name="ThreeNodes_1">
+                  <dgm:varLst>
+                    <dgm:bulletEnabled val="1"/>
+                  </dgm:varLst>
+                  <dgm:alg type="sp"/>
+                  <dgm:shape xmlns:r="http://schemas.openxmlformats.org/officeDocument/2006/relationships" type="roundRect" r:blip="">
+                    <dgm:adjLst>
+                      <dgm:adj idx="1" val="0.1"/>
+                    </dgm:adjLst>
+                  </dgm:shape>
+                  <dgm:presOf axis="ch desOrSelf" ptType="node node" st="1 1" cnt="1 0"/>
+                  <dgm:constrLst/>
+                  <dgm:ruleLst/>
+                </dgm:layoutNode>
+                <dgm:layoutNode name="ThreeNodes_2">
+                  <dgm:varLst>
+                    <dgm:bulletEnabled val="1"/>
+                  </dgm:varLst>
+                  <dgm:alg type="sp"/>
+                  <dgm:shape xmlns:r="http://schemas.openxmlformats.org/officeDocument/2006/relationships" type="roundRect" r:blip="">
+                    <dgm:adjLst>
+                      <dgm:adj idx="1" val="0.1"/>
+                    </dgm:adjLst>
+                  </dgm:shape>
+                  <dgm:presOf axis="ch desOrSelf" ptType="node node" st="2 1" cnt="1 0"/>
+                  <dgm:constrLst/>
+                  <dgm:ruleLst/>
+                </dgm:layoutNode>
+                <dgm:layoutNode name="ThreeNodes_3">
+                  <dgm:varLst>
+                    <dgm:bulletEnabled val="1"/>
+                  </dgm:varLst>
+                  <dgm:alg type="sp"/>
+                  <dgm:shape xmlns:r="http://schemas.openxmlformats.org/officeDocument/2006/relationships" type="roundRect" r:blip="">
+                    <dgm:adjLst>
+                      <dgm:adj idx="1" val="0.1"/>
+                    </dgm:adjLst>
+                  </dgm:shape>
+                  <dgm:presOf axis="ch desOrSelf" ptType="node node" st="3 1" cnt="1 0"/>
+                  <dgm:constrLst/>
+                  <dgm:ruleLst/>
+                </dgm:layoutNode>
+                <dgm:layoutNode name="ThreeConn_1-2" styleLbl="fgAccFollowNode1">
+                  <dgm:varLst>
+                    <dgm:bulletEnabled val="1"/>
+                  </dgm:varLst>
+                  <dgm:alg type="tx"/>
+                  <dgm:shape xmlns:r="http://schemas.openxmlformats.org/officeDocument/2006/relationships" type="downArrow" r:blip="">
+                    <dgm:adjLst>
+                      <dgm:adj idx="1" val="0.55"/>
+                      <dgm:adj idx="2" val="0.45"/>
+                    </dgm:adjLst>
+                  </dgm:shape>
+                  <dgm:presOf axis="ch" ptType="sibTrans" cnt="1"/>
+                  <dgm:constrLst>
+                    <dgm:constr type="lMarg" refType="primFontSz" fact="0.1"/>
+                    <dgm:constr type="rMarg" refType="primFontSz" fact="0.1"/>
+                    <dgm:constr type="tMarg" refType="primFontSz" fact="0.1"/>
+                    <dgm:constr type="bMarg" refType="primFontSz" fact="0.1"/>
+                  </dgm:constrLst>
+                  <dgm:ruleLst>
+                    <dgm:rule type="primFontSz" val="5" fact="NaN" max="NaN"/>
+                  </dgm:ruleLst>
+                </dgm:layoutNode>
+                <dgm:layoutNode name="ThreeConn_2-3" styleLbl="fgAccFollowNode1">
+                  <dgm:varLst>
+                    <dgm:bulletEnabled val="1"/>
+                  </dgm:varLst>
+                  <dgm:alg type="tx"/>
+                  <dgm:shape xmlns:r="http://schemas.openxmlformats.org/officeDocument/2006/relationships" type="downArrow" r:blip="">
+                    <dgm:adjLst>
+                      <dgm:adj idx="1" val="0.55"/>
+                      <dgm:adj idx="2" val="0.45"/>
+                    </dgm:adjLst>
+                  </dgm:shape>
+                  <dgm:presOf axis="ch" ptType="sibTrans" st="2" cnt="1"/>
+                  <dgm:constrLst>
+                    <dgm:constr type="lMarg" refType="primFontSz" fact="0.1"/>
+                    <dgm:constr type="rMarg" refType="primFontSz" fact="0.1"/>
+                    <dgm:constr type="tMarg" refType="primFontSz" fact="0.1"/>
+                    <dgm:constr type="bMarg" refType="primFontSz" fact="0.1"/>
+                  </dgm:constrLst>
+                  <dgm:ruleLst>
+                    <dgm:rule type="primFontSz" val="5" fact="NaN" max="NaN"/>
+                  </dgm:ruleLst>
+                </dgm:layoutNode>
+                <dgm:layoutNode name="ThreeNodes_1_text">
+                  <dgm:varLst>
+                    <dgm:bulletEnabled val="1"/>
+                  </dgm:varLst>
+                  <dgm:alg type="tx">
+                    <dgm:param type="parTxLTRAlign" val="l"/>
+                    <dgm:param type="txAnchorVertCh" val="mid"/>
+                  </dgm:alg>
+                  <dgm:shape xmlns:r="http://schemas.openxmlformats.org/officeDocument/2006/relationships" type="roundRect" r:blip="" hideGeom="1">
+                    <dgm:adjLst>
+                      <dgm:adj idx="1" val="0.1"/>
+                    </dgm:adjLst>
+                  </dgm:shape>
+                  <dgm:presOf axis="ch desOrSelf" ptType="node node" st="1 1" cnt="1 0"/>
+                  <dgm:constrLst>
+                    <dgm:constr type="lMarg" refType="primFontSz" fact="0.3"/>
+                    <dgm:constr type="rMarg" refType="primFontSz" fact="0.3"/>
+                    <dgm:constr type="tMarg" refType="primFontSz" fact="0.3"/>
+                    <dgm:constr type="bMarg" refType="primFontSz" fact="0.3"/>
+                  </dgm:constrLst>
+                  <dgm:ruleLst>
+                    <dgm:rule type="primFontSz" val="5" fact="NaN" max="NaN"/>
+                  </dgm:ruleLst>
+                </dgm:layoutNode>
+                <dgm:layoutNode name="ThreeNodes_2_text">
+                  <dgm:varLst>
+                    <dgm:bulletEnabled val="1"/>
+                  </dgm:varLst>
+                  <dgm:alg type="tx">
+                    <dgm:param type="parTxLTRAlign" val="l"/>
+                    <dgm:param type="txAnchorVertCh" val="mid"/>
+                  </dgm:alg>
+                  <dgm:shape xmlns:r="http://schemas.openxmlformats.org/officeDocument/2006/relationships" type="roundRect" r:blip="" hideGeom="1">
+                    <dgm:adjLst>
+                      <dgm:adj idx="1" val="0.1"/>
+                    </dgm:adjLst>
+                  </dgm:shape>
+                  <dgm:presOf axis="ch desOrSelf" ptType="node node" st="2 1" cnt="1 0"/>
+                  <dgm:constrLst>
+                    <dgm:constr type="lMarg" refType="primFontSz" fact="0.3"/>
+                    <dgm:constr type="rMarg" refType="primFontSz" fact="0.3"/>
+                    <dgm:constr type="tMarg" refType="primFontSz" fact="0.3"/>
+                    <dgm:constr type="bMarg" refType="primFontSz" fact="0.3"/>
+                  </dgm:constrLst>
+                  <dgm:ruleLst>
+                    <dgm:rule type="primFontSz" val="5" fact="NaN" max="NaN"/>
+                  </dgm:ruleLst>
+                </dgm:layoutNode>
+                <dgm:layoutNode name="ThreeNodes_3_text">
+                  <dgm:varLst>
+                    <dgm:bulletEnabled val="1"/>
+                  </dgm:varLst>
+                  <dgm:alg type="tx">
+                    <dgm:param type="parTxLTRAlign" val="l"/>
+                    <dgm:param type="txAnchorVertCh" val="mid"/>
+                  </dgm:alg>
+                  <dgm:shape xmlns:r="http://schemas.openxmlformats.org/officeDocument/2006/relationships" type="roundRect" r:blip="" hideGeom="1">
+                    <dgm:adjLst>
+                      <dgm:adj idx="1" val="0.1"/>
+                    </dgm:adjLst>
+                  </dgm:shape>
+                  <dgm:presOf axis="ch desOrSelf" ptType="node node" st="3 1" cnt="1 0"/>
+                  <dgm:constrLst>
+                    <dgm:constr type="lMarg" refType="primFontSz" fact="0.3"/>
+                    <dgm:constr type="rMarg" refType="primFontSz" fact="0.3"/>
+                    <dgm:constr type="tMarg" refType="primFontSz" fact="0.3"/>
+                    <dgm:constr type="bMarg" refType="primFontSz" fact="0.3"/>
+                  </dgm:constrLst>
+                  <dgm:ruleLst>
+                    <dgm:rule type="primFontSz" val="5" fact="NaN" max="NaN"/>
+                  </dgm:ruleLst>
+                </dgm:layoutNode>
+              </dgm:if>
+              <dgm:else name="Name11">
+                <dgm:choose name="Name12">
+                  <dgm:if name="Name13" axis="ch" ptType="node" func="cnt" op="equ" val="4">
+                    <dgm:layoutNode name="FourNodes_1">
+                      <dgm:varLst>
+                        <dgm:bulletEnabled val="1"/>
+                      </dgm:varLst>
+                      <dgm:alg type="sp"/>
+                      <dgm:shape xmlns:r="http://schemas.openxmlformats.org/officeDocument/2006/relationships" type="roundRect" r:blip="">
+                        <dgm:adjLst>
+                          <dgm:adj idx="1" val="0.1"/>
+                        </dgm:adjLst>
+                      </dgm:shape>
+                      <dgm:presOf axis="ch desOrSelf" ptType="node node" st="1 1" cnt="1 0"/>
+                      <dgm:constrLst/>
+                      <dgm:ruleLst/>
+                    </dgm:layoutNode>
+                    <dgm:layoutNode name="FourNodes_2">
+                      <dgm:varLst>
+                        <dgm:bulletEnabled val="1"/>
+                      </dgm:varLst>
+                      <dgm:alg type="sp"/>
+                      <dgm:shape xmlns:r="http://schemas.openxmlformats.org/officeDocument/2006/relationships" type="roundRect" r:blip="">
+                        <dgm:adjLst>
+                          <dgm:adj idx="1" val="0.1"/>
+                        </dgm:adjLst>
+                      </dgm:shape>
+                      <dgm:presOf axis="ch desOrSelf" ptType="node node" st="2 1" cnt="1 0"/>
+                      <dgm:constrLst/>
+                      <dgm:ruleLst/>
+                    </dgm:layoutNode>
+                    <dgm:layoutNode name="FourNodes_3">
+                      <dgm:varLst>
+                        <dgm:bulletEnabled val="1"/>
+                      </dgm:varLst>
+                      <dgm:alg type="sp"/>
+                      <dgm:shape xmlns:r="http://schemas.openxmlformats.org/officeDocument/2006/relationships" type="roundRect" r:blip="">
+                        <dgm:adjLst>
+                          <dgm:adj idx="1" val="0.1"/>
+                        </dgm:adjLst>
+                      </dgm:shape>
+                      <dgm:presOf axis="ch desOrSelf" ptType="node node" st="3 1" cnt="1 0"/>
+                      <dgm:constrLst/>
+                      <dgm:ruleLst/>
+                    </dgm:layoutNode>
+                    <dgm:layoutNode name="FourNodes_4">
+                      <dgm:varLst>
+                        <dgm:bulletEnabled val="1"/>
+                      </dgm:varLst>
+                      <dgm:alg type="sp"/>
+                      <dgm:shape xmlns:r="http://schemas.openxmlformats.org/officeDocument/2006/relationships" type="roundRect" r:blip="">
+                        <dgm:adjLst>
+                          <dgm:adj idx="1" val="0.1"/>
+                        </dgm:adjLst>
+                      </dgm:shape>
+                      <dgm:presOf axis="ch desOrSelf" ptType="node node" st="4 1" cnt="1 0"/>
+                      <dgm:constrLst/>
+                      <dgm:ruleLst/>
+                    </dgm:layoutNode>
+                    <dgm:layoutNode name="FourConn_1-2" styleLbl="fgAccFollowNode1">
+                      <dgm:varLst>
+                        <dgm:bulletEnabled val="1"/>
+                      </dgm:varLst>
+                      <dgm:alg type="tx"/>
+                      <dgm:shape xmlns:r="http://schemas.openxmlformats.org/officeDocument/2006/relationships" type="downArrow" r:blip="">
+                        <dgm:adjLst>
+                          <dgm:adj idx="1" val="0.55"/>
+                          <dgm:adj idx="2" val="0.45"/>
+                        </dgm:adjLst>
+                      </dgm:shape>
+                      <dgm:presOf axis="ch" ptType="sibTrans" cnt="1"/>
+                      <dgm:constrLst>
+                        <dgm:constr type="lMarg" refType="primFontSz" fact="0.1"/>
+                        <dgm:constr type="rMarg" refType="primFontSz" fact="0.1"/>
+                        <dgm:constr type="tMarg" refType="primFontSz" fact="0.1"/>
+                        <dgm:constr type="bMarg" refType="primFontSz" fact="0.1"/>
+                      </dgm:constrLst>
+                      <dgm:ruleLst>
+                        <dgm:rule type="primFontSz" val="5" fact="NaN" max="NaN"/>
+                      </dgm:ruleLst>
+                    </dgm:layoutNode>
+                    <dgm:layoutNode name="FourConn_2-3" styleLbl="fgAccFollowNode1">
+                      <dgm:varLst>
+                        <dgm:bulletEnabled val="1"/>
+                      </dgm:varLst>
+                      <dgm:alg type="tx"/>
+                      <dgm:shape xmlns:r="http://schemas.openxmlformats.org/officeDocument/2006/relationships" type="downArrow" r:blip="">
+                        <dgm:adjLst>
+                          <dgm:adj idx="1" val="0.55"/>
+                          <dgm:adj idx="2" val="0.45"/>
+                        </dgm:adjLst>
+                      </dgm:shape>
+                      <dgm:presOf axis="ch" ptType="sibTrans" st="2" cnt="1"/>
+                      <dgm:constrLst>
+                        <dgm:constr type="lMarg" refType="primFontSz" fact="0.1"/>
+                        <dgm:constr type="rMarg" refType="primFontSz" fact="0.1"/>
+                        <dgm:constr type="tMarg" refType="primFontSz" fact="0.1"/>
+                        <dgm:constr type="bMarg" refType="primFontSz" fact="0.1"/>
+                      </dgm:constrLst>
+                      <dgm:ruleLst>
+                        <dgm:rule type="primFontSz" val="5" fact="NaN" max="NaN"/>
+                      </dgm:ruleLst>
+                    </dgm:layoutNode>
+                    <dgm:layoutNode name="FourConn_3-4" styleLbl="fgAccFollowNode1">
+                      <dgm:varLst>
+                        <dgm:bulletEnabled val="1"/>
+                      </dgm:varLst>
+                      <dgm:alg type="tx"/>
+                      <dgm:shape xmlns:r="http://schemas.openxmlformats.org/officeDocument/2006/relationships" type="downArrow" r:blip="">
+                        <dgm:adjLst>
+                          <dgm:adj idx="1" val="0.55"/>
+                          <dgm:adj idx="2" val="0.45"/>
+                        </dgm:adjLst>
+                      </dgm:shape>
+                      <dgm:presOf axis="ch" ptType="sibTrans" st="3" cnt="1"/>
+                      <dgm:constrLst>
+                        <dgm:constr type="lMarg" refType="primFontSz" fact="0.1"/>
+                        <dgm:constr type="rMarg" refType="primFontSz" fact="0.1"/>
+                        <dgm:constr type="tMarg" refType="primFontSz" fact="0.1"/>
+                        <dgm:constr type="bMarg" refType="primFontSz" fact="0.1"/>
+                      </dgm:constrLst>
+                      <dgm:ruleLst>
+                        <dgm:rule type="primFontSz" val="5" fact="NaN" max="NaN"/>
+                      </dgm:ruleLst>
+                    </dgm:layoutNode>
+                    <dgm:layoutNode name="FourNodes_1_text">
+                      <dgm:varLst>
+                        <dgm:bulletEnabled val="1"/>
+                      </dgm:varLst>
+                      <dgm:alg type="tx">
+                        <dgm:param type="parTxLTRAlign" val="l"/>
+                        <dgm:param type="txAnchorVertCh" val="mid"/>
+                      </dgm:alg>
+                      <dgm:shape xmlns:r="http://schemas.openxmlformats.org/officeDocument/2006/relationships" type="roundRect" r:blip="" hideGeom="1">
+                        <dgm:adjLst>
+                          <dgm:adj idx="1" val="0.1"/>
+                        </dgm:adjLst>
+                      </dgm:shape>
+                      <dgm:presOf axis="ch desOrSelf" ptType="node node" st="1 1" cnt="1 0"/>
+                      <dgm:constrLst>
+                        <dgm:constr type="lMarg" refType="primFontSz" fact="0.3"/>
+                        <dgm:constr type="rMarg" refType="primFontSz" fact="0.3"/>
+                        <dgm:constr type="tMarg" refType="primFontSz" fact="0.3"/>
+                        <dgm:constr type="bMarg" refType="primFontSz" fact="0.3"/>
+                      </dgm:constrLst>
+                      <dgm:ruleLst>
+                        <dgm:rule type="primFontSz" val="5" fact="NaN" max="NaN"/>
+                      </dgm:ruleLst>
+                    </dgm:layoutNode>
+                    <dgm:layoutNode name="FourNodes_2_text">
+                      <dgm:varLst>
+                        <dgm:bulletEnabled val="1"/>
+                      </dgm:varLst>
+                      <dgm:alg type="tx">
+                        <dgm:param type="parTxLTRAlign" val="l"/>
+                        <dgm:param type="txAnchorVertCh" val="mid"/>
+                      </dgm:alg>
+                      <dgm:shape xmlns:r="http://schemas.openxmlformats.org/officeDocument/2006/relationships" type="roundRect" r:blip="" hideGeom="1">
+                        <dgm:adjLst>
+                          <dgm:adj idx="1" val="0.1"/>
+                        </dgm:adjLst>
+                      </dgm:shape>
+                      <dgm:presOf axis="ch desOrSelf" ptType="node node" st="2 1" cnt="1 0"/>
+                      <dgm:constrLst>
+                        <dgm:constr type="lMarg" refType="primFontSz" fact="0.3"/>
+                        <dgm:constr type="rMarg" refType="primFontSz" fact="0.3"/>
+                        <dgm:constr type="tMarg" refType="primFontSz" fact="0.3"/>
+                        <dgm:constr type="bMarg" refType="primFontSz" fact="0.3"/>
+                      </dgm:constrLst>
+                      <dgm:ruleLst>
+                        <dgm:rule type="primFontSz" val="5" fact="NaN" max="NaN"/>
+                      </dgm:ruleLst>
+                    </dgm:layoutNode>
+                    <dgm:layoutNode name="FourNodes_3_text">
+                      <dgm:varLst>
+                        <dgm:bulletEnabled val="1"/>
+                      </dgm:varLst>
+                      <dgm:alg type="tx">
+                        <dgm:param type="parTxLTRAlign" val="l"/>
+                        <dgm:param type="txAnchorVertCh" val="mid"/>
+                      </dgm:alg>
+                      <dgm:shape xmlns:r="http://schemas.openxmlformats.org/officeDocument/2006/relationships" type="roundRect" r:blip="" hideGeom="1">
+                        <dgm:adjLst>
+                          <dgm:adj idx="1" val="0.1"/>
+                        </dgm:adjLst>
+                      </dgm:shape>
+                      <dgm:presOf axis="ch desOrSelf" ptType="node node" st="3 1" cnt="1 0"/>
+                      <dgm:constrLst>
+                        <dgm:constr type="lMarg" refType="primFontSz" fact="0.3"/>
+                        <dgm:constr type="rMarg" refType="primFontSz" fact="0.3"/>
+                        <dgm:constr type="tMarg" refType="primFontSz" fact="0.3"/>
+                        <dgm:constr type="bMarg" refType="primFontSz" fact="0.3"/>
+                      </dgm:constrLst>
+                      <dgm:ruleLst>
+                        <dgm:rule type="primFontSz" val="5" fact="NaN" max="NaN"/>
+                      </dgm:ruleLst>
+                    </dgm:layoutNode>
+                    <dgm:layoutNode name="FourNodes_4_text">
+                      <dgm:varLst>
+                        <dgm:bulletEnabled val="1"/>
+                      </dgm:varLst>
+                      <dgm:alg type="tx">
+                        <dgm:param type="parTxLTRAlign" val="l"/>
+                        <dgm:param type="txAnchorVertCh" val="mid"/>
+                      </dgm:alg>
+                      <dgm:shape xmlns:r="http://schemas.openxmlformats.org/officeDocument/2006/relationships" type="roundRect" r:blip="" hideGeom="1">
+                        <dgm:adjLst>
+                          <dgm:adj idx="1" val="0.1"/>
+                        </dgm:adjLst>
+                      </dgm:shape>
+                      <dgm:presOf axis="ch desOrSelf" ptType="node node" st="4 1" cnt="1 0"/>
+                      <dgm:constrLst>
+                        <dgm:constr type="lMarg" refType="primFontSz" fact="0.3"/>
+                        <dgm:constr type="rMarg" refType="primFontSz" fact="0.3"/>
+                        <dgm:constr type="tMarg" refType="primFontSz" fact="0.3"/>
+                        <dgm:constr type="bMarg" refType="primFontSz" fact="0.3"/>
+                      </dgm:constrLst>
+                      <dgm:ruleLst>
+                        <dgm:rule type="primFontSz" val="5" fact="NaN" max="NaN"/>
+                      </dgm:ruleLst>
+                    </dgm:layoutNode>
+                  </dgm:if>
+                  <dgm:else name="Name14">
+                    <dgm:choose name="Name15">
+                      <dgm:if name="Name16" axis="ch" ptType="node" func="cnt" op="gte" val="5">
+                        <dgm:layoutNode name="FiveNodes_1">
+                          <dgm:varLst>
+                            <dgm:bulletEnabled val="1"/>
+                          </dgm:varLst>
+                          <dgm:alg type="sp"/>
+                          <dgm:shape xmlns:r="http://schemas.openxmlformats.org/officeDocument/2006/relationships" type="roundRect" r:blip="">
+                            <dgm:adjLst>
+                              <dgm:adj idx="1" val="0.1"/>
+                            </dgm:adjLst>
+                          </dgm:shape>
+                          <dgm:presOf axis="ch desOrSelf" ptType="node node" st="1 1" cnt="1 0"/>
+                          <dgm:constrLst/>
+                          <dgm:ruleLst/>
+                        </dgm:layoutNode>
+                        <dgm:layoutNode name="FiveNodes_2">
+                          <dgm:varLst>
+                            <dgm:bulletEnabled val="1"/>
+                          </dgm:varLst>
+                          <dgm:alg type="sp"/>
+                          <dgm:shape xmlns:r="http://schemas.openxmlformats.org/officeDocument/2006/relationships" type="roundRect" r:blip="">
+                            <dgm:adjLst>
+                              <dgm:adj idx="1" val="0.1"/>
+                            </dgm:adjLst>
+                          </dgm:shape>
+                          <dgm:presOf axis="ch desOrSelf" ptType="node node" st="2 1" cnt="1 0"/>
+                          <dgm:constrLst/>
+                          <dgm:ruleLst/>
+                        </dgm:layoutNode>
+                        <dgm:layoutNode name="FiveNodes_3">
+                          <dgm:varLst>
+                            <dgm:bulletEnabled val="1"/>
+                          </dgm:varLst>
+                          <dgm:alg type="sp"/>
+                          <dgm:shape xmlns:r="http://schemas.openxmlformats.org/officeDocument/2006/relationships" type="roundRect" r:blip="">
+                            <dgm:adjLst>
+                              <dgm:adj idx="1" val="0.1"/>
+                            </dgm:adjLst>
+                          </dgm:shape>
+                          <dgm:presOf axis="ch desOrSelf" ptType="node node" st="3 1" cnt="1 0"/>
+                          <dgm:constrLst/>
+                          <dgm:ruleLst/>
+                        </dgm:layoutNode>
+                        <dgm:layoutNode name="FiveNodes_4">
+                          <dgm:varLst>
+                            <dgm:bulletEnabled val="1"/>
+                          </dgm:varLst>
+                          <dgm:alg type="sp"/>
+                          <dgm:shape xmlns:r="http://schemas.openxmlformats.org/officeDocument/2006/relationships" type="roundRect" r:blip="">
+                            <dgm:adjLst>
+                              <dgm:adj idx="1" val="0.1"/>
+                            </dgm:adjLst>
+                          </dgm:shape>
+                          <dgm:presOf axis="ch desOrSelf" ptType="node node" st="4 1" cnt="1 0"/>
+                          <dgm:constrLst/>
+                          <dgm:ruleLst/>
+                        </dgm:layoutNode>
+                        <dgm:layoutNode name="FiveNodes_5">
+                          <dgm:varLst>
+                            <dgm:bulletEnabled val="1"/>
+                          </dgm:varLst>
+                          <dgm:alg type="sp"/>
+                          <dgm:shape xmlns:r="http://schemas.openxmlformats.org/officeDocument/2006/relationships" type="roundRect" r:blip="">
+                            <dgm:adjLst>
+                              <dgm:adj idx="1" val="0.1"/>
+                            </dgm:adjLst>
+                          </dgm:shape>
+                          <dgm:presOf axis="ch desOrSelf" ptType="node node" st="5 1" cnt="1 0"/>
+                          <dgm:constrLst/>
+                          <dgm:ruleLst/>
+                        </dgm:layoutNode>
+                        <dgm:layoutNode name="FiveConn_1-2" styleLbl="fgAccFollowNode1">
+                          <dgm:varLst>
+                            <dgm:bulletEnabled val="1"/>
+                          </dgm:varLst>
+                          <dgm:alg type="tx"/>
+                          <dgm:shape xmlns:r="http://schemas.openxmlformats.org/officeDocument/2006/relationships" type="downArrow" r:blip="">
+                            <dgm:adjLst>
+                              <dgm:adj idx="1" val="0.55"/>
+                              <dgm:adj idx="2" val="0.45"/>
+                            </dgm:adjLst>
+                          </dgm:shape>
+                          <dgm:presOf axis="ch" ptType="sibTrans" cnt="1"/>
+                          <dgm:constrLst>
+                            <dgm:constr type="lMarg" refType="primFontSz" fact="0.1"/>
+                            <dgm:constr type="rMarg" refType="primFontSz" fact="0.1"/>
+                            <dgm:constr type="tMarg" refType="primFontSz" fact="0.1"/>
+                            <dgm:constr type="bMarg" refType="primFontSz" fact="0.1"/>
+                          </dgm:constrLst>
+                          <dgm:ruleLst>
+                            <dgm:rule type="primFontSz" val="5" fact="NaN" max="NaN"/>
+                          </dgm:ruleLst>
+                        </dgm:layoutNode>
+                        <dgm:layoutNode name="FiveConn_2-3" styleLbl="fgAccFollowNode1">
+                          <dgm:varLst>
+                            <dgm:bulletEnabled val="1"/>
+                          </dgm:varLst>
+                          <dgm:alg type="tx"/>
+                          <dgm:shape xmlns:r="http://schemas.openxmlformats.org/officeDocument/2006/relationships" type="downArrow" r:blip="">
+                            <dgm:adjLst>
+                              <dgm:adj idx="1" val="0.55"/>
+                              <dgm:adj idx="2" val="0.45"/>
+                            </dgm:adjLst>
+                          </dgm:shape>
+                          <dgm:presOf axis="ch" ptType="sibTrans" st="2" cnt="1"/>
+                          <dgm:constrLst>
+                            <dgm:constr type="lMarg" refType="primFontSz" fact="0.1"/>
+                            <dgm:constr type="rMarg" refType="primFontSz" fact="0.1"/>
+                            <dgm:constr type="tMarg" refType="primFontSz" fact="0.1"/>
+                            <dgm:constr type="bMarg" refType="primFontSz" fact="0.1"/>
+                          </dgm:constrLst>
+                          <dgm:ruleLst>
+                            <dgm:rule type="primFontSz" val="5" fact="NaN" max="NaN"/>
+                          </dgm:ruleLst>
+                        </dgm:layoutNode>
+                        <dgm:layoutNode name="FiveConn_3-4" styleLbl="fgAccFollowNode1">
+                          <dgm:varLst>
+                            <dgm:bulletEnabled val="1"/>
+                          </dgm:varLst>
+                          <dgm:alg type="tx"/>
+                          <dgm:shape xmlns:r="http://schemas.openxmlformats.org/officeDocument/2006/relationships" type="downArrow" r:blip="">
+                            <dgm:adjLst>
+                              <dgm:adj idx="1" val="0.55"/>
+                              <dgm:adj idx="2" val="0.45"/>
+                            </dgm:adjLst>
+                          </dgm:shape>
+                          <dgm:presOf axis="ch" ptType="sibTrans" st="3" cnt="1"/>
+                          <dgm:constrLst>
+                            <dgm:constr type="lMarg" refType="primFontSz" fact="0.1"/>
+                            <dgm:constr type="rMarg" refType="primFontSz" fact="0.1"/>
+                            <dgm:constr type="tMarg" refType="primFontSz" fact="0.1"/>
+                            <dgm:constr type="bMarg" refType="primFontSz" fact="0.1"/>
+                          </dgm:constrLst>
+                          <dgm:ruleLst>
+                            <dgm:rule type="primFontSz" val="5" fact="NaN" max="NaN"/>
+                          </dgm:ruleLst>
+                        </dgm:layoutNode>
+                        <dgm:layoutNode name="FiveConn_4-5" styleLbl="fgAccFollowNode1">
+                          <dgm:varLst>
+                            <dgm:bulletEnabled val="1"/>
+                          </dgm:varLst>
+                          <dgm:alg type="tx"/>
+                          <dgm:shape xmlns:r="http://schemas.openxmlformats.org/officeDocument/2006/relationships" type="downArrow" r:blip="">
+                            <dgm:adjLst>
+                              <dgm:adj idx="1" val="0.55"/>
+                              <dgm:adj idx="2" val="0.45"/>
+                            </dgm:adjLst>
+                          </dgm:shape>
+                          <dgm:presOf axis="ch" ptType="sibTrans" st="4" cnt="1"/>
+                          <dgm:constrLst>
+                            <dgm:constr type="lMarg" refType="primFontSz" fact="0.1"/>
+                            <dgm:constr type="rMarg" refType="primFontSz" fact="0.1"/>
+                            <dgm:constr type="tMarg" refType="primFontSz" fact="0.1"/>
+                            <dgm:constr type="bMarg" refType="primFontSz" fact="0.1"/>
+                          </dgm:constrLst>
+                          <dgm:ruleLst>
+                            <dgm:rule type="primFontSz" val="5" fact="NaN" max="NaN"/>
+                          </dgm:ruleLst>
+                        </dgm:layoutNode>
+                        <dgm:layoutNode name="FiveNodes_1_text">
+                          <dgm:varLst>
+                            <dgm:bulletEnabled val="1"/>
+                          </dgm:varLst>
+                          <dgm:alg type="tx">
+                            <dgm:param type="parTxLTRAlign" val="l"/>
+                            <dgm:param type="txAnchorVertCh" val="mid"/>
+                          </dgm:alg>
+                          <dgm:shape xmlns:r="http://schemas.openxmlformats.org/officeDocument/2006/relationships" type="roundRect" r:blip="" hideGeom="1">
+                            <dgm:adjLst>
+                              <dgm:adj idx="1" val="0.1"/>
+                            </dgm:adjLst>
+                          </dgm:shape>
+                          <dgm:presOf axis="ch desOrSelf" ptType="node node" st="1 1" cnt="1 0"/>
+                          <dgm:constrLst>
+                            <dgm:constr type="lMarg" refType="primFontSz" fact="0.3"/>
+                            <dgm:constr type="rMarg" refType="primFontSz" fact="0.3"/>
+                            <dgm:constr type="tMarg" refType="primFontSz" fact="0.3"/>
+                            <dgm:constr type="bMarg" refType="primFontSz" fact="0.3"/>
+                          </dgm:constrLst>
+                          <dgm:ruleLst>
+                            <dgm:rule type="primFontSz" val="5" fact="NaN" max="NaN"/>
+                          </dgm:ruleLst>
+                        </dgm:layoutNode>
+                        <dgm:layoutNode name="FiveNodes_2_text">
+                          <dgm:varLst>
+                            <dgm:bulletEnabled val="1"/>
+                          </dgm:varLst>
+                          <dgm:alg type="tx">
+                            <dgm:param type="parTxLTRAlign" val="l"/>
+                            <dgm:param type="txAnchorVertCh" val="mid"/>
+                          </dgm:alg>
+                          <dgm:shape xmlns:r="http://schemas.openxmlformats.org/officeDocument/2006/relationships" type="roundRect" r:blip="" hideGeom="1">
+                            <dgm:adjLst>
+                              <dgm:adj idx="1" val="0.1"/>
+                            </dgm:adjLst>
+                          </dgm:shape>
+                          <dgm:presOf axis="ch desOrSelf" ptType="node node" st="2 1" cnt="1 0"/>
+                          <dgm:constrLst>
+                            <dgm:constr type="lMarg" refType="primFontSz" fact="0.3"/>
+                            <dgm:constr type="rMarg" refType="primFontSz" fact="0.3"/>
+                            <dgm:constr type="tMarg" refType="primFontSz" fact="0.3"/>
+                            <dgm:constr type="bMarg" refType="primFontSz" fact="0.3"/>
+                          </dgm:constrLst>
+                          <dgm:ruleLst>
+                            <dgm:rule type="primFontSz" val="5" fact="NaN" max="NaN"/>
+                          </dgm:ruleLst>
+                        </dgm:layoutNode>
+                        <dgm:layoutNode name="FiveNodes_3_text">
+                          <dgm:varLst>
+                            <dgm:bulletEnabled val="1"/>
+                          </dgm:varLst>
+                          <dgm:alg type="tx">
+                            <dgm:param type="parTxLTRAlign" val="l"/>
+                            <dgm:param type="txAnchorVertCh" val="mid"/>
+                          </dgm:alg>
+                          <dgm:shape xmlns:r="http://schemas.openxmlformats.org/officeDocument/2006/relationships" type="roundRect" r:blip="" hideGeom="1">
+                            <dgm:adjLst>
+                              <dgm:adj idx="1" val="0.1"/>
+                            </dgm:adjLst>
+                          </dgm:shape>
+                          <dgm:presOf axis="ch desOrSelf" ptType="node node" st="3 1" cnt="1 0"/>
+                          <dgm:constrLst>
+                            <dgm:constr type="lMarg" refType="primFontSz" fact="0.3"/>
+                            <dgm:constr type="rMarg" refType="primFontSz" fact="0.3"/>
+                            <dgm:constr type="tMarg" refType="primFontSz" fact="0.3"/>
+                            <dgm:constr type="bMarg" refType="primFontSz" fact="0.3"/>
+                          </dgm:constrLst>
+                          <dgm:ruleLst>
+                            <dgm:rule type="primFontSz" val="5" fact="NaN" max="NaN"/>
+                          </dgm:ruleLst>
+                        </dgm:layoutNode>
+                        <dgm:layoutNode name="FiveNodes_4_text">
+                          <dgm:varLst>
+                            <dgm:bulletEnabled val="1"/>
+                          </dgm:varLst>
+                          <dgm:alg type="tx">
+                            <dgm:param type="parTxLTRAlign" val="l"/>
+                            <dgm:param type="txAnchorVertCh" val="mid"/>
+                          </dgm:alg>
+                          <dgm:shape xmlns:r="http://schemas.openxmlformats.org/officeDocument/2006/relationships" type="roundRect" r:blip="" hideGeom="1">
+                            <dgm:adjLst>
+                              <dgm:adj idx="1" val="0.1"/>
+                            </dgm:adjLst>
+                          </dgm:shape>
+                          <dgm:presOf axis="ch desOrSelf" ptType="node node" st="4 1" cnt="1 0"/>
+                          <dgm:constrLst>
+                            <dgm:constr type="lMarg" refType="primFontSz" fact="0.3"/>
+                            <dgm:constr type="rMarg" refType="primFontSz" fact="0.3"/>
+                            <dgm:constr type="tMarg" refType="primFontSz" fact="0.3"/>
+                            <dgm:constr type="bMarg" refType="primFontSz" fact="0.3"/>
+                          </dgm:constrLst>
+                          <dgm:ruleLst>
+                            <dgm:rule type="primFontSz" val="5" fact="NaN" max="NaN"/>
+                          </dgm:ruleLst>
+                        </dgm:layoutNode>
+                        <dgm:layoutNode name="FiveNodes_5_text">
+                          <dgm:varLst>
+                            <dgm:bulletEnabled val="1"/>
+                          </dgm:varLst>
+                          <dgm:alg type="tx">
+                            <dgm:param type="parTxLTRAlign" val="l"/>
+                            <dgm:param type="txAnchorVertCh" val="mid"/>
+                          </dgm:alg>
+                          <dgm:shape xmlns:r="http://schemas.openxmlformats.org/officeDocument/2006/relationships" type="roundRect" r:blip="" hideGeom="1">
+                            <dgm:adjLst>
+                              <dgm:adj idx="1" val="0.1"/>
+                            </dgm:adjLst>
+                          </dgm:shape>
+                          <dgm:presOf axis="ch desOrSelf" ptType="node node" st="5 1" cnt="1 0"/>
+                          <dgm:constrLst>
+                            <dgm:constr type="lMarg" refType="primFontSz" fact="0.3"/>
+                            <dgm:constr type="rMarg" refType="primFontSz" fact="0.3"/>
+                            <dgm:constr type="tMarg" refType="primFontSz" fact="0.3"/>
+                            <dgm:constr type="bMarg" refType="primFontSz" fact="0.3"/>
+                          </dgm:constrLst>
+                          <dgm:ruleLst>
+                            <dgm:rule type="primFontSz" val="5" fact="NaN" max="NaN"/>
+                          </dgm:ruleLst>
+                        </dgm:layoutNode>
+                      </dgm:if>
+                      <dgm:else name="Name17"/>
+                    </dgm:choose>
+                  </dgm:else>
+                </dgm:choose>
+              </dgm:else>
+            </dgm:choose>
+          </dgm:else>
+        </dgm:choose>
+      </dgm:else>
+    </dgm:choose>
+  </dgm:layoutNode>
+</dgm:layoutDef>
+</file>
+
+<file path=ppt/diagrams/quickStyle1.xml><?xml version="1.0" encoding="utf-8"?>
+<dgm:styleDef xmlns:dgm="http://schemas.openxmlformats.org/drawingml/2006/diagram" xmlns:a="http://schemas.openxmlformats.org/drawingml/2006/main" uniqueId="urn:microsoft.com/office/officeart/2005/8/quickstyle/simple1">
+  <dgm:title val=""/>
+  <dgm:desc val=""/>
+  <dgm:catLst>
+    <dgm:cat type="simple" pri="10100"/>
+  </dgm:catLst>
+  <dgm:scene3d>
+    <a:camera prst="orthographicFront"/>
+    <a:lightRig rig="threePt" dir="t"/>
+  </dgm:scene3d>
+  <dgm:styleLbl name="node0">
+    <dgm:scene3d>
+      <a:camera prst="orthographicFront"/>
+      <a:lightRig rig="threePt" dir="t"/>
+    </dgm:scene3d>
+    <dgm:sp3d/>
+    <dgm:txPr/>
+    <dgm:style>
+      <a:lnRef idx="2">
+        <a:scrgbClr r="0" g="0" b="0"/>
+      </a:lnRef>
+      <a:fillRef idx="1">
+        <a:scrgbClr r="0" g="0" b="0"/>
+      </a:fillRef>
+      <a:effectRef idx="0">
+        <a:scrgbClr r="0" g="0" b="0"/>
+      </a:effectRef>
+      <a:fontRef idx="minor">
+        <a:schemeClr val="lt1"/>
+      </a:fontRef>
+    </dgm:style>
+  </dgm:styleLbl>
+  <dgm:styleLbl name="lnNode1">
+    <dgm:scene3d>
+      <a:camera prst="orthographicFront"/>
+      <a:lightRig rig="threePt" dir="t"/>
+    </dgm:scene3d>
+    <dgm:sp3d/>
+    <dgm:txPr/>
+    <dgm:style>
+      <a:lnRef idx="2">
+        <a:scrgbClr r="0" g="0" b="0"/>
+      </a:lnRef>
+      <a:fillRef idx="1">
+        <a:scrgbClr r="0" g="0" b="0"/>
+      </a:fillRef>
+      <a:effectRef idx="0">
+        <a:scrgbClr r="0" g="0" b="0"/>
+      </a:effectRef>
+      <a:fontRef idx="minor">
+        <a:schemeClr val="lt1"/>
+      </a:fontRef>
+    </dgm:style>
+  </dgm:styleLbl>
+  <dgm:styleLbl name="vennNode1">
+    <dgm:scene3d>
+      <a:camera prst="orthographicFront"/>
+      <a:lightRig rig="threePt" dir="t"/>
+    </dgm:scene3d>
+    <dgm:sp3d/>
+    <dgm:txPr/>
+    <dgm:style>
+      <a:lnRef idx="2">
+        <a:scrgbClr r="0" g="0" b="0"/>
+      </a:lnRef>
+      <a:fillRef idx="1">
+        <a:scrgbClr r="0" g="0" b="0"/>
+      </a:fillRef>
+      <a:effectRef idx="0">
+        <a:scrgbClr r="0" g="0" b="0"/>
+      </a:effectRef>
+      <a:fontRef idx="minor">
+        <a:schemeClr val="tx1"/>
+      </a:fontRef>
+    </dgm:style>
+  </dgm:styleLbl>
+  <dgm:styleLbl name="alignNode1">
+    <dgm:scene3d>
+      <a:camera prst="orthographicFront"/>
+      <a:lightRig rig="threePt" dir="t"/>
+    </dgm:scene3d>
+    <dgm:sp3d/>
+    <dgm:txPr/>
+    <dgm:style>
+      <a:lnRef idx="2">
+        <a:scrgbClr r="0" g="0" b="0"/>
+      </a:lnRef>
+      <a:fillRef idx="1">
+        <a:scrgbClr r="0" g="0" b="0"/>
+      </a:fillRef>
+      <a:effectRef idx="0">
+        <a:scrgbClr r="0" g="0" b="0"/>
+      </a:effectRef>
+      <a:fontRef idx="minor">
+        <a:schemeClr val="lt1"/>
+      </a:fontRef>
+    </dgm:style>
+  </dgm:styleLbl>
+  <dgm:styleLbl name="node1">
+    <dgm:scene3d>
+      <a:camera prst="orthographicFront"/>
+      <a:lightRig rig="threePt" dir="t"/>
+    </dgm:scene3d>
+    <dgm:sp3d/>
+    <dgm:txPr/>
+    <dgm:style>
+      <a:lnRef idx="2">
+        <a:scrgbClr r="0" g="0" b="0"/>
+      </a:lnRef>
+      <a:fillRef idx="1">
+        <a:scrgbClr r="0" g="0" b="0"/>
+      </a:fillRef>
+      <a:effectRef idx="0">
+        <a:scrgbClr r="0" g="0" b="0"/>
+      </a:effectRef>
+      <a:fontRef idx="minor">
+        <a:schemeClr val="lt1"/>
+      </a:fontRef>
+    </dgm:style>
+  </dgm:styleLbl>
+  <dgm:styleLbl name="node2">
+    <dgm:scene3d>
+      <a:camera prst="orthographicFront"/>
+      <a:lightRig rig="threePt" dir="t"/>
+    </dgm:scene3d>
+    <dgm:sp3d/>
+    <dgm:txPr/>
+    <dgm:style>
+      <a:lnRef idx="2">
+        <a:scrgbClr r="0" g="0" b="0"/>
+      </a:lnRef>
+      <a:fillRef idx="1">
+        <a:scrgbClr r="0" g="0" b="0"/>
+      </a:fillRef>
+      <a:effectRef idx="0">
+        <a:scrgbClr r="0" g="0" b="0"/>
+      </a:effectRef>
+      <a:fontRef idx="minor">
+        <a:schemeClr val="lt1"/>
+      </a:fontRef>
+    </dgm:style>
+  </dgm:styleLbl>
+  <dgm:styleLbl name="node3">
+    <dgm:scene3d>
+      <a:camera prst="orthographicFront"/>
+      <a:lightRig rig="threePt" dir="t"/>
+    </dgm:scene3d>
+    <dgm:sp3d/>
+    <dgm:txPr/>
+    <dgm:style>
+      <a:lnRef idx="2">
+        <a:scrgbClr r="0" g="0" b="0"/>
+      </a:lnRef>
+      <a:fillRef idx="1">
+        <a:scrgbClr r="0" g="0" b="0"/>
+      </a:fillRef>
+      <a:effectRef idx="0">
+        <a:scrgbClr r="0" g="0" b="0"/>
+      </a:effectRef>
+      <a:fontRef idx="minor">
+        <a:schemeClr val="lt1"/>
+      </a:fontRef>
+    </dgm:style>
+  </dgm:styleLbl>
+  <dgm:styleLbl name="node4">
+    <dgm:scene3d>
+      <a:camera prst="orthographicFront"/>
+      <a:lightRig rig="threePt" dir="t"/>
+    </dgm:scene3d>
+    <dgm:sp3d/>
+    <dgm:txPr/>
+    <dgm:style>
+      <a:lnRef idx="2">
+        <a:scrgbClr r="0" g="0" b="0"/>
+      </a:lnRef>
+      <a:fillRef idx="1">
+        <a:scrgbClr r="0" g="0" b="0"/>
+      </a:fillRef>
+      <a:effectRef idx="0">
+        <a:scrgbClr r="0" g="0" b="0"/>
+      </a:effectRef>
+      <a:fontRef idx="minor">
+        <a:schemeClr val="lt1"/>
+      </a:fontRef>
+    </dgm:style>
+  </dgm:styleLbl>
+  <dgm:styleLbl name="fgImgPlace1">
+    <dgm:scene3d>
+      <a:camera prst="orthographicFront"/>
+      <a:lightRig rig="threePt" dir="t"/>
+    </dgm:scene3d>
+    <dgm:sp3d/>
+    <dgm:txPr/>
+    <dgm:style>
+      <a:lnRef idx="2">
+        <a:scrgbClr r="0" g="0" b="0"/>
+      </a:lnRef>
+      <a:fillRef idx="1">
+        <a:scrgbClr r="0" g="0" b="0"/>
+      </a:fillRef>
+      <a:effectRef idx="0">
+        <a:scrgbClr r="0" g="0" b="0"/>
+      </a:effectRef>
+      <a:fontRef idx="minor"/>
+    </dgm:style>
+  </dgm:styleLbl>
+  <dgm:styleLbl name="alignImgPlace1">
+    <dgm:scene3d>
+      <a:camera prst="orthographicFront"/>
+      <a:lightRig rig="threePt" dir="t"/>
+    </dgm:scene3d>
+    <dgm:sp3d/>
+    <dgm:txPr/>
+    <dgm:style>
+      <a:lnRef idx="2">
+        <a:scrgbClr r="0" g="0" b="0"/>
+      </a:lnRef>
+      <a:fillRef idx="1">
+        <a:scrgbClr r="0" g="0" b="0"/>
+      </a:fillRef>
+      <a:effectRef idx="0">
+        <a:scrgbClr r="0" g="0" b="0"/>
+      </a:effectRef>
+      <a:fontRef idx="minor"/>
+    </dgm:style>
+  </dgm:styleLbl>
+  <dgm:styleLbl name="bgImgPlace1">
+    <dgm:scene3d>
+      <a:camera prst="orthographicFront"/>
+      <a:lightRig rig="threePt" dir="t"/>
+    </dgm:scene3d>
+    <dgm:sp3d/>
+    <dgm:txPr/>
+    <dgm:style>
+      <a:lnRef idx="2">
+        <a:scrgbClr r="0" g="0" b="0"/>
+      </a:lnRef>
+      <a:fillRef idx="1">
+        <a:scrgbClr r="0" g="0" b="0"/>
+      </a:fillRef>
+      <a:effectRef idx="0">
+        <a:scrgbClr r="0" g="0" b="0"/>
+      </a:effectRef>
+      <a:fontRef idx="minor"/>
+    </dgm:style>
+  </dgm:styleLbl>
+  <dgm:styleLbl name="sibTrans2D1">
+    <dgm:scene3d>
+      <a:camera prst="orthographicFront"/>
+      <a:lightRig rig="threePt" dir="t"/>
+    </dgm:scene3d>
+    <dgm:sp3d/>
+    <dgm:txPr/>
+    <dgm:style>
+      <a:lnRef idx="0">
+        <a:scrgbClr r="0" g="0" b="0"/>
+      </a:lnRef>
+      <a:fillRef idx="1">
+        <a:scrgbClr r="0" g="0" b="0"/>
+      </a:fillRef>
+      <a:effectRef idx="0">
+        <a:scrgbClr r="0" g="0" b="0"/>
+      </a:effectRef>
+      <a:fontRef idx="minor">
+        <a:schemeClr val="lt1"/>
+      </a:fontRef>
+    </dgm:style>
+  </dgm:styleLbl>
+  <dgm:styleLbl name="fgSibTrans2D1">
+    <dgm:scene3d>
+      <a:camera prst="orthographicFront"/>
+      <a:lightRig rig="threePt" dir="t"/>
+    </dgm:scene3d>
+    <dgm:sp3d/>
+    <dgm:txPr/>
+    <dgm:style>
+      <a:lnRef idx="0">
+        <a:scrgbClr r="0" g="0" b="0"/>
+      </a:lnRef>
+      <a:fillRef idx="1">
+        <a:scrgbClr r="0" g="0" b="0"/>
+      </a:fillRef>
+      <a:effectRef idx="0">
+        <a:scrgbClr r="0" g="0" b="0"/>
+      </a:effectRef>
+      <a:fontRef idx="minor">
+        <a:schemeClr val="lt1"/>
+      </a:fontRef>
+    </dgm:style>
+  </dgm:styleLbl>
+  <dgm:styleLbl name="bgSibTrans2D1">
+    <dgm:scene3d>
+      <a:camera prst="orthographicFront"/>
+      <a:lightRig rig="threePt" dir="t"/>
+    </dgm:scene3d>
+    <dgm:sp3d/>
+    <dgm:txPr/>
+    <dgm:style>
+      <a:lnRef idx="0">
+        <a:scrgbClr r="0" g="0" b="0"/>
+      </a:lnRef>
+      <a:fillRef idx="1">
+        <a:scrgbClr r="0" g="0" b="0"/>
+      </a:fillRef>
+      <a:effectRef idx="0">
+        <a:scrgbClr r="0" g="0" b="0"/>
+      </a:effectRef>
+      <a:fontRef idx="minor">
+        <a:schemeClr val="lt1"/>
+      </a:fontRef>
+    </dgm:style>
+  </dgm:styleLbl>
+  <dgm:styleLbl name="sibTrans1D1">
+    <dgm:scene3d>
+      <a:camera prst="orthographicFront"/>
+      <a:lightRig rig="threePt" dir="t"/>
+    </dgm:scene3d>
+    <dgm:sp3d/>
+    <dgm:txPr/>
+    <dgm:style>
+      <a:lnRef idx="1">
+        <a:scrgbClr r="0" g="0" b="0"/>
+      </a:lnRef>
+      <a:fillRef idx="0">
+        <a:scrgbClr r="0" g="0" b="0"/>
+      </a:fillRef>
+      <a:effectRef idx="0">
+        <a:scrgbClr r="0" g="0" b="0"/>
+      </a:effectRef>
+      <a:fontRef idx="minor"/>
+    </dgm:style>
+  </dgm:styleLbl>
+  <dgm:styleLbl name="callout">
+    <dgm:scene3d>
+      <a:camera prst="orthographicFront"/>
+      <a:lightRig rig="threePt" dir="t"/>
+    </dgm:scene3d>
+    <dgm:sp3d/>
+    <dgm:txPr/>
+    <dgm:style>
+      <a:lnRef idx="2">
+        <a:scrgbClr r="0" g="0" b="0"/>
+      </a:lnRef>
+      <a:fillRef idx="1">
+        <a:scrgbClr r="0" g="0" b="0"/>
+      </a:fillRef>
+      <a:effectRef idx="0">
+        <a:scrgbClr r="0" g="0" b="0"/>
+      </a:effectRef>
+      <a:fontRef idx="minor"/>
+    </dgm:style>
+  </dgm:styleLbl>
+  <dgm:styleLbl name="asst0">
+    <dgm:scene3d>
+      <a:camera prst="orthographicFront"/>
+      <a:lightRig rig="threePt" dir="t"/>
+    </dgm:scene3d>
+    <dgm:sp3d/>
+    <dgm:txPr/>
+    <dgm:style>
+      <a:lnRef idx="2">
+        <a:scrgbClr r="0" g="0" b="0"/>
+      </a:lnRef>
+      <a:fillRef idx="1">
+        <a:scrgbClr r="0" g="0" b="0"/>
+      </a:fillRef>
+      <a:effectRef idx="0">
+        <a:scrgbClr r="0" g="0" b="0"/>
+      </a:effectRef>
+      <a:fontRef idx="minor">
+        <a:schemeClr val="lt1"/>
+      </a:fontRef>
+    </dgm:style>
+  </dgm:styleLbl>
+  <dgm:styleLbl name="asst1">
+    <dgm:scene3d>
+      <a:camera prst="orthographicFront"/>
+      <a:lightRig rig="threePt" dir="t"/>
+    </dgm:scene3d>
+    <dgm:sp3d/>
+    <dgm:txPr/>
+    <dgm:style>
+      <a:lnRef idx="2">
+        <a:scrgbClr r="0" g="0" b="0"/>
+      </a:lnRef>
+      <a:fillRef idx="1">
+        <a:scrgbClr r="0" g="0" b="0"/>
+      </a:fillRef>
+      <a:effectRef idx="0">
+        <a:scrgbClr r="0" g="0" b="0"/>
+      </a:effectRef>
+      <a:fontRef idx="minor">
+        <a:schemeClr val="lt1"/>
+      </a:fontRef>
+    </dgm:style>
+  </dgm:styleLbl>
+  <dgm:styleLbl name="asst2">
+    <dgm:scene3d>
+      <a:camera prst="orthographicFront"/>
+      <a:lightRig rig="threePt" dir="t"/>
+    </dgm:scene3d>
+    <dgm:sp3d/>
+    <dgm:txPr/>
+    <dgm:style>
+      <a:lnRef idx="2">
+        <a:scrgbClr r="0" g="0" b="0"/>
+      </a:lnRef>
+      <a:fillRef idx="1">
+        <a:scrgbClr r="0" g="0" b="0"/>
+      </a:fillRef>
+      <a:effectRef idx="0">
+        <a:scrgbClr r="0" g="0" b="0"/>
+      </a:effectRef>
+      <a:fontRef idx="minor">
+        <a:schemeClr val="lt1"/>
+      </a:fontRef>
+    </dgm:style>
+  </dgm:styleLbl>
+  <dgm:styleLbl name="asst3">
+    <dgm:scene3d>
+      <a:camera prst="orthographicFront"/>
+      <a:lightRig rig="threePt" dir="t"/>
+    </dgm:scene3d>
+    <dgm:sp3d/>
+    <dgm:txPr/>
+    <dgm:style>
+      <a:lnRef idx="2">
+        <a:scrgbClr r="0" g="0" b="0"/>
+      </a:lnRef>
+      <a:fillRef idx="1">
+        <a:scrgbClr r="0" g="0" b="0"/>
+      </a:fillRef>
+      <a:effectRef idx="0">
+        <a:scrgbClr r="0" g="0" b="0"/>
+      </a:effectRef>
+      <a:fontRef idx="minor">
+        <a:schemeClr val="lt1"/>
+      </a:fontRef>
+    </dgm:style>
+  </dgm:styleLbl>
+  <dgm:styleLbl name="asst4">
+    <dgm:scene3d>
+      <a:camera prst="orthographicFront"/>
+      <a:lightRig rig="threePt" dir="t"/>
+    </dgm:scene3d>
+    <dgm:sp3d/>
+    <dgm:txPr/>
+    <dgm:style>
+      <a:lnRef idx="2">
+        <a:scrgbClr r="0" g="0" b="0"/>
+      </a:lnRef>
+      <a:fillRef idx="1">
+        <a:scrgbClr r="0" g="0" b="0"/>
+      </a:fillRef>
+      <a:effectRef idx="0">
+        <a:scrgbClr r="0" g="0" b="0"/>
+      </a:effectRef>
+      <a:fontRef idx="minor">
+        <a:schemeClr val="lt1"/>
+      </a:fontRef>
+    </dgm:style>
+  </dgm:styleLbl>
+  <dgm:styleLbl name="parChTrans2D1">
+    <dgm:scene3d>
+      <a:camera prst="orthographicFront"/>
+      <a:lightRig rig="threePt" dir="t"/>
+    </dgm:scene3d>
+    <dgm:sp3d/>
+    <dgm:txPr/>
+    <dgm:style>
+      <a:lnRef idx="2">
+        <a:scrgbClr r="0" g="0" b="0"/>
+      </a:lnRef>
+      <a:fillRef idx="1">
+        <a:scrgbClr r="0" g="0" b="0"/>
+      </a:fillRef>
+      <a:effectRef idx="0">
+        <a:scrgbClr r="0" g="0" b="0"/>
+      </a:effectRef>
+      <a:fontRef idx="minor">
+        <a:schemeClr val="lt1"/>
+      </a:fontRef>
+    </dgm:style>
+  </dgm:styleLbl>
+  <dgm:styleLbl name="parChTrans2D2">
+    <dgm:scene3d>
+      <a:camera prst="orthographicFront"/>
+      <a:lightRig rig="threePt" dir="t"/>
+    </dgm:scene3d>
+    <dgm:sp3d/>
+    <dgm:txPr/>
+    <dgm:style>
+      <a:lnRef idx="2">
+        <a:scrgbClr r="0" g="0" b="0"/>
+      </a:lnRef>
+      <a:fillRef idx="1">
+        <a:scrgbClr r="0" g="0" b="0"/>
+      </a:fillRef>
+      <a:effectRef idx="0">
+        <a:scrgbClr r="0" g="0" b="0"/>
+      </a:effectRef>
+      <a:fontRef idx="minor">
+        <a:schemeClr val="lt1"/>
+      </a:fontRef>
+    </dgm:style>
+  </dgm:styleLbl>
+  <dgm:styleLbl name="parChTrans2D3">
+    <dgm:scene3d>
+      <a:camera prst="orthographicFront"/>
+      <a:lightRig rig="threePt" dir="t"/>
+    </dgm:scene3d>
+    <dgm:sp3d/>
+    <dgm:txPr/>
+    <dgm:style>
+      <a:lnRef idx="2">
+        <a:scrgbClr r="0" g="0" b="0"/>
+      </a:lnRef>
+      <a:fillRef idx="1">
+        <a:scrgbClr r="0" g="0" b="0"/>
+      </a:fillRef>
+      <a:effectRef idx="0">
+        <a:scrgbClr r="0" g="0" b="0"/>
+      </a:effectRef>
+      <a:fontRef idx="minor">
+        <a:schemeClr val="lt1"/>
+      </a:fontRef>
+    </dgm:style>
+  </dgm:styleLbl>
+  <dgm:styleLbl name="parChTrans2D4">
+    <dgm:scene3d>
+      <a:camera prst="orthographicFront"/>
+      <a:lightRig rig="threePt" dir="t"/>
+    </dgm:scene3d>
+    <dgm:sp3d/>
+    <dgm:txPr/>
+    <dgm:style>
+      <a:lnRef idx="2">
+        <a:scrgbClr r="0" g="0" b="0"/>
+      </a:lnRef>
+      <a:fillRef idx="1">
+        <a:scrgbClr r="0" g="0" b="0"/>
+      </a:fillRef>
+      <a:effectRef idx="0">
+        <a:scrgbClr r="0" g="0" b="0"/>
+      </a:effectRef>
+      <a:fontRef idx="minor">
+        <a:schemeClr val="lt1"/>
+      </a:fontRef>
+    </dgm:style>
+  </dgm:styleLbl>
+  <dgm:styleLbl name="parChTrans1D1">
+    <dgm:scene3d>
+      <a:camera prst="orthographicFront"/>
+      <a:lightRig rig="threePt" dir="t"/>
+    </dgm:scene3d>
+    <dgm:sp3d/>
+    <dgm:txPr/>
+    <dgm:style>
+      <a:lnRef idx="2">
+        <a:scrgbClr r="0" g="0" b="0"/>
+      </a:lnRef>
+      <a:fillRef idx="0">
+        <a:scrgbClr r="0" g="0" b="0"/>
+      </a:fillRef>
+      <a:effectRef idx="0">
+        <a:scrgbClr r="0" g="0" b="0"/>
+      </a:effectRef>
+      <a:fontRef idx="minor"/>
+    </dgm:style>
+  </dgm:styleLbl>
+  <dgm:styleLbl name="parChTrans1D2">
+    <dgm:scene3d>
+      <a:camera prst="orthographicFront"/>
+      <a:lightRig rig="threePt" dir="t"/>
+    </dgm:scene3d>
+    <dgm:sp3d/>
+    <dgm:txPr/>
+    <dgm:style>
+      <a:lnRef idx="2">
+        <a:scrgbClr r="0" g="0" b="0"/>
+      </a:lnRef>
+      <a:fillRef idx="0">
+        <a:scrgbClr r="0" g="0" b="0"/>
+      </a:fillRef>
+      <a:effectRef idx="0">
+        <a:scrgbClr r="0" g="0" b="0"/>
+      </a:effectRef>
+      <a:fontRef idx="minor"/>
+    </dgm:style>
+  </dgm:styleLbl>
+  <dgm:styleLbl name="parChTrans1D3">
+    <dgm:scene3d>
+      <a:camera prst="orthographicFront"/>
+      <a:lightRig rig="threePt" dir="t"/>
+    </dgm:scene3d>
+    <dgm:sp3d/>
+    <dgm:txPr/>
+    <dgm:style>
+      <a:lnRef idx="2">
+        <a:scrgbClr r="0" g="0" b="0"/>
+      </a:lnRef>
+      <a:fillRef idx="0">
+        <a:scrgbClr r="0" g="0" b="0"/>
+      </a:fillRef>
+      <a:effectRef idx="0">
+        <a:scrgbClr r="0" g="0" b="0"/>
+      </a:effectRef>
+      <a:fontRef idx="minor"/>
+    </dgm:style>
+  </dgm:styleLbl>
+  <dgm:styleLbl name="parChTrans1D4">
+    <dgm:scene3d>
+      <a:camera prst="orthographicFront"/>
+      <a:lightRig rig="threePt" dir="t"/>
+    </dgm:scene3d>
+    <dgm:sp3d/>
+    <dgm:txPr/>
+    <dgm:style>
+      <a:lnRef idx="2">
+        <a:scrgbClr r="0" g="0" b="0"/>
+      </a:lnRef>
+      <a:fillRef idx="0">
+        <a:scrgbClr r="0" g="0" b="0"/>
+      </a:fillRef>
+      <a:effectRef idx="0">
+        <a:scrgbClr r="0" g="0" b="0"/>
+      </a:effectRef>
+      <a:fontRef idx="minor"/>
+    </dgm:style>
+  </dgm:styleLbl>
+  <dgm:styleLbl name="fgAcc1">
+    <dgm:scene3d>
+      <a:camera prst="orthographicFront"/>
+      <a:lightRig rig="threePt" dir="t"/>
+    </dgm:scene3d>
+    <dgm:sp3d/>
+    <dgm:txPr/>
+    <dgm:style>
+      <a:lnRef idx="2">
+        <a:scrgbClr r="0" g="0" b="0"/>
+      </a:lnRef>
+      <a:fillRef idx="1">
+        <a:scrgbClr r="0" g="0" b="0"/>
+      </a:fillRef>
+      <a:effectRef idx="0">
+        <a:scrgbClr r="0" g="0" b="0"/>
+      </a:effectRef>
+      <a:fontRef idx="minor"/>
+    </dgm:style>
+  </dgm:styleLbl>
+  <dgm:styleLbl name="conFgAcc1">
+    <dgm:scene3d>
+      <a:camera prst="orthographicFront"/>
+      <a:lightRig rig="threePt" dir="t"/>
+    </dgm:scene3d>
+    <dgm:sp3d/>
+    <dgm:txPr/>
+    <dgm:style>
+      <a:lnRef idx="2">
+        <a:scrgbClr r="0" g="0" b="0"/>
+      </a:lnRef>
+      <a:fillRef idx="1">
+        <a:scrgbClr r="0" g="0" b="0"/>
+      </a:fillRef>
+      <a:effectRef idx="0">
+        <a:scrgbClr r="0" g="0" b="0"/>
+      </a:effectRef>
+      <a:fontRef idx="minor"/>
+    </dgm:style>
+  </dgm:styleLbl>
+  <dgm:styleLbl name="alignAcc1">
+    <dgm:scene3d>
+      <a:camera prst="orthographicFront"/>
+      <a:lightRig rig="threePt" dir="t"/>
+    </dgm:scene3d>
+    <dgm:sp3d/>
+    <dgm:txPr/>
+    <dgm:style>
+      <a:lnRef idx="2">
+        <a:scrgbClr r="0" g="0" b="0"/>
+      </a:lnRef>
+      <a:fillRef idx="1">
+        <a:scrgbClr r="0" g="0" b="0"/>
+      </a:fillRef>
+      <a:effectRef idx="0">
+        <a:scrgbClr r="0" g="0" b="0"/>
+      </a:effectRef>
+      <a:fontRef idx="minor"/>
+    </dgm:style>
+  </dgm:styleLbl>
+  <dgm:styleLbl name="trAlignAcc1">
+    <dgm:scene3d>
+      <a:camera prst="orthographicFront"/>
+      <a:lightRig rig="threePt" dir="t"/>
+    </dgm:scene3d>
+    <dgm:sp3d/>
+    <dgm:txPr/>
+    <dgm:style>
+      <a:lnRef idx="1">
+        <a:scrgbClr r="0" g="0" b="0"/>
+      </a:lnRef>
+      <a:fillRef idx="1">
+        <a:scrgbClr r="0" g="0" b="0"/>
+      </a:fillRef>
+      <a:effectRef idx="0">
+        <a:scrgbClr r="0" g="0" b="0"/>
+      </a:effectRef>
+      <a:fontRef idx="minor"/>
+    </dgm:style>
+  </dgm:styleLbl>
+  <dgm:styleLbl name="bgAcc1">
+    <dgm:scene3d>
+      <a:camera prst="orthographicFront"/>
+      <a:lightRig rig="threePt" dir="t"/>
+    </dgm:scene3d>
+    <dgm:sp3d/>
+    <dgm:txPr/>
+    <dgm:style>
+      <a:lnRef idx="2">
+        <a:scrgbClr r="0" g="0" b="0"/>
+      </a:lnRef>
+      <a:fillRef idx="1">
+        <a:scrgbClr r="0" g="0" b="0"/>
+      </a:fillRef>
+      <a:effectRef idx="0">
+        <a:scrgbClr r="0" g="0" b="0"/>
+      </a:effectRef>
+      <a:fontRef idx="minor"/>
+    </dgm:style>
+  </dgm:styleLbl>
+  <dgm:styleLbl name="solidFgAcc1">
+    <dgm:scene3d>
+      <a:camera prst="orthographicFront"/>
+      <a:lightRig rig="threePt" dir="t"/>
+    </dgm:scene3d>
+    <dgm:sp3d/>
+    <dgm:txPr/>
+    <dgm:style>
+      <a:lnRef idx="2">
+        <a:scrgbClr r="0" g="0" b="0"/>
+      </a:lnRef>
+      <a:fillRef idx="1">
+        <a:scrgbClr r="0" g="0" b="0"/>
+      </a:fillRef>
+      <a:effectRef idx="0">
+        <a:scrgbClr r="0" g="0" b="0"/>
+      </a:effectRef>
+      <a:fontRef idx="minor"/>
+    </dgm:style>
+  </dgm:styleLbl>
+  <dgm:styleLbl name="solidAlignAcc1">
+    <dgm:scene3d>
+      <a:camera prst="orthographicFront"/>
+      <a:lightRig rig="threePt" dir="t"/>
+    </dgm:scene3d>
+    <dgm:sp3d/>
+    <dgm:txPr/>
+    <dgm:style>
+      <a:lnRef idx="2">
+        <a:scrgbClr r="0" g="0" b="0"/>
+      </a:lnRef>
+      <a:fillRef idx="1">
+        <a:scrgbClr r="0" g="0" b="0"/>
+      </a:fillRef>
+      <a:effectRef idx="0">
+        <a:scrgbClr r="0" g="0" b="0"/>
+      </a:effectRef>
+      <a:fontRef idx="minor"/>
+    </dgm:style>
+  </dgm:styleLbl>
+  <dgm:styleLbl name="solidBgAcc1">
+    <dgm:scene3d>
+      <a:camera prst="orthographicFront"/>
+      <a:lightRig rig="threePt" dir="t"/>
+    </dgm:scene3d>
+    <dgm:sp3d/>
+    <dgm:txPr/>
+    <dgm:style>
+      <a:lnRef idx="2">
+        <a:scrgbClr r="0" g="0" b="0"/>
+      </a:lnRef>
+      <a:fillRef idx="1">
+        <a:scrgbClr r="0" g="0" b="0"/>
+      </a:fillRef>
+      <a:effectRef idx="0">
+        <a:scrgbClr r="0" g="0" b="0"/>
+      </a:effectRef>
+      <a:fontRef idx="minor"/>
+    </dgm:style>
+  </dgm:styleLbl>
+  <dgm:styleLbl name="fgAccFollowNode1">
+    <dgm:scene3d>
+      <a:camera prst="orthographicFront"/>
+      <a:lightRig rig="threePt" dir="t"/>
+    </dgm:scene3d>
+    <dgm:sp3d/>
+    <dgm:txPr/>
+    <dgm:style>
+      <a:lnRef idx="2">
+        <a:scrgbClr r="0" g="0" b="0"/>
+      </a:lnRef>
+      <a:fillRef idx="1">
+        <a:scrgbClr r="0" g="0" b="0"/>
+      </a:fillRef>
+      <a:effectRef idx="0">
+        <a:scrgbClr r="0" g="0" b="0"/>
+      </a:effectRef>
+      <a:fontRef idx="minor"/>
+    </dgm:style>
+  </dgm:styleLbl>
+  <dgm:styleLbl name="alignAccFollowNode1">
+    <dgm:scene3d>
+      <a:camera prst="orthographicFront"/>
+      <a:lightRig rig="threePt" dir="t"/>
+    </dgm:scene3d>
+    <dgm:sp3d/>
+    <dgm:txPr/>
+    <dgm:style>
+      <a:lnRef idx="2">
+        <a:scrgbClr r="0" g="0" b="0"/>
+      </a:lnRef>
+      <a:fillRef idx="1">
+        <a:scrgbClr r="0" g="0" b="0"/>
+      </a:fillRef>
+      <a:effectRef idx="0">
+        <a:scrgbClr r="0" g="0" b="0"/>
+      </a:effectRef>
+      <a:fontRef idx="minor"/>
+    </dgm:style>
+  </dgm:styleLbl>
+  <dgm:styleLbl name="bgAccFollowNode1">
+    <dgm:scene3d>
+      <a:camera prst="orthographicFront"/>
+      <a:lightRig rig="threePt" dir="t"/>
+    </dgm:scene3d>
+    <dgm:sp3d/>
+    <dgm:txPr/>
+    <dgm:style>
+      <a:lnRef idx="2">
+        <a:scrgbClr r="0" g="0" b="0"/>
+      </a:lnRef>
+      <a:fillRef idx="1">
+        <a:scrgbClr r="0" g="0" b="0"/>
+      </a:fillRef>
+      <a:effectRef idx="0">
+        <a:scrgbClr r="0" g="0" b="0"/>
+      </a:effectRef>
+      <a:fontRef idx="minor"/>
+    </dgm:style>
+  </dgm:styleLbl>
+  <dgm:styleLbl name="fgAcc0">
+    <dgm:scene3d>
+      <a:camera prst="orthographicFront"/>
+      <a:lightRig rig="threePt" dir="t"/>
+    </dgm:scene3d>
+    <dgm:sp3d/>
+    <dgm:txPr/>
+    <dgm:style>
+      <a:lnRef idx="2">
+        <a:scrgbClr r="0" g="0" b="0"/>
+      </a:lnRef>
+      <a:fillRef idx="1">
+        <a:scrgbClr r="0" g="0" b="0"/>
+      </a:fillRef>
+      <a:effectRef idx="0">
+        <a:scrgbClr r="0" g="0" b="0"/>
+      </a:effectRef>
+      <a:fontRef idx="minor"/>
+    </dgm:style>
+  </dgm:styleLbl>
+  <dgm:styleLbl name="fgAcc2">
+    <dgm:scene3d>
+      <a:camera prst="orthographicFront"/>
+      <a:lightRig rig="threePt" dir="t"/>
+    </dgm:scene3d>
+    <dgm:sp3d/>
+    <dgm:txPr/>
+    <dgm:style>
+      <a:lnRef idx="2">
+        <a:scrgbClr r="0" g="0" b="0"/>
+      </a:lnRef>
+      <a:fillRef idx="1">
+        <a:scrgbClr r="0" g="0" b="0"/>
+      </a:fillRef>
+      <a:effectRef idx="0">
+        <a:scrgbClr r="0" g="0" b="0"/>
+      </a:effectRef>
+      <a:fontRef idx="minor"/>
+    </dgm:style>
+  </dgm:styleLbl>
+  <dgm:styleLbl name="fgAcc3">
+    <dgm:scene3d>
+      <a:camera prst="orthographicFront"/>
+      <a:lightRig rig="threePt" dir="t"/>
+    </dgm:scene3d>
+    <dgm:sp3d/>
+    <dgm:txPr/>
+    <dgm:style>
+      <a:lnRef idx="2">
+        <a:scrgbClr r="0" g="0" b="0"/>
+      </a:lnRef>
+      <a:fillRef idx="1">
+        <a:scrgbClr r="0" g="0" b="0"/>
+      </a:fillRef>
+      <a:effectRef idx="0">
+        <a:scrgbClr r="0" g="0" b="0"/>
+      </a:effectRef>
+      <a:fontRef idx="minor"/>
+    </dgm:style>
+  </dgm:styleLbl>
+  <dgm:styleLbl name="fgAcc4">
+    <dgm:scene3d>
+      <a:camera prst="orthographicFront"/>
+      <a:lightRig rig="threePt" dir="t"/>
+    </dgm:scene3d>
+    <dgm:sp3d/>
+    <dgm:txPr/>
+    <dgm:style>
+      <a:lnRef idx="2">
+        <a:scrgbClr r="0" g="0" b="0"/>
+      </a:lnRef>
+      <a:fillRef idx="1">
+        <a:scrgbClr r="0" g="0" b="0"/>
+      </a:fillRef>
+      <a:effectRef idx="0">
+        <a:scrgbClr r="0" g="0" b="0"/>
+      </a:effectRef>
+      <a:fontRef idx="minor"/>
+    </dgm:style>
+  </dgm:styleLbl>
+  <dgm:styleLbl name="bgShp">
+    <dgm:scene3d>
+      <a:camera prst="orthographicFront"/>
+      <a:lightRig rig="threePt" dir="t"/>
+    </dgm:scene3d>
+    <dgm:sp3d/>
+    <dgm:txPr/>
+    <dgm:style>
+      <a:lnRef idx="0">
+        <a:scrgbClr r="0" g="0" b="0"/>
+      </a:lnRef>
+      <a:fillRef idx="1">
+        <a:scrgbClr r="0" g="0" b="0"/>
+      </a:fillRef>
+      <a:effectRef idx="0">
+        <a:scrgbClr r="0" g="0" b="0"/>
+      </a:effectRef>
+      <a:fontRef idx="minor"/>
+    </dgm:style>
+  </dgm:styleLbl>
+  <dgm:styleLbl name="dkBgShp">
+    <dgm:scene3d>
+      <a:camera prst="orthographicFront"/>
+      <a:lightRig rig="threePt" dir="t"/>
+    </dgm:scene3d>
+    <dgm:sp3d/>
+    <dgm:txPr/>
+    <dgm:style>
+      <a:lnRef idx="0">
+        <a:scrgbClr r="0" g="0" b="0"/>
+      </a:lnRef>
+      <a:fillRef idx="1">
+        <a:scrgbClr r="0" g="0" b="0"/>
+      </a:fillRef>
+      <a:effectRef idx="0">
+        <a:scrgbClr r="0" g="0" b="0"/>
+      </a:effectRef>
+      <a:fontRef idx="minor"/>
+    </dgm:style>
+  </dgm:styleLbl>
+  <dgm:styleLbl name="trBgShp">
+    <dgm:scene3d>
+      <a:camera prst="orthographicFront"/>
+      <a:lightRig rig="threePt" dir="t"/>
+    </dgm:scene3d>
+    <dgm:sp3d/>
+    <dgm:txPr/>
+    <dgm:style>
+      <a:lnRef idx="0">
+        <a:scrgbClr r="0" g="0" b="0"/>
+      </a:lnRef>
+      <a:fillRef idx="1">
+        <a:scrgbClr r="0" g="0" b="0"/>
+      </a:fillRef>
+      <a:effectRef idx="0">
+        <a:scrgbClr r="0" g="0" b="0"/>
+      </a:effectRef>
+      <a:fontRef idx="minor"/>
+    </dgm:style>
+  </dgm:styleLbl>
+  <dgm:styleLbl name="fgShp">
+    <dgm:scene3d>
+      <a:camera prst="orthographicFront"/>
+      <a:lightRig rig="threePt" dir="t"/>
+    </dgm:scene3d>
+    <dgm:sp3d/>
+    <dgm:txPr/>
+    <dgm:style>
+      <a:lnRef idx="2">
+        <a:scrgbClr r="0" g="0" b="0"/>
+      </a:lnRef>
+      <a:fillRef idx="1">
+        <a:scrgbClr r="0" g="0" b="0"/>
+      </a:fillRef>
+      <a:effectRef idx="0">
+        <a:scrgbClr r="0" g="0" b="0"/>
+      </a:effectRef>
+      <a:fontRef idx="minor"/>
+    </dgm:style>
+  </dgm:styleLbl>
+  <dgm:styleLbl name="revTx">
+    <dgm:scene3d>
+      <a:camera prst="orthographicFront"/>
+      <a:lightRig rig="threePt" dir="t"/>
+    </dgm:scene3d>
+    <dgm:sp3d/>
+    <dgm:txPr/>
+    <dgm:style>
+      <a:lnRef idx="0">
+        <a:scrgbClr r="0" g="0" b="0"/>
+      </a:lnRef>
+      <a:fillRef idx="0">
+        <a:scrgbClr r="0" g="0" b="0"/>
+      </a:fillRef>
+      <a:effectRef idx="0">
+        <a:scrgbClr r="0" g="0" b="0"/>
+      </a:effectRef>
+      <a:fontRef idx="minor"/>
+    </dgm:style>
+  </dgm:styleLbl>
+</dgm:styleDef>
+</file>
+
 <file path=ppt/slideLayouts/slideLayout1.xml><?xml version="1.0" encoding="utf-8"?>
 <p:sldLayout xmlns:a="http://schemas.openxmlformats.org/drawingml/2006/main" xmlns:r="http://schemas.openxmlformats.org/officeDocument/2006/relationships" xmlns:p="http://schemas.openxmlformats.org/presentationml/2006/main" type="title" preserve="1">
   <p:cSld name="Title Slide">
@@ -289,7 +3986,7 @@
           <a:p>
             <a:fld id="{42C2343A-BF2E-4E4B-99FA-FDD616CF880E}" type="datetimeFigureOut">
               <a:rPr lang="en-IL" smtClean="0"/>
-              <a:t>30/12/2021</a:t>
+              <a:t>28/02/2022</a:t>
             </a:fld>
             <a:endParaRPr lang="en-IL"/>
           </a:p>
@@ -489,7 +4186,7 @@
           <a:p>
             <a:fld id="{42C2343A-BF2E-4E4B-99FA-FDD616CF880E}" type="datetimeFigureOut">
               <a:rPr lang="en-IL" smtClean="0"/>
-              <a:t>30/12/2021</a:t>
+              <a:t>28/02/2022</a:t>
             </a:fld>
             <a:endParaRPr lang="en-IL"/>
           </a:p>
@@ -699,7 +4396,7 @@
           <a:p>
             <a:fld id="{42C2343A-BF2E-4E4B-99FA-FDD616CF880E}" type="datetimeFigureOut">
               <a:rPr lang="en-IL" smtClean="0"/>
-              <a:t>30/12/2021</a:t>
+              <a:t>28/02/2022</a:t>
             </a:fld>
             <a:endParaRPr lang="en-IL"/>
           </a:p>
@@ -1004,7 +4701,7 @@
           <a:p>
             <a:fld id="{42C2343A-BF2E-4E4B-99FA-FDD616CF880E}" type="datetimeFigureOut">
               <a:rPr lang="en-IL" smtClean="0"/>
-              <a:t>30/12/2021</a:t>
+              <a:t>28/02/2022</a:t>
             </a:fld>
             <a:endParaRPr lang="en-IL"/>
           </a:p>
@@ -1280,7 +4977,7 @@
           <a:p>
             <a:fld id="{42C2343A-BF2E-4E4B-99FA-FDD616CF880E}" type="datetimeFigureOut">
               <a:rPr lang="en-IL" smtClean="0"/>
-              <a:t>30/12/2021</a:t>
+              <a:t>28/02/2022</a:t>
             </a:fld>
             <a:endParaRPr lang="en-IL"/>
           </a:p>
@@ -1548,7 +5245,7 @@
           <a:p>
             <a:fld id="{42C2343A-BF2E-4E4B-99FA-FDD616CF880E}" type="datetimeFigureOut">
               <a:rPr lang="en-IL" smtClean="0"/>
-              <a:t>30/12/2021</a:t>
+              <a:t>28/02/2022</a:t>
             </a:fld>
             <a:endParaRPr lang="en-IL"/>
           </a:p>
@@ -1963,7 +5660,7 @@
           <a:p>
             <a:fld id="{42C2343A-BF2E-4E4B-99FA-FDD616CF880E}" type="datetimeFigureOut">
               <a:rPr lang="en-IL" smtClean="0"/>
-              <a:t>30/12/2021</a:t>
+              <a:t>28/02/2022</a:t>
             </a:fld>
             <a:endParaRPr lang="en-IL"/>
           </a:p>
@@ -2105,7 +5802,7 @@
           <a:p>
             <a:fld id="{42C2343A-BF2E-4E4B-99FA-FDD616CF880E}" type="datetimeFigureOut">
               <a:rPr lang="en-IL" smtClean="0"/>
-              <a:t>30/12/2021</a:t>
+              <a:t>28/02/2022</a:t>
             </a:fld>
             <a:endParaRPr lang="en-IL"/>
           </a:p>
@@ -2218,7 +5915,7 @@
           <a:p>
             <a:fld id="{42C2343A-BF2E-4E4B-99FA-FDD616CF880E}" type="datetimeFigureOut">
               <a:rPr lang="en-IL" smtClean="0"/>
-              <a:t>30/12/2021</a:t>
+              <a:t>28/02/2022</a:t>
             </a:fld>
             <a:endParaRPr lang="en-IL"/>
           </a:p>
@@ -2531,7 +6228,7 @@
           <a:p>
             <a:fld id="{42C2343A-BF2E-4E4B-99FA-FDD616CF880E}" type="datetimeFigureOut">
               <a:rPr lang="en-IL" smtClean="0"/>
-              <a:t>30/12/2021</a:t>
+              <a:t>28/02/2022</a:t>
             </a:fld>
             <a:endParaRPr lang="en-IL"/>
           </a:p>
@@ -2820,7 +6517,7 @@
           <a:p>
             <a:fld id="{42C2343A-BF2E-4E4B-99FA-FDD616CF880E}" type="datetimeFigureOut">
               <a:rPr lang="en-IL" smtClean="0"/>
-              <a:t>30/12/2021</a:t>
+              <a:t>28/02/2022</a:t>
             </a:fld>
             <a:endParaRPr lang="en-IL"/>
           </a:p>
@@ -3063,7 +6760,7 @@
           <a:p>
             <a:fld id="{42C2343A-BF2E-4E4B-99FA-FDD616CF880E}" type="datetimeFigureOut">
               <a:rPr lang="en-IL" smtClean="0"/>
-              <a:t>30/12/2021</a:t>
+              <a:t>28/02/2022</a:t>
             </a:fld>
             <a:endParaRPr lang="en-IL"/>
           </a:p>
@@ -4099,7 +7796,7 @@
 </file>
 
 <file path=ppt/slides/slide12.xml><?xml version="1.0" encoding="utf-8"?>
-<p:sld xmlns:a="http://schemas.openxmlformats.org/drawingml/2006/main" xmlns:r="http://schemas.openxmlformats.org/officeDocument/2006/relationships" xmlns:p="http://schemas.openxmlformats.org/presentationml/2006/main" show="0">
+<p:sld xmlns:a="http://schemas.openxmlformats.org/drawingml/2006/main" xmlns:r="http://schemas.openxmlformats.org/officeDocument/2006/relationships" xmlns:p="http://schemas.openxmlformats.org/presentationml/2006/main">
   <p:cSld>
     <p:spTree>
       <p:nvGrpSpPr>
@@ -5897,7 +9594,7 @@
 </file>
 
 <file path=ppt/slides/slide13.xml><?xml version="1.0" encoding="utf-8"?>
-<p:sld xmlns:a="http://schemas.openxmlformats.org/drawingml/2006/main" xmlns:r="http://schemas.openxmlformats.org/officeDocument/2006/relationships" xmlns:p="http://schemas.openxmlformats.org/presentationml/2006/main" show="0">
+<p:sld xmlns:a="http://schemas.openxmlformats.org/drawingml/2006/main" xmlns:r="http://schemas.openxmlformats.org/officeDocument/2006/relationships" xmlns:p="http://schemas.openxmlformats.org/presentationml/2006/main">
   <p:cSld>
     <p:spTree>
       <p:nvGrpSpPr>
@@ -8072,7 +11769,7 @@
 </file>
 
 <file path=ppt/slides/slide14.xml><?xml version="1.0" encoding="utf-8"?>
-<p:sld xmlns:a="http://schemas.openxmlformats.org/drawingml/2006/main" xmlns:r="http://schemas.openxmlformats.org/officeDocument/2006/relationships" xmlns:p="http://schemas.openxmlformats.org/presentationml/2006/main" show="0">
+<p:sld xmlns:a="http://schemas.openxmlformats.org/drawingml/2006/main" xmlns:r="http://schemas.openxmlformats.org/officeDocument/2006/relationships" xmlns:p="http://schemas.openxmlformats.org/presentationml/2006/main">
   <p:cSld>
     <p:spTree>
       <p:nvGrpSpPr>
@@ -9679,7 +13376,7 @@
 </file>
 
 <file path=ppt/slides/slide15.xml><?xml version="1.0" encoding="utf-8"?>
-<p:sld xmlns:a="http://schemas.openxmlformats.org/drawingml/2006/main" xmlns:r="http://schemas.openxmlformats.org/officeDocument/2006/relationships" xmlns:p="http://schemas.openxmlformats.org/presentationml/2006/main" show="0">
+<p:sld xmlns:a="http://schemas.openxmlformats.org/drawingml/2006/main" xmlns:r="http://schemas.openxmlformats.org/officeDocument/2006/relationships" xmlns:p="http://schemas.openxmlformats.org/presentationml/2006/main">
   <p:cSld>
     <p:spTree>
       <p:nvGrpSpPr>
@@ -10290,7 +13987,7 @@
 </file>
 
 <file path=ppt/slides/slide16.xml><?xml version="1.0" encoding="utf-8"?>
-<p:sld xmlns:a="http://schemas.openxmlformats.org/drawingml/2006/main" xmlns:r="http://schemas.openxmlformats.org/officeDocument/2006/relationships" xmlns:p="http://schemas.openxmlformats.org/presentationml/2006/main" show="0">
+<p:sld xmlns:a="http://schemas.openxmlformats.org/drawingml/2006/main" xmlns:r="http://schemas.openxmlformats.org/officeDocument/2006/relationships" xmlns:p="http://schemas.openxmlformats.org/presentationml/2006/main">
   <p:cSld>
     <p:spTree>
       <p:nvGrpSpPr>
@@ -11803,7 +15500,7 @@
 </file>
 
 <file path=ppt/slides/slide17.xml><?xml version="1.0" encoding="utf-8"?>
-<p:sld xmlns:a="http://schemas.openxmlformats.org/drawingml/2006/main" xmlns:r="http://schemas.openxmlformats.org/officeDocument/2006/relationships" xmlns:p="http://schemas.openxmlformats.org/presentationml/2006/main" show="0">
+<p:sld xmlns:a="http://schemas.openxmlformats.org/drawingml/2006/main" xmlns:r="http://schemas.openxmlformats.org/officeDocument/2006/relationships" xmlns:p="http://schemas.openxmlformats.org/presentationml/2006/main">
   <p:cSld>
     <p:spTree>
       <p:nvGrpSpPr>
@@ -13847,7 +17544,7 @@
 </file>
 
 <file path=ppt/slides/slide18.xml><?xml version="1.0" encoding="utf-8"?>
-<p:sld xmlns:a="http://schemas.openxmlformats.org/drawingml/2006/main" xmlns:r="http://schemas.openxmlformats.org/officeDocument/2006/relationships" xmlns:p="http://schemas.openxmlformats.org/presentationml/2006/main" show="0">
+<p:sld xmlns:a="http://schemas.openxmlformats.org/drawingml/2006/main" xmlns:r="http://schemas.openxmlformats.org/officeDocument/2006/relationships" xmlns:p="http://schemas.openxmlformats.org/presentationml/2006/main">
   <p:cSld>
     <p:spTree>
       <p:nvGrpSpPr>
@@ -13984,7 +17681,7 @@
 </file>
 
 <file path=ppt/slides/slide19.xml><?xml version="1.0" encoding="utf-8"?>
-<p:sld xmlns:a="http://schemas.openxmlformats.org/drawingml/2006/main" xmlns:r="http://schemas.openxmlformats.org/officeDocument/2006/relationships" xmlns:p="http://schemas.openxmlformats.org/presentationml/2006/main" show="0">
+<p:sld xmlns:a="http://schemas.openxmlformats.org/drawingml/2006/main" xmlns:r="http://schemas.openxmlformats.org/officeDocument/2006/relationships" xmlns:p="http://schemas.openxmlformats.org/presentationml/2006/main">
   <p:cSld>
     <p:spTree>
       <p:nvGrpSpPr>
@@ -17556,7 +21253,7 @@
 </file>
 
 <file path=ppt/slides/slide20.xml><?xml version="1.0" encoding="utf-8"?>
-<p:sld xmlns:a="http://schemas.openxmlformats.org/drawingml/2006/main" xmlns:r="http://schemas.openxmlformats.org/officeDocument/2006/relationships" xmlns:p="http://schemas.openxmlformats.org/presentationml/2006/main" show="0">
+<p:sld xmlns:a="http://schemas.openxmlformats.org/drawingml/2006/main" xmlns:r="http://schemas.openxmlformats.org/officeDocument/2006/relationships" xmlns:p="http://schemas.openxmlformats.org/presentationml/2006/main">
   <p:cSld>
     <p:spTree>
       <p:nvGrpSpPr>
@@ -18890,7 +22587,7 @@
               </a:lnSpc>
             </a:pPr>
             <a:r>
-              <a:rPr lang="en-US" sz="1800" b="0" strike="noStrike" spc="-1">
+              <a:rPr lang="en-US" sz="1800" b="0" strike="noStrike" spc="-1" dirty="0">
                 <a:solidFill>
                   <a:srgbClr val="000000"/>
                 </a:solidFill>
@@ -18902,9 +22599,9 @@
                 <a:latin typeface="Calibri"/>
                 <a:ea typeface="DejaVu Sans"/>
               </a:rPr>
-              <a:t> :30XXX</a:t>
-            </a:r>
-            <a:endParaRPr lang="en-US" sz="1800" b="0" strike="noStrike" spc="-1">
+              <a:t> :31999</a:t>
+            </a:r>
+            <a:endParaRPr lang="en-US" sz="1800" b="0" strike="noStrike" spc="-1" dirty="0">
               <a:solidFill>
                 <a:srgbClr val="000000"/>
               </a:solidFill>
@@ -19518,6 +23215,14 @@
 <file path=ppt/slides/slide22.xml><?xml version="1.0" encoding="utf-8"?>
 <p:sld xmlns:a="http://schemas.openxmlformats.org/drawingml/2006/main" xmlns:r="http://schemas.openxmlformats.org/officeDocument/2006/relationships" xmlns:p="http://schemas.openxmlformats.org/presentationml/2006/main">
   <p:cSld>
+    <p:bg>
+      <p:bgPr>
+        <a:solidFill>
+          <a:schemeClr val="bg1"/>
+        </a:solidFill>
+        <a:effectLst/>
+      </p:bgPr>
+    </p:bg>
     <p:spTree>
       <p:nvGrpSpPr>
         <p:cNvPr id="1" name=""/>
@@ -19532,24 +23237,542 @@
           <a:chExt cx="0" cy="0"/>
         </a:xfrm>
       </p:grpSpPr>
-      <p:sp>
-        <p:nvSpPr>
-          <p:cNvPr id="296" name="CustomShape 1"/>
-          <p:cNvSpPr/>
-          <p:nvPr/>
+      <p:sp useBgFill="1">
+        <p:nvSpPr>
+          <p:cNvPr id="110" name="Rectangle 109">
+            <a:extLst>
+              <a:ext uri="{FF2B5EF4-FFF2-40B4-BE49-F238E27FC236}">
+                <a16:creationId xmlns:a16="http://schemas.microsoft.com/office/drawing/2014/main" id="{827B839B-9ADE-406B-8590-F1CAEDED45A1}"/>
+              </a:ext>
+              <a:ext uri="{C183D7F6-B498-43B3-948B-1728B52AA6E4}">
+                <adec:decorative xmlns:adec="http://schemas.microsoft.com/office/drawing/2017/decorative" val="1"/>
+              </a:ext>
+            </a:extLst>
+          </p:cNvPr>
+          <p:cNvSpPr>
+            <a:spLocks noGrp="1" noRot="1" noChangeAspect="1" noMove="1" noResize="1" noEditPoints="1" noAdjustHandles="1" noChangeArrowheads="1" noChangeShapeType="1" noTextEdit="1"/>
+          </p:cNvSpPr>
+          <p:nvPr>
+            <p:extLst>
+              <p:ext uri="{386F3935-93C4-4BCD-93E2-E3B085C9AB24}">
+                <p16:designElem xmlns:p16="http://schemas.microsoft.com/office/powerpoint/2015/main" val="1"/>
+              </p:ext>
+            </p:extLst>
+          </p:nvPr>
         </p:nvSpPr>
         <p:spPr>
           <a:xfrm>
-            <a:off x="838080" y="365040"/>
-            <a:ext cx="10514880" cy="1324800"/>
+            <a:off x="0" y="0"/>
+            <a:ext cx="12188952" cy="6858000"/>
           </a:xfrm>
           <a:prstGeom prst="rect">
             <a:avLst/>
           </a:prstGeom>
-          <a:noFill/>
           <a:ln>
             <a:noFill/>
           </a:ln>
+        </p:spPr>
+        <p:style>
+          <a:lnRef idx="2">
+            <a:schemeClr val="accent1">
+              <a:shade val="50000"/>
+            </a:schemeClr>
+          </a:lnRef>
+          <a:fillRef idx="1">
+            <a:schemeClr val="accent1"/>
+          </a:fillRef>
+          <a:effectRef idx="0">
+            <a:schemeClr val="accent1"/>
+          </a:effectRef>
+          <a:fontRef idx="minor">
+            <a:schemeClr val="lt1"/>
+          </a:fontRef>
+        </p:style>
+        <p:txBody>
+          <a:bodyPr rtlCol="0" anchor="ctr"/>
+          <a:lstStyle/>
+          <a:p>
+            <a:pPr algn="ctr"/>
+            <a:endParaRPr lang="en-US"/>
+          </a:p>
+        </p:txBody>
+      </p:sp>
+      <p:sp>
+        <p:nvSpPr>
+          <p:cNvPr id="112" name="Freeform 45">
+            <a:extLst>
+              <a:ext uri="{FF2B5EF4-FFF2-40B4-BE49-F238E27FC236}">
+                <a16:creationId xmlns:a16="http://schemas.microsoft.com/office/drawing/2014/main" id="{CFE45BF0-46DB-408C-B5F7-7B11716805D4}"/>
+              </a:ext>
+              <a:ext uri="{C183D7F6-B498-43B3-948B-1728B52AA6E4}">
+                <adec:decorative xmlns:adec="http://schemas.microsoft.com/office/drawing/2017/decorative" val="1"/>
+              </a:ext>
+            </a:extLst>
+          </p:cNvPr>
+          <p:cNvSpPr>
+            <a:spLocks noGrp="1" noRot="1" noChangeAspect="1" noMove="1" noResize="1" noEditPoints="1" noAdjustHandles="1" noChangeArrowheads="1" noChangeShapeType="1" noTextEdit="1"/>
+          </p:cNvSpPr>
+          <p:nvPr>
+            <p:extLst>
+              <p:ext uri="{386F3935-93C4-4BCD-93E2-E3B085C9AB24}">
+                <p16:designElem xmlns:p16="http://schemas.microsoft.com/office/powerpoint/2015/main" val="1"/>
+              </p:ext>
+            </p:extLst>
+          </p:nvPr>
+        </p:nvSpPr>
+        <p:spPr bwMode="auto">
+          <a:xfrm>
+            <a:off x="409710" y="1022350"/>
+            <a:ext cx="709612" cy="2095501"/>
+          </a:xfrm>
+          <a:custGeom>
+            <a:avLst/>
+            <a:gdLst>
+              <a:gd name="T0" fmla="*/ 447 w 447"/>
+              <a:gd name="T1" fmla="*/ 1363 h 1363"/>
+              <a:gd name="T2" fmla="*/ 0 w 447"/>
+              <a:gd name="T3" fmla="*/ 987 h 1363"/>
+              <a:gd name="T4" fmla="*/ 0 w 447"/>
+              <a:gd name="T5" fmla="*/ 0 h 1363"/>
+              <a:gd name="T6" fmla="*/ 447 w 447"/>
+              <a:gd name="T7" fmla="*/ 376 h 1363"/>
+              <a:gd name="T8" fmla="*/ 447 w 447"/>
+              <a:gd name="T9" fmla="*/ 1363 h 1363"/>
+            </a:gdLst>
+            <a:ahLst/>
+            <a:cxnLst>
+              <a:cxn ang="0">
+                <a:pos x="T0" y="T1"/>
+              </a:cxn>
+              <a:cxn ang="0">
+                <a:pos x="T2" y="T3"/>
+              </a:cxn>
+              <a:cxn ang="0">
+                <a:pos x="T4" y="T5"/>
+              </a:cxn>
+              <a:cxn ang="0">
+                <a:pos x="T6" y="T7"/>
+              </a:cxn>
+              <a:cxn ang="0">
+                <a:pos x="T8" y="T9"/>
+              </a:cxn>
+            </a:cxnLst>
+            <a:rect l="0" t="0" r="r" b="b"/>
+            <a:pathLst>
+              <a:path w="447" h="1363">
+                <a:moveTo>
+                  <a:pt x="447" y="1363"/>
+                </a:moveTo>
+                <a:lnTo>
+                  <a:pt x="0" y="987"/>
+                </a:lnTo>
+                <a:lnTo>
+                  <a:pt x="0" y="0"/>
+                </a:lnTo>
+                <a:lnTo>
+                  <a:pt x="447" y="376"/>
+                </a:lnTo>
+                <a:lnTo>
+                  <a:pt x="447" y="1363"/>
+                </a:lnTo>
+                <a:close/>
+              </a:path>
+            </a:pathLst>
+          </a:custGeom>
+          <a:solidFill>
+            <a:schemeClr val="accent1">
+              <a:lumMod val="50000"/>
+            </a:schemeClr>
+          </a:solidFill>
+          <a:ln>
+            <a:noFill/>
+          </a:ln>
+        </p:spPr>
+        <p:txBody>
+          <a:bodyPr vert="horz" wrap="square" lIns="91440" tIns="45720" rIns="91440" bIns="45720" numCol="1" anchor="t" anchorCtr="0" compatLnSpc="1">
+            <a:prstTxWarp prst="textNoShape">
+              <a:avLst/>
+            </a:prstTxWarp>
+          </a:bodyPr>
+          <a:lstStyle/>
+          <a:p>
+            <a:endParaRPr lang="en-US"/>
+          </a:p>
+        </p:txBody>
+      </p:sp>
+      <p:sp>
+        <p:nvSpPr>
+          <p:cNvPr id="114" name="Freeform 46">
+            <a:extLst>
+              <a:ext uri="{FF2B5EF4-FFF2-40B4-BE49-F238E27FC236}">
+                <a16:creationId xmlns:a16="http://schemas.microsoft.com/office/drawing/2014/main" id="{2AEBC8F2-97B1-41B4-93F1-2D289E197FBA}"/>
+              </a:ext>
+              <a:ext uri="{C183D7F6-B498-43B3-948B-1728B52AA6E4}">
+                <adec:decorative xmlns:adec="http://schemas.microsoft.com/office/drawing/2017/decorative" val="1"/>
+              </a:ext>
+            </a:extLst>
+          </p:cNvPr>
+          <p:cNvSpPr>
+            <a:spLocks noGrp="1" noRot="1" noChangeAspect="1" noMove="1" noResize="1" noEditPoints="1" noAdjustHandles="1" noChangeArrowheads="1" noChangeShapeType="1" noTextEdit="1"/>
+          </p:cNvSpPr>
+          <p:nvPr>
+            <p:extLst>
+              <p:ext uri="{386F3935-93C4-4BCD-93E2-E3B085C9AB24}">
+                <p16:designElem xmlns:p16="http://schemas.microsoft.com/office/powerpoint/2015/main" val="1"/>
+              </p:ext>
+            </p:extLst>
+          </p:nvPr>
+        </p:nvSpPr>
+        <p:spPr bwMode="auto">
+          <a:xfrm>
+            <a:off x="409710" y="837744"/>
+            <a:ext cx="403225" cy="1705431"/>
+          </a:xfrm>
+          <a:custGeom>
+            <a:avLst/>
+            <a:gdLst>
+              <a:gd name="T0" fmla="*/ 254 w 254"/>
+              <a:gd name="T1" fmla="*/ 987 h 1109"/>
+              <a:gd name="T2" fmla="*/ 0 w 254"/>
+              <a:gd name="T3" fmla="*/ 1109 h 1109"/>
+              <a:gd name="T4" fmla="*/ 0 w 254"/>
+              <a:gd name="T5" fmla="*/ 119 h 1109"/>
+              <a:gd name="T6" fmla="*/ 254 w 254"/>
+              <a:gd name="T7" fmla="*/ 0 h 1109"/>
+              <a:gd name="T8" fmla="*/ 254 w 254"/>
+              <a:gd name="T9" fmla="*/ 987 h 1109"/>
+            </a:gdLst>
+            <a:ahLst/>
+            <a:cxnLst>
+              <a:cxn ang="0">
+                <a:pos x="T0" y="T1"/>
+              </a:cxn>
+              <a:cxn ang="0">
+                <a:pos x="T2" y="T3"/>
+              </a:cxn>
+              <a:cxn ang="0">
+                <a:pos x="T4" y="T5"/>
+              </a:cxn>
+              <a:cxn ang="0">
+                <a:pos x="T6" y="T7"/>
+              </a:cxn>
+              <a:cxn ang="0">
+                <a:pos x="T8" y="T9"/>
+              </a:cxn>
+            </a:cxnLst>
+            <a:rect l="0" t="0" r="r" b="b"/>
+            <a:pathLst>
+              <a:path w="254" h="1109">
+                <a:moveTo>
+                  <a:pt x="254" y="987"/>
+                </a:moveTo>
+                <a:lnTo>
+                  <a:pt x="0" y="1109"/>
+                </a:lnTo>
+                <a:lnTo>
+                  <a:pt x="0" y="119"/>
+                </a:lnTo>
+                <a:lnTo>
+                  <a:pt x="254" y="0"/>
+                </a:lnTo>
+                <a:lnTo>
+                  <a:pt x="254" y="987"/>
+                </a:lnTo>
+                <a:close/>
+              </a:path>
+            </a:pathLst>
+          </a:custGeom>
+          <a:solidFill>
+            <a:schemeClr val="accent1">
+              <a:lumMod val="75000"/>
+            </a:schemeClr>
+          </a:solidFill>
+          <a:ln>
+            <a:noFill/>
+          </a:ln>
+        </p:spPr>
+        <p:txBody>
+          <a:bodyPr vert="horz" wrap="square" lIns="91440" tIns="45720" rIns="91440" bIns="45720" numCol="1" anchor="t" anchorCtr="0" compatLnSpc="1">
+            <a:prstTxWarp prst="textNoShape">
+              <a:avLst/>
+            </a:prstTxWarp>
+          </a:bodyPr>
+          <a:lstStyle/>
+          <a:p>
+            <a:endParaRPr lang="en-US"/>
+          </a:p>
+        </p:txBody>
+      </p:sp>
+      <p:sp>
+        <p:nvSpPr>
+          <p:cNvPr id="116" name="Freeform 47">
+            <a:extLst>
+              <a:ext uri="{FF2B5EF4-FFF2-40B4-BE49-F238E27FC236}">
+                <a16:creationId xmlns:a16="http://schemas.microsoft.com/office/drawing/2014/main" id="{472E3A19-F5D5-48FC-BB9C-48C2F68F598B}"/>
+              </a:ext>
+              <a:ext uri="{C183D7F6-B498-43B3-948B-1728B52AA6E4}">
+                <adec:decorative xmlns:adec="http://schemas.microsoft.com/office/drawing/2017/decorative" val="1"/>
+              </a:ext>
+            </a:extLst>
+          </p:cNvPr>
+          <p:cNvSpPr>
+            <a:spLocks noGrp="1" noRot="1" noChangeAspect="1" noMove="1" noResize="1" noEditPoints="1" noAdjustHandles="1" noChangeArrowheads="1" noChangeShapeType="1" noTextEdit="1"/>
+          </p:cNvSpPr>
+          <p:nvPr>
+            <p:extLst>
+              <p:ext uri="{386F3935-93C4-4BCD-93E2-E3B085C9AB24}">
+                <p16:designElem xmlns:p16="http://schemas.microsoft.com/office/powerpoint/2015/main" val="1"/>
+              </p:ext>
+            </p:extLst>
+          </p:nvPr>
+        </p:nvSpPr>
+        <p:spPr bwMode="auto">
+          <a:xfrm>
+            <a:off x="644660" y="640894"/>
+            <a:ext cx="168275" cy="1713195"/>
+          </a:xfrm>
+          <a:custGeom>
+            <a:avLst/>
+            <a:gdLst>
+              <a:gd name="T0" fmla="*/ 106 w 106"/>
+              <a:gd name="T1" fmla="*/ 1114 h 1114"/>
+              <a:gd name="T2" fmla="*/ 0 w 106"/>
+              <a:gd name="T3" fmla="*/ 1005 h 1114"/>
+              <a:gd name="T4" fmla="*/ 0 w 106"/>
+              <a:gd name="T5" fmla="*/ 0 h 1114"/>
+              <a:gd name="T6" fmla="*/ 106 w 106"/>
+              <a:gd name="T7" fmla="*/ 110 h 1114"/>
+              <a:gd name="T8" fmla="*/ 106 w 106"/>
+              <a:gd name="T9" fmla="*/ 1114 h 1114"/>
+            </a:gdLst>
+            <a:ahLst/>
+            <a:cxnLst>
+              <a:cxn ang="0">
+                <a:pos x="T0" y="T1"/>
+              </a:cxn>
+              <a:cxn ang="0">
+                <a:pos x="T2" y="T3"/>
+              </a:cxn>
+              <a:cxn ang="0">
+                <a:pos x="T4" y="T5"/>
+              </a:cxn>
+              <a:cxn ang="0">
+                <a:pos x="T6" y="T7"/>
+              </a:cxn>
+              <a:cxn ang="0">
+                <a:pos x="T8" y="T9"/>
+              </a:cxn>
+            </a:cxnLst>
+            <a:rect l="0" t="0" r="r" b="b"/>
+            <a:pathLst>
+              <a:path w="106" h="1114">
+                <a:moveTo>
+                  <a:pt x="106" y="1114"/>
+                </a:moveTo>
+                <a:lnTo>
+                  <a:pt x="0" y="1005"/>
+                </a:lnTo>
+                <a:lnTo>
+                  <a:pt x="0" y="0"/>
+                </a:lnTo>
+                <a:lnTo>
+                  <a:pt x="106" y="110"/>
+                </a:lnTo>
+                <a:lnTo>
+                  <a:pt x="106" y="1114"/>
+                </a:lnTo>
+                <a:close/>
+              </a:path>
+            </a:pathLst>
+          </a:custGeom>
+          <a:solidFill>
+            <a:schemeClr val="accent1">
+              <a:lumMod val="50000"/>
+            </a:schemeClr>
+          </a:solidFill>
+          <a:ln>
+            <a:noFill/>
+          </a:ln>
+        </p:spPr>
+        <p:txBody>
+          <a:bodyPr vert="horz" wrap="square" lIns="91440" tIns="45720" rIns="91440" bIns="45720" numCol="1" anchor="t" anchorCtr="0" compatLnSpc="1">
+            <a:prstTxWarp prst="textNoShape">
+              <a:avLst/>
+            </a:prstTxWarp>
+          </a:bodyPr>
+          <a:lstStyle/>
+          <a:p>
+            <a:endParaRPr lang="en-US"/>
+          </a:p>
+        </p:txBody>
+      </p:sp>
+      <p:sp>
+        <p:nvSpPr>
+          <p:cNvPr id="118" name="Freeform 44">
+            <a:extLst>
+              <a:ext uri="{FF2B5EF4-FFF2-40B4-BE49-F238E27FC236}">
+                <a16:creationId xmlns:a16="http://schemas.microsoft.com/office/drawing/2014/main" id="{7A62E32F-BB65-43A8-8EB5-92346890E549}"/>
+              </a:ext>
+              <a:ext uri="{C183D7F6-B498-43B3-948B-1728B52AA6E4}">
+                <adec:decorative xmlns:adec="http://schemas.microsoft.com/office/drawing/2017/decorative" val="1"/>
+              </a:ext>
+            </a:extLst>
+          </p:cNvPr>
+          <p:cNvSpPr>
+            <a:spLocks noGrp="1" noRot="1" noChangeAspect="1" noMove="1" noResize="1" noEditPoints="1" noAdjustHandles="1" noChangeArrowheads="1" noChangeShapeType="1" noTextEdit="1"/>
+          </p:cNvSpPr>
+          <p:nvPr>
+            <p:extLst>
+              <p:ext uri="{386F3935-93C4-4BCD-93E2-E3B085C9AB24}">
+                <p16:designElem xmlns:p16="http://schemas.microsoft.com/office/powerpoint/2015/main" val="1"/>
+              </p:ext>
+            </p:extLst>
+          </p:nvPr>
+        </p:nvSpPr>
+        <p:spPr bwMode="auto">
+          <a:xfrm>
+            <a:off x="11223203" y="635716"/>
+            <a:ext cx="328612" cy="1742360"/>
+          </a:xfrm>
+          <a:custGeom>
+            <a:avLst/>
+            <a:gdLst>
+              <a:gd name="T0" fmla="*/ 207 w 207"/>
+              <a:gd name="T1" fmla="*/ 987 h 1114"/>
+              <a:gd name="T2" fmla="*/ 0 w 207"/>
+              <a:gd name="T3" fmla="*/ 1114 h 1114"/>
+              <a:gd name="T4" fmla="*/ 0 w 207"/>
+              <a:gd name="T5" fmla="*/ 127 h 1114"/>
+              <a:gd name="T6" fmla="*/ 207 w 207"/>
+              <a:gd name="T7" fmla="*/ 0 h 1114"/>
+              <a:gd name="T8" fmla="*/ 207 w 207"/>
+              <a:gd name="T9" fmla="*/ 987 h 1114"/>
+            </a:gdLst>
+            <a:ahLst/>
+            <a:cxnLst>
+              <a:cxn ang="0">
+                <a:pos x="T0" y="T1"/>
+              </a:cxn>
+              <a:cxn ang="0">
+                <a:pos x="T2" y="T3"/>
+              </a:cxn>
+              <a:cxn ang="0">
+                <a:pos x="T4" y="T5"/>
+              </a:cxn>
+              <a:cxn ang="0">
+                <a:pos x="T6" y="T7"/>
+              </a:cxn>
+              <a:cxn ang="0">
+                <a:pos x="T8" y="T9"/>
+              </a:cxn>
+            </a:cxnLst>
+            <a:rect l="0" t="0" r="r" b="b"/>
+            <a:pathLst>
+              <a:path w="207" h="1114">
+                <a:moveTo>
+                  <a:pt x="207" y="987"/>
+                </a:moveTo>
+                <a:lnTo>
+                  <a:pt x="0" y="1114"/>
+                </a:lnTo>
+                <a:lnTo>
+                  <a:pt x="0" y="127"/>
+                </a:lnTo>
+                <a:lnTo>
+                  <a:pt x="207" y="0"/>
+                </a:lnTo>
+                <a:lnTo>
+                  <a:pt x="207" y="987"/>
+                </a:lnTo>
+                <a:close/>
+              </a:path>
+            </a:pathLst>
+          </a:custGeom>
+          <a:solidFill>
+            <a:schemeClr val="accent1">
+              <a:lumMod val="50000"/>
+            </a:schemeClr>
+          </a:solidFill>
+          <a:ln>
+            <a:noFill/>
+          </a:ln>
+        </p:spPr>
+        <p:txBody>
+          <a:bodyPr vert="horz" wrap="square" lIns="91440" tIns="45720" rIns="91440" bIns="45720" numCol="1" anchor="t" anchorCtr="0" compatLnSpc="1">
+            <a:prstTxWarp prst="textNoShape">
+              <a:avLst/>
+            </a:prstTxWarp>
+          </a:bodyPr>
+          <a:lstStyle/>
+          <a:p>
+            <a:endParaRPr lang="en-US"/>
+          </a:p>
+        </p:txBody>
+      </p:sp>
+      <p:sp>
+        <p:nvSpPr>
+          <p:cNvPr id="120" name="Rectangle 119">
+            <a:extLst>
+              <a:ext uri="{FF2B5EF4-FFF2-40B4-BE49-F238E27FC236}">
+                <a16:creationId xmlns:a16="http://schemas.microsoft.com/office/drawing/2014/main" id="{14E91B64-9FCC-451E-AFB4-A827D6329367}"/>
+              </a:ext>
+              <a:ext uri="{C183D7F6-B498-43B3-948B-1728B52AA6E4}">
+                <adec:decorative xmlns:adec="http://schemas.microsoft.com/office/drawing/2017/decorative" val="1"/>
+              </a:ext>
+            </a:extLst>
+          </p:cNvPr>
+          <p:cNvSpPr>
+            <a:spLocks noGrp="1" noRot="1" noChangeAspect="1" noMove="1" noResize="1" noEditPoints="1" noAdjustHandles="1" noChangeArrowheads="1" noChangeShapeType="1" noTextEdit="1"/>
+          </p:cNvSpPr>
+          <p:nvPr>
+            <p:extLst>
+              <p:ext uri="{386F3935-93C4-4BCD-93E2-E3B085C9AB24}">
+                <p16:designElem xmlns:p16="http://schemas.microsoft.com/office/powerpoint/2015/main" val="1"/>
+              </p:ext>
+            </p:extLst>
+          </p:nvPr>
+        </p:nvSpPr>
+        <p:spPr bwMode="auto">
+          <a:xfrm>
+            <a:off x="644055" y="635715"/>
+            <a:ext cx="10907863" cy="1541457"/>
+          </a:xfrm>
+          <a:prstGeom prst="rect">
+            <a:avLst/>
+          </a:prstGeom>
+          <a:solidFill>
+            <a:schemeClr val="accent1"/>
+          </a:solidFill>
+          <a:ln>
+            <a:noFill/>
+          </a:ln>
+        </p:spPr>
+        <p:txBody>
+          <a:bodyPr vert="horz" wrap="square" lIns="91440" tIns="45720" rIns="91440" bIns="45720" numCol="1" anchor="t" anchorCtr="0" compatLnSpc="1">
+            <a:prstTxWarp prst="textNoShape">
+              <a:avLst/>
+            </a:prstTxWarp>
+          </a:bodyPr>
+          <a:lstStyle/>
+          <a:p>
+            <a:endParaRPr lang="en-US"/>
+          </a:p>
+        </p:txBody>
+      </p:sp>
+      <p:sp>
+        <p:nvSpPr>
+          <p:cNvPr id="296" name="CustomShape 1"/>
+          <p:cNvSpPr/>
+          <p:nvPr/>
+        </p:nvSpPr>
+        <p:spPr>
+          <a:xfrm>
+            <a:off x="958506" y="800392"/>
+            <a:ext cx="10264697" cy="1212102"/>
+          </a:xfrm>
+          <a:prstGeom prst="rect">
+            <a:avLst/>
+          </a:prstGeom>
         </p:spPr>
         <p:style>
           <a:lnRef idx="0">
@@ -19564,39 +23787,38 @@
           <a:fontRef idx="minor"/>
         </p:style>
         <p:txBody>
-          <a:bodyPr lIns="90000" tIns="45000" rIns="90000" bIns="45000" anchor="ctr"/>
+          <a:bodyPr vert="horz" lIns="91440" tIns="45720" rIns="91440" bIns="45720" rtlCol="0" anchor="ctr">
+            <a:normAutofit/>
+          </a:bodyPr>
           <a:lstStyle/>
           <a:p>
             <a:pPr>
               <a:lnSpc>
                 <a:spcPct val="90000"/>
               </a:lnSpc>
+              <a:spcBef>
+                <a:spcPct val="0"/>
+              </a:spcBef>
+              <a:spcAft>
+                <a:spcPts val="600"/>
+              </a:spcAft>
             </a:pPr>
             <a:r>
-              <a:rPr lang="en-US" sz="4400" b="0" strike="noStrike" spc="-1">
-                <a:solidFill>
-                  <a:srgbClr val="000000"/>
-                </a:solidFill>
-                <a:uFill>
-                  <a:solidFill>
-                    <a:srgbClr val="FFFFFF"/>
-                  </a:solidFill>
-                </a:uFill>
-                <a:latin typeface="Calibri Light"/>
+              <a:rPr lang="en-US" sz="4000" b="0" strike="noStrike" kern="1200" spc="-1">
+                <a:solidFill>
+                  <a:srgbClr val="FFFFFF"/>
+                </a:solidFill>
+                <a:uFill>
+                  <a:solidFill>
+                    <a:srgbClr val="FFFFFF"/>
+                  </a:solidFill>
+                </a:uFill>
+                <a:latin typeface="+mj-lt"/>
+                <a:ea typeface="+mj-ea"/>
+                <a:cs typeface="+mj-cs"/>
               </a:rPr>
               <a:t>Liveness</a:t>
             </a:r>
-            <a:endParaRPr lang="en-US" sz="1800" b="0" strike="noStrike" spc="-1">
-              <a:solidFill>
-                <a:srgbClr val="000000"/>
-              </a:solidFill>
-              <a:uFill>
-                <a:solidFill>
-                  <a:srgbClr val="FFFFFF"/>
-                </a:solidFill>
-              </a:uFill>
-              <a:latin typeface="Arial"/>
-            </a:endParaRPr>
           </a:p>
         </p:txBody>
       </p:sp>
@@ -19608,16 +23830,12 @@
         </p:nvSpPr>
         <p:spPr>
           <a:xfrm>
-            <a:off x="838080" y="1825560"/>
-            <a:ext cx="10514880" cy="4350600"/>
+            <a:off x="1367624" y="2490436"/>
+            <a:ext cx="9708995" cy="3567173"/>
           </a:xfrm>
           <a:prstGeom prst="rect">
             <a:avLst/>
           </a:prstGeom>
-          <a:noFill/>
-          <a:ln>
-            <a:noFill/>
-          </a:ln>
         </p:spPr>
         <p:style>
           <a:lnRef idx="0">
@@ -19632,132 +23850,96 @@
           <a:fontRef idx="minor"/>
         </p:style>
         <p:txBody>
-          <a:bodyPr lIns="90000" tIns="45000" rIns="90000" bIns="45000"/>
+          <a:bodyPr vert="horz" lIns="91440" tIns="45720" rIns="91440" bIns="45720" rtlCol="0" anchor="ctr">
+            <a:normAutofit/>
+          </a:bodyPr>
           <a:lstStyle/>
           <a:p>
-            <a:pPr>
+            <a:pPr indent="-228600">
               <a:lnSpc>
-                <a:spcPct val="100000"/>
+                <a:spcPct val="90000"/>
               </a:lnSpc>
+              <a:spcAft>
+                <a:spcPts val="600"/>
+              </a:spcAft>
+              <a:buFont typeface="Arial" panose="020B0604020202020204" pitchFamily="34" charset="0"/>
+              <a:buChar char="•"/>
             </a:pPr>
             <a:r>
-              <a:rPr lang="en-US" sz="2800" b="0" strike="noStrike" spc="-1">
-                <a:solidFill>
-                  <a:srgbClr val="000000"/>
-                </a:solidFill>
-                <a:uFill>
-                  <a:solidFill>
-                    <a:srgbClr val="FFFFFF"/>
-                  </a:solidFill>
-                </a:uFill>
-                <a:latin typeface="Calibri"/>
+              <a:rPr lang="en-US" sz="2400" b="0" strike="noStrike" spc="-1">
+                <a:uFill>
+                  <a:solidFill>
+                    <a:srgbClr val="FFFFFF"/>
+                  </a:solidFill>
+                </a:uFill>
               </a:rPr>
               <a:t>The </a:t>
             </a:r>
             <a:r>
-              <a:rPr lang="en-US" sz="2800" b="0" u="sng" strike="noStrike" spc="-1">
-                <a:solidFill>
-                  <a:srgbClr val="0000FF"/>
-                </a:solidFill>
-                <a:uFill>
-                  <a:solidFill>
-                    <a:srgbClr val="FFFFFF"/>
-                  </a:solidFill>
-                </a:uFill>
-                <a:latin typeface="Calibri"/>
+              <a:rPr lang="en-US" sz="2400" b="0" u="sng" strike="noStrike" spc="-1">
+                <a:uFill>
+                  <a:solidFill>
+                    <a:srgbClr val="FFFFFF"/>
+                  </a:solidFill>
+                </a:uFill>
                 <a:hlinkClick r:id="rId2"/>
               </a:rPr>
               <a:t>kubelet</a:t>
             </a:r>
             <a:r>
-              <a:rPr lang="en-US" sz="2800" b="0" strike="noStrike" spc="-1">
-                <a:solidFill>
-                  <a:srgbClr val="000000"/>
-                </a:solidFill>
-                <a:uFill>
-                  <a:solidFill>
-                    <a:srgbClr val="FFFFFF"/>
-                  </a:solidFill>
-                </a:uFill>
-                <a:latin typeface="Calibri"/>
+              <a:rPr lang="en-US" sz="2400" b="0" strike="noStrike" spc="-1">
+                <a:uFill>
+                  <a:solidFill>
+                    <a:srgbClr val="FFFFFF"/>
+                  </a:solidFill>
+                </a:uFill>
               </a:rPr>
               <a:t> uses liveness probes to know when to restart a Container.</a:t>
             </a:r>
-            <a:endParaRPr lang="en-US" sz="1800" b="0" strike="noStrike" spc="-1">
-              <a:solidFill>
-                <a:srgbClr val="000000"/>
-              </a:solidFill>
-              <a:uFill>
-                <a:solidFill>
-                  <a:srgbClr val="FFFFFF"/>
-                </a:solidFill>
-              </a:uFill>
-              <a:latin typeface="Arial"/>
-            </a:endParaRPr>
-          </a:p>
-          <a:p>
-            <a:pPr>
+          </a:p>
+          <a:p>
+            <a:pPr indent="-228600">
               <a:lnSpc>
-                <a:spcPct val="100000"/>
+                <a:spcPct val="90000"/>
               </a:lnSpc>
+              <a:spcAft>
+                <a:spcPts val="600"/>
+              </a:spcAft>
+              <a:buFont typeface="Arial" panose="020B0604020202020204" pitchFamily="34" charset="0"/>
+              <a:buChar char="•"/>
             </a:pPr>
             <a:r>
-              <a:rPr lang="en-US" sz="2800" b="0" strike="noStrike" spc="-1">
-                <a:solidFill>
-                  <a:srgbClr val="000000"/>
-                </a:solidFill>
-                <a:uFill>
-                  <a:solidFill>
-                    <a:srgbClr val="FFFFFF"/>
-                  </a:solidFill>
-                </a:uFill>
-                <a:latin typeface="Calibri"/>
+              <a:rPr lang="en-US" sz="2400" b="0" strike="noStrike" spc="-1">
+                <a:uFill>
+                  <a:solidFill>
+                    <a:srgbClr val="FFFFFF"/>
+                  </a:solidFill>
+                </a:uFill>
               </a:rPr>
               <a:t>For example, liveness probes could catch a deadlock, where an application is running, but unable to make progress. </a:t>
             </a:r>
-            <a:endParaRPr lang="en-US" sz="1800" b="0" strike="noStrike" spc="-1">
-              <a:solidFill>
-                <a:srgbClr val="000000"/>
-              </a:solidFill>
-              <a:uFill>
-                <a:solidFill>
-                  <a:srgbClr val="FFFFFF"/>
-                </a:solidFill>
-              </a:uFill>
-              <a:latin typeface="Arial"/>
-            </a:endParaRPr>
-          </a:p>
-          <a:p>
-            <a:pPr>
+          </a:p>
+          <a:p>
+            <a:pPr indent="-228600">
               <a:lnSpc>
-                <a:spcPct val="100000"/>
+                <a:spcPct val="90000"/>
               </a:lnSpc>
+              <a:spcAft>
+                <a:spcPts val="600"/>
+              </a:spcAft>
+              <a:buFont typeface="Arial" panose="020B0604020202020204" pitchFamily="34" charset="0"/>
+              <a:buChar char="•"/>
             </a:pPr>
             <a:r>
-              <a:rPr lang="en-US" sz="2800" b="0" strike="noStrike" spc="-1">
-                <a:solidFill>
-                  <a:srgbClr val="000000"/>
-                </a:solidFill>
-                <a:uFill>
-                  <a:solidFill>
-                    <a:srgbClr val="FFFFFF"/>
-                  </a:solidFill>
-                </a:uFill>
-                <a:latin typeface="Calibri"/>
+              <a:rPr lang="en-US" sz="2400" b="0" strike="noStrike" spc="-1">
+                <a:uFill>
+                  <a:solidFill>
+                    <a:srgbClr val="FFFFFF"/>
+                  </a:solidFill>
+                </a:uFill>
               </a:rPr>
               <a:t>Restarting a Container in such a state can help to make the application more available despite bugs.</a:t>
             </a:r>
-            <a:endParaRPr lang="en-US" sz="1800" b="0" strike="noStrike" spc="-1">
-              <a:solidFill>
-                <a:srgbClr val="000000"/>
-              </a:solidFill>
-              <a:uFill>
-                <a:solidFill>
-                  <a:srgbClr val="FFFFFF"/>
-                </a:solidFill>
-              </a:uFill>
-              <a:latin typeface="Arial"/>
-            </a:endParaRPr>
           </a:p>
         </p:txBody>
       </p:sp>
@@ -19964,6 +24146,14 @@
 <file path=ppt/slides/slide25.xml><?xml version="1.0" encoding="utf-8"?>
 <p:sld xmlns:a="http://schemas.openxmlformats.org/drawingml/2006/main" xmlns:r="http://schemas.openxmlformats.org/officeDocument/2006/relationships" xmlns:p="http://schemas.openxmlformats.org/presentationml/2006/main">
   <p:cSld>
+    <p:bg>
+      <p:bgPr>
+        <a:solidFill>
+          <a:schemeClr val="bg1"/>
+        </a:solidFill>
+        <a:effectLst/>
+      </p:bgPr>
+    </p:bg>
     <p:spTree>
       <p:nvGrpSpPr>
         <p:cNvPr id="1" name=""/>
@@ -19978,24 +24168,542 @@
           <a:chExt cx="0" cy="0"/>
         </a:xfrm>
       </p:grpSpPr>
-      <p:sp>
-        <p:nvSpPr>
-          <p:cNvPr id="300" name="CustomShape 1"/>
-          <p:cNvSpPr/>
-          <p:nvPr/>
+      <p:sp useBgFill="1">
+        <p:nvSpPr>
+          <p:cNvPr id="114" name="Rectangle 113">
+            <a:extLst>
+              <a:ext uri="{FF2B5EF4-FFF2-40B4-BE49-F238E27FC236}">
+                <a16:creationId xmlns:a16="http://schemas.microsoft.com/office/drawing/2014/main" id="{827B839B-9ADE-406B-8590-F1CAEDED45A1}"/>
+              </a:ext>
+              <a:ext uri="{C183D7F6-B498-43B3-948B-1728B52AA6E4}">
+                <adec:decorative xmlns:adec="http://schemas.microsoft.com/office/drawing/2017/decorative" val="1"/>
+              </a:ext>
+            </a:extLst>
+          </p:cNvPr>
+          <p:cNvSpPr>
+            <a:spLocks noGrp="1" noRot="1" noChangeAspect="1" noMove="1" noResize="1" noEditPoints="1" noAdjustHandles="1" noChangeArrowheads="1" noChangeShapeType="1" noTextEdit="1"/>
+          </p:cNvSpPr>
+          <p:nvPr>
+            <p:extLst>
+              <p:ext uri="{386F3935-93C4-4BCD-93E2-E3B085C9AB24}">
+                <p16:designElem xmlns:p16="http://schemas.microsoft.com/office/powerpoint/2015/main" val="1"/>
+              </p:ext>
+            </p:extLst>
+          </p:nvPr>
         </p:nvSpPr>
         <p:spPr>
           <a:xfrm>
-            <a:off x="838080" y="365040"/>
-            <a:ext cx="10514880" cy="1324800"/>
+            <a:off x="0" y="0"/>
+            <a:ext cx="12188952" cy="6858000"/>
           </a:xfrm>
           <a:prstGeom prst="rect">
             <a:avLst/>
           </a:prstGeom>
-          <a:noFill/>
           <a:ln>
             <a:noFill/>
           </a:ln>
+        </p:spPr>
+        <p:style>
+          <a:lnRef idx="2">
+            <a:schemeClr val="accent1">
+              <a:shade val="50000"/>
+            </a:schemeClr>
+          </a:lnRef>
+          <a:fillRef idx="1">
+            <a:schemeClr val="accent1"/>
+          </a:fillRef>
+          <a:effectRef idx="0">
+            <a:schemeClr val="accent1"/>
+          </a:effectRef>
+          <a:fontRef idx="minor">
+            <a:schemeClr val="lt1"/>
+          </a:fontRef>
+        </p:style>
+        <p:txBody>
+          <a:bodyPr rtlCol="0" anchor="ctr"/>
+          <a:lstStyle/>
+          <a:p>
+            <a:pPr algn="ctr"/>
+            <a:endParaRPr lang="en-US"/>
+          </a:p>
+        </p:txBody>
+      </p:sp>
+      <p:sp>
+        <p:nvSpPr>
+          <p:cNvPr id="116" name="Freeform 45">
+            <a:extLst>
+              <a:ext uri="{FF2B5EF4-FFF2-40B4-BE49-F238E27FC236}">
+                <a16:creationId xmlns:a16="http://schemas.microsoft.com/office/drawing/2014/main" id="{CFE45BF0-46DB-408C-B5F7-7B11716805D4}"/>
+              </a:ext>
+              <a:ext uri="{C183D7F6-B498-43B3-948B-1728B52AA6E4}">
+                <adec:decorative xmlns:adec="http://schemas.microsoft.com/office/drawing/2017/decorative" val="1"/>
+              </a:ext>
+            </a:extLst>
+          </p:cNvPr>
+          <p:cNvSpPr>
+            <a:spLocks noGrp="1" noRot="1" noChangeAspect="1" noMove="1" noResize="1" noEditPoints="1" noAdjustHandles="1" noChangeArrowheads="1" noChangeShapeType="1" noTextEdit="1"/>
+          </p:cNvSpPr>
+          <p:nvPr>
+            <p:extLst>
+              <p:ext uri="{386F3935-93C4-4BCD-93E2-E3B085C9AB24}">
+                <p16:designElem xmlns:p16="http://schemas.microsoft.com/office/powerpoint/2015/main" val="1"/>
+              </p:ext>
+            </p:extLst>
+          </p:nvPr>
+        </p:nvSpPr>
+        <p:spPr bwMode="auto">
+          <a:xfrm>
+            <a:off x="409710" y="1022350"/>
+            <a:ext cx="709612" cy="2095501"/>
+          </a:xfrm>
+          <a:custGeom>
+            <a:avLst/>
+            <a:gdLst>
+              <a:gd name="T0" fmla="*/ 447 w 447"/>
+              <a:gd name="T1" fmla="*/ 1363 h 1363"/>
+              <a:gd name="T2" fmla="*/ 0 w 447"/>
+              <a:gd name="T3" fmla="*/ 987 h 1363"/>
+              <a:gd name="T4" fmla="*/ 0 w 447"/>
+              <a:gd name="T5" fmla="*/ 0 h 1363"/>
+              <a:gd name="T6" fmla="*/ 447 w 447"/>
+              <a:gd name="T7" fmla="*/ 376 h 1363"/>
+              <a:gd name="T8" fmla="*/ 447 w 447"/>
+              <a:gd name="T9" fmla="*/ 1363 h 1363"/>
+            </a:gdLst>
+            <a:ahLst/>
+            <a:cxnLst>
+              <a:cxn ang="0">
+                <a:pos x="T0" y="T1"/>
+              </a:cxn>
+              <a:cxn ang="0">
+                <a:pos x="T2" y="T3"/>
+              </a:cxn>
+              <a:cxn ang="0">
+                <a:pos x="T4" y="T5"/>
+              </a:cxn>
+              <a:cxn ang="0">
+                <a:pos x="T6" y="T7"/>
+              </a:cxn>
+              <a:cxn ang="0">
+                <a:pos x="T8" y="T9"/>
+              </a:cxn>
+            </a:cxnLst>
+            <a:rect l="0" t="0" r="r" b="b"/>
+            <a:pathLst>
+              <a:path w="447" h="1363">
+                <a:moveTo>
+                  <a:pt x="447" y="1363"/>
+                </a:moveTo>
+                <a:lnTo>
+                  <a:pt x="0" y="987"/>
+                </a:lnTo>
+                <a:lnTo>
+                  <a:pt x="0" y="0"/>
+                </a:lnTo>
+                <a:lnTo>
+                  <a:pt x="447" y="376"/>
+                </a:lnTo>
+                <a:lnTo>
+                  <a:pt x="447" y="1363"/>
+                </a:lnTo>
+                <a:close/>
+              </a:path>
+            </a:pathLst>
+          </a:custGeom>
+          <a:solidFill>
+            <a:schemeClr val="accent1">
+              <a:lumMod val="50000"/>
+            </a:schemeClr>
+          </a:solidFill>
+          <a:ln>
+            <a:noFill/>
+          </a:ln>
+        </p:spPr>
+        <p:txBody>
+          <a:bodyPr vert="horz" wrap="square" lIns="91440" tIns="45720" rIns="91440" bIns="45720" numCol="1" anchor="t" anchorCtr="0" compatLnSpc="1">
+            <a:prstTxWarp prst="textNoShape">
+              <a:avLst/>
+            </a:prstTxWarp>
+          </a:bodyPr>
+          <a:lstStyle/>
+          <a:p>
+            <a:endParaRPr lang="en-US"/>
+          </a:p>
+        </p:txBody>
+      </p:sp>
+      <p:sp>
+        <p:nvSpPr>
+          <p:cNvPr id="118" name="Freeform 46">
+            <a:extLst>
+              <a:ext uri="{FF2B5EF4-FFF2-40B4-BE49-F238E27FC236}">
+                <a16:creationId xmlns:a16="http://schemas.microsoft.com/office/drawing/2014/main" id="{2AEBC8F2-97B1-41B4-93F1-2D289E197FBA}"/>
+              </a:ext>
+              <a:ext uri="{C183D7F6-B498-43B3-948B-1728B52AA6E4}">
+                <adec:decorative xmlns:adec="http://schemas.microsoft.com/office/drawing/2017/decorative" val="1"/>
+              </a:ext>
+            </a:extLst>
+          </p:cNvPr>
+          <p:cNvSpPr>
+            <a:spLocks noGrp="1" noRot="1" noChangeAspect="1" noMove="1" noResize="1" noEditPoints="1" noAdjustHandles="1" noChangeArrowheads="1" noChangeShapeType="1" noTextEdit="1"/>
+          </p:cNvSpPr>
+          <p:nvPr>
+            <p:extLst>
+              <p:ext uri="{386F3935-93C4-4BCD-93E2-E3B085C9AB24}">
+                <p16:designElem xmlns:p16="http://schemas.microsoft.com/office/powerpoint/2015/main" val="1"/>
+              </p:ext>
+            </p:extLst>
+          </p:nvPr>
+        </p:nvSpPr>
+        <p:spPr bwMode="auto">
+          <a:xfrm>
+            <a:off x="409710" y="837744"/>
+            <a:ext cx="403225" cy="1705431"/>
+          </a:xfrm>
+          <a:custGeom>
+            <a:avLst/>
+            <a:gdLst>
+              <a:gd name="T0" fmla="*/ 254 w 254"/>
+              <a:gd name="T1" fmla="*/ 987 h 1109"/>
+              <a:gd name="T2" fmla="*/ 0 w 254"/>
+              <a:gd name="T3" fmla="*/ 1109 h 1109"/>
+              <a:gd name="T4" fmla="*/ 0 w 254"/>
+              <a:gd name="T5" fmla="*/ 119 h 1109"/>
+              <a:gd name="T6" fmla="*/ 254 w 254"/>
+              <a:gd name="T7" fmla="*/ 0 h 1109"/>
+              <a:gd name="T8" fmla="*/ 254 w 254"/>
+              <a:gd name="T9" fmla="*/ 987 h 1109"/>
+            </a:gdLst>
+            <a:ahLst/>
+            <a:cxnLst>
+              <a:cxn ang="0">
+                <a:pos x="T0" y="T1"/>
+              </a:cxn>
+              <a:cxn ang="0">
+                <a:pos x="T2" y="T3"/>
+              </a:cxn>
+              <a:cxn ang="0">
+                <a:pos x="T4" y="T5"/>
+              </a:cxn>
+              <a:cxn ang="0">
+                <a:pos x="T6" y="T7"/>
+              </a:cxn>
+              <a:cxn ang="0">
+                <a:pos x="T8" y="T9"/>
+              </a:cxn>
+            </a:cxnLst>
+            <a:rect l="0" t="0" r="r" b="b"/>
+            <a:pathLst>
+              <a:path w="254" h="1109">
+                <a:moveTo>
+                  <a:pt x="254" y="987"/>
+                </a:moveTo>
+                <a:lnTo>
+                  <a:pt x="0" y="1109"/>
+                </a:lnTo>
+                <a:lnTo>
+                  <a:pt x="0" y="119"/>
+                </a:lnTo>
+                <a:lnTo>
+                  <a:pt x="254" y="0"/>
+                </a:lnTo>
+                <a:lnTo>
+                  <a:pt x="254" y="987"/>
+                </a:lnTo>
+                <a:close/>
+              </a:path>
+            </a:pathLst>
+          </a:custGeom>
+          <a:solidFill>
+            <a:schemeClr val="accent1">
+              <a:lumMod val="75000"/>
+            </a:schemeClr>
+          </a:solidFill>
+          <a:ln>
+            <a:noFill/>
+          </a:ln>
+        </p:spPr>
+        <p:txBody>
+          <a:bodyPr vert="horz" wrap="square" lIns="91440" tIns="45720" rIns="91440" bIns="45720" numCol="1" anchor="t" anchorCtr="0" compatLnSpc="1">
+            <a:prstTxWarp prst="textNoShape">
+              <a:avLst/>
+            </a:prstTxWarp>
+          </a:bodyPr>
+          <a:lstStyle/>
+          <a:p>
+            <a:endParaRPr lang="en-US"/>
+          </a:p>
+        </p:txBody>
+      </p:sp>
+      <p:sp>
+        <p:nvSpPr>
+          <p:cNvPr id="120" name="Freeform 47">
+            <a:extLst>
+              <a:ext uri="{FF2B5EF4-FFF2-40B4-BE49-F238E27FC236}">
+                <a16:creationId xmlns:a16="http://schemas.microsoft.com/office/drawing/2014/main" id="{472E3A19-F5D5-48FC-BB9C-48C2F68F598B}"/>
+              </a:ext>
+              <a:ext uri="{C183D7F6-B498-43B3-948B-1728B52AA6E4}">
+                <adec:decorative xmlns:adec="http://schemas.microsoft.com/office/drawing/2017/decorative" val="1"/>
+              </a:ext>
+            </a:extLst>
+          </p:cNvPr>
+          <p:cNvSpPr>
+            <a:spLocks noGrp="1" noRot="1" noChangeAspect="1" noMove="1" noResize="1" noEditPoints="1" noAdjustHandles="1" noChangeArrowheads="1" noChangeShapeType="1" noTextEdit="1"/>
+          </p:cNvSpPr>
+          <p:nvPr>
+            <p:extLst>
+              <p:ext uri="{386F3935-93C4-4BCD-93E2-E3B085C9AB24}">
+                <p16:designElem xmlns:p16="http://schemas.microsoft.com/office/powerpoint/2015/main" val="1"/>
+              </p:ext>
+            </p:extLst>
+          </p:nvPr>
+        </p:nvSpPr>
+        <p:spPr bwMode="auto">
+          <a:xfrm>
+            <a:off x="644660" y="640894"/>
+            <a:ext cx="168275" cy="1713195"/>
+          </a:xfrm>
+          <a:custGeom>
+            <a:avLst/>
+            <a:gdLst>
+              <a:gd name="T0" fmla="*/ 106 w 106"/>
+              <a:gd name="T1" fmla="*/ 1114 h 1114"/>
+              <a:gd name="T2" fmla="*/ 0 w 106"/>
+              <a:gd name="T3" fmla="*/ 1005 h 1114"/>
+              <a:gd name="T4" fmla="*/ 0 w 106"/>
+              <a:gd name="T5" fmla="*/ 0 h 1114"/>
+              <a:gd name="T6" fmla="*/ 106 w 106"/>
+              <a:gd name="T7" fmla="*/ 110 h 1114"/>
+              <a:gd name="T8" fmla="*/ 106 w 106"/>
+              <a:gd name="T9" fmla="*/ 1114 h 1114"/>
+            </a:gdLst>
+            <a:ahLst/>
+            <a:cxnLst>
+              <a:cxn ang="0">
+                <a:pos x="T0" y="T1"/>
+              </a:cxn>
+              <a:cxn ang="0">
+                <a:pos x="T2" y="T3"/>
+              </a:cxn>
+              <a:cxn ang="0">
+                <a:pos x="T4" y="T5"/>
+              </a:cxn>
+              <a:cxn ang="0">
+                <a:pos x="T6" y="T7"/>
+              </a:cxn>
+              <a:cxn ang="0">
+                <a:pos x="T8" y="T9"/>
+              </a:cxn>
+            </a:cxnLst>
+            <a:rect l="0" t="0" r="r" b="b"/>
+            <a:pathLst>
+              <a:path w="106" h="1114">
+                <a:moveTo>
+                  <a:pt x="106" y="1114"/>
+                </a:moveTo>
+                <a:lnTo>
+                  <a:pt x="0" y="1005"/>
+                </a:lnTo>
+                <a:lnTo>
+                  <a:pt x="0" y="0"/>
+                </a:lnTo>
+                <a:lnTo>
+                  <a:pt x="106" y="110"/>
+                </a:lnTo>
+                <a:lnTo>
+                  <a:pt x="106" y="1114"/>
+                </a:lnTo>
+                <a:close/>
+              </a:path>
+            </a:pathLst>
+          </a:custGeom>
+          <a:solidFill>
+            <a:schemeClr val="accent1">
+              <a:lumMod val="50000"/>
+            </a:schemeClr>
+          </a:solidFill>
+          <a:ln>
+            <a:noFill/>
+          </a:ln>
+        </p:spPr>
+        <p:txBody>
+          <a:bodyPr vert="horz" wrap="square" lIns="91440" tIns="45720" rIns="91440" bIns="45720" numCol="1" anchor="t" anchorCtr="0" compatLnSpc="1">
+            <a:prstTxWarp prst="textNoShape">
+              <a:avLst/>
+            </a:prstTxWarp>
+          </a:bodyPr>
+          <a:lstStyle/>
+          <a:p>
+            <a:endParaRPr lang="en-US"/>
+          </a:p>
+        </p:txBody>
+      </p:sp>
+      <p:sp>
+        <p:nvSpPr>
+          <p:cNvPr id="122" name="Freeform 44">
+            <a:extLst>
+              <a:ext uri="{FF2B5EF4-FFF2-40B4-BE49-F238E27FC236}">
+                <a16:creationId xmlns:a16="http://schemas.microsoft.com/office/drawing/2014/main" id="{7A62E32F-BB65-43A8-8EB5-92346890E549}"/>
+              </a:ext>
+              <a:ext uri="{C183D7F6-B498-43B3-948B-1728B52AA6E4}">
+                <adec:decorative xmlns:adec="http://schemas.microsoft.com/office/drawing/2017/decorative" val="1"/>
+              </a:ext>
+            </a:extLst>
+          </p:cNvPr>
+          <p:cNvSpPr>
+            <a:spLocks noGrp="1" noRot="1" noChangeAspect="1" noMove="1" noResize="1" noEditPoints="1" noAdjustHandles="1" noChangeArrowheads="1" noChangeShapeType="1" noTextEdit="1"/>
+          </p:cNvSpPr>
+          <p:nvPr>
+            <p:extLst>
+              <p:ext uri="{386F3935-93C4-4BCD-93E2-E3B085C9AB24}">
+                <p16:designElem xmlns:p16="http://schemas.microsoft.com/office/powerpoint/2015/main" val="1"/>
+              </p:ext>
+            </p:extLst>
+          </p:nvPr>
+        </p:nvSpPr>
+        <p:spPr bwMode="auto">
+          <a:xfrm>
+            <a:off x="11223203" y="635716"/>
+            <a:ext cx="328612" cy="1742360"/>
+          </a:xfrm>
+          <a:custGeom>
+            <a:avLst/>
+            <a:gdLst>
+              <a:gd name="T0" fmla="*/ 207 w 207"/>
+              <a:gd name="T1" fmla="*/ 987 h 1114"/>
+              <a:gd name="T2" fmla="*/ 0 w 207"/>
+              <a:gd name="T3" fmla="*/ 1114 h 1114"/>
+              <a:gd name="T4" fmla="*/ 0 w 207"/>
+              <a:gd name="T5" fmla="*/ 127 h 1114"/>
+              <a:gd name="T6" fmla="*/ 207 w 207"/>
+              <a:gd name="T7" fmla="*/ 0 h 1114"/>
+              <a:gd name="T8" fmla="*/ 207 w 207"/>
+              <a:gd name="T9" fmla="*/ 987 h 1114"/>
+            </a:gdLst>
+            <a:ahLst/>
+            <a:cxnLst>
+              <a:cxn ang="0">
+                <a:pos x="T0" y="T1"/>
+              </a:cxn>
+              <a:cxn ang="0">
+                <a:pos x="T2" y="T3"/>
+              </a:cxn>
+              <a:cxn ang="0">
+                <a:pos x="T4" y="T5"/>
+              </a:cxn>
+              <a:cxn ang="0">
+                <a:pos x="T6" y="T7"/>
+              </a:cxn>
+              <a:cxn ang="0">
+                <a:pos x="T8" y="T9"/>
+              </a:cxn>
+            </a:cxnLst>
+            <a:rect l="0" t="0" r="r" b="b"/>
+            <a:pathLst>
+              <a:path w="207" h="1114">
+                <a:moveTo>
+                  <a:pt x="207" y="987"/>
+                </a:moveTo>
+                <a:lnTo>
+                  <a:pt x="0" y="1114"/>
+                </a:lnTo>
+                <a:lnTo>
+                  <a:pt x="0" y="127"/>
+                </a:lnTo>
+                <a:lnTo>
+                  <a:pt x="207" y="0"/>
+                </a:lnTo>
+                <a:lnTo>
+                  <a:pt x="207" y="987"/>
+                </a:lnTo>
+                <a:close/>
+              </a:path>
+            </a:pathLst>
+          </a:custGeom>
+          <a:solidFill>
+            <a:schemeClr val="accent1">
+              <a:lumMod val="50000"/>
+            </a:schemeClr>
+          </a:solidFill>
+          <a:ln>
+            <a:noFill/>
+          </a:ln>
+        </p:spPr>
+        <p:txBody>
+          <a:bodyPr vert="horz" wrap="square" lIns="91440" tIns="45720" rIns="91440" bIns="45720" numCol="1" anchor="t" anchorCtr="0" compatLnSpc="1">
+            <a:prstTxWarp prst="textNoShape">
+              <a:avLst/>
+            </a:prstTxWarp>
+          </a:bodyPr>
+          <a:lstStyle/>
+          <a:p>
+            <a:endParaRPr lang="en-US"/>
+          </a:p>
+        </p:txBody>
+      </p:sp>
+      <p:sp>
+        <p:nvSpPr>
+          <p:cNvPr id="124" name="Rectangle 123">
+            <a:extLst>
+              <a:ext uri="{FF2B5EF4-FFF2-40B4-BE49-F238E27FC236}">
+                <a16:creationId xmlns:a16="http://schemas.microsoft.com/office/drawing/2014/main" id="{14E91B64-9FCC-451E-AFB4-A827D6329367}"/>
+              </a:ext>
+              <a:ext uri="{C183D7F6-B498-43B3-948B-1728B52AA6E4}">
+                <adec:decorative xmlns:adec="http://schemas.microsoft.com/office/drawing/2017/decorative" val="1"/>
+              </a:ext>
+            </a:extLst>
+          </p:cNvPr>
+          <p:cNvSpPr>
+            <a:spLocks noGrp="1" noRot="1" noChangeAspect="1" noMove="1" noResize="1" noEditPoints="1" noAdjustHandles="1" noChangeArrowheads="1" noChangeShapeType="1" noTextEdit="1"/>
+          </p:cNvSpPr>
+          <p:nvPr>
+            <p:extLst>
+              <p:ext uri="{386F3935-93C4-4BCD-93E2-E3B085C9AB24}">
+                <p16:designElem xmlns:p16="http://schemas.microsoft.com/office/powerpoint/2015/main" val="1"/>
+              </p:ext>
+            </p:extLst>
+          </p:nvPr>
+        </p:nvSpPr>
+        <p:spPr bwMode="auto">
+          <a:xfrm>
+            <a:off x="644055" y="635715"/>
+            <a:ext cx="10907863" cy="1541457"/>
+          </a:xfrm>
+          <a:prstGeom prst="rect">
+            <a:avLst/>
+          </a:prstGeom>
+          <a:solidFill>
+            <a:schemeClr val="accent1"/>
+          </a:solidFill>
+          <a:ln>
+            <a:noFill/>
+          </a:ln>
+        </p:spPr>
+        <p:txBody>
+          <a:bodyPr vert="horz" wrap="square" lIns="91440" tIns="45720" rIns="91440" bIns="45720" numCol="1" anchor="t" anchorCtr="0" compatLnSpc="1">
+            <a:prstTxWarp prst="textNoShape">
+              <a:avLst/>
+            </a:prstTxWarp>
+          </a:bodyPr>
+          <a:lstStyle/>
+          <a:p>
+            <a:endParaRPr lang="en-US"/>
+          </a:p>
+        </p:txBody>
+      </p:sp>
+      <p:sp>
+        <p:nvSpPr>
+          <p:cNvPr id="300" name="CustomShape 1"/>
+          <p:cNvSpPr/>
+          <p:nvPr/>
+        </p:nvSpPr>
+        <p:spPr>
+          <a:xfrm>
+            <a:off x="958506" y="800392"/>
+            <a:ext cx="10264697" cy="1212102"/>
+          </a:xfrm>
+          <a:prstGeom prst="rect">
+            <a:avLst/>
+          </a:prstGeom>
         </p:spPr>
         <p:style>
           <a:lnRef idx="0">
@@ -20010,39 +24718,38 @@
           <a:fontRef idx="minor"/>
         </p:style>
         <p:txBody>
-          <a:bodyPr lIns="90000" tIns="45000" rIns="90000" bIns="45000" anchor="ctr"/>
+          <a:bodyPr vert="horz" lIns="91440" tIns="45720" rIns="91440" bIns="45720" rtlCol="0" anchor="ctr">
+            <a:normAutofit/>
+          </a:bodyPr>
           <a:lstStyle/>
           <a:p>
             <a:pPr>
               <a:lnSpc>
                 <a:spcPct val="90000"/>
               </a:lnSpc>
+              <a:spcBef>
+                <a:spcPct val="0"/>
+              </a:spcBef>
+              <a:spcAft>
+                <a:spcPts val="600"/>
+              </a:spcAft>
             </a:pPr>
             <a:r>
-              <a:rPr lang="en-US" sz="4400" b="0" strike="noStrike" spc="-1">
-                <a:solidFill>
-                  <a:srgbClr val="000000"/>
-                </a:solidFill>
-                <a:uFill>
-                  <a:solidFill>
-                    <a:srgbClr val="FFFFFF"/>
-                  </a:solidFill>
-                </a:uFill>
-                <a:latin typeface="Calibri Light"/>
+              <a:rPr lang="en-US" sz="4000" b="0" strike="noStrike" kern="1200" spc="-1">
+                <a:solidFill>
+                  <a:srgbClr val="FFFFFF"/>
+                </a:solidFill>
+                <a:uFill>
+                  <a:solidFill>
+                    <a:srgbClr val="FFFFFF"/>
+                  </a:solidFill>
+                </a:uFill>
+                <a:latin typeface="+mj-lt"/>
+                <a:ea typeface="+mj-ea"/>
+                <a:cs typeface="+mj-cs"/>
               </a:rPr>
               <a:t>Readiness</a:t>
             </a:r>
-            <a:endParaRPr lang="en-US" sz="1800" b="0" strike="noStrike" spc="-1">
-              <a:solidFill>
-                <a:srgbClr val="000000"/>
-              </a:solidFill>
-              <a:uFill>
-                <a:solidFill>
-                  <a:srgbClr val="FFFFFF"/>
-                </a:solidFill>
-              </a:uFill>
-              <a:latin typeface="Arial"/>
-            </a:endParaRPr>
           </a:p>
         </p:txBody>
       </p:sp>
@@ -20054,16 +24761,12 @@
         </p:nvSpPr>
         <p:spPr>
           <a:xfrm>
-            <a:off x="838080" y="1825560"/>
-            <a:ext cx="10514880" cy="4350600"/>
+            <a:off x="1367624" y="2490436"/>
+            <a:ext cx="9708995" cy="3567173"/>
           </a:xfrm>
           <a:prstGeom prst="rect">
             <a:avLst/>
           </a:prstGeom>
-          <a:noFill/>
-          <a:ln>
-            <a:noFill/>
-          </a:ln>
         </p:spPr>
         <p:style>
           <a:lnRef idx="0">
@@ -20078,81 +24781,59 @@
           <a:fontRef idx="minor"/>
         </p:style>
         <p:txBody>
-          <a:bodyPr lIns="90000" tIns="45000" rIns="90000" bIns="45000"/>
+          <a:bodyPr vert="horz" lIns="91440" tIns="45720" rIns="91440" bIns="45720" rtlCol="0" anchor="ctr">
+            <a:normAutofit/>
+          </a:bodyPr>
           <a:lstStyle/>
           <a:p>
-            <a:pPr marL="228600" indent="-227880">
+            <a:pPr marL="228600" indent="-228600">
               <a:lnSpc>
                 <a:spcPct val="90000"/>
               </a:lnSpc>
+              <a:spcAft>
+                <a:spcPts val="600"/>
+              </a:spcAft>
               <a:buClr>
                 <a:srgbClr val="000000"/>
               </a:buClr>
-              <a:buFont typeface="Arial"/>
+              <a:buFont typeface="Arial" panose="020B0604020202020204" pitchFamily="34" charset="0"/>
               <a:buChar char="•"/>
             </a:pPr>
             <a:r>
-              <a:rPr lang="en-US" sz="2800" b="0" strike="noStrike" spc="-1">
-                <a:solidFill>
-                  <a:srgbClr val="000000"/>
-                </a:solidFill>
-                <a:uFill>
-                  <a:solidFill>
-                    <a:srgbClr val="FFFFFF"/>
-                  </a:solidFill>
-                </a:uFill>
-                <a:latin typeface="Calibri"/>
+              <a:rPr lang="en-US" sz="2400" b="0" strike="noStrike" spc="-1" dirty="0">
+                <a:uFill>
+                  <a:solidFill>
+                    <a:srgbClr val="FFFFFF"/>
+                  </a:solidFill>
+                </a:uFill>
               </a:rPr>
               <a:t>An application might need to load large data or configuration files during startup. </a:t>
             </a:r>
-            <a:endParaRPr lang="en-US" sz="1800" b="0" strike="noStrike" spc="-1">
-              <a:solidFill>
-                <a:srgbClr val="000000"/>
-              </a:solidFill>
-              <a:uFill>
-                <a:solidFill>
-                  <a:srgbClr val="FFFFFF"/>
-                </a:solidFill>
-              </a:uFill>
-              <a:latin typeface="Arial"/>
-            </a:endParaRPr>
-          </a:p>
-          <a:p>
-            <a:pPr marL="228600" indent="-227880">
+          </a:p>
+          <a:p>
+            <a:pPr marL="228600" indent="-228600">
               <a:lnSpc>
                 <a:spcPct val="90000"/>
               </a:lnSpc>
+              <a:spcAft>
+                <a:spcPts val="600"/>
+              </a:spcAft>
               <a:buClr>
                 <a:srgbClr val="000000"/>
               </a:buClr>
-              <a:buFont typeface="Arial"/>
+              <a:buFont typeface="Arial" panose="020B0604020202020204" pitchFamily="34" charset="0"/>
               <a:buChar char="•"/>
             </a:pPr>
             <a:r>
-              <a:rPr lang="en-US" sz="2800" b="0" strike="noStrike" spc="-1">
-                <a:solidFill>
-                  <a:srgbClr val="000000"/>
-                </a:solidFill>
-                <a:uFill>
-                  <a:solidFill>
-                    <a:srgbClr val="FFFFFF"/>
-                  </a:solidFill>
-                </a:uFill>
-                <a:latin typeface="Calibri"/>
+              <a:rPr lang="en-US" sz="2400" b="0" strike="noStrike" spc="-1" dirty="0">
+                <a:uFill>
+                  <a:solidFill>
+                    <a:srgbClr val="FFFFFF"/>
+                  </a:solidFill>
+                </a:uFill>
               </a:rPr>
               <a:t>A pod with containers reporting that they are not ready does not receive traffic through Kubernetes Services.</a:t>
             </a:r>
-            <a:endParaRPr lang="en-US" sz="1800" b="0" strike="noStrike" spc="-1">
-              <a:solidFill>
-                <a:srgbClr val="000000"/>
-              </a:solidFill>
-              <a:uFill>
-                <a:solidFill>
-                  <a:srgbClr val="FFFFFF"/>
-                </a:solidFill>
-              </a:uFill>
-              <a:latin typeface="Arial"/>
-            </a:endParaRPr>
           </a:p>
         </p:txBody>
       </p:sp>
@@ -20300,6 +24981,145 @@
           </a:ln>
         </p:spPr>
       </p:pic>
+      <p:sp>
+        <p:nvSpPr>
+          <p:cNvPr id="2" name="TextBox 1">
+            <a:extLst>
+              <a:ext uri="{FF2B5EF4-FFF2-40B4-BE49-F238E27FC236}">
+                <a16:creationId xmlns:a16="http://schemas.microsoft.com/office/drawing/2014/main" id="{761DA029-A0AA-AC45-94CD-8B2C2E8BBB5C}"/>
+              </a:ext>
+            </a:extLst>
+          </p:cNvPr>
+          <p:cNvSpPr txBox="1"/>
+          <p:nvPr/>
+        </p:nvSpPr>
+        <p:spPr>
+          <a:xfrm>
+            <a:off x="5291192" y="5044612"/>
+            <a:ext cx="3236359" cy="923330"/>
+          </a:xfrm>
+          <a:prstGeom prst="rect">
+            <a:avLst/>
+          </a:prstGeom>
+          <a:noFill/>
+          <a:ln>
+            <a:solidFill>
+              <a:srgbClr val="FF0000"/>
+            </a:solidFill>
+          </a:ln>
+        </p:spPr>
+        <p:txBody>
+          <a:bodyPr wrap="square" rtlCol="0">
+            <a:spAutoFit/>
+          </a:bodyPr>
+          <a:lstStyle/>
+          <a:p>
+            <a:r>
+              <a:rPr lang="en-IL" dirty="0"/>
+              <a:t>livenessProbe initialDelay</a:t>
+            </a:r>
+          </a:p>
+          <a:p>
+            <a:r>
+              <a:rPr lang="en-IL" dirty="0"/>
+              <a:t>must be larger than </a:t>
+            </a:r>
+          </a:p>
+          <a:p>
+            <a:r>
+              <a:rPr lang="en-IL" dirty="0"/>
+              <a:t>readinessProbe initalDelay</a:t>
+            </a:r>
+          </a:p>
+        </p:txBody>
+      </p:sp>
+      <p:cxnSp>
+        <p:nvCxnSpPr>
+          <p:cNvPr id="4" name="Straight Arrow Connector 3">
+            <a:extLst>
+              <a:ext uri="{FF2B5EF4-FFF2-40B4-BE49-F238E27FC236}">
+                <a16:creationId xmlns:a16="http://schemas.microsoft.com/office/drawing/2014/main" id="{ED03A337-47B9-AC4F-A4F1-A677347F7EAD}"/>
+              </a:ext>
+            </a:extLst>
+          </p:cNvPr>
+          <p:cNvCxnSpPr/>
+          <p:nvPr/>
+        </p:nvCxnSpPr>
+        <p:spPr>
+          <a:xfrm flipH="1" flipV="1">
+            <a:off x="4572000" y="4972692"/>
+            <a:ext cx="719192" cy="267128"/>
+          </a:xfrm>
+          <a:prstGeom prst="straightConnector1">
+            <a:avLst/>
+          </a:prstGeom>
+          <a:ln>
+            <a:solidFill>
+              <a:srgbClr val="FF0000"/>
+            </a:solidFill>
+            <a:tailEnd type="triangle"/>
+          </a:ln>
+        </p:spPr>
+        <p:style>
+          <a:lnRef idx="1">
+            <a:schemeClr val="accent2"/>
+          </a:lnRef>
+          <a:fillRef idx="0">
+            <a:schemeClr val="accent2"/>
+          </a:fillRef>
+          <a:effectRef idx="0">
+            <a:schemeClr val="accent2"/>
+          </a:effectRef>
+          <a:fontRef idx="minor">
+            <a:schemeClr val="tx1"/>
+          </a:fontRef>
+        </p:style>
+      </p:cxnSp>
+      <p:cxnSp>
+        <p:nvCxnSpPr>
+          <p:cNvPr id="8" name="Straight Arrow Connector 7">
+            <a:extLst>
+              <a:ext uri="{FF2B5EF4-FFF2-40B4-BE49-F238E27FC236}">
+                <a16:creationId xmlns:a16="http://schemas.microsoft.com/office/drawing/2014/main" id="{7596C705-8912-694A-89AE-C7F58EB3DB82}"/>
+              </a:ext>
+            </a:extLst>
+          </p:cNvPr>
+          <p:cNvCxnSpPr>
+            <a:cxnSpLocks/>
+            <a:stCxn id="2" idx="1"/>
+          </p:cNvCxnSpPr>
+          <p:nvPr/>
+        </p:nvCxnSpPr>
+        <p:spPr>
+          <a:xfrm flipH="1">
+            <a:off x="4695290" y="5506277"/>
+            <a:ext cx="595902" cy="669883"/>
+          </a:xfrm>
+          <a:prstGeom prst="straightConnector1">
+            <a:avLst/>
+          </a:prstGeom>
+          <a:ln>
+            <a:solidFill>
+              <a:srgbClr val="FF0000"/>
+            </a:solidFill>
+            <a:tailEnd type="triangle"/>
+          </a:ln>
+        </p:spPr>
+        <p:style>
+          <a:lnRef idx="1">
+            <a:schemeClr val="accent2"/>
+          </a:lnRef>
+          <a:fillRef idx="0">
+            <a:schemeClr val="accent2"/>
+          </a:fillRef>
+          <a:effectRef idx="0">
+            <a:schemeClr val="accent2"/>
+          </a:effectRef>
+          <a:fontRef idx="minor">
+            <a:schemeClr val="tx1"/>
+          </a:fontRef>
+        </p:style>
+      </p:cxnSp>
     </p:spTree>
     <p:extLst>
       <p:ext uri="{BB962C8B-B14F-4D97-AF65-F5344CB8AC3E}">
@@ -21263,6 +26083,14 @@
 <file path=ppt/slides/slide29.xml><?xml version="1.0" encoding="utf-8"?>
 <p:sld xmlns:a="http://schemas.openxmlformats.org/drawingml/2006/main" xmlns:r="http://schemas.openxmlformats.org/officeDocument/2006/relationships" xmlns:p="http://schemas.openxmlformats.org/presentationml/2006/main">
   <p:cSld>
+    <p:bg>
+      <p:bgPr>
+        <a:solidFill>
+          <a:schemeClr val="bg1"/>
+        </a:solidFill>
+        <a:effectLst/>
+      </p:bgPr>
+    </p:bg>
     <p:spTree>
       <p:nvGrpSpPr>
         <p:cNvPr id="1" name=""/>
@@ -21277,24 +26105,80 @@
           <a:chExt cx="0" cy="0"/>
         </a:xfrm>
       </p:grpSpPr>
-      <p:sp>
-        <p:nvSpPr>
-          <p:cNvPr id="316" name="CustomShape 1"/>
-          <p:cNvSpPr/>
-          <p:nvPr/>
+      <p:sp useBgFill="1">
+        <p:nvSpPr>
+          <p:cNvPr id="125" name="Rectangle 124">
+            <a:extLst>
+              <a:ext uri="{FF2B5EF4-FFF2-40B4-BE49-F238E27FC236}">
+                <a16:creationId xmlns:a16="http://schemas.microsoft.com/office/drawing/2014/main" id="{D9A7F3BF-8763-4074-AD77-92790AF314D1}"/>
+              </a:ext>
+              <a:ext uri="{C183D7F6-B498-43B3-948B-1728B52AA6E4}">
+                <adec:decorative xmlns:adec="http://schemas.microsoft.com/office/drawing/2017/decorative" val="1"/>
+              </a:ext>
+            </a:extLst>
+          </p:cNvPr>
+          <p:cNvSpPr>
+            <a:spLocks noGrp="1" noRot="1" noChangeAspect="1" noMove="1" noResize="1" noEditPoints="1" noAdjustHandles="1" noChangeArrowheads="1" noChangeShapeType="1" noTextEdit="1"/>
+          </p:cNvSpPr>
+          <p:nvPr>
+            <p:extLst>
+              <p:ext uri="{386F3935-93C4-4BCD-93E2-E3B085C9AB24}">
+                <p16:designElem xmlns:p16="http://schemas.microsoft.com/office/powerpoint/2015/main" val="1"/>
+              </p:ext>
+            </p:extLst>
+          </p:nvPr>
         </p:nvSpPr>
         <p:spPr>
           <a:xfrm>
-            <a:off x="838080" y="365040"/>
-            <a:ext cx="10514880" cy="1324800"/>
+            <a:off x="0" y="0"/>
+            <a:ext cx="12192000" cy="6858000"/>
           </a:xfrm>
           <a:prstGeom prst="rect">
             <a:avLst/>
           </a:prstGeom>
-          <a:noFill/>
           <a:ln>
             <a:noFill/>
           </a:ln>
+        </p:spPr>
+        <p:style>
+          <a:lnRef idx="2">
+            <a:schemeClr val="accent1">
+              <a:shade val="50000"/>
+            </a:schemeClr>
+          </a:lnRef>
+          <a:fillRef idx="1">
+            <a:schemeClr val="accent1"/>
+          </a:fillRef>
+          <a:effectRef idx="0">
+            <a:schemeClr val="accent1"/>
+          </a:effectRef>
+          <a:fontRef idx="minor">
+            <a:schemeClr val="lt1"/>
+          </a:fontRef>
+        </p:style>
+        <p:txBody>
+          <a:bodyPr rtlCol="0" anchor="ctr"/>
+          <a:lstStyle/>
+          <a:p>
+            <a:pPr algn="ctr"/>
+            <a:endParaRPr lang="en-US"/>
+          </a:p>
+        </p:txBody>
+      </p:sp>
+      <p:sp>
+        <p:nvSpPr>
+          <p:cNvPr id="311" name="CustomShape 1"/>
+          <p:cNvSpPr/>
+          <p:nvPr/>
+        </p:nvSpPr>
+        <p:spPr>
+          <a:xfrm>
+            <a:off x="1188069" y="381935"/>
+            <a:ext cx="9356106" cy="1200329"/>
+          </a:xfrm>
+          <a:prstGeom prst="rect">
+            <a:avLst/>
+          </a:prstGeom>
         </p:spPr>
         <p:style>
           <a:lnRef idx="0">
@@ -21309,318 +26193,634 @@
           <a:fontRef idx="minor"/>
         </p:style>
         <p:txBody>
-          <a:bodyPr lIns="90000" tIns="45000" rIns="90000" bIns="45000" anchor="ctr"/>
+          <a:bodyPr vert="horz" lIns="91440" tIns="45720" rIns="91440" bIns="45720" rtlCol="0" anchor="t">
+            <a:normAutofit/>
+          </a:bodyPr>
           <a:lstStyle/>
           <a:p>
             <a:pPr>
               <a:lnSpc>
                 <a:spcPct val="90000"/>
               </a:lnSpc>
+              <a:spcBef>
+                <a:spcPct val="0"/>
+              </a:spcBef>
+              <a:spcAft>
+                <a:spcPts val="600"/>
+              </a:spcAft>
             </a:pPr>
             <a:r>
-              <a:rPr lang="en-US" sz="4400" b="0" strike="noStrike" spc="-1">
-                <a:solidFill>
-                  <a:srgbClr val="000000"/>
-                </a:solidFill>
-                <a:uFill>
-                  <a:solidFill>
-                    <a:srgbClr val="FFFFFF"/>
-                  </a:solidFill>
-                </a:uFill>
-                <a:latin typeface="Calibri Light"/>
-              </a:rPr>
-              <a:t>Secret</a:t>
-            </a:r>
-            <a:endParaRPr lang="en-US" sz="1800" b="0" strike="noStrike" spc="-1">
-              <a:solidFill>
-                <a:srgbClr val="000000"/>
-              </a:solidFill>
-              <a:uFill>
-                <a:solidFill>
-                  <a:srgbClr val="FFFFFF"/>
-                </a:solidFill>
-              </a:uFill>
-              <a:latin typeface="Arial"/>
-            </a:endParaRPr>
+              <a:rPr lang="en-US" sz="8000" b="0" strike="noStrike" kern="1200" spc="-1">
+                <a:solidFill>
+                  <a:schemeClr val="tx1"/>
+                </a:solidFill>
+                <a:uFill>
+                  <a:solidFill>
+                    <a:srgbClr val="FFFFFF"/>
+                  </a:solidFill>
+                </a:uFill>
+                <a:latin typeface="+mj-lt"/>
+                <a:ea typeface="+mj-ea"/>
+                <a:cs typeface="+mj-cs"/>
+              </a:rPr>
+              <a:t>ConfigMap update</a:t>
+            </a:r>
           </a:p>
         </p:txBody>
       </p:sp>
-      <p:pic>
-        <p:nvPicPr>
-          <p:cNvPr id="317" name="Content Placeholder 3"/>
-          <p:cNvPicPr/>
-          <p:nvPr/>
-        </p:nvPicPr>
-        <p:blipFill>
-          <a:blip r:embed="rId2"/>
-          <a:stretch/>
-        </p:blipFill>
+      <p:grpSp>
+        <p:nvGrpSpPr>
+          <p:cNvPr id="127" name="Group 126">
+            <a:extLst>
+              <a:ext uri="{FF2B5EF4-FFF2-40B4-BE49-F238E27FC236}">
+                <a16:creationId xmlns:a16="http://schemas.microsoft.com/office/drawing/2014/main" id="{7A9648D6-B41B-42D0-A817-AE2607B0B5B8}"/>
+              </a:ext>
+              <a:ext uri="{C183D7F6-B498-43B3-948B-1728B52AA6E4}">
+                <adec:decorative xmlns:adec="http://schemas.microsoft.com/office/drawing/2017/decorative" val="1"/>
+              </a:ext>
+            </a:extLst>
+          </p:cNvPr>
+          <p:cNvGrpSpPr>
+            <a:grpSpLocks noGrp="1" noUngrp="1" noRot="1" noChangeAspect="1" noMove="1" noResize="1"/>
+          </p:cNvGrpSpPr>
+          <p:nvPr>
+            <p:extLst>
+              <p:ext uri="{386F3935-93C4-4BCD-93E2-E3B085C9AB24}">
+                <p16:designElem xmlns:p16="http://schemas.microsoft.com/office/powerpoint/2015/main" val="1"/>
+              </p:ext>
+            </p:extLst>
+          </p:nvPr>
+        </p:nvGrpSpPr>
+        <p:grpSpPr>
+          <a:xfrm>
+            <a:off x="10994200" y="554152"/>
+            <a:ext cx="574177" cy="1075866"/>
+            <a:chOff x="10994200" y="554152"/>
+            <a:chExt cx="574177" cy="1075866"/>
+          </a:xfrm>
+        </p:grpSpPr>
+        <p:sp>
+          <p:nvSpPr>
+            <p:cNvPr id="128" name="Graphic 11">
+              <a:extLst>
+                <a:ext uri="{FF2B5EF4-FFF2-40B4-BE49-F238E27FC236}">
+                  <a16:creationId xmlns:a16="http://schemas.microsoft.com/office/drawing/2014/main" id="{6CB927A4-E432-4310-9CD5-E89FF5063179}"/>
+                </a:ext>
+                <a:ext uri="{C183D7F6-B498-43B3-948B-1728B52AA6E4}">
+                  <adec:decorative xmlns:adec="http://schemas.microsoft.com/office/drawing/2017/decorative" val="1"/>
+                </a:ext>
+              </a:extLst>
+            </p:cNvPr>
+            <p:cNvSpPr/>
+            <p:nvPr>
+              <p:extLst>
+                <p:ext uri="{386F3935-93C4-4BCD-93E2-E3B085C9AB24}">
+                  <p16:designElem xmlns:p16="http://schemas.microsoft.com/office/powerpoint/2015/main" val="1"/>
+                </p:ext>
+              </p:extLst>
+            </p:nvPr>
+          </p:nvSpPr>
+          <p:spPr>
+            <a:xfrm>
+              <a:off x="11013369" y="554152"/>
+              <a:ext cx="171515" cy="171515"/>
+            </a:xfrm>
+            <a:custGeom>
+              <a:avLst/>
+              <a:gdLst>
+                <a:gd name="connsiteX0" fmla="*/ 159874 w 171515"/>
+                <a:gd name="connsiteY0" fmla="*/ 74116 h 171515"/>
+                <a:gd name="connsiteX1" fmla="*/ 97399 w 171515"/>
+                <a:gd name="connsiteY1" fmla="*/ 74116 h 171515"/>
+                <a:gd name="connsiteX2" fmla="*/ 97399 w 171515"/>
+                <a:gd name="connsiteY2" fmla="*/ 11641 h 171515"/>
+                <a:gd name="connsiteX3" fmla="*/ 85758 w 171515"/>
+                <a:gd name="connsiteY3" fmla="*/ 0 h 171515"/>
+                <a:gd name="connsiteX4" fmla="*/ 74116 w 171515"/>
+                <a:gd name="connsiteY4" fmla="*/ 11641 h 171515"/>
+                <a:gd name="connsiteX5" fmla="*/ 74116 w 171515"/>
+                <a:gd name="connsiteY5" fmla="*/ 74116 h 171515"/>
+                <a:gd name="connsiteX6" fmla="*/ 11641 w 171515"/>
+                <a:gd name="connsiteY6" fmla="*/ 74116 h 171515"/>
+                <a:gd name="connsiteX7" fmla="*/ 0 w 171515"/>
+                <a:gd name="connsiteY7" fmla="*/ 85758 h 171515"/>
+                <a:gd name="connsiteX8" fmla="*/ 11641 w 171515"/>
+                <a:gd name="connsiteY8" fmla="*/ 97399 h 171515"/>
+                <a:gd name="connsiteX9" fmla="*/ 74116 w 171515"/>
+                <a:gd name="connsiteY9" fmla="*/ 97399 h 171515"/>
+                <a:gd name="connsiteX10" fmla="*/ 74116 w 171515"/>
+                <a:gd name="connsiteY10" fmla="*/ 159874 h 171515"/>
+                <a:gd name="connsiteX11" fmla="*/ 85758 w 171515"/>
+                <a:gd name="connsiteY11" fmla="*/ 171515 h 171515"/>
+                <a:gd name="connsiteX12" fmla="*/ 97399 w 171515"/>
+                <a:gd name="connsiteY12" fmla="*/ 159874 h 171515"/>
+                <a:gd name="connsiteX13" fmla="*/ 97399 w 171515"/>
+                <a:gd name="connsiteY13" fmla="*/ 97399 h 171515"/>
+                <a:gd name="connsiteX14" fmla="*/ 159874 w 171515"/>
+                <a:gd name="connsiteY14" fmla="*/ 97399 h 171515"/>
+                <a:gd name="connsiteX15" fmla="*/ 171515 w 171515"/>
+                <a:gd name="connsiteY15" fmla="*/ 85758 h 171515"/>
+                <a:gd name="connsiteX16" fmla="*/ 159874 w 171515"/>
+                <a:gd name="connsiteY16" fmla="*/ 74116 h 171515"/>
+              </a:gdLst>
+              <a:ahLst/>
+              <a:cxnLst>
+                <a:cxn ang="0">
+                  <a:pos x="connsiteX0" y="connsiteY0"/>
+                </a:cxn>
+                <a:cxn ang="0">
+                  <a:pos x="connsiteX1" y="connsiteY1"/>
+                </a:cxn>
+                <a:cxn ang="0">
+                  <a:pos x="connsiteX2" y="connsiteY2"/>
+                </a:cxn>
+                <a:cxn ang="0">
+                  <a:pos x="connsiteX3" y="connsiteY3"/>
+                </a:cxn>
+                <a:cxn ang="0">
+                  <a:pos x="connsiteX4" y="connsiteY4"/>
+                </a:cxn>
+                <a:cxn ang="0">
+                  <a:pos x="connsiteX5" y="connsiteY5"/>
+                </a:cxn>
+                <a:cxn ang="0">
+                  <a:pos x="connsiteX6" y="connsiteY6"/>
+                </a:cxn>
+                <a:cxn ang="0">
+                  <a:pos x="connsiteX7" y="connsiteY7"/>
+                </a:cxn>
+                <a:cxn ang="0">
+                  <a:pos x="connsiteX8" y="connsiteY8"/>
+                </a:cxn>
+                <a:cxn ang="0">
+                  <a:pos x="connsiteX9" y="connsiteY9"/>
+                </a:cxn>
+                <a:cxn ang="0">
+                  <a:pos x="connsiteX10" y="connsiteY10"/>
+                </a:cxn>
+                <a:cxn ang="0">
+                  <a:pos x="connsiteX11" y="connsiteY11"/>
+                </a:cxn>
+                <a:cxn ang="0">
+                  <a:pos x="connsiteX12" y="connsiteY12"/>
+                </a:cxn>
+                <a:cxn ang="0">
+                  <a:pos x="connsiteX13" y="connsiteY13"/>
+                </a:cxn>
+                <a:cxn ang="0">
+                  <a:pos x="connsiteX14" y="connsiteY14"/>
+                </a:cxn>
+                <a:cxn ang="0">
+                  <a:pos x="connsiteX15" y="connsiteY15"/>
+                </a:cxn>
+                <a:cxn ang="0">
+                  <a:pos x="connsiteX16" y="connsiteY16"/>
+                </a:cxn>
+              </a:cxnLst>
+              <a:rect l="l" t="t" r="r" b="b"/>
+              <a:pathLst>
+                <a:path w="171515" h="171515">
+                  <a:moveTo>
+                    <a:pt x="159874" y="74116"/>
+                  </a:moveTo>
+                  <a:lnTo>
+                    <a:pt x="97399" y="74116"/>
+                  </a:lnTo>
+                  <a:lnTo>
+                    <a:pt x="97399" y="11641"/>
+                  </a:lnTo>
+                  <a:cubicBezTo>
+                    <a:pt x="97399" y="5212"/>
+                    <a:pt x="92187" y="0"/>
+                    <a:pt x="85758" y="0"/>
+                  </a:cubicBezTo>
+                  <a:cubicBezTo>
+                    <a:pt x="79328" y="0"/>
+                    <a:pt x="74116" y="5212"/>
+                    <a:pt x="74116" y="11641"/>
+                  </a:cubicBezTo>
+                  <a:lnTo>
+                    <a:pt x="74116" y="74116"/>
+                  </a:lnTo>
+                  <a:lnTo>
+                    <a:pt x="11641" y="74116"/>
+                  </a:lnTo>
+                  <a:cubicBezTo>
+                    <a:pt x="5212" y="74116"/>
+                    <a:pt x="0" y="79328"/>
+                    <a:pt x="0" y="85758"/>
+                  </a:cubicBezTo>
+                  <a:cubicBezTo>
+                    <a:pt x="0" y="92187"/>
+                    <a:pt x="5212" y="97399"/>
+                    <a:pt x="11641" y="97399"/>
+                  </a:cubicBezTo>
+                  <a:lnTo>
+                    <a:pt x="74116" y="97399"/>
+                  </a:lnTo>
+                  <a:lnTo>
+                    <a:pt x="74116" y="159874"/>
+                  </a:lnTo>
+                  <a:cubicBezTo>
+                    <a:pt x="74116" y="166303"/>
+                    <a:pt x="79328" y="171515"/>
+                    <a:pt x="85758" y="171515"/>
+                  </a:cubicBezTo>
+                  <a:cubicBezTo>
+                    <a:pt x="92187" y="171515"/>
+                    <a:pt x="97399" y="166303"/>
+                    <a:pt x="97399" y="159874"/>
+                  </a:cubicBezTo>
+                  <a:lnTo>
+                    <a:pt x="97399" y="97399"/>
+                  </a:lnTo>
+                  <a:lnTo>
+                    <a:pt x="159874" y="97399"/>
+                  </a:lnTo>
+                  <a:cubicBezTo>
+                    <a:pt x="166303" y="97399"/>
+                    <a:pt x="171515" y="92187"/>
+                    <a:pt x="171515" y="85758"/>
+                  </a:cubicBezTo>
+                  <a:cubicBezTo>
+                    <a:pt x="171515" y="79328"/>
+                    <a:pt x="166303" y="74116"/>
+                    <a:pt x="159874" y="74116"/>
+                  </a:cubicBezTo>
+                  <a:close/>
+                </a:path>
+              </a:pathLst>
+            </a:custGeom>
+            <a:solidFill>
+              <a:schemeClr val="accent2"/>
+            </a:solidFill>
+            <a:ln w="776" cap="flat">
+              <a:noFill/>
+              <a:prstDash val="solid"/>
+              <a:miter/>
+            </a:ln>
+          </p:spPr>
+          <p:txBody>
+            <a:bodyPr rtlCol="0" anchor="ctr"/>
+            <a:lstStyle/>
+            <a:p>
+              <a:endParaRPr lang="en-US"/>
+            </a:p>
+          </p:txBody>
+        </p:sp>
+        <p:sp>
+          <p:nvSpPr>
+            <p:cNvPr id="129" name="Graphic 10">
+              <a:extLst>
+                <a:ext uri="{FF2B5EF4-FFF2-40B4-BE49-F238E27FC236}">
+                  <a16:creationId xmlns:a16="http://schemas.microsoft.com/office/drawing/2014/main" id="{E3020543-B24B-4EC4-8FFC-8DD88EEA91A8}"/>
+                </a:ext>
+                <a:ext uri="{C183D7F6-B498-43B3-948B-1728B52AA6E4}">
+                  <adec:decorative xmlns:adec="http://schemas.microsoft.com/office/drawing/2017/decorative" val="1"/>
+                </a:ext>
+              </a:extLst>
+            </p:cNvPr>
+            <p:cNvSpPr/>
+            <p:nvPr>
+              <p:extLst>
+                <p:ext uri="{386F3935-93C4-4BCD-93E2-E3B085C9AB24}">
+                  <p16:designElem xmlns:p16="http://schemas.microsoft.com/office/powerpoint/2015/main" val="1"/>
+                </p:ext>
+              </p:extLst>
+            </p:nvPr>
+          </p:nvSpPr>
+          <p:spPr>
+            <a:xfrm>
+              <a:off x="11455951" y="837005"/>
+              <a:ext cx="112426" cy="112426"/>
+            </a:xfrm>
+            <a:custGeom>
+              <a:avLst/>
+              <a:gdLst>
+                <a:gd name="connsiteX0" fmla="*/ 112426 w 112426"/>
+                <a:gd name="connsiteY0" fmla="*/ 56213 h 112426"/>
+                <a:gd name="connsiteX1" fmla="*/ 56213 w 112426"/>
+                <a:gd name="connsiteY1" fmla="*/ 112426 h 112426"/>
+                <a:gd name="connsiteX2" fmla="*/ 0 w 112426"/>
+                <a:gd name="connsiteY2" fmla="*/ 56213 h 112426"/>
+                <a:gd name="connsiteX3" fmla="*/ 56213 w 112426"/>
+                <a:gd name="connsiteY3" fmla="*/ 0 h 112426"/>
+                <a:gd name="connsiteX4" fmla="*/ 112426 w 112426"/>
+                <a:gd name="connsiteY4" fmla="*/ 56213 h 112426"/>
+              </a:gdLst>
+              <a:ahLst/>
+              <a:cxnLst>
+                <a:cxn ang="0">
+                  <a:pos x="connsiteX0" y="connsiteY0"/>
+                </a:cxn>
+                <a:cxn ang="0">
+                  <a:pos x="connsiteX1" y="connsiteY1"/>
+                </a:cxn>
+                <a:cxn ang="0">
+                  <a:pos x="connsiteX2" y="connsiteY2"/>
+                </a:cxn>
+                <a:cxn ang="0">
+                  <a:pos x="connsiteX3" y="connsiteY3"/>
+                </a:cxn>
+                <a:cxn ang="0">
+                  <a:pos x="connsiteX4" y="connsiteY4"/>
+                </a:cxn>
+              </a:cxnLst>
+              <a:rect l="l" t="t" r="r" b="b"/>
+              <a:pathLst>
+                <a:path w="112426" h="112426">
+                  <a:moveTo>
+                    <a:pt x="112426" y="56213"/>
+                  </a:moveTo>
+                  <a:cubicBezTo>
+                    <a:pt x="112426" y="87259"/>
+                    <a:pt x="87259" y="112426"/>
+                    <a:pt x="56213" y="112426"/>
+                  </a:cubicBezTo>
+                  <a:cubicBezTo>
+                    <a:pt x="25167" y="112426"/>
+                    <a:pt x="0" y="87259"/>
+                    <a:pt x="0" y="56213"/>
+                  </a:cubicBezTo>
+                  <a:cubicBezTo>
+                    <a:pt x="0" y="25167"/>
+                    <a:pt x="25167" y="0"/>
+                    <a:pt x="56213" y="0"/>
+                  </a:cubicBezTo>
+                  <a:cubicBezTo>
+                    <a:pt x="87259" y="0"/>
+                    <a:pt x="112426" y="25167"/>
+                    <a:pt x="112426" y="56213"/>
+                  </a:cubicBezTo>
+                  <a:close/>
+                </a:path>
+              </a:pathLst>
+            </a:custGeom>
+            <a:solidFill>
+              <a:schemeClr val="accent2"/>
+            </a:solidFill>
+            <a:ln w="516" cap="flat">
+              <a:noFill/>
+              <a:prstDash val="solid"/>
+              <a:miter/>
+            </a:ln>
+          </p:spPr>
+          <p:txBody>
+            <a:bodyPr rtlCol="0" anchor="ctr"/>
+            <a:lstStyle/>
+            <a:p>
+              <a:endParaRPr lang="en-US"/>
+            </a:p>
+          </p:txBody>
+        </p:sp>
+        <p:sp>
+          <p:nvSpPr>
+            <p:cNvPr id="130" name="Graphic 12">
+              <a:extLst>
+                <a:ext uri="{FF2B5EF4-FFF2-40B4-BE49-F238E27FC236}">
+                  <a16:creationId xmlns:a16="http://schemas.microsoft.com/office/drawing/2014/main" id="{1453BF6C-B012-48B7-B4E8-6D7AC7C27D02}"/>
+                </a:ext>
+                <a:ext uri="{C183D7F6-B498-43B3-948B-1728B52AA6E4}">
+                  <adec:decorative xmlns:adec="http://schemas.microsoft.com/office/drawing/2017/decorative" val="1"/>
+                </a:ext>
+              </a:extLst>
+            </p:cNvPr>
+            <p:cNvSpPr/>
+            <p:nvPr>
+              <p:extLst>
+                <p:ext uri="{386F3935-93C4-4BCD-93E2-E3B085C9AB24}">
+                  <p16:designElem xmlns:p16="http://schemas.microsoft.com/office/powerpoint/2015/main" val="1"/>
+                </p:ext>
+              </p:extLst>
+            </p:nvPr>
+          </p:nvSpPr>
+          <p:spPr>
+            <a:xfrm>
+              <a:off x="10994200" y="1472473"/>
+              <a:ext cx="157545" cy="157545"/>
+            </a:xfrm>
+            <a:custGeom>
+              <a:avLst/>
+              <a:gdLst>
+                <a:gd name="connsiteX0" fmla="*/ 78773 w 157545"/>
+                <a:gd name="connsiteY0" fmla="*/ 23283 h 157545"/>
+                <a:gd name="connsiteX1" fmla="*/ 134262 w 157545"/>
+                <a:gd name="connsiteY1" fmla="*/ 78773 h 157545"/>
+                <a:gd name="connsiteX2" fmla="*/ 78773 w 157545"/>
+                <a:gd name="connsiteY2" fmla="*/ 134262 h 157545"/>
+                <a:gd name="connsiteX3" fmla="*/ 23283 w 157545"/>
+                <a:gd name="connsiteY3" fmla="*/ 78773 h 157545"/>
+                <a:gd name="connsiteX4" fmla="*/ 78773 w 157545"/>
+                <a:gd name="connsiteY4" fmla="*/ 23283 h 157545"/>
+                <a:gd name="connsiteX5" fmla="*/ 78773 w 157545"/>
+                <a:gd name="connsiteY5" fmla="*/ 0 h 157545"/>
+                <a:gd name="connsiteX6" fmla="*/ 0 w 157545"/>
+                <a:gd name="connsiteY6" fmla="*/ 78773 h 157545"/>
+                <a:gd name="connsiteX7" fmla="*/ 78773 w 157545"/>
+                <a:gd name="connsiteY7" fmla="*/ 157545 h 157545"/>
+                <a:gd name="connsiteX8" fmla="*/ 157545 w 157545"/>
+                <a:gd name="connsiteY8" fmla="*/ 78773 h 157545"/>
+                <a:gd name="connsiteX9" fmla="*/ 78773 w 157545"/>
+                <a:gd name="connsiteY9" fmla="*/ 0 h 157545"/>
+              </a:gdLst>
+              <a:ahLst/>
+              <a:cxnLst>
+                <a:cxn ang="0">
+                  <a:pos x="connsiteX0" y="connsiteY0"/>
+                </a:cxn>
+                <a:cxn ang="0">
+                  <a:pos x="connsiteX1" y="connsiteY1"/>
+                </a:cxn>
+                <a:cxn ang="0">
+                  <a:pos x="connsiteX2" y="connsiteY2"/>
+                </a:cxn>
+                <a:cxn ang="0">
+                  <a:pos x="connsiteX3" y="connsiteY3"/>
+                </a:cxn>
+                <a:cxn ang="0">
+                  <a:pos x="connsiteX4" y="connsiteY4"/>
+                </a:cxn>
+                <a:cxn ang="0">
+                  <a:pos x="connsiteX5" y="connsiteY5"/>
+                </a:cxn>
+                <a:cxn ang="0">
+                  <a:pos x="connsiteX6" y="connsiteY6"/>
+                </a:cxn>
+                <a:cxn ang="0">
+                  <a:pos x="connsiteX7" y="connsiteY7"/>
+                </a:cxn>
+                <a:cxn ang="0">
+                  <a:pos x="connsiteX8" y="connsiteY8"/>
+                </a:cxn>
+                <a:cxn ang="0">
+                  <a:pos x="connsiteX9" y="connsiteY9"/>
+                </a:cxn>
+              </a:cxnLst>
+              <a:rect l="l" t="t" r="r" b="b"/>
+              <a:pathLst>
+                <a:path w="157545" h="157545">
+                  <a:moveTo>
+                    <a:pt x="78773" y="23283"/>
+                  </a:moveTo>
+                  <a:cubicBezTo>
+                    <a:pt x="109419" y="23283"/>
+                    <a:pt x="134262" y="48126"/>
+                    <a:pt x="134262" y="78773"/>
+                  </a:cubicBezTo>
+                  <a:cubicBezTo>
+                    <a:pt x="134262" y="109419"/>
+                    <a:pt x="109419" y="134262"/>
+                    <a:pt x="78773" y="134262"/>
+                  </a:cubicBezTo>
+                  <a:cubicBezTo>
+                    <a:pt x="48126" y="134262"/>
+                    <a:pt x="23283" y="109419"/>
+                    <a:pt x="23283" y="78773"/>
+                  </a:cubicBezTo>
+                  <a:cubicBezTo>
+                    <a:pt x="23312" y="48139"/>
+                    <a:pt x="48139" y="23312"/>
+                    <a:pt x="78773" y="23283"/>
+                  </a:cubicBezTo>
+                  <a:moveTo>
+                    <a:pt x="78773" y="0"/>
+                  </a:moveTo>
+                  <a:cubicBezTo>
+                    <a:pt x="35268" y="0"/>
+                    <a:pt x="0" y="35268"/>
+                    <a:pt x="0" y="78773"/>
+                  </a:cubicBezTo>
+                  <a:cubicBezTo>
+                    <a:pt x="0" y="122277"/>
+                    <a:pt x="35268" y="157545"/>
+                    <a:pt x="78773" y="157545"/>
+                  </a:cubicBezTo>
+                  <a:cubicBezTo>
+                    <a:pt x="122277" y="157545"/>
+                    <a:pt x="157545" y="122277"/>
+                    <a:pt x="157545" y="78773"/>
+                  </a:cubicBezTo>
+                  <a:cubicBezTo>
+                    <a:pt x="157545" y="35268"/>
+                    <a:pt x="122277" y="0"/>
+                    <a:pt x="78773" y="0"/>
+                  </a:cubicBezTo>
+                  <a:close/>
+                </a:path>
+              </a:pathLst>
+            </a:custGeom>
+            <a:solidFill>
+              <a:schemeClr val="accent2"/>
+            </a:solidFill>
+            <a:ln w="751" cap="flat">
+              <a:noFill/>
+              <a:prstDash val="solid"/>
+              <a:miter/>
+            </a:ln>
+          </p:spPr>
+          <p:txBody>
+            <a:bodyPr rtlCol="0" anchor="ctr"/>
+            <a:lstStyle/>
+            <a:p>
+              <a:endParaRPr lang="en-US"/>
+            </a:p>
+          </p:txBody>
+        </p:sp>
+      </p:grpSp>
+      <p:cxnSp>
+        <p:nvCxnSpPr>
+          <p:cNvPr id="132" name="Straight Connector 131">
+            <a:extLst>
+              <a:ext uri="{FF2B5EF4-FFF2-40B4-BE49-F238E27FC236}">
+                <a16:creationId xmlns:a16="http://schemas.microsoft.com/office/drawing/2014/main" id="{C49DA8F6-BCC1-4447-B54C-57856834B94B}"/>
+              </a:ext>
+              <a:ext uri="{C183D7F6-B498-43B3-948B-1728B52AA6E4}">
+                <adec:decorative xmlns:adec="http://schemas.microsoft.com/office/drawing/2017/decorative" val="1"/>
+              </a:ext>
+            </a:extLst>
+          </p:cNvPr>
+          <p:cNvCxnSpPr>
+            <a:cxnSpLocks noGrp="1" noRot="1" noChangeAspect="1" noMove="1" noResize="1" noEditPoints="1" noAdjustHandles="1" noChangeArrowheads="1" noChangeShapeType="1"/>
+          </p:cNvCxnSpPr>
+          <p:nvPr>
+            <p:extLst>
+              <p:ext uri="{386F3935-93C4-4BCD-93E2-E3B085C9AB24}">
+                <p16:designElem xmlns:p16="http://schemas.microsoft.com/office/powerpoint/2015/main" val="1"/>
+              </p:ext>
+            </p:extLst>
+          </p:nvPr>
+        </p:nvCxnSpPr>
         <p:spPr>
           <a:xfrm>
-            <a:off x="838080" y="1690560"/>
-            <a:ext cx="3413880" cy="2372760"/>
+            <a:off x="623622" y="3610394"/>
+            <a:ext cx="0" cy="3238728"/>
           </a:xfrm>
-          <a:prstGeom prst="rect">
+          <a:prstGeom prst="line">
             <a:avLst/>
           </a:prstGeom>
-          <a:ln>
-            <a:noFill/>
-          </a:ln>
-        </p:spPr>
-      </p:pic>
-      <p:sp>
-        <p:nvSpPr>
-          <p:cNvPr id="318" name="CustomShape 2"/>
-          <p:cNvSpPr/>
-          <p:nvPr/>
-        </p:nvSpPr>
-        <p:spPr>
-          <a:xfrm>
-            <a:off x="838080" y="1321200"/>
-            <a:ext cx="2234520" cy="364320"/>
-          </a:xfrm>
-          <a:prstGeom prst="rect">
-            <a:avLst/>
-          </a:prstGeom>
-          <a:noFill/>
-          <a:ln>
-            <a:noFill/>
+          <a:ln w="25400" cap="sq">
+            <a:gradFill flip="none" rotWithShape="1">
+              <a:gsLst>
+                <a:gs pos="0">
+                  <a:schemeClr val="accent1"/>
+                </a:gs>
+                <a:gs pos="100000">
+                  <a:schemeClr val="accent2"/>
+                </a:gs>
+              </a:gsLst>
+              <a:lin ang="5400000" scaled="0"/>
+              <a:tileRect/>
+            </a:gradFill>
+            <a:bevel/>
           </a:ln>
         </p:spPr>
         <p:style>
-          <a:lnRef idx="0">
-            <a:scrgbClr r="0" g="0" b="0"/>
+          <a:lnRef idx="1">
+            <a:schemeClr val="accent1"/>
           </a:lnRef>
           <a:fillRef idx="0">
-            <a:scrgbClr r="0" g="0" b="0"/>
-          </a:fillRef>
-          <a:effectRef idx="0">
-            <a:scrgbClr r="0" g="0" b="0"/>
-          </a:effectRef>
-          <a:fontRef idx="minor"/>
-        </p:style>
-        <p:txBody>
-          <a:bodyPr lIns="90000" tIns="45000" rIns="90000" bIns="45000"/>
-          <a:lstStyle/>
-          <a:p>
-            <a:pPr>
-              <a:lnSpc>
-                <a:spcPct val="100000"/>
-              </a:lnSpc>
-            </a:pPr>
-            <a:r>
-              <a:rPr lang="en-US" sz="1800" b="1" u="sng" strike="noStrike" spc="-1">
-                <a:solidFill>
-                  <a:srgbClr val="000000"/>
-                </a:solidFill>
-                <a:uFill>
-                  <a:solidFill>
-                    <a:srgbClr val="FFFFFF"/>
-                  </a:solidFill>
-                </a:uFill>
-                <a:latin typeface="Calibri"/>
-                <a:ea typeface="DejaVu Sans"/>
-              </a:rPr>
-              <a:t>my-secret.yaml</a:t>
-            </a:r>
-            <a:endParaRPr lang="en-US" sz="1800" b="0" strike="noStrike" spc="-1">
-              <a:solidFill>
-                <a:srgbClr val="000000"/>
-              </a:solidFill>
-              <a:uFill>
-                <a:solidFill>
-                  <a:srgbClr val="FFFFFF"/>
-                </a:solidFill>
-              </a:uFill>
-              <a:latin typeface="Arial"/>
-            </a:endParaRPr>
-          </a:p>
-        </p:txBody>
-      </p:sp>
-      <p:sp>
-        <p:nvSpPr>
-          <p:cNvPr id="319" name="CustomShape 3"/>
-          <p:cNvSpPr/>
-          <p:nvPr/>
-        </p:nvSpPr>
-        <p:spPr>
-          <a:xfrm>
-            <a:off x="660240" y="5413680"/>
-            <a:ext cx="10870560" cy="1345320"/>
-          </a:xfrm>
-          <a:prstGeom prst="rect">
-            <a:avLst/>
-          </a:prstGeom>
-          <a:solidFill>
-            <a:schemeClr val="bg1">
-              <a:lumMod val="95000"/>
-            </a:schemeClr>
-          </a:solidFill>
-          <a:ln>
-            <a:round/>
-          </a:ln>
-        </p:spPr>
-        <p:style>
-          <a:lnRef idx="2">
-            <a:schemeClr val="accent1">
-              <a:shade val="50000"/>
-            </a:schemeClr>
-          </a:lnRef>
-          <a:fillRef idx="1">
             <a:schemeClr val="accent1"/>
           </a:fillRef>
           <a:effectRef idx="0">
             <a:schemeClr val="accent1"/>
           </a:effectRef>
-          <a:fontRef idx="minor"/>
+          <a:fontRef idx="minor">
+            <a:schemeClr val="tx1"/>
+          </a:fontRef>
         </p:style>
-        <p:txBody>
-          <a:bodyPr lIns="90000" tIns="45000" rIns="90000" bIns="45000" anchor="ctr"/>
-          <a:lstStyle/>
-          <a:p>
-            <a:pPr>
-              <a:lnSpc>
-                <a:spcPct val="100000"/>
-              </a:lnSpc>
-            </a:pPr>
-            <a:r>
-              <a:rPr lang="en-US" sz="1800" b="1" strike="noStrike" spc="-1">
-                <a:solidFill>
-                  <a:srgbClr val="000000"/>
-                </a:solidFill>
-                <a:uFill>
-                  <a:solidFill>
-                    <a:srgbClr val="FFFFFF"/>
-                  </a:solidFill>
-                </a:uFill>
-                <a:latin typeface="Courier New"/>
-                <a:ea typeface="DejaVu Sans"/>
-              </a:rPr>
-              <a:t>$ kubectl create –f </a:t>
-            </a:r>
-            <a:r>
-              <a:rPr lang="en-US" sz="1800" b="1" strike="noStrike" spc="-1">
-                <a:solidFill>
-                  <a:srgbClr val="843C0B"/>
-                </a:solidFill>
-                <a:uFill>
-                  <a:solidFill>
-                    <a:srgbClr val="FFFFFF"/>
-                  </a:solidFill>
-                </a:uFill>
-                <a:latin typeface="Courier New"/>
-                <a:ea typeface="DejaVu Sans"/>
-              </a:rPr>
-              <a:t>my-secret.yaml</a:t>
-            </a:r>
-            <a:endParaRPr lang="en-US" sz="1800" b="0" strike="noStrike" spc="-1">
-              <a:solidFill>
-                <a:srgbClr val="000000"/>
-              </a:solidFill>
-              <a:uFill>
-                <a:solidFill>
-                  <a:srgbClr val="FFFFFF"/>
-                </a:solidFill>
-              </a:uFill>
-              <a:latin typeface="Arial"/>
-            </a:endParaRPr>
-          </a:p>
-          <a:p>
-            <a:pPr>
-              <a:lnSpc>
-                <a:spcPct val="100000"/>
-              </a:lnSpc>
-            </a:pPr>
-            <a:r>
-              <a:rPr lang="en-US" sz="1800" b="1" strike="noStrike" spc="-1">
-                <a:solidFill>
-                  <a:srgbClr val="000000"/>
-                </a:solidFill>
-                <a:uFill>
-                  <a:solidFill>
-                    <a:srgbClr val="FFFFFF"/>
-                  </a:solidFill>
-                </a:uFill>
-                <a:latin typeface="Courier New"/>
-                <a:ea typeface="DejaVu Sans"/>
-              </a:rPr>
-              <a:t>$ kubectl create secret generic mysecret --from-literal=username=admin --from-literal=password=1f2d1e2e67df </a:t>
-            </a:r>
-            <a:endParaRPr lang="en-US" sz="1800" b="0" strike="noStrike" spc="-1">
-              <a:solidFill>
-                <a:srgbClr val="000000"/>
-              </a:solidFill>
-              <a:uFill>
-                <a:solidFill>
-                  <a:srgbClr val="FFFFFF"/>
-                </a:solidFill>
-              </a:uFill>
-              <a:latin typeface="Arial"/>
-            </a:endParaRPr>
-          </a:p>
-        </p:txBody>
-      </p:sp>
-      <p:sp>
-        <p:nvSpPr>
-          <p:cNvPr id="320" name="CustomShape 4"/>
-          <p:cNvSpPr/>
-          <p:nvPr/>
-        </p:nvSpPr>
-        <p:spPr>
-          <a:xfrm>
-            <a:off x="0" y="90000"/>
-            <a:ext cx="360" cy="276120"/>
-          </a:xfrm>
-          <a:prstGeom prst="rect">
-            <a:avLst/>
-          </a:prstGeom>
-          <a:solidFill>
-            <a:srgbClr val="F7F7F7"/>
-          </a:solidFill>
-          <a:ln>
-            <a:noFill/>
-          </a:ln>
-        </p:spPr>
-        <p:style>
-          <a:lnRef idx="0">
-            <a:scrgbClr r="0" g="0" b="0"/>
-          </a:lnRef>
-          <a:fillRef idx="0">
-            <a:scrgbClr r="0" g="0" b="0"/>
-          </a:fillRef>
-          <a:effectRef idx="0">
-            <a:scrgbClr r="0" g="0" b="0"/>
-          </a:effectRef>
-          <a:fontRef idx="minor"/>
-        </p:style>
-      </p:sp>
-      <p:pic>
-        <p:nvPicPr>
-          <p:cNvPr id="321" name="Picture 8"/>
-          <p:cNvPicPr/>
-          <p:nvPr/>
-        </p:nvPicPr>
-        <p:blipFill>
-          <a:blip r:embed="rId3"/>
-          <a:stretch/>
-        </p:blipFill>
-        <p:spPr>
-          <a:xfrm>
-            <a:off x="6916680" y="90000"/>
-            <a:ext cx="3913200" cy="5163480"/>
-          </a:xfrm>
-          <a:prstGeom prst="rect">
-            <a:avLst/>
-          </a:prstGeom>
-          <a:ln>
-            <a:noFill/>
-          </a:ln>
-        </p:spPr>
-      </p:pic>
+      </p:cxnSp>
+      <p:graphicFrame>
+        <p:nvGraphicFramePr>
+          <p:cNvPr id="313" name="TextBox 1">
+            <a:extLst>
+              <a:ext uri="{FF2B5EF4-FFF2-40B4-BE49-F238E27FC236}">
+                <a16:creationId xmlns:a16="http://schemas.microsoft.com/office/drawing/2014/main" id="{FCED2B42-6137-42C2-8B74-13D01E2A44AA}"/>
+              </a:ext>
+            </a:extLst>
+          </p:cNvPr>
+          <p:cNvGraphicFramePr/>
+          <p:nvPr>
+            <p:extLst>
+              <p:ext uri="{D42A27DB-BD31-4B8C-83A1-F6EECF244321}">
+                <p14:modId xmlns:p14="http://schemas.microsoft.com/office/powerpoint/2010/main" val="3974330048"/>
+              </p:ext>
+            </p:extLst>
+          </p:nvPr>
+        </p:nvGraphicFramePr>
+        <p:xfrm>
+          <a:off x="1188062" y="1825625"/>
+          <a:ext cx="9356107" cy="4394200"/>
+        </p:xfrm>
+        <a:graphic>
+          <a:graphicData uri="http://schemas.openxmlformats.org/drawingml/2006/diagram">
+            <dgm:relIds xmlns:dgm="http://schemas.openxmlformats.org/drawingml/2006/diagram" xmlns:r="http://schemas.openxmlformats.org/officeDocument/2006/relationships" r:dm="rId2" r:lo="rId3" r:qs="rId4" r:cs="rId5"/>
+          </a:graphicData>
+        </a:graphic>
+      </p:graphicFrame>
     </p:spTree>
     <p:extLst>
       <p:ext uri="{BB962C8B-B14F-4D97-AF65-F5344CB8AC3E}">
-        <p14:creationId xmlns:p14="http://schemas.microsoft.com/office/powerpoint/2010/main" val="3456944559"/>
+        <p14:creationId xmlns:p14="http://schemas.microsoft.com/office/powerpoint/2010/main" val="757952636"/>
       </p:ext>
     </p:extLst>
   </p:cSld>
@@ -21658,7 +26858,7 @@
 </file>
 
 <file path=ppt/slides/slide3.xml><?xml version="1.0" encoding="utf-8"?>
-<p:sld xmlns:a="http://schemas.openxmlformats.org/drawingml/2006/main" xmlns:r="http://schemas.openxmlformats.org/officeDocument/2006/relationships" xmlns:p="http://schemas.openxmlformats.org/presentationml/2006/main" show="0">
+<p:sld xmlns:a="http://schemas.openxmlformats.org/drawingml/2006/main" xmlns:r="http://schemas.openxmlformats.org/officeDocument/2006/relationships" xmlns:p="http://schemas.openxmlformats.org/presentationml/2006/main">
   <p:cSld>
     <p:spTree>
       <p:nvGrpSpPr>
@@ -21769,6 +26969,403 @@
     <p:extLst>
       <p:ext uri="{BB962C8B-B14F-4D97-AF65-F5344CB8AC3E}">
         <p14:creationId xmlns:p14="http://schemas.microsoft.com/office/powerpoint/2010/main" val="467279227"/>
+      </p:ext>
+    </p:extLst>
+  </p:cSld>
+  <p:clrMapOvr>
+    <a:masterClrMapping/>
+  </p:clrMapOvr>
+  <p:timing>
+    <p:tnLst>
+      <p:par>
+        <p:cTn id="1" dur="indefinite" restart="never" nodeType="tmRoot">
+          <p:childTnLst>
+            <p:seq>
+              <p:cTn id="2" nodeType="mainSeq"/>
+              <p:prevCondLst>
+                <p:cond evt="onPrev" delay="0">
+                  <p:tgtEl>
+                    <p:sldTgt/>
+                  </p:tgtEl>
+                </p:cond>
+              </p:prevCondLst>
+              <p:nextCondLst>
+                <p:cond evt="onNext" delay="0">
+                  <p:tgtEl>
+                    <p:sldTgt/>
+                  </p:tgtEl>
+                </p:cond>
+              </p:nextCondLst>
+            </p:seq>
+          </p:childTnLst>
+        </p:cTn>
+      </p:par>
+    </p:tnLst>
+  </p:timing>
+</p:sld>
+</file>
+
+<file path=ppt/slides/slide30.xml><?xml version="1.0" encoding="utf-8"?>
+<p:sld xmlns:a="http://schemas.openxmlformats.org/drawingml/2006/main" xmlns:r="http://schemas.openxmlformats.org/officeDocument/2006/relationships" xmlns:p="http://schemas.openxmlformats.org/presentationml/2006/main">
+  <p:cSld>
+    <p:spTree>
+      <p:nvGrpSpPr>
+        <p:cNvPr id="1" name=""/>
+        <p:cNvGrpSpPr/>
+        <p:nvPr/>
+      </p:nvGrpSpPr>
+      <p:grpSpPr>
+        <a:xfrm>
+          <a:off x="0" y="0"/>
+          <a:ext cx="0" cy="0"/>
+          <a:chOff x="0" y="0"/>
+          <a:chExt cx="0" cy="0"/>
+        </a:xfrm>
+      </p:grpSpPr>
+      <p:sp>
+        <p:nvSpPr>
+          <p:cNvPr id="316" name="CustomShape 1"/>
+          <p:cNvSpPr/>
+          <p:nvPr/>
+        </p:nvSpPr>
+        <p:spPr>
+          <a:xfrm>
+            <a:off x="838080" y="365040"/>
+            <a:ext cx="10514880" cy="1324800"/>
+          </a:xfrm>
+          <a:prstGeom prst="rect">
+            <a:avLst/>
+          </a:prstGeom>
+          <a:noFill/>
+          <a:ln>
+            <a:noFill/>
+          </a:ln>
+        </p:spPr>
+        <p:style>
+          <a:lnRef idx="0">
+            <a:scrgbClr r="0" g="0" b="0"/>
+          </a:lnRef>
+          <a:fillRef idx="0">
+            <a:scrgbClr r="0" g="0" b="0"/>
+          </a:fillRef>
+          <a:effectRef idx="0">
+            <a:scrgbClr r="0" g="0" b="0"/>
+          </a:effectRef>
+          <a:fontRef idx="minor"/>
+        </p:style>
+        <p:txBody>
+          <a:bodyPr lIns="90000" tIns="45000" rIns="90000" bIns="45000" anchor="ctr"/>
+          <a:lstStyle/>
+          <a:p>
+            <a:pPr>
+              <a:lnSpc>
+                <a:spcPct val="90000"/>
+              </a:lnSpc>
+            </a:pPr>
+            <a:r>
+              <a:rPr lang="en-US" sz="4400" b="0" strike="noStrike" spc="-1">
+                <a:solidFill>
+                  <a:srgbClr val="000000"/>
+                </a:solidFill>
+                <a:uFill>
+                  <a:solidFill>
+                    <a:srgbClr val="FFFFFF"/>
+                  </a:solidFill>
+                </a:uFill>
+                <a:latin typeface="Calibri Light"/>
+              </a:rPr>
+              <a:t>Secret</a:t>
+            </a:r>
+            <a:endParaRPr lang="en-US" sz="1800" b="0" strike="noStrike" spc="-1">
+              <a:solidFill>
+                <a:srgbClr val="000000"/>
+              </a:solidFill>
+              <a:uFill>
+                <a:solidFill>
+                  <a:srgbClr val="FFFFFF"/>
+                </a:solidFill>
+              </a:uFill>
+              <a:latin typeface="Arial"/>
+            </a:endParaRPr>
+          </a:p>
+        </p:txBody>
+      </p:sp>
+      <p:pic>
+        <p:nvPicPr>
+          <p:cNvPr id="317" name="Content Placeholder 3"/>
+          <p:cNvPicPr/>
+          <p:nvPr/>
+        </p:nvPicPr>
+        <p:blipFill>
+          <a:blip r:embed="rId2"/>
+          <a:stretch/>
+        </p:blipFill>
+        <p:spPr>
+          <a:xfrm>
+            <a:off x="838080" y="1690560"/>
+            <a:ext cx="3413880" cy="2372760"/>
+          </a:xfrm>
+          <a:prstGeom prst="rect">
+            <a:avLst/>
+          </a:prstGeom>
+          <a:ln>
+            <a:noFill/>
+          </a:ln>
+        </p:spPr>
+      </p:pic>
+      <p:sp>
+        <p:nvSpPr>
+          <p:cNvPr id="318" name="CustomShape 2"/>
+          <p:cNvSpPr/>
+          <p:nvPr/>
+        </p:nvSpPr>
+        <p:spPr>
+          <a:xfrm>
+            <a:off x="838080" y="1321200"/>
+            <a:ext cx="2234520" cy="364320"/>
+          </a:xfrm>
+          <a:prstGeom prst="rect">
+            <a:avLst/>
+          </a:prstGeom>
+          <a:noFill/>
+          <a:ln>
+            <a:noFill/>
+          </a:ln>
+        </p:spPr>
+        <p:style>
+          <a:lnRef idx="0">
+            <a:scrgbClr r="0" g="0" b="0"/>
+          </a:lnRef>
+          <a:fillRef idx="0">
+            <a:scrgbClr r="0" g="0" b="0"/>
+          </a:fillRef>
+          <a:effectRef idx="0">
+            <a:scrgbClr r="0" g="0" b="0"/>
+          </a:effectRef>
+          <a:fontRef idx="minor"/>
+        </p:style>
+        <p:txBody>
+          <a:bodyPr lIns="90000" tIns="45000" rIns="90000" bIns="45000"/>
+          <a:lstStyle/>
+          <a:p>
+            <a:pPr>
+              <a:lnSpc>
+                <a:spcPct val="100000"/>
+              </a:lnSpc>
+            </a:pPr>
+            <a:r>
+              <a:rPr lang="en-US" sz="1800" b="1" u="sng" strike="noStrike" spc="-1">
+                <a:solidFill>
+                  <a:srgbClr val="000000"/>
+                </a:solidFill>
+                <a:uFill>
+                  <a:solidFill>
+                    <a:srgbClr val="FFFFFF"/>
+                  </a:solidFill>
+                </a:uFill>
+                <a:latin typeface="Calibri"/>
+                <a:ea typeface="DejaVu Sans"/>
+              </a:rPr>
+              <a:t>my-secret.yaml</a:t>
+            </a:r>
+            <a:endParaRPr lang="en-US" sz="1800" b="0" strike="noStrike" spc="-1">
+              <a:solidFill>
+                <a:srgbClr val="000000"/>
+              </a:solidFill>
+              <a:uFill>
+                <a:solidFill>
+                  <a:srgbClr val="FFFFFF"/>
+                </a:solidFill>
+              </a:uFill>
+              <a:latin typeface="Arial"/>
+            </a:endParaRPr>
+          </a:p>
+        </p:txBody>
+      </p:sp>
+      <p:sp>
+        <p:nvSpPr>
+          <p:cNvPr id="319" name="CustomShape 3"/>
+          <p:cNvSpPr/>
+          <p:nvPr/>
+        </p:nvSpPr>
+        <p:spPr>
+          <a:xfrm>
+            <a:off x="660240" y="5413680"/>
+            <a:ext cx="10870560" cy="1345320"/>
+          </a:xfrm>
+          <a:prstGeom prst="rect">
+            <a:avLst/>
+          </a:prstGeom>
+          <a:solidFill>
+            <a:schemeClr val="bg1">
+              <a:lumMod val="95000"/>
+            </a:schemeClr>
+          </a:solidFill>
+          <a:ln>
+            <a:round/>
+          </a:ln>
+        </p:spPr>
+        <p:style>
+          <a:lnRef idx="2">
+            <a:schemeClr val="accent1">
+              <a:shade val="50000"/>
+            </a:schemeClr>
+          </a:lnRef>
+          <a:fillRef idx="1">
+            <a:schemeClr val="accent1"/>
+          </a:fillRef>
+          <a:effectRef idx="0">
+            <a:schemeClr val="accent1"/>
+          </a:effectRef>
+          <a:fontRef idx="minor"/>
+        </p:style>
+        <p:txBody>
+          <a:bodyPr lIns="90000" tIns="45000" rIns="90000" bIns="45000" anchor="ctr"/>
+          <a:lstStyle/>
+          <a:p>
+            <a:pPr>
+              <a:lnSpc>
+                <a:spcPct val="100000"/>
+              </a:lnSpc>
+            </a:pPr>
+            <a:r>
+              <a:rPr lang="en-US" sz="1800" b="1" strike="noStrike" spc="-1">
+                <a:solidFill>
+                  <a:srgbClr val="000000"/>
+                </a:solidFill>
+                <a:uFill>
+                  <a:solidFill>
+                    <a:srgbClr val="FFFFFF"/>
+                  </a:solidFill>
+                </a:uFill>
+                <a:latin typeface="Courier New"/>
+                <a:ea typeface="DejaVu Sans"/>
+              </a:rPr>
+              <a:t>$ kubectl create –f </a:t>
+            </a:r>
+            <a:r>
+              <a:rPr lang="en-US" sz="1800" b="1" strike="noStrike" spc="-1">
+                <a:solidFill>
+                  <a:srgbClr val="843C0B"/>
+                </a:solidFill>
+                <a:uFill>
+                  <a:solidFill>
+                    <a:srgbClr val="FFFFFF"/>
+                  </a:solidFill>
+                </a:uFill>
+                <a:latin typeface="Courier New"/>
+                <a:ea typeface="DejaVu Sans"/>
+              </a:rPr>
+              <a:t>my-secret.yaml</a:t>
+            </a:r>
+            <a:endParaRPr lang="en-US" sz="1800" b="0" strike="noStrike" spc="-1">
+              <a:solidFill>
+                <a:srgbClr val="000000"/>
+              </a:solidFill>
+              <a:uFill>
+                <a:solidFill>
+                  <a:srgbClr val="FFFFFF"/>
+                </a:solidFill>
+              </a:uFill>
+              <a:latin typeface="Arial"/>
+            </a:endParaRPr>
+          </a:p>
+          <a:p>
+            <a:pPr>
+              <a:lnSpc>
+                <a:spcPct val="100000"/>
+              </a:lnSpc>
+            </a:pPr>
+            <a:r>
+              <a:rPr lang="en-US" sz="1800" b="1" strike="noStrike" spc="-1">
+                <a:solidFill>
+                  <a:srgbClr val="000000"/>
+                </a:solidFill>
+                <a:uFill>
+                  <a:solidFill>
+                    <a:srgbClr val="FFFFFF"/>
+                  </a:solidFill>
+                </a:uFill>
+                <a:latin typeface="Courier New"/>
+                <a:ea typeface="DejaVu Sans"/>
+              </a:rPr>
+              <a:t>$ kubectl create secret generic mysecret --from-literal=username=admin --from-literal=password=1f2d1e2e67df </a:t>
+            </a:r>
+            <a:endParaRPr lang="en-US" sz="1800" b="0" strike="noStrike" spc="-1">
+              <a:solidFill>
+                <a:srgbClr val="000000"/>
+              </a:solidFill>
+              <a:uFill>
+                <a:solidFill>
+                  <a:srgbClr val="FFFFFF"/>
+                </a:solidFill>
+              </a:uFill>
+              <a:latin typeface="Arial"/>
+            </a:endParaRPr>
+          </a:p>
+        </p:txBody>
+      </p:sp>
+      <p:sp>
+        <p:nvSpPr>
+          <p:cNvPr id="320" name="CustomShape 4"/>
+          <p:cNvSpPr/>
+          <p:nvPr/>
+        </p:nvSpPr>
+        <p:spPr>
+          <a:xfrm>
+            <a:off x="0" y="90000"/>
+            <a:ext cx="360" cy="276120"/>
+          </a:xfrm>
+          <a:prstGeom prst="rect">
+            <a:avLst/>
+          </a:prstGeom>
+          <a:solidFill>
+            <a:srgbClr val="F7F7F7"/>
+          </a:solidFill>
+          <a:ln>
+            <a:noFill/>
+          </a:ln>
+        </p:spPr>
+        <p:style>
+          <a:lnRef idx="0">
+            <a:scrgbClr r="0" g="0" b="0"/>
+          </a:lnRef>
+          <a:fillRef idx="0">
+            <a:scrgbClr r="0" g="0" b="0"/>
+          </a:fillRef>
+          <a:effectRef idx="0">
+            <a:scrgbClr r="0" g="0" b="0"/>
+          </a:effectRef>
+          <a:fontRef idx="minor"/>
+        </p:style>
+      </p:sp>
+      <p:pic>
+        <p:nvPicPr>
+          <p:cNvPr id="321" name="Picture 8"/>
+          <p:cNvPicPr/>
+          <p:nvPr/>
+        </p:nvPicPr>
+        <p:blipFill>
+          <a:blip r:embed="rId3"/>
+          <a:stretch/>
+        </p:blipFill>
+        <p:spPr>
+          <a:xfrm>
+            <a:off x="6916680" y="90000"/>
+            <a:ext cx="3913200" cy="5163480"/>
+          </a:xfrm>
+          <a:prstGeom prst="rect">
+            <a:avLst/>
+          </a:prstGeom>
+          <a:ln>
+            <a:noFill/>
+          </a:ln>
+        </p:spPr>
+      </p:pic>
+    </p:spTree>
+    <p:extLst>
+      <p:ext uri="{BB962C8B-B14F-4D97-AF65-F5344CB8AC3E}">
+        <p14:creationId xmlns:p14="http://schemas.microsoft.com/office/powerpoint/2010/main" val="3456944559"/>
       </p:ext>
     </p:extLst>
   </p:cSld>

--- a/day-3/Using Kubernetes Day 3.pptx
+++ b/day-3/Using Kubernetes Day 3.pptx
@@ -11545,7 +11545,7 @@
               </a:lnSpc>
             </a:pPr>
             <a:r>
-              <a:rPr lang="en-US" sz="2200" b="0" i="1" strike="noStrike" spc="-1">
+              <a:rPr lang="en-US" sz="2200" b="0" i="1" strike="noStrike" spc="-1" dirty="0">
                 <a:solidFill>
                   <a:srgbClr val="1F4E79"/>
                 </a:solidFill>
@@ -11560,7 +11560,7 @@
               <a:t># Create a deployment from a file.</a:t>
             </a:r>
             <a:r>
-              <a:rPr lang="en-US" sz="2400" b="0" strike="noStrike" spc="-1">
+              <a:rPr lang="en-US" sz="2400" b="0" strike="noStrike" spc="-1" dirty="0">
                 <a:solidFill>
                   <a:srgbClr val="24292E"/>
                 </a:solidFill>
@@ -11574,7 +11574,7 @@
               </a:rPr>
               <a:t> </a:t>
             </a:r>
-            <a:endParaRPr lang="en-US" sz="1800" b="0" strike="noStrike" spc="-1">
+            <a:endParaRPr lang="en-US" sz="1800" b="0" strike="noStrike" spc="-1" dirty="0">
               <a:solidFill>
                 <a:srgbClr val="000000"/>
               </a:solidFill>
@@ -11593,7 +11593,7 @@
               </a:lnSpc>
             </a:pPr>
             <a:r>
-              <a:rPr lang="en-US" sz="2200" b="1" strike="noStrike" spc="-1">
+              <a:rPr lang="en-US" sz="2200" b="1" strike="noStrike" spc="-1" dirty="0">
                 <a:solidFill>
                   <a:srgbClr val="000000"/>
                 </a:solidFill>
@@ -11605,10 +11605,40 @@
                 <a:latin typeface="Courier New"/>
                 <a:ea typeface="DejaVu Sans"/>
               </a:rPr>
-              <a:t>$ kubectl create –f </a:t>
-            </a:r>
-            <a:r>
-              <a:rPr lang="en-US" sz="2200" b="1" strike="noStrike" spc="-1">
+              <a:t>$ </a:t>
+            </a:r>
+            <a:r>
+              <a:rPr lang="en-US" sz="2200" b="1" strike="noStrike" spc="-1" dirty="0" err="1">
+                <a:solidFill>
+                  <a:srgbClr val="000000"/>
+                </a:solidFill>
+                <a:uFill>
+                  <a:solidFill>
+                    <a:srgbClr val="FFFFFF"/>
+                  </a:solidFill>
+                </a:uFill>
+                <a:latin typeface="Courier New"/>
+                <a:ea typeface="DejaVu Sans"/>
+              </a:rPr>
+              <a:t>kubectl</a:t>
+            </a:r>
+            <a:r>
+              <a:rPr lang="en-US" sz="2200" b="1" strike="noStrike" spc="-1" dirty="0">
+                <a:solidFill>
+                  <a:srgbClr val="000000"/>
+                </a:solidFill>
+                <a:uFill>
+                  <a:solidFill>
+                    <a:srgbClr val="FFFFFF"/>
+                  </a:solidFill>
+                </a:uFill>
+                <a:latin typeface="Courier New"/>
+                <a:ea typeface="DejaVu Sans"/>
+              </a:rPr>
+              <a:t> apply –f </a:t>
+            </a:r>
+            <a:r>
+              <a:rPr lang="en-US" sz="2200" b="1" strike="noStrike" spc="-1" dirty="0">
                 <a:solidFill>
                   <a:srgbClr val="843C0B"/>
                 </a:solidFill>
@@ -11620,9 +11650,24 @@
                 <a:latin typeface="Courier New"/>
                 <a:ea typeface="DejaVu Sans"/>
               </a:rPr>
-              <a:t>my-deploy.yaml</a:t>
-            </a:r>
-            <a:endParaRPr lang="en-US" sz="1800" b="0" strike="noStrike" spc="-1">
+              <a:t>my-</a:t>
+            </a:r>
+            <a:r>
+              <a:rPr lang="en-US" sz="2200" b="1" strike="noStrike" spc="-1" dirty="0" err="1">
+                <a:solidFill>
+                  <a:srgbClr val="843C0B"/>
+                </a:solidFill>
+                <a:uFill>
+                  <a:solidFill>
+                    <a:srgbClr val="FFFFFF"/>
+                  </a:solidFill>
+                </a:uFill>
+                <a:latin typeface="Courier New"/>
+                <a:ea typeface="DejaVu Sans"/>
+              </a:rPr>
+              <a:t>deploy.yaml</a:t>
+            </a:r>
+            <a:endParaRPr lang="en-US" sz="1800" b="0" strike="noStrike" spc="-1" dirty="0">
               <a:solidFill>
                 <a:srgbClr val="000000"/>
               </a:solidFill>

--- a/day-3/Using Kubernetes Day 3.pptx
+++ b/day-3/Using Kubernetes Day 3.pptx
@@ -15413,7 +15413,7 @@
               </a:lnSpc>
             </a:pPr>
             <a:r>
-              <a:rPr lang="en-US" sz="2200" b="0" i="1" strike="noStrike" spc="-1">
+              <a:rPr lang="en-US" sz="2200" b="0" i="1" strike="noStrike" spc="-1" dirty="0">
                 <a:solidFill>
                   <a:srgbClr val="1F4E79"/>
                 </a:solidFill>
@@ -15428,7 +15428,7 @@
               <a:t># Create a service from a file.</a:t>
             </a:r>
             <a:r>
-              <a:rPr lang="en-US" sz="2400" b="0" strike="noStrike" spc="-1">
+              <a:rPr lang="en-US" sz="2400" b="0" strike="noStrike" spc="-1" dirty="0">
                 <a:solidFill>
                   <a:srgbClr val="24292E"/>
                 </a:solidFill>
@@ -15442,7 +15442,7 @@
               </a:rPr>
               <a:t> </a:t>
             </a:r>
-            <a:endParaRPr lang="en-US" sz="1800" b="0" strike="noStrike" spc="-1">
+            <a:endParaRPr lang="en-US" sz="1800" b="0" strike="noStrike" spc="-1" dirty="0">
               <a:solidFill>
                 <a:srgbClr val="000000"/>
               </a:solidFill>
@@ -15461,7 +15461,7 @@
               </a:lnSpc>
             </a:pPr>
             <a:r>
-              <a:rPr lang="en-US" sz="2200" b="1" strike="noStrike" spc="-1">
+              <a:rPr lang="en-US" sz="2200" b="1" strike="noStrike" spc="-1" dirty="0">
                 <a:solidFill>
                   <a:srgbClr val="000000"/>
                 </a:solidFill>
@@ -15473,10 +15473,70 @@
                 <a:latin typeface="Courier New"/>
                 <a:ea typeface="DejaVu Sans"/>
               </a:rPr>
-              <a:t>$ kubectl create –f </a:t>
-            </a:r>
-            <a:r>
-              <a:rPr lang="en-US" sz="2200" b="1" strike="noStrike" spc="-1">
+              <a:t>$ </a:t>
+            </a:r>
+            <a:r>
+              <a:rPr lang="en-US" sz="2200" b="1" strike="noStrike" spc="-1" dirty="0" err="1">
+                <a:solidFill>
+                  <a:srgbClr val="000000"/>
+                </a:solidFill>
+                <a:uFill>
+                  <a:solidFill>
+                    <a:srgbClr val="FFFFFF"/>
+                  </a:solidFill>
+                </a:uFill>
+                <a:latin typeface="Courier New"/>
+                <a:ea typeface="DejaVu Sans"/>
+              </a:rPr>
+              <a:t>kubectl</a:t>
+            </a:r>
+            <a:r>
+              <a:rPr lang="en-US" sz="2200" b="1" strike="noStrike" spc="-1" dirty="0">
+                <a:solidFill>
+                  <a:srgbClr val="000000"/>
+                </a:solidFill>
+                <a:uFill>
+                  <a:solidFill>
+                    <a:srgbClr val="FFFFFF"/>
+                  </a:solidFill>
+                </a:uFill>
+                <a:latin typeface="Courier New"/>
+                <a:ea typeface="DejaVu Sans"/>
+              </a:rPr>
+              <a:t> </a:t>
+            </a:r>
+            <a:r>
+              <a:rPr lang="en-US" sz="2200" b="1" spc="-1" dirty="0">
+                <a:solidFill>
+                  <a:srgbClr val="000000"/>
+                </a:solidFill>
+                <a:uFill>
+                  <a:solidFill>
+                    <a:srgbClr val="FFFFFF"/>
+                  </a:solidFill>
+                </a:uFill>
+                <a:latin typeface="Courier New"/>
+                <a:ea typeface="DejaVu Sans"/>
+              </a:rPr>
+              <a:t>apply </a:t>
+            </a:r>
+            <a:r>
+              <a:rPr lang="en-US" sz="2200" b="1" strike="noStrike" spc="-1" dirty="0">
+                <a:solidFill>
+                  <a:srgbClr val="000000"/>
+                </a:solidFill>
+                <a:uFill>
+                  <a:solidFill>
+                    <a:srgbClr val="FFFFFF"/>
+                  </a:solidFill>
+                </a:uFill>
+                <a:latin typeface="Courier New"/>
+                <a:ea typeface="DejaVu Sans"/>
+              </a:rPr>
+              <a:t>–f </a:t>
+            </a:r>
+            <a:r>
+              <a:rPr lang="en-US" sz="2200" b="1" strike="noStrike" spc="-1" dirty="0">
                 <a:solidFill>
                   <a:srgbClr val="843C0B"/>
                 </a:solidFill>
@@ -15488,9 +15548,24 @@
                 <a:latin typeface="Courier New"/>
                 <a:ea typeface="DejaVu Sans"/>
               </a:rPr>
-              <a:t>my-service.yaml</a:t>
-            </a:r>
-            <a:endParaRPr lang="en-US" sz="1800" b="0" strike="noStrike" spc="-1">
+              <a:t>my-</a:t>
+            </a:r>
+            <a:r>
+              <a:rPr lang="en-US" sz="2200" b="1" strike="noStrike" spc="-1" dirty="0" err="1">
+                <a:solidFill>
+                  <a:srgbClr val="843C0B"/>
+                </a:solidFill>
+                <a:uFill>
+                  <a:solidFill>
+                    <a:srgbClr val="FFFFFF"/>
+                  </a:solidFill>
+                </a:uFill>
+                <a:latin typeface="Courier New"/>
+                <a:ea typeface="DejaVu Sans"/>
+              </a:rPr>
+              <a:t>service.yaml</a:t>
+            </a:r>
+            <a:endParaRPr lang="en-US" sz="1800" b="0" strike="noStrike" spc="-1" dirty="0">
               <a:solidFill>
                 <a:srgbClr val="000000"/>
               </a:solidFill>
@@ -25940,7 +26015,7 @@
               </a:lnSpc>
             </a:pPr>
             <a:r>
-              <a:rPr lang="en-US" sz="1800" b="1" strike="noStrike" spc="-1">
+              <a:rPr lang="en-US" sz="1800" b="1" strike="noStrike" spc="-1" dirty="0">
                 <a:solidFill>
                   <a:srgbClr val="000000"/>
                 </a:solidFill>
@@ -25952,10 +26027,70 @@
                 <a:latin typeface="Courier New"/>
                 <a:ea typeface="DejaVu Sans"/>
               </a:rPr>
-              <a:t>$ kubectl create –f </a:t>
-            </a:r>
-            <a:r>
-              <a:rPr lang="en-US" sz="1800" b="1" strike="noStrike" spc="-1">
+              <a:t>$ </a:t>
+            </a:r>
+            <a:r>
+              <a:rPr lang="en-US" sz="1800" b="1" strike="noStrike" spc="-1" dirty="0" err="1">
+                <a:solidFill>
+                  <a:srgbClr val="000000"/>
+                </a:solidFill>
+                <a:uFill>
+                  <a:solidFill>
+                    <a:srgbClr val="FFFFFF"/>
+                  </a:solidFill>
+                </a:uFill>
+                <a:latin typeface="Courier New"/>
+                <a:ea typeface="DejaVu Sans"/>
+              </a:rPr>
+              <a:t>kubectl</a:t>
+            </a:r>
+            <a:r>
+              <a:rPr lang="en-US" sz="1800" b="1" strike="noStrike" spc="-1" dirty="0">
+                <a:solidFill>
+                  <a:srgbClr val="000000"/>
+                </a:solidFill>
+                <a:uFill>
+                  <a:solidFill>
+                    <a:srgbClr val="FFFFFF"/>
+                  </a:solidFill>
+                </a:uFill>
+                <a:latin typeface="Courier New"/>
+                <a:ea typeface="DejaVu Sans"/>
+              </a:rPr>
+              <a:t> </a:t>
+            </a:r>
+            <a:r>
+              <a:rPr lang="en-US" b="1" spc="-1" dirty="0">
+                <a:solidFill>
+                  <a:srgbClr val="000000"/>
+                </a:solidFill>
+                <a:uFill>
+                  <a:solidFill>
+                    <a:srgbClr val="FFFFFF"/>
+                  </a:solidFill>
+                </a:uFill>
+                <a:latin typeface="Courier New"/>
+                <a:ea typeface="DejaVu Sans"/>
+              </a:rPr>
+              <a:t>apply </a:t>
+            </a:r>
+            <a:r>
+              <a:rPr lang="en-US" sz="1800" b="1" strike="noStrike" spc="-1" dirty="0">
+                <a:solidFill>
+                  <a:srgbClr val="000000"/>
+                </a:solidFill>
+                <a:uFill>
+                  <a:solidFill>
+                    <a:srgbClr val="FFFFFF"/>
+                  </a:solidFill>
+                </a:uFill>
+                <a:latin typeface="Courier New"/>
+                <a:ea typeface="DejaVu Sans"/>
+              </a:rPr>
+              <a:t>–f </a:t>
+            </a:r>
+            <a:r>
+              <a:rPr lang="en-US" sz="1800" b="1" strike="noStrike" spc="-1" dirty="0">
                 <a:solidFill>
                   <a:srgbClr val="843C0B"/>
                 </a:solidFill>
@@ -25967,9 +26102,24 @@
                 <a:latin typeface="Courier New"/>
                 <a:ea typeface="DejaVu Sans"/>
               </a:rPr>
-              <a:t>my-config.yaml</a:t>
-            </a:r>
-            <a:endParaRPr lang="en-US" sz="1800" b="0" strike="noStrike" spc="-1">
+              <a:t>my-</a:t>
+            </a:r>
+            <a:r>
+              <a:rPr lang="en-US" sz="1800" b="1" strike="noStrike" spc="-1" dirty="0" err="1">
+                <a:solidFill>
+                  <a:srgbClr val="843C0B"/>
+                </a:solidFill>
+                <a:uFill>
+                  <a:solidFill>
+                    <a:srgbClr val="FFFFFF"/>
+                  </a:solidFill>
+                </a:uFill>
+                <a:latin typeface="Courier New"/>
+                <a:ea typeface="DejaVu Sans"/>
+              </a:rPr>
+              <a:t>config.yaml</a:t>
+            </a:r>
+            <a:endParaRPr lang="en-US" sz="1800" b="0" strike="noStrike" spc="-1" dirty="0">
               <a:solidFill>
                 <a:srgbClr val="000000"/>
               </a:solidFill>
@@ -25988,7 +26138,7 @@
               </a:lnSpc>
             </a:pPr>
             <a:r>
-              <a:rPr lang="en-US" sz="1800" b="1" strike="noStrike" spc="-1">
+              <a:rPr lang="en-US" sz="1800" b="1" strike="noStrike" spc="-1" dirty="0">
                 <a:solidFill>
                   <a:srgbClr val="000000"/>
                 </a:solidFill>
@@ -26000,9 +26150,99 @@
                 <a:latin typeface="Courier New"/>
                 <a:ea typeface="DejaVu Sans"/>
               </a:rPr>
-              <a:t>$ kubectl create configmap special-config --from-literal=special.how=very</a:t>
-            </a:r>
-            <a:endParaRPr lang="en-US" sz="1800" b="0" strike="noStrike" spc="-1">
+              <a:t>$ </a:t>
+            </a:r>
+            <a:r>
+              <a:rPr lang="en-US" sz="1800" b="1" strike="noStrike" spc="-1" dirty="0" err="1">
+                <a:solidFill>
+                  <a:srgbClr val="000000"/>
+                </a:solidFill>
+                <a:uFill>
+                  <a:solidFill>
+                    <a:srgbClr val="FFFFFF"/>
+                  </a:solidFill>
+                </a:uFill>
+                <a:latin typeface="Courier New"/>
+                <a:ea typeface="DejaVu Sans"/>
+              </a:rPr>
+              <a:t>kubectl</a:t>
+            </a:r>
+            <a:r>
+              <a:rPr lang="en-US" sz="1800" b="1" strike="noStrike" spc="-1" dirty="0">
+                <a:solidFill>
+                  <a:srgbClr val="000000"/>
+                </a:solidFill>
+                <a:uFill>
+                  <a:solidFill>
+                    <a:srgbClr val="FFFFFF"/>
+                  </a:solidFill>
+                </a:uFill>
+                <a:latin typeface="Courier New"/>
+                <a:ea typeface="DejaVu Sans"/>
+              </a:rPr>
+              <a:t> create </a:t>
+            </a:r>
+            <a:r>
+              <a:rPr lang="en-US" sz="1800" b="1" strike="noStrike" spc="-1" dirty="0" err="1">
+                <a:solidFill>
+                  <a:srgbClr val="000000"/>
+                </a:solidFill>
+                <a:uFill>
+                  <a:solidFill>
+                    <a:srgbClr val="FFFFFF"/>
+                  </a:solidFill>
+                </a:uFill>
+                <a:latin typeface="Courier New"/>
+                <a:ea typeface="DejaVu Sans"/>
+              </a:rPr>
+              <a:t>configmap</a:t>
+            </a:r>
+            <a:r>
+              <a:rPr lang="en-US" sz="1800" b="1" strike="noStrike" spc="-1" dirty="0">
+                <a:solidFill>
+                  <a:srgbClr val="000000"/>
+                </a:solidFill>
+                <a:uFill>
+                  <a:solidFill>
+                    <a:srgbClr val="FFFFFF"/>
+                  </a:solidFill>
+                </a:uFill>
+                <a:latin typeface="Courier New"/>
+                <a:ea typeface="DejaVu Sans"/>
+              </a:rPr>
+              <a:t> special-config --from-literal=</a:t>
+            </a:r>
+            <a:r>
+              <a:rPr lang="en-US" sz="1800" b="1" strike="noStrike" spc="-1" dirty="0" err="1">
+                <a:solidFill>
+                  <a:srgbClr val="000000"/>
+                </a:solidFill>
+                <a:uFill>
+                  <a:solidFill>
+                    <a:srgbClr val="FFFFFF"/>
+                  </a:solidFill>
+                </a:uFill>
+                <a:latin typeface="Courier New"/>
+                <a:ea typeface="DejaVu Sans"/>
+              </a:rPr>
+              <a:t>special.how</a:t>
+            </a:r>
+            <a:r>
+              <a:rPr lang="en-US" sz="1800" b="1" strike="noStrike" spc="-1" dirty="0">
+                <a:solidFill>
+                  <a:srgbClr val="000000"/>
+                </a:solidFill>
+                <a:uFill>
+                  <a:solidFill>
+                    <a:srgbClr val="FFFFFF"/>
+                  </a:solidFill>
+                </a:uFill>
+                <a:latin typeface="Courier New"/>
+                <a:ea typeface="DejaVu Sans"/>
+              </a:rPr>
+              <a:t>=very</a:t>
+            </a:r>
+            <a:endParaRPr lang="en-US" sz="1800" b="0" strike="noStrike" spc="-1" dirty="0">
               <a:solidFill>
                 <a:srgbClr val="000000"/>
               </a:solidFill>
@@ -27274,7 +27514,7 @@
               </a:lnSpc>
             </a:pPr>
             <a:r>
-              <a:rPr lang="en-US" sz="1800" b="1" strike="noStrike" spc="-1">
+              <a:rPr lang="en-US" sz="1800" b="1" strike="noStrike" spc="-1" dirty="0">
                 <a:solidFill>
                   <a:srgbClr val="000000"/>
                 </a:solidFill>
@@ -27286,10 +27526,70 @@
                 <a:latin typeface="Courier New"/>
                 <a:ea typeface="DejaVu Sans"/>
               </a:rPr>
-              <a:t>$ kubectl create –f </a:t>
-            </a:r>
-            <a:r>
-              <a:rPr lang="en-US" sz="1800" b="1" strike="noStrike" spc="-1">
+              <a:t>$ </a:t>
+            </a:r>
+            <a:r>
+              <a:rPr lang="en-US" sz="1800" b="1" strike="noStrike" spc="-1" dirty="0" err="1">
+                <a:solidFill>
+                  <a:srgbClr val="000000"/>
+                </a:solidFill>
+                <a:uFill>
+                  <a:solidFill>
+                    <a:srgbClr val="FFFFFF"/>
+                  </a:solidFill>
+                </a:uFill>
+                <a:latin typeface="Courier New"/>
+                <a:ea typeface="DejaVu Sans"/>
+              </a:rPr>
+              <a:t>kubectl</a:t>
+            </a:r>
+            <a:r>
+              <a:rPr lang="en-US" sz="1800" b="1" strike="noStrike" spc="-1" dirty="0">
+                <a:solidFill>
+                  <a:srgbClr val="000000"/>
+                </a:solidFill>
+                <a:uFill>
+                  <a:solidFill>
+                    <a:srgbClr val="FFFFFF"/>
+                  </a:solidFill>
+                </a:uFill>
+                <a:latin typeface="Courier New"/>
+                <a:ea typeface="DejaVu Sans"/>
+              </a:rPr>
+              <a:t> </a:t>
+            </a:r>
+            <a:r>
+              <a:rPr lang="en-US" b="1" spc="-1" dirty="0">
+                <a:solidFill>
+                  <a:srgbClr val="000000"/>
+                </a:solidFill>
+                <a:uFill>
+                  <a:solidFill>
+                    <a:srgbClr val="FFFFFF"/>
+                  </a:solidFill>
+                </a:uFill>
+                <a:latin typeface="Courier New"/>
+                <a:ea typeface="DejaVu Sans"/>
+              </a:rPr>
+              <a:t>apply </a:t>
+            </a:r>
+            <a:r>
+              <a:rPr lang="en-US" sz="1800" b="1" strike="noStrike" spc="-1" dirty="0">
+                <a:solidFill>
+                  <a:srgbClr val="000000"/>
+                </a:solidFill>
+                <a:uFill>
+                  <a:solidFill>
+                    <a:srgbClr val="FFFFFF"/>
+                  </a:solidFill>
+                </a:uFill>
+                <a:latin typeface="Courier New"/>
+                <a:ea typeface="DejaVu Sans"/>
+              </a:rPr>
+              <a:t>–f </a:t>
+            </a:r>
+            <a:r>
+              <a:rPr lang="en-US" sz="1800" b="1" strike="noStrike" spc="-1" dirty="0">
                 <a:solidFill>
                   <a:srgbClr val="843C0B"/>
                 </a:solidFill>
@@ -27301,9 +27601,24 @@
                 <a:latin typeface="Courier New"/>
                 <a:ea typeface="DejaVu Sans"/>
               </a:rPr>
-              <a:t>my-secret.yaml</a:t>
-            </a:r>
-            <a:endParaRPr lang="en-US" sz="1800" b="0" strike="noStrike" spc="-1">
+              <a:t>my-</a:t>
+            </a:r>
+            <a:r>
+              <a:rPr lang="en-US" sz="1800" b="1" strike="noStrike" spc="-1" dirty="0" err="1">
+                <a:solidFill>
+                  <a:srgbClr val="843C0B"/>
+                </a:solidFill>
+                <a:uFill>
+                  <a:solidFill>
+                    <a:srgbClr val="FFFFFF"/>
+                  </a:solidFill>
+                </a:uFill>
+                <a:latin typeface="Courier New"/>
+                <a:ea typeface="DejaVu Sans"/>
+              </a:rPr>
+              <a:t>secret.yaml</a:t>
+            </a:r>
+            <a:endParaRPr lang="en-US" sz="1800" b="0" strike="noStrike" spc="-1" dirty="0">
               <a:solidFill>
                 <a:srgbClr val="000000"/>
               </a:solidFill>
@@ -27322,7 +27637,7 @@
               </a:lnSpc>
             </a:pPr>
             <a:r>
-              <a:rPr lang="en-US" sz="1800" b="1" strike="noStrike" spc="-1">
+              <a:rPr lang="en-US" sz="1800" b="1" strike="noStrike" spc="-1" dirty="0">
                 <a:solidFill>
                   <a:srgbClr val="000000"/>
                 </a:solidFill>
@@ -27334,9 +27649,69 @@
                 <a:latin typeface="Courier New"/>
                 <a:ea typeface="DejaVu Sans"/>
               </a:rPr>
-              <a:t>$ kubectl create secret generic mysecret --from-literal=username=admin --from-literal=password=1f2d1e2e67df </a:t>
-            </a:r>
-            <a:endParaRPr lang="en-US" sz="1800" b="0" strike="noStrike" spc="-1">
+              <a:t>$ </a:t>
+            </a:r>
+            <a:r>
+              <a:rPr lang="en-US" sz="1800" b="1" strike="noStrike" spc="-1" dirty="0" err="1">
+                <a:solidFill>
+                  <a:srgbClr val="000000"/>
+                </a:solidFill>
+                <a:uFill>
+                  <a:solidFill>
+                    <a:srgbClr val="FFFFFF"/>
+                  </a:solidFill>
+                </a:uFill>
+                <a:latin typeface="Courier New"/>
+                <a:ea typeface="DejaVu Sans"/>
+              </a:rPr>
+              <a:t>kubectl</a:t>
+            </a:r>
+            <a:r>
+              <a:rPr lang="en-US" sz="1800" b="1" strike="noStrike" spc="-1" dirty="0">
+                <a:solidFill>
+                  <a:srgbClr val="000000"/>
+                </a:solidFill>
+                <a:uFill>
+                  <a:solidFill>
+                    <a:srgbClr val="FFFFFF"/>
+                  </a:solidFill>
+                </a:uFill>
+                <a:latin typeface="Courier New"/>
+                <a:ea typeface="DejaVu Sans"/>
+              </a:rPr>
+              <a:t> create secret generic </a:t>
+            </a:r>
+            <a:r>
+              <a:rPr lang="en-US" sz="1800" b="1" strike="noStrike" spc="-1" dirty="0" err="1">
+                <a:solidFill>
+                  <a:srgbClr val="000000"/>
+                </a:solidFill>
+                <a:uFill>
+                  <a:solidFill>
+                    <a:srgbClr val="FFFFFF"/>
+                  </a:solidFill>
+                </a:uFill>
+                <a:latin typeface="Courier New"/>
+                <a:ea typeface="DejaVu Sans"/>
+              </a:rPr>
+              <a:t>mysecret</a:t>
+            </a:r>
+            <a:r>
+              <a:rPr lang="en-US" sz="1800" b="1" strike="noStrike" spc="-1" dirty="0">
+                <a:solidFill>
+                  <a:srgbClr val="000000"/>
+                </a:solidFill>
+                <a:uFill>
+                  <a:solidFill>
+                    <a:srgbClr val="FFFFFF"/>
+                  </a:solidFill>
+                </a:uFill>
+                <a:latin typeface="Courier New"/>
+                <a:ea typeface="DejaVu Sans"/>
+              </a:rPr>
+              <a:t> --from-literal=username=admin --from-literal=password=1f2d1e2e67df </a:t>
+            </a:r>
+            <a:endParaRPr lang="en-US" sz="1800" b="0" strike="noStrike" spc="-1" dirty="0">
               <a:solidFill>
                 <a:srgbClr val="000000"/>
               </a:solidFill>

--- a/day-3/Using Kubernetes Day 3.pptx
+++ b/day-3/Using Kubernetes Day 3.pptx
@@ -3986,7 +3986,7 @@
           <a:p>
             <a:fld id="{42C2343A-BF2E-4E4B-99FA-FDD616CF880E}" type="datetimeFigureOut">
               <a:rPr lang="en-IL" smtClean="0"/>
-              <a:t>28/02/2022</a:t>
+              <a:t>28/01/2025</a:t>
             </a:fld>
             <a:endParaRPr lang="en-IL"/>
           </a:p>
@@ -4186,7 +4186,7 @@
           <a:p>
             <a:fld id="{42C2343A-BF2E-4E4B-99FA-FDD616CF880E}" type="datetimeFigureOut">
               <a:rPr lang="en-IL" smtClean="0"/>
-              <a:t>28/02/2022</a:t>
+              <a:t>28/01/2025</a:t>
             </a:fld>
             <a:endParaRPr lang="en-IL"/>
           </a:p>
@@ -4396,7 +4396,7 @@
           <a:p>
             <a:fld id="{42C2343A-BF2E-4E4B-99FA-FDD616CF880E}" type="datetimeFigureOut">
               <a:rPr lang="en-IL" smtClean="0"/>
-              <a:t>28/02/2022</a:t>
+              <a:t>28/01/2025</a:t>
             </a:fld>
             <a:endParaRPr lang="en-IL"/>
           </a:p>
@@ -4701,7 +4701,7 @@
           <a:p>
             <a:fld id="{42C2343A-BF2E-4E4B-99FA-FDD616CF880E}" type="datetimeFigureOut">
               <a:rPr lang="en-IL" smtClean="0"/>
-              <a:t>28/02/2022</a:t>
+              <a:t>28/01/2025</a:t>
             </a:fld>
             <a:endParaRPr lang="en-IL"/>
           </a:p>
@@ -4977,7 +4977,7 @@
           <a:p>
             <a:fld id="{42C2343A-BF2E-4E4B-99FA-FDD616CF880E}" type="datetimeFigureOut">
               <a:rPr lang="en-IL" smtClean="0"/>
-              <a:t>28/02/2022</a:t>
+              <a:t>28/01/2025</a:t>
             </a:fld>
             <a:endParaRPr lang="en-IL"/>
           </a:p>
@@ -5245,7 +5245,7 @@
           <a:p>
             <a:fld id="{42C2343A-BF2E-4E4B-99FA-FDD616CF880E}" type="datetimeFigureOut">
               <a:rPr lang="en-IL" smtClean="0"/>
-              <a:t>28/02/2022</a:t>
+              <a:t>28/01/2025</a:t>
             </a:fld>
             <a:endParaRPr lang="en-IL"/>
           </a:p>
@@ -5660,7 +5660,7 @@
           <a:p>
             <a:fld id="{42C2343A-BF2E-4E4B-99FA-FDD616CF880E}" type="datetimeFigureOut">
               <a:rPr lang="en-IL" smtClean="0"/>
-              <a:t>28/02/2022</a:t>
+              <a:t>28/01/2025</a:t>
             </a:fld>
             <a:endParaRPr lang="en-IL"/>
           </a:p>
@@ -5802,7 +5802,7 @@
           <a:p>
             <a:fld id="{42C2343A-BF2E-4E4B-99FA-FDD616CF880E}" type="datetimeFigureOut">
               <a:rPr lang="en-IL" smtClean="0"/>
-              <a:t>28/02/2022</a:t>
+              <a:t>28/01/2025</a:t>
             </a:fld>
             <a:endParaRPr lang="en-IL"/>
           </a:p>
@@ -5915,7 +5915,7 @@
           <a:p>
             <a:fld id="{42C2343A-BF2E-4E4B-99FA-FDD616CF880E}" type="datetimeFigureOut">
               <a:rPr lang="en-IL" smtClean="0"/>
-              <a:t>28/02/2022</a:t>
+              <a:t>28/01/2025</a:t>
             </a:fld>
             <a:endParaRPr lang="en-IL"/>
           </a:p>
@@ -6228,7 +6228,7 @@
           <a:p>
             <a:fld id="{42C2343A-BF2E-4E4B-99FA-FDD616CF880E}" type="datetimeFigureOut">
               <a:rPr lang="en-IL" smtClean="0"/>
-              <a:t>28/02/2022</a:t>
+              <a:t>28/01/2025</a:t>
             </a:fld>
             <a:endParaRPr lang="en-IL"/>
           </a:p>
@@ -6517,7 +6517,7 @@
           <a:p>
             <a:fld id="{42C2343A-BF2E-4E4B-99FA-FDD616CF880E}" type="datetimeFigureOut">
               <a:rPr lang="en-IL" smtClean="0"/>
-              <a:t>28/02/2022</a:t>
+              <a:t>28/01/2025</a:t>
             </a:fld>
             <a:endParaRPr lang="en-IL"/>
           </a:p>
@@ -6760,7 +6760,7 @@
           <a:p>
             <a:fld id="{42C2343A-BF2E-4E4B-99FA-FDD616CF880E}" type="datetimeFigureOut">
               <a:rPr lang="en-IL" smtClean="0"/>
-              <a:t>28/02/2022</a:t>
+              <a:t>28/01/2025</a:t>
             </a:fld>
             <a:endParaRPr lang="en-IL"/>
           </a:p>
@@ -7309,21 +7309,7 @@
                 <a:spcPct val="100000"/>
               </a:lnSpc>
             </a:pPr>
-            <a:r>
-              <a:rPr lang="en-US" sz="2400" b="0" strike="noStrike" spc="-1">
-                <a:solidFill>
-                  <a:srgbClr val="2E75B6"/>
-                </a:solidFill>
-                <a:uFill>
-                  <a:solidFill>
-                    <a:srgbClr val="FFFFFF"/>
-                  </a:solidFill>
-                </a:uFill>
-                <a:latin typeface="Calibri"/>
-              </a:rPr>
-              <a:t>Nesia Amit</a:t>
-            </a:r>
-            <a:endParaRPr lang="en-US" sz="1800" b="0" strike="noStrike" spc="-1">
+            <a:endParaRPr lang="en-US" sz="1800" b="0" strike="noStrike" spc="-1" dirty="0">
               <a:solidFill>
                 <a:srgbClr val="000000"/>
               </a:solidFill>
@@ -7494,6 +7480,13 @@
           </a:effectRef>
           <a:fontRef idx="minor"/>
         </p:style>
+        <p:txBody>
+          <a:bodyPr/>
+          <a:lstStyle/>
+          <a:p>
+            <a:endParaRPr lang="en-US"/>
+          </a:p>
+        </p:txBody>
       </p:sp>
       <p:sp>
         <p:nvSpPr>
@@ -7529,6 +7522,13 @@
           </a:effectRef>
           <a:fontRef idx="minor"/>
         </p:style>
+        <p:txBody>
+          <a:bodyPr/>
+          <a:lstStyle/>
+          <a:p>
+            <a:endParaRPr lang="en-US"/>
+          </a:p>
+        </p:txBody>
       </p:sp>
       <p:sp>
         <p:nvSpPr>
@@ -7563,6 +7563,13 @@
           </a:effectRef>
           <a:fontRef idx="minor"/>
         </p:style>
+        <p:txBody>
+          <a:bodyPr/>
+          <a:lstStyle/>
+          <a:p>
+            <a:endParaRPr lang="en-US"/>
+          </a:p>
+        </p:txBody>
       </p:sp>
       <p:sp>
         <p:nvSpPr>
@@ -7604,6 +7611,13 @@
           </a:effectRef>
           <a:fontRef idx="minor"/>
         </p:style>
+        <p:txBody>
+          <a:bodyPr/>
+          <a:lstStyle/>
+          <a:p>
+            <a:endParaRPr lang="en-US"/>
+          </a:p>
+        </p:txBody>
       </p:sp>
     </p:spTree>
     <p:extLst>
@@ -7693,6 +7707,13 @@
           </a:effectRef>
           <a:fontRef idx="minor"/>
         </p:style>
+        <p:txBody>
+          <a:bodyPr/>
+          <a:lstStyle/>
+          <a:p>
+            <a:endParaRPr lang="en-US"/>
+          </a:p>
+        </p:txBody>
       </p:sp>
       <p:sp>
         <p:nvSpPr>
@@ -7731,6 +7752,13 @@
           </a:effectRef>
           <a:fontRef idx="minor"/>
         </p:style>
+        <p:txBody>
+          <a:bodyPr/>
+          <a:lstStyle/>
+          <a:p>
+            <a:endParaRPr lang="en-US"/>
+          </a:p>
+        </p:txBody>
       </p:sp>
       <p:pic>
         <p:nvPicPr>
@@ -8033,6 +8061,13 @@
           </a:effectRef>
           <a:fontRef idx="minor"/>
         </p:style>
+        <p:txBody>
+          <a:bodyPr/>
+          <a:lstStyle/>
+          <a:p>
+            <a:endParaRPr lang="en-US"/>
+          </a:p>
+        </p:txBody>
       </p:sp>
       <p:sp>
         <p:nvSpPr>
@@ -8067,6 +8102,13 @@
           </a:effectRef>
           <a:fontRef idx="minor"/>
         </p:style>
+        <p:txBody>
+          <a:bodyPr/>
+          <a:lstStyle/>
+          <a:p>
+            <a:endParaRPr lang="en-US"/>
+          </a:p>
+        </p:txBody>
       </p:sp>
       <p:sp>
         <p:nvSpPr>
@@ -8108,6 +8150,13 @@
           </a:effectRef>
           <a:fontRef idx="minor"/>
         </p:style>
+        <p:txBody>
+          <a:bodyPr/>
+          <a:lstStyle/>
+          <a:p>
+            <a:endParaRPr lang="en-US"/>
+          </a:p>
+        </p:txBody>
       </p:sp>
       <p:sp>
         <p:nvSpPr>
@@ -8147,6 +8196,13 @@
           </a:effectRef>
           <a:fontRef idx="minor"/>
         </p:style>
+        <p:txBody>
+          <a:bodyPr/>
+          <a:lstStyle/>
+          <a:p>
+            <a:endParaRPr lang="en-US"/>
+          </a:p>
+        </p:txBody>
       </p:sp>
       <p:sp>
         <p:nvSpPr>
@@ -9552,6 +9608,13 @@
           </a:effectRef>
           <a:fontRef idx="minor"/>
         </p:style>
+        <p:txBody>
+          <a:bodyPr/>
+          <a:lstStyle/>
+          <a:p>
+            <a:endParaRPr lang="en-US"/>
+          </a:p>
+        </p:txBody>
       </p:sp>
     </p:spTree>
     <p:extLst>
@@ -11870,6 +11933,13 @@
           </a:effectRef>
           <a:fontRef idx="minor"/>
         </p:style>
+        <p:txBody>
+          <a:bodyPr/>
+          <a:lstStyle/>
+          <a:p>
+            <a:endParaRPr lang="en-US"/>
+          </a:p>
+        </p:txBody>
       </p:sp>
       <p:sp>
         <p:nvSpPr>
@@ -11911,6 +11981,13 @@
           </a:effectRef>
           <a:fontRef idx="minor"/>
         </p:style>
+        <p:txBody>
+          <a:bodyPr/>
+          <a:lstStyle/>
+          <a:p>
+            <a:endParaRPr lang="en-US"/>
+          </a:p>
+        </p:txBody>
       </p:sp>
       <p:sp>
         <p:nvSpPr>
@@ -11952,6 +12029,13 @@
           </a:effectRef>
           <a:fontRef idx="minor"/>
         </p:style>
+        <p:txBody>
+          <a:bodyPr/>
+          <a:lstStyle/>
+          <a:p>
+            <a:endParaRPr lang="en-US"/>
+          </a:p>
+        </p:txBody>
       </p:sp>
       <p:sp>
         <p:nvSpPr>
@@ -11991,6 +12075,13 @@
           </a:effectRef>
           <a:fontRef idx="minor"/>
         </p:style>
+        <p:txBody>
+          <a:bodyPr/>
+          <a:lstStyle/>
+          <a:p>
+            <a:endParaRPr lang="en-US"/>
+          </a:p>
+        </p:txBody>
       </p:sp>
       <p:sp>
         <p:nvSpPr>
@@ -12030,6 +12121,13 @@
           </a:effectRef>
           <a:fontRef idx="minor"/>
         </p:style>
+        <p:txBody>
+          <a:bodyPr/>
+          <a:lstStyle/>
+          <a:p>
+            <a:endParaRPr lang="en-US"/>
+          </a:p>
+        </p:txBody>
       </p:sp>
       <p:sp>
         <p:nvSpPr>
@@ -12069,6 +12167,13 @@
           </a:effectRef>
           <a:fontRef idx="minor"/>
         </p:style>
+        <p:txBody>
+          <a:bodyPr/>
+          <a:lstStyle/>
+          <a:p>
+            <a:endParaRPr lang="en-US"/>
+          </a:p>
+        </p:txBody>
       </p:sp>
       <p:sp>
         <p:nvSpPr>
@@ -12104,6 +12209,13 @@
           </a:effectRef>
           <a:fontRef idx="minor"/>
         </p:style>
+        <p:txBody>
+          <a:bodyPr/>
+          <a:lstStyle/>
+          <a:p>
+            <a:endParaRPr lang="en-US"/>
+          </a:p>
+        </p:txBody>
       </p:sp>
       <p:sp>
         <p:nvSpPr>
@@ -12139,6 +12251,13 @@
           </a:effectRef>
           <a:fontRef idx="minor"/>
         </p:style>
+        <p:txBody>
+          <a:bodyPr/>
+          <a:lstStyle/>
+          <a:p>
+            <a:endParaRPr lang="en-US"/>
+          </a:p>
+        </p:txBody>
       </p:sp>
       <p:sp>
         <p:nvSpPr>
@@ -12174,6 +12293,13 @@
           </a:effectRef>
           <a:fontRef idx="minor"/>
         </p:style>
+        <p:txBody>
+          <a:bodyPr/>
+          <a:lstStyle/>
+          <a:p>
+            <a:endParaRPr lang="en-US"/>
+          </a:p>
+        </p:txBody>
       </p:sp>
       <p:sp>
         <p:nvSpPr>
@@ -12277,6 +12403,13 @@
           </a:effectRef>
           <a:fontRef idx="minor"/>
         </p:style>
+        <p:txBody>
+          <a:bodyPr/>
+          <a:lstStyle/>
+          <a:p>
+            <a:endParaRPr lang="en-US"/>
+          </a:p>
+        </p:txBody>
       </p:sp>
       <p:sp>
         <p:nvSpPr>
@@ -12311,6 +12444,13 @@
           </a:effectRef>
           <a:fontRef idx="minor"/>
         </p:style>
+        <p:txBody>
+          <a:bodyPr/>
+          <a:lstStyle/>
+          <a:p>
+            <a:endParaRPr lang="en-US"/>
+          </a:p>
+        </p:txBody>
       </p:sp>
       <p:sp>
         <p:nvSpPr>
@@ -12345,6 +12485,13 @@
           </a:effectRef>
           <a:fontRef idx="minor"/>
         </p:style>
+        <p:txBody>
+          <a:bodyPr/>
+          <a:lstStyle/>
+          <a:p>
+            <a:endParaRPr lang="en-US"/>
+          </a:p>
+        </p:txBody>
       </p:sp>
       <p:sp>
         <p:nvSpPr>
@@ -12382,6 +12529,13 @@
           </a:effectRef>
           <a:fontRef idx="minor"/>
         </p:style>
+        <p:txBody>
+          <a:bodyPr/>
+          <a:lstStyle/>
+          <a:p>
+            <a:endParaRPr lang="en-US"/>
+          </a:p>
+        </p:txBody>
       </p:sp>
       <p:sp>
         <p:nvSpPr>
@@ -12885,6 +13039,13 @@
           </a:effectRef>
           <a:fontRef idx="minor"/>
         </p:style>
+        <p:txBody>
+          <a:bodyPr/>
+          <a:lstStyle/>
+          <a:p>
+            <a:endParaRPr lang="en-US"/>
+          </a:p>
+        </p:txBody>
       </p:sp>
       <p:sp>
         <p:nvSpPr>
@@ -12998,6 +13159,13 @@
           </a:effectRef>
           <a:fontRef idx="minor"/>
         </p:style>
+        <p:txBody>
+          <a:bodyPr/>
+          <a:lstStyle/>
+          <a:p>
+            <a:endParaRPr lang="en-US"/>
+          </a:p>
+        </p:txBody>
       </p:sp>
       <p:sp>
         <p:nvSpPr>
@@ -13034,6 +13202,13 @@
           </a:effectRef>
           <a:fontRef idx="minor"/>
         </p:style>
+        <p:txBody>
+          <a:bodyPr/>
+          <a:lstStyle/>
+          <a:p>
+            <a:endParaRPr lang="en-US"/>
+          </a:p>
+        </p:txBody>
       </p:sp>
       <p:sp>
         <p:nvSpPr>
@@ -13543,6 +13718,13 @@
           </a:effectRef>
           <a:fontRef idx="minor"/>
         </p:style>
+        <p:txBody>
+          <a:bodyPr/>
+          <a:lstStyle/>
+          <a:p>
+            <a:endParaRPr lang="en-US"/>
+          </a:p>
+        </p:txBody>
       </p:sp>
       <p:sp>
         <p:nvSpPr>
@@ -13577,6 +13759,13 @@
           </a:effectRef>
           <a:fontRef idx="minor"/>
         </p:style>
+        <p:txBody>
+          <a:bodyPr/>
+          <a:lstStyle/>
+          <a:p>
+            <a:endParaRPr lang="en-US"/>
+          </a:p>
+        </p:txBody>
       </p:sp>
       <p:sp>
         <p:nvSpPr>
@@ -13688,6 +13877,13 @@
           </a:effectRef>
           <a:fontRef idx="minor"/>
         </p:style>
+        <p:txBody>
+          <a:bodyPr/>
+          <a:lstStyle/>
+          <a:p>
+            <a:endParaRPr lang="en-US"/>
+          </a:p>
+        </p:txBody>
       </p:sp>
       <p:sp>
         <p:nvSpPr>
@@ -13800,6 +13996,13 @@
           </a:effectRef>
           <a:fontRef idx="minor"/>
         </p:style>
+        <p:txBody>
+          <a:bodyPr/>
+          <a:lstStyle/>
+          <a:p>
+            <a:endParaRPr lang="en-US"/>
+          </a:p>
+        </p:txBody>
       </p:sp>
       <p:sp>
         <p:nvSpPr>
@@ -13912,6 +14115,13 @@
           </a:effectRef>
           <a:fontRef idx="minor"/>
         </p:style>
+        <p:txBody>
+          <a:bodyPr/>
+          <a:lstStyle/>
+          <a:p>
+            <a:endParaRPr lang="en-US"/>
+          </a:p>
+        </p:txBody>
       </p:sp>
       <p:sp>
         <p:nvSpPr>
@@ -15365,6 +15575,13 @@
           </a:effectRef>
           <a:fontRef idx="minor"/>
         </p:style>
+        <p:txBody>
+          <a:bodyPr/>
+          <a:lstStyle/>
+          <a:p>
+            <a:endParaRPr lang="en-US"/>
+          </a:p>
+        </p:txBody>
       </p:sp>
       <p:sp>
         <p:nvSpPr>
@@ -15739,6 +15956,13 @@
           </a:effectRef>
           <a:fontRef idx="minor"/>
         </p:style>
+        <p:txBody>
+          <a:bodyPr/>
+          <a:lstStyle/>
+          <a:p>
+            <a:endParaRPr lang="en-US"/>
+          </a:p>
+        </p:txBody>
       </p:sp>
       <p:sp>
         <p:nvSpPr>
@@ -15778,6 +16002,13 @@
           </a:effectRef>
           <a:fontRef idx="minor"/>
         </p:style>
+        <p:txBody>
+          <a:bodyPr/>
+          <a:lstStyle/>
+          <a:p>
+            <a:endParaRPr lang="en-US"/>
+          </a:p>
+        </p:txBody>
       </p:sp>
       <p:sp>
         <p:nvSpPr>
@@ -15957,6 +16188,13 @@
           </a:effectRef>
           <a:fontRef idx="minor"/>
         </p:style>
+        <p:txBody>
+          <a:bodyPr/>
+          <a:lstStyle/>
+          <a:p>
+            <a:endParaRPr lang="en-US"/>
+          </a:p>
+        </p:txBody>
       </p:sp>
       <p:sp>
         <p:nvSpPr>
@@ -15991,6 +16229,13 @@
           </a:effectRef>
           <a:fontRef idx="minor"/>
         </p:style>
+        <p:txBody>
+          <a:bodyPr/>
+          <a:lstStyle/>
+          <a:p>
+            <a:endParaRPr lang="en-US"/>
+          </a:p>
+        </p:txBody>
       </p:sp>
       <p:sp>
         <p:nvSpPr>
@@ -16028,6 +16273,13 @@
           </a:effectRef>
           <a:fontRef idx="minor"/>
         </p:style>
+        <p:txBody>
+          <a:bodyPr/>
+          <a:lstStyle/>
+          <a:p>
+            <a:endParaRPr lang="en-US"/>
+          </a:p>
+        </p:txBody>
       </p:sp>
       <p:sp>
         <p:nvSpPr>
@@ -16137,6 +16389,13 @@
           </a:effectRef>
           <a:fontRef idx="minor"/>
         </p:style>
+        <p:txBody>
+          <a:bodyPr/>
+          <a:lstStyle/>
+          <a:p>
+            <a:endParaRPr lang="en-US"/>
+          </a:p>
+        </p:txBody>
       </p:sp>
       <p:sp>
         <p:nvSpPr>
@@ -16391,6 +16650,13 @@
           </a:effectRef>
           <a:fontRef idx="minor"/>
         </p:style>
+        <p:txBody>
+          <a:bodyPr/>
+          <a:lstStyle/>
+          <a:p>
+            <a:endParaRPr lang="en-US"/>
+          </a:p>
+        </p:txBody>
       </p:sp>
       <p:sp>
         <p:nvSpPr>
@@ -16570,6 +16836,13 @@
           </a:effectRef>
           <a:fontRef idx="minor"/>
         </p:style>
+        <p:txBody>
+          <a:bodyPr/>
+          <a:lstStyle/>
+          <a:p>
+            <a:endParaRPr lang="en-US"/>
+          </a:p>
+        </p:txBody>
       </p:sp>
       <p:sp>
         <p:nvSpPr>
@@ -16607,6 +16880,13 @@
           </a:effectRef>
           <a:fontRef idx="minor"/>
         </p:style>
+        <p:txBody>
+          <a:bodyPr/>
+          <a:lstStyle/>
+          <a:p>
+            <a:endParaRPr lang="en-US"/>
+          </a:p>
+        </p:txBody>
       </p:sp>
       <p:sp>
         <p:nvSpPr>
@@ -16645,6 +16925,13 @@
           </a:effectRef>
           <a:fontRef idx="minor"/>
         </p:style>
+        <p:txBody>
+          <a:bodyPr/>
+          <a:lstStyle/>
+          <a:p>
+            <a:endParaRPr lang="en-US"/>
+          </a:p>
+        </p:txBody>
       </p:sp>
       <p:sp>
         <p:nvSpPr>
@@ -16679,6 +16966,13 @@
           </a:effectRef>
           <a:fontRef idx="minor"/>
         </p:style>
+        <p:txBody>
+          <a:bodyPr/>
+          <a:lstStyle/>
+          <a:p>
+            <a:endParaRPr lang="en-US"/>
+          </a:p>
+        </p:txBody>
       </p:sp>
       <p:sp>
         <p:nvSpPr>
@@ -16714,6 +17008,13 @@
           </a:effectRef>
           <a:fontRef idx="minor"/>
         </p:style>
+        <p:txBody>
+          <a:bodyPr/>
+          <a:lstStyle/>
+          <a:p>
+            <a:endParaRPr lang="en-US"/>
+          </a:p>
+        </p:txBody>
       </p:sp>
       <p:sp>
         <p:nvSpPr>
@@ -16750,6 +17051,13 @@
           </a:effectRef>
           <a:fontRef idx="minor"/>
         </p:style>
+        <p:txBody>
+          <a:bodyPr/>
+          <a:lstStyle/>
+          <a:p>
+            <a:endParaRPr lang="en-US"/>
+          </a:p>
+        </p:txBody>
       </p:sp>
       <p:sp>
         <p:nvSpPr>
@@ -16929,6 +17237,13 @@
           </a:effectRef>
           <a:fontRef idx="minor"/>
         </p:style>
+        <p:txBody>
+          <a:bodyPr/>
+          <a:lstStyle/>
+          <a:p>
+            <a:endParaRPr lang="en-US"/>
+          </a:p>
+        </p:txBody>
       </p:sp>
       <p:sp>
         <p:nvSpPr>
@@ -16966,6 +17281,13 @@
           </a:effectRef>
           <a:fontRef idx="minor"/>
         </p:style>
+        <p:txBody>
+          <a:bodyPr/>
+          <a:lstStyle/>
+          <a:p>
+            <a:endParaRPr lang="en-US"/>
+          </a:p>
+        </p:txBody>
       </p:sp>
       <p:sp>
         <p:nvSpPr>
@@ -17004,6 +17326,13 @@
           </a:effectRef>
           <a:fontRef idx="minor"/>
         </p:style>
+        <p:txBody>
+          <a:bodyPr/>
+          <a:lstStyle/>
+          <a:p>
+            <a:endParaRPr lang="en-US"/>
+          </a:p>
+        </p:txBody>
       </p:sp>
       <p:sp>
         <p:nvSpPr>
@@ -17366,6 +17695,13 @@
           </a:effectRef>
           <a:fontRef idx="minor"/>
         </p:style>
+        <p:txBody>
+          <a:bodyPr/>
+          <a:lstStyle/>
+          <a:p>
+            <a:endParaRPr lang="en-US"/>
+          </a:p>
+        </p:txBody>
       </p:sp>
       <p:sp>
         <p:nvSpPr>
@@ -17419,6 +17755,13 @@
           </a:effectRef>
           <a:fontRef idx="minor"/>
         </p:style>
+        <p:txBody>
+          <a:bodyPr/>
+          <a:lstStyle/>
+          <a:p>
+            <a:endParaRPr lang="en-US"/>
+          </a:p>
+        </p:txBody>
       </p:sp>
       <p:sp>
         <p:nvSpPr>
@@ -17472,6 +17815,13 @@
           </a:effectRef>
           <a:fontRef idx="minor"/>
         </p:style>
+        <p:txBody>
+          <a:bodyPr/>
+          <a:lstStyle/>
+          <a:p>
+            <a:endParaRPr lang="en-US"/>
+          </a:p>
+        </p:txBody>
       </p:sp>
     </p:spTree>
     <p:extLst>
@@ -17857,6 +18207,13 @@
           </a:effectRef>
           <a:fontRef idx="minor"/>
         </p:style>
+        <p:txBody>
+          <a:bodyPr/>
+          <a:lstStyle/>
+          <a:p>
+            <a:endParaRPr lang="en-US"/>
+          </a:p>
+        </p:txBody>
       </p:sp>
       <p:sp>
         <p:nvSpPr>
@@ -17898,6 +18255,13 @@
           </a:effectRef>
           <a:fontRef idx="minor"/>
         </p:style>
+        <p:txBody>
+          <a:bodyPr/>
+          <a:lstStyle/>
+          <a:p>
+            <a:endParaRPr lang="en-US"/>
+          </a:p>
+        </p:txBody>
       </p:sp>
       <p:sp>
         <p:nvSpPr>
@@ -17939,6 +18303,13 @@
           </a:effectRef>
           <a:fontRef idx="minor"/>
         </p:style>
+        <p:txBody>
+          <a:bodyPr/>
+          <a:lstStyle/>
+          <a:p>
+            <a:endParaRPr lang="en-US"/>
+          </a:p>
+        </p:txBody>
       </p:sp>
       <p:sp>
         <p:nvSpPr>
@@ -17978,6 +18349,13 @@
           </a:effectRef>
           <a:fontRef idx="minor"/>
         </p:style>
+        <p:txBody>
+          <a:bodyPr/>
+          <a:lstStyle/>
+          <a:p>
+            <a:endParaRPr lang="en-US"/>
+          </a:p>
+        </p:txBody>
       </p:sp>
       <p:sp>
         <p:nvSpPr>
@@ -18017,6 +18395,13 @@
           </a:effectRef>
           <a:fontRef idx="minor"/>
         </p:style>
+        <p:txBody>
+          <a:bodyPr/>
+          <a:lstStyle/>
+          <a:p>
+            <a:endParaRPr lang="en-US"/>
+          </a:p>
+        </p:txBody>
       </p:sp>
       <p:sp>
         <p:nvSpPr>
@@ -18056,6 +18441,13 @@
           </a:effectRef>
           <a:fontRef idx="minor"/>
         </p:style>
+        <p:txBody>
+          <a:bodyPr/>
+          <a:lstStyle/>
+          <a:p>
+            <a:endParaRPr lang="en-US"/>
+          </a:p>
+        </p:txBody>
       </p:sp>
       <p:sp>
         <p:nvSpPr>
@@ -18091,6 +18483,13 @@
           </a:effectRef>
           <a:fontRef idx="minor"/>
         </p:style>
+        <p:txBody>
+          <a:bodyPr/>
+          <a:lstStyle/>
+          <a:p>
+            <a:endParaRPr lang="en-US"/>
+          </a:p>
+        </p:txBody>
       </p:sp>
       <p:sp>
         <p:nvSpPr>
@@ -18126,6 +18525,13 @@
           </a:effectRef>
           <a:fontRef idx="minor"/>
         </p:style>
+        <p:txBody>
+          <a:bodyPr/>
+          <a:lstStyle/>
+          <a:p>
+            <a:endParaRPr lang="en-US"/>
+          </a:p>
+        </p:txBody>
       </p:sp>
       <p:sp>
         <p:nvSpPr>
@@ -18229,6 +18635,13 @@
           </a:effectRef>
           <a:fontRef idx="minor"/>
         </p:style>
+        <p:txBody>
+          <a:bodyPr/>
+          <a:lstStyle/>
+          <a:p>
+            <a:endParaRPr lang="en-US"/>
+          </a:p>
+        </p:txBody>
       </p:sp>
       <p:sp>
         <p:nvSpPr>
@@ -18263,6 +18676,13 @@
           </a:effectRef>
           <a:fontRef idx="minor"/>
         </p:style>
+        <p:txBody>
+          <a:bodyPr/>
+          <a:lstStyle/>
+          <a:p>
+            <a:endParaRPr lang="en-US"/>
+          </a:p>
+        </p:txBody>
       </p:sp>
       <p:sp>
         <p:nvSpPr>
@@ -18300,6 +18720,13 @@
           </a:effectRef>
           <a:fontRef idx="minor"/>
         </p:style>
+        <p:txBody>
+          <a:bodyPr/>
+          <a:lstStyle/>
+          <a:p>
+            <a:endParaRPr lang="en-US"/>
+          </a:p>
+        </p:txBody>
       </p:sp>
       <p:sp>
         <p:nvSpPr>
@@ -18803,6 +19230,13 @@
           </a:effectRef>
           <a:fontRef idx="minor"/>
         </p:style>
+        <p:txBody>
+          <a:bodyPr/>
+          <a:lstStyle/>
+          <a:p>
+            <a:endParaRPr lang="en-US"/>
+          </a:p>
+        </p:txBody>
       </p:sp>
       <p:sp>
         <p:nvSpPr>
@@ -18916,6 +19350,13 @@
           </a:effectRef>
           <a:fontRef idx="minor"/>
         </p:style>
+        <p:txBody>
+          <a:bodyPr/>
+          <a:lstStyle/>
+          <a:p>
+            <a:endParaRPr lang="en-US"/>
+          </a:p>
+        </p:txBody>
       </p:sp>
       <p:sp>
         <p:nvSpPr>
@@ -18952,6 +19393,13 @@
           </a:effectRef>
           <a:fontRef idx="minor"/>
         </p:style>
+        <p:txBody>
+          <a:bodyPr/>
+          <a:lstStyle/>
+          <a:p>
+            <a:endParaRPr lang="en-US"/>
+          </a:p>
+        </p:txBody>
       </p:sp>
       <p:sp>
         <p:nvSpPr>
@@ -19476,6 +19924,13 @@
           </a:effectRef>
           <a:fontRef idx="minor"/>
         </p:style>
+        <p:txBody>
+          <a:bodyPr/>
+          <a:lstStyle/>
+          <a:p>
+            <a:endParaRPr lang="en-US"/>
+          </a:p>
+        </p:txBody>
       </p:sp>
       <p:sp>
         <p:nvSpPr>
@@ -19516,6 +19971,13 @@
           </a:effectRef>
           <a:fontRef idx="minor"/>
         </p:style>
+        <p:txBody>
+          <a:bodyPr/>
+          <a:lstStyle/>
+          <a:p>
+            <a:endParaRPr lang="en-US"/>
+          </a:p>
+        </p:txBody>
       </p:sp>
       <p:sp>
         <p:nvSpPr>
@@ -19626,6 +20088,13 @@
           </a:effectRef>
           <a:fontRef idx="minor"/>
         </p:style>
+        <p:txBody>
+          <a:bodyPr/>
+          <a:lstStyle/>
+          <a:p>
+            <a:endParaRPr lang="en-US"/>
+          </a:p>
+        </p:txBody>
       </p:sp>
       <p:sp>
         <p:nvSpPr>
@@ -19665,6 +20134,13 @@
           </a:effectRef>
           <a:fontRef idx="minor"/>
         </p:style>
+        <p:txBody>
+          <a:bodyPr/>
+          <a:lstStyle/>
+          <a:p>
+            <a:endParaRPr lang="en-US"/>
+          </a:p>
+        </p:txBody>
       </p:sp>
       <p:sp>
         <p:nvSpPr>
@@ -19853,6 +20329,13 @@
           </a:effectRef>
           <a:fontRef idx="minor"/>
         </p:style>
+        <p:txBody>
+          <a:bodyPr/>
+          <a:lstStyle/>
+          <a:p>
+            <a:endParaRPr lang="en-US"/>
+          </a:p>
+        </p:txBody>
       </p:sp>
       <p:sp>
         <p:nvSpPr>
@@ -19972,6 +20455,13 @@
           </a:effectRef>
           <a:fontRef idx="minor"/>
         </p:style>
+        <p:txBody>
+          <a:bodyPr/>
+          <a:lstStyle/>
+          <a:p>
+            <a:endParaRPr lang="en-US"/>
+          </a:p>
+        </p:txBody>
       </p:sp>
       <p:sp>
         <p:nvSpPr>
@@ -20083,6 +20573,13 @@
           </a:effectRef>
           <a:fontRef idx="minor"/>
         </p:style>
+        <p:txBody>
+          <a:bodyPr/>
+          <a:lstStyle/>
+          <a:p>
+            <a:endParaRPr lang="en-US"/>
+          </a:p>
+        </p:txBody>
       </p:sp>
       <p:sp>
         <p:nvSpPr>
@@ -20117,6 +20614,13 @@
           </a:effectRef>
           <a:fontRef idx="minor"/>
         </p:style>
+        <p:txBody>
+          <a:bodyPr/>
+          <a:lstStyle/>
+          <a:p>
+            <a:endParaRPr lang="en-US"/>
+          </a:p>
+        </p:txBody>
       </p:sp>
       <p:sp>
         <p:nvSpPr>
@@ -21424,6 +21928,13 @@
           </a:effectRef>
           <a:fontRef idx="minor"/>
         </p:style>
+        <p:txBody>
+          <a:bodyPr/>
+          <a:lstStyle/>
+          <a:p>
+            <a:endParaRPr lang="en-US"/>
+          </a:p>
+        </p:txBody>
       </p:sp>
       <p:sp>
         <p:nvSpPr>
@@ -21459,6 +21970,13 @@
           </a:effectRef>
           <a:fontRef idx="minor"/>
         </p:style>
+        <p:txBody>
+          <a:bodyPr/>
+          <a:lstStyle/>
+          <a:p>
+            <a:endParaRPr lang="en-US"/>
+          </a:p>
+        </p:txBody>
       </p:sp>
       <p:sp>
         <p:nvSpPr>
@@ -21495,6 +22013,13 @@
           </a:effectRef>
           <a:fontRef idx="minor"/>
         </p:style>
+        <p:txBody>
+          <a:bodyPr/>
+          <a:lstStyle/>
+          <a:p>
+            <a:endParaRPr lang="en-US"/>
+          </a:p>
+        </p:txBody>
       </p:sp>
       <p:sp>
         <p:nvSpPr>
@@ -21530,6 +22055,13 @@
           </a:effectRef>
           <a:fontRef idx="minor"/>
         </p:style>
+        <p:txBody>
+          <a:bodyPr/>
+          <a:lstStyle/>
+          <a:p>
+            <a:endParaRPr lang="en-US"/>
+          </a:p>
+        </p:txBody>
       </p:sp>
       <p:sp>
         <p:nvSpPr>
@@ -21566,6 +22098,13 @@
           </a:effectRef>
           <a:fontRef idx="minor"/>
         </p:style>
+        <p:txBody>
+          <a:bodyPr/>
+          <a:lstStyle/>
+          <a:p>
+            <a:endParaRPr lang="en-US"/>
+          </a:p>
+        </p:txBody>
       </p:sp>
       <p:sp>
         <p:nvSpPr>
@@ -21680,6 +22219,13 @@
           </a:effectRef>
           <a:fontRef idx="minor"/>
         </p:style>
+        <p:txBody>
+          <a:bodyPr/>
+          <a:lstStyle/>
+          <a:p>
+            <a:endParaRPr lang="en-US"/>
+          </a:p>
+        </p:txBody>
       </p:sp>
       <p:sp>
         <p:nvSpPr>
@@ -21800,6 +22346,13 @@
           </a:effectRef>
           <a:fontRef idx="minor"/>
         </p:style>
+        <p:txBody>
+          <a:bodyPr/>
+          <a:lstStyle/>
+          <a:p>
+            <a:endParaRPr lang="en-US"/>
+          </a:p>
+        </p:txBody>
       </p:sp>
       <p:sp>
         <p:nvSpPr>
@@ -22665,6 +23218,13 @@
           </a:effectRef>
           <a:fontRef idx="minor"/>
         </p:style>
+        <p:txBody>
+          <a:bodyPr/>
+          <a:lstStyle/>
+          <a:p>
+            <a:endParaRPr lang="en-US"/>
+          </a:p>
+        </p:txBody>
       </p:sp>
       <p:sp>
         <p:nvSpPr>
@@ -25045,6 +25605,13 @@
           </a:effectRef>
           <a:fontRef idx="minor"/>
         </p:style>
+        <p:txBody>
+          <a:bodyPr/>
+          <a:lstStyle/>
+          <a:p>
+            <a:endParaRPr lang="en-US"/>
+          </a:p>
+        </p:txBody>
       </p:sp>
       <p:sp>
         <p:nvSpPr>
@@ -25077,6 +25644,13 @@
           </a:effectRef>
           <a:fontRef idx="minor"/>
         </p:style>
+        <p:txBody>
+          <a:bodyPr/>
+          <a:lstStyle/>
+          <a:p>
+            <a:endParaRPr lang="en-US"/>
+          </a:p>
+        </p:txBody>
       </p:sp>
       <p:pic>
         <p:nvPicPr>
@@ -27758,6 +28332,13 @@
           </a:effectRef>
           <a:fontRef idx="minor"/>
         </p:style>
+        <p:txBody>
+          <a:bodyPr/>
+          <a:lstStyle/>
+          <a:p>
+            <a:endParaRPr lang="en-US"/>
+          </a:p>
+        </p:txBody>
       </p:sp>
       <p:pic>
         <p:nvPicPr>
@@ -28703,6 +29284,13 @@
           </a:effectRef>
           <a:fontRef idx="minor"/>
         </p:style>
+        <p:txBody>
+          <a:bodyPr/>
+          <a:lstStyle/>
+          <a:p>
+            <a:endParaRPr lang="en-US"/>
+          </a:p>
+        </p:txBody>
       </p:sp>
       <p:pic>
         <p:nvPicPr>
@@ -28815,6 +29403,13 @@
           </a:effectRef>
           <a:fontRef idx="minor"/>
         </p:style>
+        <p:txBody>
+          <a:bodyPr/>
+          <a:lstStyle/>
+          <a:p>
+            <a:endParaRPr lang="en-US"/>
+          </a:p>
+        </p:txBody>
       </p:sp>
       <p:pic>
         <p:nvPicPr>
@@ -28879,6 +29474,13 @@
           </a:effectRef>
           <a:fontRef idx="minor"/>
         </p:style>
+        <p:txBody>
+          <a:bodyPr/>
+          <a:lstStyle/>
+          <a:p>
+            <a:endParaRPr lang="en-US"/>
+          </a:p>
+        </p:txBody>
       </p:sp>
       <p:sp>
         <p:nvSpPr>
@@ -28918,6 +29520,13 @@
           </a:effectRef>
           <a:fontRef idx="minor"/>
         </p:style>
+        <p:txBody>
+          <a:bodyPr/>
+          <a:lstStyle/>
+          <a:p>
+            <a:endParaRPr lang="en-US"/>
+          </a:p>
+        </p:txBody>
       </p:sp>
       <p:sp>
         <p:nvSpPr>
@@ -28959,6 +29568,13 @@
           </a:effectRef>
           <a:fontRef idx="minor"/>
         </p:style>
+        <p:txBody>
+          <a:bodyPr/>
+          <a:lstStyle/>
+          <a:p>
+            <a:endParaRPr lang="en-US"/>
+          </a:p>
+        </p:txBody>
       </p:sp>
       <p:sp>
         <p:nvSpPr>
@@ -28998,6 +29614,13 @@
           </a:effectRef>
           <a:fontRef idx="minor"/>
         </p:style>
+        <p:txBody>
+          <a:bodyPr/>
+          <a:lstStyle/>
+          <a:p>
+            <a:endParaRPr lang="en-US"/>
+          </a:p>
+        </p:txBody>
       </p:sp>
       <p:sp>
         <p:nvSpPr>
@@ -29039,6 +29662,13 @@
           </a:effectRef>
           <a:fontRef idx="minor"/>
         </p:style>
+        <p:txBody>
+          <a:bodyPr/>
+          <a:lstStyle/>
+          <a:p>
+            <a:endParaRPr lang="en-US"/>
+          </a:p>
+        </p:txBody>
       </p:sp>
       <p:sp>
         <p:nvSpPr>
@@ -29078,6 +29708,13 @@
           </a:effectRef>
           <a:fontRef idx="minor"/>
         </p:style>
+        <p:txBody>
+          <a:bodyPr/>
+          <a:lstStyle/>
+          <a:p>
+            <a:endParaRPr lang="en-US"/>
+          </a:p>
+        </p:txBody>
       </p:sp>
       <p:sp>
         <p:nvSpPr>
@@ -29115,6 +29752,13 @@
           </a:effectRef>
           <a:fontRef idx="minor"/>
         </p:style>
+        <p:txBody>
+          <a:bodyPr/>
+          <a:lstStyle/>
+          <a:p>
+            <a:endParaRPr lang="en-US"/>
+          </a:p>
+        </p:txBody>
       </p:sp>
       <p:sp>
         <p:nvSpPr>
@@ -29247,6 +29891,13 @@
           </a:effectRef>
           <a:fontRef idx="minor"/>
         </p:style>
+        <p:txBody>
+          <a:bodyPr/>
+          <a:lstStyle/>
+          <a:p>
+            <a:endParaRPr lang="en-US"/>
+          </a:p>
+        </p:txBody>
       </p:sp>
     </p:spTree>
     <p:extLst>
@@ -29336,6 +29987,13 @@
           </a:effectRef>
           <a:fontRef idx="minor"/>
         </p:style>
+        <p:txBody>
+          <a:bodyPr/>
+          <a:lstStyle/>
+          <a:p>
+            <a:endParaRPr lang="en-US"/>
+          </a:p>
+        </p:txBody>
       </p:sp>
       <p:sp>
         <p:nvSpPr>
@@ -29377,6 +30035,13 @@
           </a:effectRef>
           <a:fontRef idx="minor"/>
         </p:style>
+        <p:txBody>
+          <a:bodyPr/>
+          <a:lstStyle/>
+          <a:p>
+            <a:endParaRPr lang="en-US"/>
+          </a:p>
+        </p:txBody>
       </p:sp>
       <p:sp>
         <p:nvSpPr>
@@ -29416,6 +30081,13 @@
           </a:effectRef>
           <a:fontRef idx="minor"/>
         </p:style>
+        <p:txBody>
+          <a:bodyPr/>
+          <a:lstStyle/>
+          <a:p>
+            <a:endParaRPr lang="en-US"/>
+          </a:p>
+        </p:txBody>
       </p:sp>
       <p:sp>
         <p:nvSpPr>
@@ -29451,6 +30123,13 @@
           </a:effectRef>
           <a:fontRef idx="minor"/>
         </p:style>
+        <p:txBody>
+          <a:bodyPr/>
+          <a:lstStyle/>
+          <a:p>
+            <a:endParaRPr lang="en-US"/>
+          </a:p>
+        </p:txBody>
       </p:sp>
       <p:sp>
         <p:nvSpPr>
@@ -29485,6 +30164,13 @@
           </a:effectRef>
           <a:fontRef idx="minor"/>
         </p:style>
+        <p:txBody>
+          <a:bodyPr/>
+          <a:lstStyle/>
+          <a:p>
+            <a:endParaRPr lang="en-US"/>
+          </a:p>
+        </p:txBody>
       </p:sp>
       <p:sp>
         <p:nvSpPr>
@@ -29735,6 +30421,13 @@
           </a:effectRef>
           <a:fontRef idx="minor"/>
         </p:style>
+        <p:txBody>
+          <a:bodyPr/>
+          <a:lstStyle/>
+          <a:p>
+            <a:endParaRPr lang="en-US"/>
+          </a:p>
+        </p:txBody>
       </p:sp>
     </p:spTree>
     <p:extLst>
